--- a/RRHH/Data_Storytelling.pptx
+++ b/RRHH/Data_Storytelling.pptx
@@ -7,6 +7,9 @@
   <p:sldIdLst>
     <p:sldId id="256" r:id="rId2"/>
     <p:sldId id="257" r:id="rId3"/>
+    <p:sldId id="258" r:id="rId4"/>
+    <p:sldId id="259" r:id="rId5"/>
+    <p:sldId id="260" r:id="rId6"/>
   </p:sldIdLst>
   <p:sldSz cx="12192000" cy="6858000"/>
   <p:notesSz cx="6858000" cy="9144000"/>
@@ -3971,35 +3974,319 @@
           </a:p>
         </p:txBody>
       </p:sp>
-      <p:sp>
-        <p:nvSpPr>
-          <p:cNvPr id="3" name="Marcador de contenido 2">
-            <a:extLst>
-              <a:ext uri="{FF2B5EF4-FFF2-40B4-BE49-F238E27FC236}">
-                <a16:creationId xmlns:a16="http://schemas.microsoft.com/office/drawing/2014/main" id="{290F3FC7-E660-2507-9734-F6B918B6A790}"/>
-              </a:ext>
-            </a:extLst>
-          </p:cNvPr>
-          <p:cNvSpPr>
-            <a:spLocks noGrp="1"/>
-          </p:cNvSpPr>
-          <p:nvPr>
-            <p:ph idx="1"/>
-          </p:nvPr>
-        </p:nvSpPr>
-        <p:spPr/>
-        <p:txBody>
-          <a:bodyPr/>
-          <a:lstStyle/>
-          <a:p>
-            <a:endParaRPr lang="es-ES"/>
-          </a:p>
-        </p:txBody>
-      </p:sp>
+      <p:pic>
+        <p:nvPicPr>
+          <p:cNvPr id="5" name="Imagen 4">
+            <a:extLst>
+              <a:ext uri="{FF2B5EF4-FFF2-40B4-BE49-F238E27FC236}">
+                <a16:creationId xmlns:a16="http://schemas.microsoft.com/office/drawing/2014/main" id="{F409AA67-6AC4-1AED-0B6A-F62093642FFF}"/>
+              </a:ext>
+            </a:extLst>
+          </p:cNvPr>
+          <p:cNvPicPr>
+            <a:picLocks noChangeAspect="1"/>
+          </p:cNvPicPr>
+          <p:nvPr/>
+        </p:nvPicPr>
+        <p:blipFill>
+          <a:blip r:embed="rId2"/>
+          <a:stretch>
+            <a:fillRect/>
+          </a:stretch>
+        </p:blipFill>
+        <p:spPr>
+          <a:xfrm>
+            <a:off x="2448231" y="1437443"/>
+            <a:ext cx="6626944" cy="5025334"/>
+          </a:xfrm>
+          <a:prstGeom prst="rect">
+            <a:avLst/>
+          </a:prstGeom>
+        </p:spPr>
+      </p:pic>
     </p:spTree>
     <p:extLst>
       <p:ext uri="{BB962C8B-B14F-4D97-AF65-F5344CB8AC3E}">
         <p14:creationId xmlns:p14="http://schemas.microsoft.com/office/powerpoint/2010/main" val="1164861908"/>
+      </p:ext>
+    </p:extLst>
+  </p:cSld>
+  <p:clrMapOvr>
+    <a:masterClrMapping/>
+  </p:clrMapOvr>
+</p:sld>
+</file>
+
+<file path=ppt/slides/slide3.xml><?xml version="1.0" encoding="utf-8"?>
+<p:sld xmlns:a="http://schemas.openxmlformats.org/drawingml/2006/main" xmlns:r="http://schemas.openxmlformats.org/officeDocument/2006/relationships" xmlns:p="http://schemas.openxmlformats.org/presentationml/2006/main">
+  <p:cSld>
+    <p:spTree>
+      <p:nvGrpSpPr>
+        <p:cNvPr id="1" name=""/>
+        <p:cNvGrpSpPr/>
+        <p:nvPr/>
+      </p:nvGrpSpPr>
+      <p:grpSpPr>
+        <a:xfrm>
+          <a:off x="0" y="0"/>
+          <a:ext cx="0" cy="0"/>
+          <a:chOff x="0" y="0"/>
+          <a:chExt cx="0" cy="0"/>
+        </a:xfrm>
+      </p:grpSpPr>
+      <p:sp>
+        <p:nvSpPr>
+          <p:cNvPr id="2" name="Título 1">
+            <a:extLst>
+              <a:ext uri="{FF2B5EF4-FFF2-40B4-BE49-F238E27FC236}">
+                <a16:creationId xmlns:a16="http://schemas.microsoft.com/office/drawing/2014/main" id="{DD537FB0-D919-ED54-68E7-26AEF1E8D17A}"/>
+              </a:ext>
+            </a:extLst>
+          </p:cNvPr>
+          <p:cNvSpPr>
+            <a:spLocks noGrp="1"/>
+          </p:cNvSpPr>
+          <p:nvPr>
+            <p:ph type="title"/>
+          </p:nvPr>
+        </p:nvSpPr>
+        <p:spPr/>
+        <p:txBody>
+          <a:bodyPr/>
+          <a:lstStyle/>
+          <a:p>
+            <a:r>
+              <a:rPr lang="es-ES" dirty="0"/>
+              <a:t>Contexto</a:t>
+            </a:r>
+          </a:p>
+        </p:txBody>
+      </p:sp>
+      <p:pic>
+        <p:nvPicPr>
+          <p:cNvPr id="5" name="Imagen 4">
+            <a:extLst>
+              <a:ext uri="{FF2B5EF4-FFF2-40B4-BE49-F238E27FC236}">
+                <a16:creationId xmlns:a16="http://schemas.microsoft.com/office/drawing/2014/main" id="{F409AA67-6AC4-1AED-0B6A-F62093642FFF}"/>
+              </a:ext>
+            </a:extLst>
+          </p:cNvPr>
+          <p:cNvPicPr>
+            <a:picLocks noChangeAspect="1"/>
+          </p:cNvPicPr>
+          <p:nvPr/>
+        </p:nvPicPr>
+        <p:blipFill>
+          <a:blip r:embed="rId2">
+            <a:extLst>
+              <a:ext uri="{28A0092B-C50C-407E-A947-70E740481C1C}">
+                <a14:useLocalDpi xmlns:a14="http://schemas.microsoft.com/office/drawing/2010/main" val="0"/>
+              </a:ext>
+            </a:extLst>
+          </a:blip>
+          <a:srcRect/>
+          <a:stretch/>
+        </p:blipFill>
+        <p:spPr>
+          <a:xfrm>
+            <a:off x="2448231" y="1482145"/>
+            <a:ext cx="6626944" cy="4935930"/>
+          </a:xfrm>
+          <a:prstGeom prst="rect">
+            <a:avLst/>
+          </a:prstGeom>
+        </p:spPr>
+      </p:pic>
+    </p:spTree>
+    <p:extLst>
+      <p:ext uri="{BB962C8B-B14F-4D97-AF65-F5344CB8AC3E}">
+        <p14:creationId xmlns:p14="http://schemas.microsoft.com/office/powerpoint/2010/main" val="94376298"/>
+      </p:ext>
+    </p:extLst>
+  </p:cSld>
+  <p:clrMapOvr>
+    <a:masterClrMapping/>
+  </p:clrMapOvr>
+</p:sld>
+</file>
+
+<file path=ppt/slides/slide4.xml><?xml version="1.0" encoding="utf-8"?>
+<p:sld xmlns:a="http://schemas.openxmlformats.org/drawingml/2006/main" xmlns:r="http://schemas.openxmlformats.org/officeDocument/2006/relationships" xmlns:p="http://schemas.openxmlformats.org/presentationml/2006/main">
+  <p:cSld>
+    <p:spTree>
+      <p:nvGrpSpPr>
+        <p:cNvPr id="1" name=""/>
+        <p:cNvGrpSpPr/>
+        <p:nvPr/>
+      </p:nvGrpSpPr>
+      <p:grpSpPr>
+        <a:xfrm>
+          <a:off x="0" y="0"/>
+          <a:ext cx="0" cy="0"/>
+          <a:chOff x="0" y="0"/>
+          <a:chExt cx="0" cy="0"/>
+        </a:xfrm>
+      </p:grpSpPr>
+      <p:sp>
+        <p:nvSpPr>
+          <p:cNvPr id="2" name="Título 1">
+            <a:extLst>
+              <a:ext uri="{FF2B5EF4-FFF2-40B4-BE49-F238E27FC236}">
+                <a16:creationId xmlns:a16="http://schemas.microsoft.com/office/drawing/2014/main" id="{DD537FB0-D919-ED54-68E7-26AEF1E8D17A}"/>
+              </a:ext>
+            </a:extLst>
+          </p:cNvPr>
+          <p:cNvSpPr>
+            <a:spLocks noGrp="1"/>
+          </p:cNvSpPr>
+          <p:nvPr>
+            <p:ph type="title"/>
+          </p:nvPr>
+        </p:nvSpPr>
+        <p:spPr/>
+        <p:txBody>
+          <a:bodyPr/>
+          <a:lstStyle/>
+          <a:p>
+            <a:r>
+              <a:rPr lang="es-ES" dirty="0"/>
+              <a:t>Contexto</a:t>
+            </a:r>
+          </a:p>
+        </p:txBody>
+      </p:sp>
+      <p:pic>
+        <p:nvPicPr>
+          <p:cNvPr id="5" name="Imagen 4">
+            <a:extLst>
+              <a:ext uri="{FF2B5EF4-FFF2-40B4-BE49-F238E27FC236}">
+                <a16:creationId xmlns:a16="http://schemas.microsoft.com/office/drawing/2014/main" id="{F409AA67-6AC4-1AED-0B6A-F62093642FFF}"/>
+              </a:ext>
+            </a:extLst>
+          </p:cNvPr>
+          <p:cNvPicPr>
+            <a:picLocks noChangeAspect="1"/>
+          </p:cNvPicPr>
+          <p:nvPr/>
+        </p:nvPicPr>
+        <p:blipFill>
+          <a:blip r:embed="rId2">
+            <a:extLst>
+              <a:ext uri="{28A0092B-C50C-407E-A947-70E740481C1C}">
+                <a14:useLocalDpi xmlns:a14="http://schemas.microsoft.com/office/drawing/2010/main" val="0"/>
+              </a:ext>
+            </a:extLst>
+          </a:blip>
+          <a:srcRect/>
+          <a:stretch/>
+        </p:blipFill>
+        <p:spPr>
+          <a:xfrm>
+            <a:off x="2934953" y="1437443"/>
+            <a:ext cx="5653500" cy="5025334"/>
+          </a:xfrm>
+          <a:prstGeom prst="rect">
+            <a:avLst/>
+          </a:prstGeom>
+        </p:spPr>
+      </p:pic>
+    </p:spTree>
+    <p:extLst>
+      <p:ext uri="{BB962C8B-B14F-4D97-AF65-F5344CB8AC3E}">
+        <p14:creationId xmlns:p14="http://schemas.microsoft.com/office/powerpoint/2010/main" val="1168923816"/>
+      </p:ext>
+    </p:extLst>
+  </p:cSld>
+  <p:clrMapOvr>
+    <a:masterClrMapping/>
+  </p:clrMapOvr>
+</p:sld>
+</file>
+
+<file path=ppt/slides/slide5.xml><?xml version="1.0" encoding="utf-8"?>
+<p:sld xmlns:a="http://schemas.openxmlformats.org/drawingml/2006/main" xmlns:r="http://schemas.openxmlformats.org/officeDocument/2006/relationships" xmlns:p="http://schemas.openxmlformats.org/presentationml/2006/main">
+  <p:cSld>
+    <p:spTree>
+      <p:nvGrpSpPr>
+        <p:cNvPr id="1" name=""/>
+        <p:cNvGrpSpPr/>
+        <p:nvPr/>
+      </p:nvGrpSpPr>
+      <p:grpSpPr>
+        <a:xfrm>
+          <a:off x="0" y="0"/>
+          <a:ext cx="0" cy="0"/>
+          <a:chOff x="0" y="0"/>
+          <a:chExt cx="0" cy="0"/>
+        </a:xfrm>
+      </p:grpSpPr>
+      <p:sp>
+        <p:nvSpPr>
+          <p:cNvPr id="2" name="Título 1">
+            <a:extLst>
+              <a:ext uri="{FF2B5EF4-FFF2-40B4-BE49-F238E27FC236}">
+                <a16:creationId xmlns:a16="http://schemas.microsoft.com/office/drawing/2014/main" id="{DD537FB0-D919-ED54-68E7-26AEF1E8D17A}"/>
+              </a:ext>
+            </a:extLst>
+          </p:cNvPr>
+          <p:cNvSpPr>
+            <a:spLocks noGrp="1"/>
+          </p:cNvSpPr>
+          <p:nvPr>
+            <p:ph type="title"/>
+          </p:nvPr>
+        </p:nvSpPr>
+        <p:spPr/>
+        <p:txBody>
+          <a:bodyPr/>
+          <a:lstStyle/>
+          <a:p>
+            <a:r>
+              <a:rPr lang="es-ES" dirty="0"/>
+              <a:t>Contexto</a:t>
+            </a:r>
+          </a:p>
+        </p:txBody>
+      </p:sp>
+      <p:pic>
+        <p:nvPicPr>
+          <p:cNvPr id="5" name="Imagen 4">
+            <a:extLst>
+              <a:ext uri="{FF2B5EF4-FFF2-40B4-BE49-F238E27FC236}">
+                <a16:creationId xmlns:a16="http://schemas.microsoft.com/office/drawing/2014/main" id="{F409AA67-6AC4-1AED-0B6A-F62093642FFF}"/>
+              </a:ext>
+            </a:extLst>
+          </p:cNvPr>
+          <p:cNvPicPr>
+            <a:picLocks noChangeAspect="1"/>
+          </p:cNvPicPr>
+          <p:nvPr/>
+        </p:nvPicPr>
+        <p:blipFill>
+          <a:blip r:embed="rId2">
+            <a:extLst>
+              <a:ext uri="{28A0092B-C50C-407E-A947-70E740481C1C}">
+                <a14:useLocalDpi xmlns:a14="http://schemas.microsoft.com/office/drawing/2010/main" val="0"/>
+              </a:ext>
+            </a:extLst>
+          </a:blip>
+          <a:srcRect/>
+          <a:stretch/>
+        </p:blipFill>
+        <p:spPr>
+          <a:xfrm>
+            <a:off x="2762372" y="1437443"/>
+            <a:ext cx="5998661" cy="5025334"/>
+          </a:xfrm>
+          <a:prstGeom prst="rect">
+            <a:avLst/>
+          </a:prstGeom>
+        </p:spPr>
+      </p:pic>
+    </p:spTree>
+    <p:extLst>
+      <p:ext uri="{BB962C8B-B14F-4D97-AF65-F5344CB8AC3E}">
+        <p14:creationId xmlns:p14="http://schemas.microsoft.com/office/powerpoint/2010/main" val="3585876011"/>
       </p:ext>
     </p:extLst>
   </p:cSld>

--- a/RRHH/Data_Storytelling.pptx
+++ b/RRHH/Data_Storytelling.pptx
@@ -4090,7 +4090,7 @@
         <p:spPr>
           <a:xfrm>
             <a:off x="2448231" y="1482145"/>
-            <a:ext cx="6626944" cy="4935930"/>
+            <a:ext cx="6626943" cy="4935930"/>
           </a:xfrm>
           <a:prstGeom prst="rect">
             <a:avLst/>

--- a/RRHH/Data_Storytelling.pptx
+++ b/RRHH/Data_Storytelling.pptx
@@ -8,8 +8,10 @@
     <p:sldId id="256" r:id="rId2"/>
     <p:sldId id="257" r:id="rId3"/>
     <p:sldId id="258" r:id="rId4"/>
-    <p:sldId id="259" r:id="rId5"/>
-    <p:sldId id="260" r:id="rId6"/>
+    <p:sldId id="262" r:id="rId5"/>
+    <p:sldId id="259" r:id="rId6"/>
+    <p:sldId id="260" r:id="rId7"/>
+    <p:sldId id="261" r:id="rId8"/>
   </p:sldIdLst>
   <p:sldSz cx="12192000" cy="6858000"/>
   <p:notesSz cx="6858000" cy="9144000"/>
@@ -448,7 +450,7 @@
           <a:p>
             <a:fld id="{C7DC7EB3-C32B-4517-ACA9-39F87FBDDF6C}" type="datetimeFigureOut">
               <a:rPr lang="es-ES" smtClean="0"/>
-              <a:t>29/04/2024</a:t>
+              <a:t>30/04/2024</a:t>
             </a:fld>
             <a:endParaRPr lang="es-ES"/>
           </a:p>
@@ -646,7 +648,7 @@
           <a:p>
             <a:fld id="{C7DC7EB3-C32B-4517-ACA9-39F87FBDDF6C}" type="datetimeFigureOut">
               <a:rPr lang="es-ES" smtClean="0"/>
-              <a:t>29/04/2024</a:t>
+              <a:t>30/04/2024</a:t>
             </a:fld>
             <a:endParaRPr lang="es-ES"/>
           </a:p>
@@ -854,7 +856,7 @@
           <a:p>
             <a:fld id="{C7DC7EB3-C32B-4517-ACA9-39F87FBDDF6C}" type="datetimeFigureOut">
               <a:rPr lang="es-ES" smtClean="0"/>
-              <a:t>29/04/2024</a:t>
+              <a:t>30/04/2024</a:t>
             </a:fld>
             <a:endParaRPr lang="es-ES"/>
           </a:p>
@@ -1096,7 +1098,7 @@
           <a:p>
             <a:fld id="{C7DC7EB3-C32B-4517-ACA9-39F87FBDDF6C}" type="datetimeFigureOut">
               <a:rPr lang="es-ES" smtClean="0"/>
-              <a:t>29/04/2024</a:t>
+              <a:t>30/04/2024</a:t>
             </a:fld>
             <a:endParaRPr lang="es-ES"/>
           </a:p>
@@ -1478,7 +1480,7 @@
           <a:p>
             <a:fld id="{C7DC7EB3-C32B-4517-ACA9-39F87FBDDF6C}" type="datetimeFigureOut">
               <a:rPr lang="es-ES" smtClean="0"/>
-              <a:t>29/04/2024</a:t>
+              <a:t>30/04/2024</a:t>
             </a:fld>
             <a:endParaRPr lang="es-ES"/>
           </a:p>
@@ -1920,7 +1922,7 @@
           <a:p>
             <a:fld id="{C7DC7EB3-C32B-4517-ACA9-39F87FBDDF6C}" type="datetimeFigureOut">
               <a:rPr lang="es-ES" smtClean="0"/>
-              <a:t>29/04/2024</a:t>
+              <a:t>30/04/2024</a:t>
             </a:fld>
             <a:endParaRPr lang="es-ES"/>
           </a:p>
@@ -2332,7 +2334,7 @@
           <a:p>
             <a:fld id="{C7DC7EB3-C32B-4517-ACA9-39F87FBDDF6C}" type="datetimeFigureOut">
               <a:rPr lang="es-ES" smtClean="0"/>
-              <a:t>29/04/2024</a:t>
+              <a:t>30/04/2024</a:t>
             </a:fld>
             <a:endParaRPr lang="es-ES"/>
           </a:p>
@@ -2473,7 +2475,7 @@
           <a:p>
             <a:fld id="{C7DC7EB3-C32B-4517-ACA9-39F87FBDDF6C}" type="datetimeFigureOut">
               <a:rPr lang="es-ES" smtClean="0"/>
-              <a:t>29/04/2024</a:t>
+              <a:t>30/04/2024</a:t>
             </a:fld>
             <a:endParaRPr lang="es-ES"/>
           </a:p>
@@ -2586,7 +2588,7 @@
           <a:p>
             <a:fld id="{C7DC7EB3-C32B-4517-ACA9-39F87FBDDF6C}" type="datetimeFigureOut">
               <a:rPr lang="es-ES" smtClean="0"/>
-              <a:t>29/04/2024</a:t>
+              <a:t>30/04/2024</a:t>
             </a:fld>
             <a:endParaRPr lang="es-ES"/>
           </a:p>
@@ -2897,7 +2899,7 @@
           <a:p>
             <a:fld id="{C7DC7EB3-C32B-4517-ACA9-39F87FBDDF6C}" type="datetimeFigureOut">
               <a:rPr lang="es-ES" smtClean="0"/>
-              <a:t>29/04/2024</a:t>
+              <a:t>30/04/2024</a:t>
             </a:fld>
             <a:endParaRPr lang="es-ES"/>
           </a:p>
@@ -3185,7 +3187,7 @@
           <a:p>
             <a:fld id="{C7DC7EB3-C32B-4517-ACA9-39F87FBDDF6C}" type="datetimeFigureOut">
               <a:rPr lang="es-ES" smtClean="0"/>
-              <a:t>29/04/2024</a:t>
+              <a:t>30/04/2024</a:t>
             </a:fld>
             <a:endParaRPr lang="es-ES"/>
           </a:p>
@@ -3426,7 +3428,7 @@
           <a:p>
             <a:fld id="{C7DC7EB3-C32B-4517-ACA9-39F87FBDDF6C}" type="datetimeFigureOut">
               <a:rPr lang="es-ES" smtClean="0"/>
-              <a:t>29/04/2024</a:t>
+              <a:t>30/04/2024</a:t>
             </a:fld>
             <a:endParaRPr lang="es-ES"/>
           </a:p>
@@ -4132,6 +4134,86 @@
           <p:cNvPr id="2" name="Título 1">
             <a:extLst>
               <a:ext uri="{FF2B5EF4-FFF2-40B4-BE49-F238E27FC236}">
+                <a16:creationId xmlns:a16="http://schemas.microsoft.com/office/drawing/2014/main" id="{4C26C058-7950-8305-86AF-2C42B6C23AC2}"/>
+              </a:ext>
+            </a:extLst>
+          </p:cNvPr>
+          <p:cNvSpPr>
+            <a:spLocks noGrp="1"/>
+          </p:cNvSpPr>
+          <p:nvPr>
+            <p:ph type="title"/>
+          </p:nvPr>
+        </p:nvSpPr>
+        <p:spPr/>
+        <p:txBody>
+          <a:bodyPr/>
+          <a:lstStyle/>
+          <a:p>
+            <a:endParaRPr lang="es-ES"/>
+          </a:p>
+        </p:txBody>
+      </p:sp>
+      <p:sp>
+        <p:nvSpPr>
+          <p:cNvPr id="3" name="Marcador de texto 2">
+            <a:extLst>
+              <a:ext uri="{FF2B5EF4-FFF2-40B4-BE49-F238E27FC236}">
+                <a16:creationId xmlns:a16="http://schemas.microsoft.com/office/drawing/2014/main" id="{2255DB36-31CA-1206-3D80-DA1E5789EAAD}"/>
+              </a:ext>
+            </a:extLst>
+          </p:cNvPr>
+          <p:cNvSpPr>
+            <a:spLocks noGrp="1"/>
+          </p:cNvSpPr>
+          <p:nvPr>
+            <p:ph type="body" idx="1"/>
+          </p:nvPr>
+        </p:nvSpPr>
+        <p:spPr/>
+        <p:txBody>
+          <a:bodyPr/>
+          <a:lstStyle/>
+          <a:p>
+            <a:endParaRPr lang="es-ES"/>
+          </a:p>
+        </p:txBody>
+      </p:sp>
+    </p:spTree>
+    <p:extLst>
+      <p:ext uri="{BB962C8B-B14F-4D97-AF65-F5344CB8AC3E}">
+        <p14:creationId xmlns:p14="http://schemas.microsoft.com/office/powerpoint/2010/main" val="41165560"/>
+      </p:ext>
+    </p:extLst>
+  </p:cSld>
+  <p:clrMapOvr>
+    <a:masterClrMapping/>
+  </p:clrMapOvr>
+</p:sld>
+</file>
+
+<file path=ppt/slides/slide5.xml><?xml version="1.0" encoding="utf-8"?>
+<p:sld xmlns:a="http://schemas.openxmlformats.org/drawingml/2006/main" xmlns:r="http://schemas.openxmlformats.org/officeDocument/2006/relationships" xmlns:p="http://schemas.openxmlformats.org/presentationml/2006/main">
+  <p:cSld>
+    <p:spTree>
+      <p:nvGrpSpPr>
+        <p:cNvPr id="1" name=""/>
+        <p:cNvGrpSpPr/>
+        <p:nvPr/>
+      </p:nvGrpSpPr>
+      <p:grpSpPr>
+        <a:xfrm>
+          <a:off x="0" y="0"/>
+          <a:ext cx="0" cy="0"/>
+          <a:chOff x="0" y="0"/>
+          <a:chExt cx="0" cy="0"/>
+        </a:xfrm>
+      </p:grpSpPr>
+      <p:sp>
+        <p:nvSpPr>
+          <p:cNvPr id="2" name="Título 1">
+            <a:extLst>
+              <a:ext uri="{FF2B5EF4-FFF2-40B4-BE49-F238E27FC236}">
                 <a16:creationId xmlns:a16="http://schemas.microsoft.com/office/drawing/2014/main" id="{DD537FB0-D919-ED54-68E7-26AEF1E8D17A}"/>
               </a:ext>
             </a:extLst>
@@ -4203,7 +4285,7 @@
 </p:sld>
 </file>
 
-<file path=ppt/slides/slide5.xml><?xml version="1.0" encoding="utf-8"?>
+<file path=ppt/slides/slide6.xml><?xml version="1.0" encoding="utf-8"?>
 <p:sld xmlns:a="http://schemas.openxmlformats.org/drawingml/2006/main" xmlns:r="http://schemas.openxmlformats.org/officeDocument/2006/relationships" xmlns:p="http://schemas.openxmlformats.org/presentationml/2006/main">
   <p:cSld>
     <p:spTree>
@@ -4287,6 +4369,98 @@
     <p:extLst>
       <p:ext uri="{BB962C8B-B14F-4D97-AF65-F5344CB8AC3E}">
         <p14:creationId xmlns:p14="http://schemas.microsoft.com/office/powerpoint/2010/main" val="3585876011"/>
+      </p:ext>
+    </p:extLst>
+  </p:cSld>
+  <p:clrMapOvr>
+    <a:masterClrMapping/>
+  </p:clrMapOvr>
+</p:sld>
+</file>
+
+<file path=ppt/slides/slide7.xml><?xml version="1.0" encoding="utf-8"?>
+<p:sld xmlns:a="http://schemas.openxmlformats.org/drawingml/2006/main" xmlns:r="http://schemas.openxmlformats.org/officeDocument/2006/relationships" xmlns:p="http://schemas.openxmlformats.org/presentationml/2006/main">
+  <p:cSld>
+    <p:spTree>
+      <p:nvGrpSpPr>
+        <p:cNvPr id="1" name=""/>
+        <p:cNvGrpSpPr/>
+        <p:nvPr/>
+      </p:nvGrpSpPr>
+      <p:grpSpPr>
+        <a:xfrm>
+          <a:off x="0" y="0"/>
+          <a:ext cx="0" cy="0"/>
+          <a:chOff x="0" y="0"/>
+          <a:chExt cx="0" cy="0"/>
+        </a:xfrm>
+      </p:grpSpPr>
+      <p:sp>
+        <p:nvSpPr>
+          <p:cNvPr id="2" name="Título 1">
+            <a:extLst>
+              <a:ext uri="{FF2B5EF4-FFF2-40B4-BE49-F238E27FC236}">
+                <a16:creationId xmlns:a16="http://schemas.microsoft.com/office/drawing/2014/main" id="{D0EB3269-2D30-F046-350C-2454C3F093DE}"/>
+              </a:ext>
+            </a:extLst>
+          </p:cNvPr>
+          <p:cNvSpPr>
+            <a:spLocks noGrp="1"/>
+          </p:cNvSpPr>
+          <p:nvPr>
+            <p:ph type="title"/>
+          </p:nvPr>
+        </p:nvSpPr>
+        <p:spPr/>
+        <p:txBody>
+          <a:bodyPr/>
+          <a:lstStyle/>
+          <a:p>
+            <a:r>
+              <a:rPr lang="es-ES" dirty="0"/>
+              <a:t>Contexto</a:t>
+            </a:r>
+          </a:p>
+        </p:txBody>
+      </p:sp>
+      <p:sp>
+        <p:nvSpPr>
+          <p:cNvPr id="3" name="Marcador de contenido 2">
+            <a:extLst>
+              <a:ext uri="{FF2B5EF4-FFF2-40B4-BE49-F238E27FC236}">
+                <a16:creationId xmlns:a16="http://schemas.microsoft.com/office/drawing/2014/main" id="{54F9CD0A-8335-A373-8E42-786DDDFFF8D3}"/>
+              </a:ext>
+            </a:extLst>
+          </p:cNvPr>
+          <p:cNvSpPr>
+            <a:spLocks noGrp="1"/>
+          </p:cNvSpPr>
+          <p:nvPr>
+            <p:ph idx="1"/>
+          </p:nvPr>
+        </p:nvSpPr>
+        <p:spPr/>
+        <p:txBody>
+          <a:bodyPr/>
+          <a:lstStyle/>
+          <a:p>
+            <a:r>
+              <a:rPr lang="es-ES" dirty="0"/>
+              <a:t>El grado de satisfacción media de los empleados se encuentra en torno al 0,6.</a:t>
+            </a:r>
+          </a:p>
+          <a:p>
+            <a:r>
+              <a:rPr lang="es-ES" dirty="0"/>
+              <a:t>Sin embargo, desde la última evaluación la satisfacción ha bajado en promedio un 0,1. </a:t>
+            </a:r>
+          </a:p>
+        </p:txBody>
+      </p:sp>
+    </p:spTree>
+    <p:extLst>
+      <p:ext uri="{BB962C8B-B14F-4D97-AF65-F5344CB8AC3E}">
+        <p14:creationId xmlns:p14="http://schemas.microsoft.com/office/powerpoint/2010/main" val="2647031989"/>
       </p:ext>
     </p:extLst>
   </p:cSld>

--- a/RRHH/Data_Storytelling.pptx
+++ b/RRHH/Data_Storytelling.pptx
@@ -8,10 +8,8 @@
     <p:sldId id="256" r:id="rId2"/>
     <p:sldId id="257" r:id="rId3"/>
     <p:sldId id="258" r:id="rId4"/>
-    <p:sldId id="262" r:id="rId5"/>
-    <p:sldId id="259" r:id="rId6"/>
-    <p:sldId id="260" r:id="rId7"/>
-    <p:sldId id="261" r:id="rId8"/>
+    <p:sldId id="259" r:id="rId5"/>
+    <p:sldId id="260" r:id="rId6"/>
   </p:sldIdLst>
   <p:sldSz cx="12192000" cy="6858000"/>
   <p:notesSz cx="6858000" cy="9144000"/>
@@ -1766,7 +1764,14 @@
         <p:spPr/>
         <p:txBody>
           <a:bodyPr/>
-          <a:lstStyle/>
+          <a:lstStyle>
+            <a:lvl1pPr>
+              <a:defRPr>
+                <a:latin typeface="Roboto Slab" pitchFamily="2" charset="0"/>
+                <a:ea typeface="Roboto Slab" pitchFamily="2" charset="0"/>
+              </a:defRPr>
+            </a:lvl1pPr>
+          </a:lstStyle>
           <a:p>
             <a:r>
               <a:rPr lang="es-ES"/>
@@ -1799,7 +1804,38 @@
         </p:spPr>
         <p:txBody>
           <a:bodyPr/>
-          <a:lstStyle/>
+          <a:lstStyle>
+            <a:lvl1pPr>
+              <a:defRPr>
+                <a:latin typeface="Roboto Slab" pitchFamily="2" charset="0"/>
+                <a:ea typeface="Roboto Slab" pitchFamily="2" charset="0"/>
+              </a:defRPr>
+            </a:lvl1pPr>
+            <a:lvl2pPr>
+              <a:defRPr>
+                <a:latin typeface="Roboto Slab" pitchFamily="2" charset="0"/>
+                <a:ea typeface="Roboto Slab" pitchFamily="2" charset="0"/>
+              </a:defRPr>
+            </a:lvl2pPr>
+            <a:lvl3pPr>
+              <a:defRPr>
+                <a:latin typeface="Roboto Slab" pitchFamily="2" charset="0"/>
+                <a:ea typeface="Roboto Slab" pitchFamily="2" charset="0"/>
+              </a:defRPr>
+            </a:lvl3pPr>
+            <a:lvl4pPr>
+              <a:defRPr>
+                <a:latin typeface="Roboto Slab" pitchFamily="2" charset="0"/>
+                <a:ea typeface="Roboto Slab" pitchFamily="2" charset="0"/>
+              </a:defRPr>
+            </a:lvl4pPr>
+            <a:lvl5pPr>
+              <a:defRPr>
+                <a:latin typeface="Roboto Slab" pitchFamily="2" charset="0"/>
+                <a:ea typeface="Roboto Slab" pitchFamily="2" charset="0"/>
+              </a:defRPr>
+            </a:lvl5pPr>
+          </a:lstStyle>
           <a:p>
             <a:pPr lvl="0"/>
             <a:r>
@@ -1861,7 +1897,38 @@
         </p:spPr>
         <p:txBody>
           <a:bodyPr/>
-          <a:lstStyle/>
+          <a:lstStyle>
+            <a:lvl1pPr>
+              <a:defRPr>
+                <a:latin typeface="Roboto Slab" pitchFamily="2" charset="0"/>
+                <a:ea typeface="Roboto Slab" pitchFamily="2" charset="0"/>
+              </a:defRPr>
+            </a:lvl1pPr>
+            <a:lvl2pPr>
+              <a:defRPr>
+                <a:latin typeface="Roboto Slab" pitchFamily="2" charset="0"/>
+                <a:ea typeface="Roboto Slab" pitchFamily="2" charset="0"/>
+              </a:defRPr>
+            </a:lvl2pPr>
+            <a:lvl3pPr>
+              <a:defRPr>
+                <a:latin typeface="Roboto Slab" pitchFamily="2" charset="0"/>
+                <a:ea typeface="Roboto Slab" pitchFamily="2" charset="0"/>
+              </a:defRPr>
+            </a:lvl3pPr>
+            <a:lvl4pPr>
+              <a:defRPr>
+                <a:latin typeface="Roboto Slab" pitchFamily="2" charset="0"/>
+                <a:ea typeface="Roboto Slab" pitchFamily="2" charset="0"/>
+              </a:defRPr>
+            </a:lvl4pPr>
+            <a:lvl5pPr>
+              <a:defRPr>
+                <a:latin typeface="Roboto Slab" pitchFamily="2" charset="0"/>
+                <a:ea typeface="Roboto Slab" pitchFamily="2" charset="0"/>
+              </a:defRPr>
+            </a:lvl5pPr>
+          </a:lstStyle>
           <a:p>
             <a:pPr lvl="0"/>
             <a:r>
@@ -1978,6 +2045,110 @@
               <a:rPr lang="es-ES" smtClean="0"/>
               <a:t>‹Nº›</a:t>
             </a:fld>
+            <a:endParaRPr lang="es-ES"/>
+          </a:p>
+        </p:txBody>
+      </p:sp>
+      <p:sp>
+        <p:nvSpPr>
+          <p:cNvPr id="8" name="Triángulo rectángulo 7">
+            <a:extLst>
+              <a:ext uri="{FF2B5EF4-FFF2-40B4-BE49-F238E27FC236}">
+                <a16:creationId xmlns:a16="http://schemas.microsoft.com/office/drawing/2014/main" id="{FDDC807D-989B-B92A-199E-56D60326582B}"/>
+              </a:ext>
+            </a:extLst>
+          </p:cNvPr>
+          <p:cNvSpPr/>
+          <p:nvPr userDrawn="1"/>
+        </p:nvSpPr>
+        <p:spPr>
+          <a:xfrm>
+            <a:off x="0" y="4036291"/>
+            <a:ext cx="1911927" cy="2821709"/>
+          </a:xfrm>
+          <a:prstGeom prst="rtTriangle">
+            <a:avLst/>
+          </a:prstGeom>
+          <a:solidFill>
+            <a:srgbClr val="004AAD"/>
+          </a:solidFill>
+          <a:ln>
+            <a:noFill/>
+          </a:ln>
+        </p:spPr>
+        <p:style>
+          <a:lnRef idx="2">
+            <a:schemeClr val="accent1">
+              <a:shade val="15000"/>
+            </a:schemeClr>
+          </a:lnRef>
+          <a:fillRef idx="1">
+            <a:schemeClr val="accent1"/>
+          </a:fillRef>
+          <a:effectRef idx="0">
+            <a:schemeClr val="accent1"/>
+          </a:effectRef>
+          <a:fontRef idx="minor">
+            <a:schemeClr val="lt1"/>
+          </a:fontRef>
+        </p:style>
+        <p:txBody>
+          <a:bodyPr rtlCol="0" anchor="ctr"/>
+          <a:lstStyle/>
+          <a:p>
+            <a:pPr algn="ctr"/>
+            <a:endParaRPr lang="es-ES"/>
+          </a:p>
+        </p:txBody>
+      </p:sp>
+      <p:sp>
+        <p:nvSpPr>
+          <p:cNvPr id="9" name="Triángulo rectángulo 8">
+            <a:extLst>
+              <a:ext uri="{FF2B5EF4-FFF2-40B4-BE49-F238E27FC236}">
+                <a16:creationId xmlns:a16="http://schemas.microsoft.com/office/drawing/2014/main" id="{8B542C11-34CA-9B87-91B2-6056CC0DD649}"/>
+              </a:ext>
+            </a:extLst>
+          </p:cNvPr>
+          <p:cNvSpPr/>
+          <p:nvPr userDrawn="1"/>
+        </p:nvSpPr>
+        <p:spPr>
+          <a:xfrm flipH="1" flipV="1">
+            <a:off x="10714181" y="-1"/>
+            <a:ext cx="1477818" cy="2456873"/>
+          </a:xfrm>
+          <a:prstGeom prst="rtTriangle">
+            <a:avLst/>
+          </a:prstGeom>
+          <a:solidFill>
+            <a:srgbClr val="5BB7C3"/>
+          </a:solidFill>
+          <a:ln>
+            <a:noFill/>
+          </a:ln>
+        </p:spPr>
+        <p:style>
+          <a:lnRef idx="2">
+            <a:schemeClr val="accent1">
+              <a:shade val="15000"/>
+            </a:schemeClr>
+          </a:lnRef>
+          <a:fillRef idx="1">
+            <a:schemeClr val="accent1"/>
+          </a:fillRef>
+          <a:effectRef idx="0">
+            <a:schemeClr val="accent1"/>
+          </a:effectRef>
+          <a:fontRef idx="minor">
+            <a:schemeClr val="lt1"/>
+          </a:fontRef>
+        </p:style>
+        <p:txBody>
+          <a:bodyPr rtlCol="0" anchor="ctr"/>
+          <a:lstStyle/>
+          <a:p>
+            <a:pPr algn="ctr"/>
             <a:endParaRPr lang="es-ES"/>
           </a:p>
         </p:txBody>
@@ -2036,10 +2207,17 @@
         </p:spPr>
         <p:txBody>
           <a:bodyPr/>
-          <a:lstStyle/>
-          <a:p>
-            <a:r>
-              <a:rPr lang="es-ES"/>
+          <a:lstStyle>
+            <a:lvl1pPr>
+              <a:defRPr>
+                <a:latin typeface="Roboto Slab" pitchFamily="2" charset="0"/>
+                <a:ea typeface="Roboto Slab" pitchFamily="2" charset="0"/>
+              </a:defRPr>
+            </a:lvl1pPr>
+          </a:lstStyle>
+          <a:p>
+            <a:r>
+              <a:rPr lang="es-ES" dirty="0"/>
               <a:t>Haga clic para modificar el estilo de título del patrón</a:t>
             </a:r>
           </a:p>
@@ -2072,7 +2250,10 @@
           <a:lstStyle>
             <a:lvl1pPr marL="0" indent="0">
               <a:buNone/>
-              <a:defRPr sz="2400" b="1"/>
+              <a:defRPr sz="2400" b="1">
+                <a:latin typeface="Roboto Slab" pitchFamily="2" charset="0"/>
+                <a:ea typeface="Roboto Slab" pitchFamily="2" charset="0"/>
+              </a:defRPr>
             </a:lvl1pPr>
             <a:lvl2pPr marL="457200" indent="0">
               <a:buNone/>
@@ -2110,7 +2291,7 @@
           <a:p>
             <a:pPr lvl="0"/>
             <a:r>
-              <a:rPr lang="es-ES"/>
+              <a:rPr lang="es-ES" dirty="0"/>
               <a:t>Haga clic para modificar los estilos de texto del patrón</a:t>
             </a:r>
           </a:p>
@@ -2140,7 +2321,38 @@
         </p:spPr>
         <p:txBody>
           <a:bodyPr/>
-          <a:lstStyle/>
+          <a:lstStyle>
+            <a:lvl1pPr>
+              <a:defRPr>
+                <a:latin typeface="Roboto Slab" pitchFamily="2" charset="0"/>
+                <a:ea typeface="Roboto Slab" pitchFamily="2" charset="0"/>
+              </a:defRPr>
+            </a:lvl1pPr>
+            <a:lvl2pPr>
+              <a:defRPr>
+                <a:latin typeface="Roboto Slab" pitchFamily="2" charset="0"/>
+                <a:ea typeface="Roboto Slab" pitchFamily="2" charset="0"/>
+              </a:defRPr>
+            </a:lvl2pPr>
+            <a:lvl3pPr>
+              <a:defRPr>
+                <a:latin typeface="Roboto Slab" pitchFamily="2" charset="0"/>
+                <a:ea typeface="Roboto Slab" pitchFamily="2" charset="0"/>
+              </a:defRPr>
+            </a:lvl3pPr>
+            <a:lvl4pPr>
+              <a:defRPr>
+                <a:latin typeface="Roboto Slab" pitchFamily="2" charset="0"/>
+                <a:ea typeface="Roboto Slab" pitchFamily="2" charset="0"/>
+              </a:defRPr>
+            </a:lvl4pPr>
+            <a:lvl5pPr>
+              <a:defRPr>
+                <a:latin typeface="Roboto Slab" pitchFamily="2" charset="0"/>
+                <a:ea typeface="Roboto Slab" pitchFamily="2" charset="0"/>
+              </a:defRPr>
+            </a:lvl5pPr>
+          </a:lstStyle>
           <a:p>
             <a:pPr lvl="0"/>
             <a:r>
@@ -2205,7 +2417,10 @@
           <a:lstStyle>
             <a:lvl1pPr marL="0" indent="0">
               <a:buNone/>
-              <a:defRPr sz="2400" b="1"/>
+              <a:defRPr sz="2400" b="1">
+                <a:latin typeface="Roboto Slab" pitchFamily="2" charset="0"/>
+                <a:ea typeface="Roboto Slab" pitchFamily="2" charset="0"/>
+              </a:defRPr>
             </a:lvl1pPr>
             <a:lvl2pPr marL="457200" indent="0">
               <a:buNone/>
@@ -2273,7 +2488,38 @@
         </p:spPr>
         <p:txBody>
           <a:bodyPr/>
-          <a:lstStyle/>
+          <a:lstStyle>
+            <a:lvl1pPr>
+              <a:defRPr>
+                <a:latin typeface="Roboto Slab" pitchFamily="2" charset="0"/>
+                <a:ea typeface="Roboto Slab" pitchFamily="2" charset="0"/>
+              </a:defRPr>
+            </a:lvl1pPr>
+            <a:lvl2pPr>
+              <a:defRPr>
+                <a:latin typeface="Roboto Slab" pitchFamily="2" charset="0"/>
+                <a:ea typeface="Roboto Slab" pitchFamily="2" charset="0"/>
+              </a:defRPr>
+            </a:lvl2pPr>
+            <a:lvl3pPr>
+              <a:defRPr>
+                <a:latin typeface="Roboto Slab" pitchFamily="2" charset="0"/>
+                <a:ea typeface="Roboto Slab" pitchFamily="2" charset="0"/>
+              </a:defRPr>
+            </a:lvl3pPr>
+            <a:lvl4pPr>
+              <a:defRPr>
+                <a:latin typeface="Roboto Slab" pitchFamily="2" charset="0"/>
+                <a:ea typeface="Roboto Slab" pitchFamily="2" charset="0"/>
+              </a:defRPr>
+            </a:lvl4pPr>
+            <a:lvl5pPr>
+              <a:defRPr>
+                <a:latin typeface="Roboto Slab" pitchFamily="2" charset="0"/>
+                <a:ea typeface="Roboto Slab" pitchFamily="2" charset="0"/>
+              </a:defRPr>
+            </a:lvl5pPr>
+          </a:lstStyle>
           <a:p>
             <a:pPr lvl="0"/>
             <a:r>
@@ -2390,6 +2636,110 @@
               <a:rPr lang="es-ES" smtClean="0"/>
               <a:t>‹Nº›</a:t>
             </a:fld>
+            <a:endParaRPr lang="es-ES"/>
+          </a:p>
+        </p:txBody>
+      </p:sp>
+      <p:sp>
+        <p:nvSpPr>
+          <p:cNvPr id="10" name="Triángulo rectángulo 9">
+            <a:extLst>
+              <a:ext uri="{FF2B5EF4-FFF2-40B4-BE49-F238E27FC236}">
+                <a16:creationId xmlns:a16="http://schemas.microsoft.com/office/drawing/2014/main" id="{F69C0D0C-7A60-6D9C-4844-CCBA547F24F5}"/>
+              </a:ext>
+            </a:extLst>
+          </p:cNvPr>
+          <p:cNvSpPr/>
+          <p:nvPr userDrawn="1"/>
+        </p:nvSpPr>
+        <p:spPr>
+          <a:xfrm>
+            <a:off x="0" y="4036291"/>
+            <a:ext cx="1911927" cy="2821709"/>
+          </a:xfrm>
+          <a:prstGeom prst="rtTriangle">
+            <a:avLst/>
+          </a:prstGeom>
+          <a:solidFill>
+            <a:srgbClr val="004AAD"/>
+          </a:solidFill>
+          <a:ln>
+            <a:noFill/>
+          </a:ln>
+        </p:spPr>
+        <p:style>
+          <a:lnRef idx="2">
+            <a:schemeClr val="accent1">
+              <a:shade val="15000"/>
+            </a:schemeClr>
+          </a:lnRef>
+          <a:fillRef idx="1">
+            <a:schemeClr val="accent1"/>
+          </a:fillRef>
+          <a:effectRef idx="0">
+            <a:schemeClr val="accent1"/>
+          </a:effectRef>
+          <a:fontRef idx="minor">
+            <a:schemeClr val="lt1"/>
+          </a:fontRef>
+        </p:style>
+        <p:txBody>
+          <a:bodyPr rtlCol="0" anchor="ctr"/>
+          <a:lstStyle/>
+          <a:p>
+            <a:pPr algn="ctr"/>
+            <a:endParaRPr lang="es-ES"/>
+          </a:p>
+        </p:txBody>
+      </p:sp>
+      <p:sp>
+        <p:nvSpPr>
+          <p:cNvPr id="11" name="Triángulo rectángulo 10">
+            <a:extLst>
+              <a:ext uri="{FF2B5EF4-FFF2-40B4-BE49-F238E27FC236}">
+                <a16:creationId xmlns:a16="http://schemas.microsoft.com/office/drawing/2014/main" id="{7C7EB504-0153-A3BA-DDFC-C31325539E84}"/>
+              </a:ext>
+            </a:extLst>
+          </p:cNvPr>
+          <p:cNvSpPr/>
+          <p:nvPr userDrawn="1"/>
+        </p:nvSpPr>
+        <p:spPr>
+          <a:xfrm flipH="1" flipV="1">
+            <a:off x="10714181" y="-1"/>
+            <a:ext cx="1477818" cy="2456873"/>
+          </a:xfrm>
+          <a:prstGeom prst="rtTriangle">
+            <a:avLst/>
+          </a:prstGeom>
+          <a:solidFill>
+            <a:srgbClr val="5BB7C3"/>
+          </a:solidFill>
+          <a:ln>
+            <a:noFill/>
+          </a:ln>
+        </p:spPr>
+        <p:style>
+          <a:lnRef idx="2">
+            <a:schemeClr val="accent1">
+              <a:shade val="15000"/>
+            </a:schemeClr>
+          </a:lnRef>
+          <a:fillRef idx="1">
+            <a:schemeClr val="accent1"/>
+          </a:fillRef>
+          <a:effectRef idx="0">
+            <a:schemeClr val="accent1"/>
+          </a:effectRef>
+          <a:fontRef idx="minor">
+            <a:schemeClr val="lt1"/>
+          </a:fontRef>
+        </p:style>
+        <p:txBody>
+          <a:bodyPr rtlCol="0" anchor="ctr"/>
+          <a:lstStyle/>
+          <a:p>
+            <a:pPr algn="ctr"/>
             <a:endParaRPr lang="es-ES"/>
           </a:p>
         </p:txBody>
@@ -2443,10 +2793,17 @@
         <p:spPr/>
         <p:txBody>
           <a:bodyPr/>
-          <a:lstStyle/>
-          <a:p>
-            <a:r>
-              <a:rPr lang="es-ES"/>
+          <a:lstStyle>
+            <a:lvl1pPr>
+              <a:defRPr>
+                <a:latin typeface="Roboto Slab" pitchFamily="2" charset="0"/>
+                <a:ea typeface="Roboto Slab" pitchFamily="2" charset="0"/>
+              </a:defRPr>
+            </a:lvl1pPr>
+          </a:lstStyle>
+          <a:p>
+            <a:r>
+              <a:rPr lang="es-ES" dirty="0"/>
               <a:t>Haga clic para modificar el estilo de título del patrón</a:t>
             </a:r>
           </a:p>
@@ -2531,6 +2888,110 @@
               <a:rPr lang="es-ES" smtClean="0"/>
               <a:t>‹Nº›</a:t>
             </a:fld>
+            <a:endParaRPr lang="es-ES"/>
+          </a:p>
+        </p:txBody>
+      </p:sp>
+      <p:sp>
+        <p:nvSpPr>
+          <p:cNvPr id="6" name="Triángulo rectángulo 5">
+            <a:extLst>
+              <a:ext uri="{FF2B5EF4-FFF2-40B4-BE49-F238E27FC236}">
+                <a16:creationId xmlns:a16="http://schemas.microsoft.com/office/drawing/2014/main" id="{2F963BBB-B2D9-D4A9-7279-9837140139FF}"/>
+              </a:ext>
+            </a:extLst>
+          </p:cNvPr>
+          <p:cNvSpPr/>
+          <p:nvPr userDrawn="1"/>
+        </p:nvSpPr>
+        <p:spPr>
+          <a:xfrm>
+            <a:off x="0" y="4036291"/>
+            <a:ext cx="1911927" cy="2821709"/>
+          </a:xfrm>
+          <a:prstGeom prst="rtTriangle">
+            <a:avLst/>
+          </a:prstGeom>
+          <a:solidFill>
+            <a:srgbClr val="004AAD"/>
+          </a:solidFill>
+          <a:ln>
+            <a:noFill/>
+          </a:ln>
+        </p:spPr>
+        <p:style>
+          <a:lnRef idx="2">
+            <a:schemeClr val="accent1">
+              <a:shade val="15000"/>
+            </a:schemeClr>
+          </a:lnRef>
+          <a:fillRef idx="1">
+            <a:schemeClr val="accent1"/>
+          </a:fillRef>
+          <a:effectRef idx="0">
+            <a:schemeClr val="accent1"/>
+          </a:effectRef>
+          <a:fontRef idx="minor">
+            <a:schemeClr val="lt1"/>
+          </a:fontRef>
+        </p:style>
+        <p:txBody>
+          <a:bodyPr rtlCol="0" anchor="ctr"/>
+          <a:lstStyle/>
+          <a:p>
+            <a:pPr algn="ctr"/>
+            <a:endParaRPr lang="es-ES"/>
+          </a:p>
+        </p:txBody>
+      </p:sp>
+      <p:sp>
+        <p:nvSpPr>
+          <p:cNvPr id="7" name="Triángulo rectángulo 6">
+            <a:extLst>
+              <a:ext uri="{FF2B5EF4-FFF2-40B4-BE49-F238E27FC236}">
+                <a16:creationId xmlns:a16="http://schemas.microsoft.com/office/drawing/2014/main" id="{37E8E261-12BA-C075-7973-857B270CD307}"/>
+              </a:ext>
+            </a:extLst>
+          </p:cNvPr>
+          <p:cNvSpPr/>
+          <p:nvPr userDrawn="1"/>
+        </p:nvSpPr>
+        <p:spPr>
+          <a:xfrm flipH="1" flipV="1">
+            <a:off x="10714181" y="-1"/>
+            <a:ext cx="1477818" cy="2456873"/>
+          </a:xfrm>
+          <a:prstGeom prst="rtTriangle">
+            <a:avLst/>
+          </a:prstGeom>
+          <a:solidFill>
+            <a:srgbClr val="5BB7C3"/>
+          </a:solidFill>
+          <a:ln>
+            <a:noFill/>
+          </a:ln>
+        </p:spPr>
+        <p:style>
+          <a:lnRef idx="2">
+            <a:schemeClr val="accent1">
+              <a:shade val="15000"/>
+            </a:schemeClr>
+          </a:lnRef>
+          <a:fillRef idx="1">
+            <a:schemeClr val="accent1"/>
+          </a:fillRef>
+          <a:effectRef idx="0">
+            <a:schemeClr val="accent1"/>
+          </a:effectRef>
+          <a:fontRef idx="minor">
+            <a:schemeClr val="lt1"/>
+          </a:fontRef>
+        </p:style>
+        <p:txBody>
+          <a:bodyPr rtlCol="0" anchor="ctr"/>
+          <a:lstStyle/>
+          <a:p>
+            <a:pPr algn="ctr"/>
             <a:endParaRPr lang="es-ES"/>
           </a:p>
         </p:txBody>
@@ -2648,6 +3109,110 @@
           </a:p>
         </p:txBody>
       </p:sp>
+      <p:sp>
+        <p:nvSpPr>
+          <p:cNvPr id="5" name="Triángulo rectángulo 4">
+            <a:extLst>
+              <a:ext uri="{FF2B5EF4-FFF2-40B4-BE49-F238E27FC236}">
+                <a16:creationId xmlns:a16="http://schemas.microsoft.com/office/drawing/2014/main" id="{96605F48-4013-C013-CC9B-A481538A3275}"/>
+              </a:ext>
+            </a:extLst>
+          </p:cNvPr>
+          <p:cNvSpPr/>
+          <p:nvPr userDrawn="1"/>
+        </p:nvSpPr>
+        <p:spPr>
+          <a:xfrm>
+            <a:off x="0" y="4036291"/>
+            <a:ext cx="1911927" cy="2821709"/>
+          </a:xfrm>
+          <a:prstGeom prst="rtTriangle">
+            <a:avLst/>
+          </a:prstGeom>
+          <a:solidFill>
+            <a:srgbClr val="004AAD"/>
+          </a:solidFill>
+          <a:ln>
+            <a:noFill/>
+          </a:ln>
+        </p:spPr>
+        <p:style>
+          <a:lnRef idx="2">
+            <a:schemeClr val="accent1">
+              <a:shade val="15000"/>
+            </a:schemeClr>
+          </a:lnRef>
+          <a:fillRef idx="1">
+            <a:schemeClr val="accent1"/>
+          </a:fillRef>
+          <a:effectRef idx="0">
+            <a:schemeClr val="accent1"/>
+          </a:effectRef>
+          <a:fontRef idx="minor">
+            <a:schemeClr val="lt1"/>
+          </a:fontRef>
+        </p:style>
+        <p:txBody>
+          <a:bodyPr rtlCol="0" anchor="ctr"/>
+          <a:lstStyle/>
+          <a:p>
+            <a:pPr algn="ctr"/>
+            <a:endParaRPr lang="es-ES"/>
+          </a:p>
+        </p:txBody>
+      </p:sp>
+      <p:sp>
+        <p:nvSpPr>
+          <p:cNvPr id="6" name="Triángulo rectángulo 5">
+            <a:extLst>
+              <a:ext uri="{FF2B5EF4-FFF2-40B4-BE49-F238E27FC236}">
+                <a16:creationId xmlns:a16="http://schemas.microsoft.com/office/drawing/2014/main" id="{C7836875-FDA8-3C6E-94F5-F355DB81E02B}"/>
+              </a:ext>
+            </a:extLst>
+          </p:cNvPr>
+          <p:cNvSpPr/>
+          <p:nvPr userDrawn="1"/>
+        </p:nvSpPr>
+        <p:spPr>
+          <a:xfrm flipH="1" flipV="1">
+            <a:off x="10714181" y="-1"/>
+            <a:ext cx="1477818" cy="2456873"/>
+          </a:xfrm>
+          <a:prstGeom prst="rtTriangle">
+            <a:avLst/>
+          </a:prstGeom>
+          <a:solidFill>
+            <a:srgbClr val="5BB7C3"/>
+          </a:solidFill>
+          <a:ln>
+            <a:noFill/>
+          </a:ln>
+        </p:spPr>
+        <p:style>
+          <a:lnRef idx="2">
+            <a:schemeClr val="accent1">
+              <a:shade val="15000"/>
+            </a:schemeClr>
+          </a:lnRef>
+          <a:fillRef idx="1">
+            <a:schemeClr val="accent1"/>
+          </a:fillRef>
+          <a:effectRef idx="0">
+            <a:schemeClr val="accent1"/>
+          </a:effectRef>
+          <a:fontRef idx="minor">
+            <a:schemeClr val="lt1"/>
+          </a:fontRef>
+        </p:style>
+        <p:txBody>
+          <a:bodyPr rtlCol="0" anchor="ctr"/>
+          <a:lstStyle/>
+          <a:p>
+            <a:pPr algn="ctr"/>
+            <a:endParaRPr lang="es-ES"/>
+          </a:p>
+        </p:txBody>
+      </p:sp>
     </p:spTree>
     <p:extLst>
       <p:ext uri="{BB962C8B-B14F-4D97-AF65-F5344CB8AC3E}">
@@ -2959,6 +3524,110 @@
           </a:p>
         </p:txBody>
       </p:sp>
+      <p:sp>
+        <p:nvSpPr>
+          <p:cNvPr id="8" name="Triángulo rectángulo 7">
+            <a:extLst>
+              <a:ext uri="{FF2B5EF4-FFF2-40B4-BE49-F238E27FC236}">
+                <a16:creationId xmlns:a16="http://schemas.microsoft.com/office/drawing/2014/main" id="{2FA8D596-8481-5B81-B432-15E2E6328B22}"/>
+              </a:ext>
+            </a:extLst>
+          </p:cNvPr>
+          <p:cNvSpPr/>
+          <p:nvPr userDrawn="1"/>
+        </p:nvSpPr>
+        <p:spPr>
+          <a:xfrm>
+            <a:off x="0" y="4036291"/>
+            <a:ext cx="1911927" cy="2821709"/>
+          </a:xfrm>
+          <a:prstGeom prst="rtTriangle">
+            <a:avLst/>
+          </a:prstGeom>
+          <a:solidFill>
+            <a:srgbClr val="004AAD"/>
+          </a:solidFill>
+          <a:ln>
+            <a:noFill/>
+          </a:ln>
+        </p:spPr>
+        <p:style>
+          <a:lnRef idx="2">
+            <a:schemeClr val="accent1">
+              <a:shade val="15000"/>
+            </a:schemeClr>
+          </a:lnRef>
+          <a:fillRef idx="1">
+            <a:schemeClr val="accent1"/>
+          </a:fillRef>
+          <a:effectRef idx="0">
+            <a:schemeClr val="accent1"/>
+          </a:effectRef>
+          <a:fontRef idx="minor">
+            <a:schemeClr val="lt1"/>
+          </a:fontRef>
+        </p:style>
+        <p:txBody>
+          <a:bodyPr rtlCol="0" anchor="ctr"/>
+          <a:lstStyle/>
+          <a:p>
+            <a:pPr algn="ctr"/>
+            <a:endParaRPr lang="es-ES"/>
+          </a:p>
+        </p:txBody>
+      </p:sp>
+      <p:sp>
+        <p:nvSpPr>
+          <p:cNvPr id="9" name="Triángulo rectángulo 8">
+            <a:extLst>
+              <a:ext uri="{FF2B5EF4-FFF2-40B4-BE49-F238E27FC236}">
+                <a16:creationId xmlns:a16="http://schemas.microsoft.com/office/drawing/2014/main" id="{7F00B0AE-BAC6-54AD-F972-1B6EF18F9FEA}"/>
+              </a:ext>
+            </a:extLst>
+          </p:cNvPr>
+          <p:cNvSpPr/>
+          <p:nvPr userDrawn="1"/>
+        </p:nvSpPr>
+        <p:spPr>
+          <a:xfrm flipH="1" flipV="1">
+            <a:off x="10714181" y="-1"/>
+            <a:ext cx="1477818" cy="2456873"/>
+          </a:xfrm>
+          <a:prstGeom prst="rtTriangle">
+            <a:avLst/>
+          </a:prstGeom>
+          <a:solidFill>
+            <a:srgbClr val="5BB7C3"/>
+          </a:solidFill>
+          <a:ln>
+            <a:noFill/>
+          </a:ln>
+        </p:spPr>
+        <p:style>
+          <a:lnRef idx="2">
+            <a:schemeClr val="accent1">
+              <a:shade val="15000"/>
+            </a:schemeClr>
+          </a:lnRef>
+          <a:fillRef idx="1">
+            <a:schemeClr val="accent1"/>
+          </a:fillRef>
+          <a:effectRef idx="0">
+            <a:schemeClr val="accent1"/>
+          </a:effectRef>
+          <a:fontRef idx="minor">
+            <a:schemeClr val="lt1"/>
+          </a:fontRef>
+        </p:style>
+        <p:txBody>
+          <a:bodyPr rtlCol="0" anchor="ctr"/>
+          <a:lstStyle/>
+          <a:p>
+            <a:pPr algn="ctr"/>
+            <a:endParaRPr lang="es-ES"/>
+          </a:p>
+        </p:txBody>
+      </p:sp>
     </p:spTree>
     <p:extLst>
       <p:ext uri="{BB962C8B-B14F-4D97-AF65-F5344CB8AC3E}">
@@ -3243,6 +3912,110 @@
               <a:rPr lang="es-ES" smtClean="0"/>
               <a:t>‹Nº›</a:t>
             </a:fld>
+            <a:endParaRPr lang="es-ES"/>
+          </a:p>
+        </p:txBody>
+      </p:sp>
+      <p:sp>
+        <p:nvSpPr>
+          <p:cNvPr id="8" name="Triángulo rectángulo 7">
+            <a:extLst>
+              <a:ext uri="{FF2B5EF4-FFF2-40B4-BE49-F238E27FC236}">
+                <a16:creationId xmlns:a16="http://schemas.microsoft.com/office/drawing/2014/main" id="{9E59E548-ADC1-2130-F908-912270B81CA5}"/>
+              </a:ext>
+            </a:extLst>
+          </p:cNvPr>
+          <p:cNvSpPr/>
+          <p:nvPr userDrawn="1"/>
+        </p:nvSpPr>
+        <p:spPr>
+          <a:xfrm>
+            <a:off x="0" y="4036291"/>
+            <a:ext cx="1911927" cy="2821709"/>
+          </a:xfrm>
+          <a:prstGeom prst="rtTriangle">
+            <a:avLst/>
+          </a:prstGeom>
+          <a:solidFill>
+            <a:srgbClr val="004AAD"/>
+          </a:solidFill>
+          <a:ln>
+            <a:noFill/>
+          </a:ln>
+        </p:spPr>
+        <p:style>
+          <a:lnRef idx="2">
+            <a:schemeClr val="accent1">
+              <a:shade val="15000"/>
+            </a:schemeClr>
+          </a:lnRef>
+          <a:fillRef idx="1">
+            <a:schemeClr val="accent1"/>
+          </a:fillRef>
+          <a:effectRef idx="0">
+            <a:schemeClr val="accent1"/>
+          </a:effectRef>
+          <a:fontRef idx="minor">
+            <a:schemeClr val="lt1"/>
+          </a:fontRef>
+        </p:style>
+        <p:txBody>
+          <a:bodyPr rtlCol="0" anchor="ctr"/>
+          <a:lstStyle/>
+          <a:p>
+            <a:pPr algn="ctr"/>
+            <a:endParaRPr lang="es-ES"/>
+          </a:p>
+        </p:txBody>
+      </p:sp>
+      <p:sp>
+        <p:nvSpPr>
+          <p:cNvPr id="9" name="Triángulo rectángulo 8">
+            <a:extLst>
+              <a:ext uri="{FF2B5EF4-FFF2-40B4-BE49-F238E27FC236}">
+                <a16:creationId xmlns:a16="http://schemas.microsoft.com/office/drawing/2014/main" id="{A541CF75-3999-178A-4E0E-FF738C717B55}"/>
+              </a:ext>
+            </a:extLst>
+          </p:cNvPr>
+          <p:cNvSpPr/>
+          <p:nvPr userDrawn="1"/>
+        </p:nvSpPr>
+        <p:spPr>
+          <a:xfrm flipH="1" flipV="1">
+            <a:off x="10714181" y="-1"/>
+            <a:ext cx="1477818" cy="2456873"/>
+          </a:xfrm>
+          <a:prstGeom prst="rtTriangle">
+            <a:avLst/>
+          </a:prstGeom>
+          <a:solidFill>
+            <a:srgbClr val="5BB7C3"/>
+          </a:solidFill>
+          <a:ln>
+            <a:noFill/>
+          </a:ln>
+        </p:spPr>
+        <p:style>
+          <a:lnRef idx="2">
+            <a:schemeClr val="accent1">
+              <a:shade val="15000"/>
+            </a:schemeClr>
+          </a:lnRef>
+          <a:fillRef idx="1">
+            <a:schemeClr val="accent1"/>
+          </a:fillRef>
+          <a:effectRef idx="0">
+            <a:schemeClr val="accent1"/>
+          </a:effectRef>
+          <a:fontRef idx="minor">
+            <a:schemeClr val="lt1"/>
+          </a:fontRef>
+        </p:style>
+        <p:txBody>
+          <a:bodyPr rtlCol="0" anchor="ctr"/>
+          <a:lstStyle/>
+          <a:p>
+            <a:pPr algn="ctr"/>
             <a:endParaRPr lang="es-ES"/>
           </a:p>
         </p:txBody>
@@ -3991,15 +4764,20 @@
           <p:nvPr/>
         </p:nvPicPr>
         <p:blipFill>
-          <a:blip r:embed="rId2"/>
-          <a:stretch>
-            <a:fillRect/>
-          </a:stretch>
+          <a:blip r:embed="rId2">
+            <a:extLst>
+              <a:ext uri="{28A0092B-C50C-407E-A947-70E740481C1C}">
+                <a14:useLocalDpi xmlns:a14="http://schemas.microsoft.com/office/drawing/2010/main" val="0"/>
+              </a:ext>
+            </a:extLst>
+          </a:blip>
+          <a:srcRect/>
+          <a:stretch/>
         </p:blipFill>
         <p:spPr>
           <a:xfrm>
-            <a:off x="2448231" y="1437443"/>
-            <a:ext cx="6626944" cy="5025334"/>
+            <a:off x="2471444" y="1437443"/>
+            <a:ext cx="6580518" cy="5025334"/>
           </a:xfrm>
           <a:prstGeom prst="rect">
             <a:avLst/>
@@ -4091,8 +4869,8 @@
         </p:blipFill>
         <p:spPr>
           <a:xfrm>
-            <a:off x="2448231" y="1482145"/>
-            <a:ext cx="6626943" cy="4935930"/>
+            <a:off x="2471082" y="1482145"/>
+            <a:ext cx="6581240" cy="4935930"/>
           </a:xfrm>
           <a:prstGeom prst="rect">
             <a:avLst/>
@@ -4134,86 +4912,6 @@
           <p:cNvPr id="2" name="Título 1">
             <a:extLst>
               <a:ext uri="{FF2B5EF4-FFF2-40B4-BE49-F238E27FC236}">
-                <a16:creationId xmlns:a16="http://schemas.microsoft.com/office/drawing/2014/main" id="{4C26C058-7950-8305-86AF-2C42B6C23AC2}"/>
-              </a:ext>
-            </a:extLst>
-          </p:cNvPr>
-          <p:cNvSpPr>
-            <a:spLocks noGrp="1"/>
-          </p:cNvSpPr>
-          <p:nvPr>
-            <p:ph type="title"/>
-          </p:nvPr>
-        </p:nvSpPr>
-        <p:spPr/>
-        <p:txBody>
-          <a:bodyPr/>
-          <a:lstStyle/>
-          <a:p>
-            <a:endParaRPr lang="es-ES"/>
-          </a:p>
-        </p:txBody>
-      </p:sp>
-      <p:sp>
-        <p:nvSpPr>
-          <p:cNvPr id="3" name="Marcador de texto 2">
-            <a:extLst>
-              <a:ext uri="{FF2B5EF4-FFF2-40B4-BE49-F238E27FC236}">
-                <a16:creationId xmlns:a16="http://schemas.microsoft.com/office/drawing/2014/main" id="{2255DB36-31CA-1206-3D80-DA1E5789EAAD}"/>
-              </a:ext>
-            </a:extLst>
-          </p:cNvPr>
-          <p:cNvSpPr>
-            <a:spLocks noGrp="1"/>
-          </p:cNvSpPr>
-          <p:nvPr>
-            <p:ph type="body" idx="1"/>
-          </p:nvPr>
-        </p:nvSpPr>
-        <p:spPr/>
-        <p:txBody>
-          <a:bodyPr/>
-          <a:lstStyle/>
-          <a:p>
-            <a:endParaRPr lang="es-ES"/>
-          </a:p>
-        </p:txBody>
-      </p:sp>
-    </p:spTree>
-    <p:extLst>
-      <p:ext uri="{BB962C8B-B14F-4D97-AF65-F5344CB8AC3E}">
-        <p14:creationId xmlns:p14="http://schemas.microsoft.com/office/powerpoint/2010/main" val="41165560"/>
-      </p:ext>
-    </p:extLst>
-  </p:cSld>
-  <p:clrMapOvr>
-    <a:masterClrMapping/>
-  </p:clrMapOvr>
-</p:sld>
-</file>
-
-<file path=ppt/slides/slide5.xml><?xml version="1.0" encoding="utf-8"?>
-<p:sld xmlns:a="http://schemas.openxmlformats.org/drawingml/2006/main" xmlns:r="http://schemas.openxmlformats.org/officeDocument/2006/relationships" xmlns:p="http://schemas.openxmlformats.org/presentationml/2006/main">
-  <p:cSld>
-    <p:spTree>
-      <p:nvGrpSpPr>
-        <p:cNvPr id="1" name=""/>
-        <p:cNvGrpSpPr/>
-        <p:nvPr/>
-      </p:nvGrpSpPr>
-      <p:grpSpPr>
-        <a:xfrm>
-          <a:off x="0" y="0"/>
-          <a:ext cx="0" cy="0"/>
-          <a:chOff x="0" y="0"/>
-          <a:chExt cx="0" cy="0"/>
-        </a:xfrm>
-      </p:grpSpPr>
-      <p:sp>
-        <p:nvSpPr>
-          <p:cNvPr id="2" name="Título 1">
-            <a:extLst>
-              <a:ext uri="{FF2B5EF4-FFF2-40B4-BE49-F238E27FC236}">
                 <a16:creationId xmlns:a16="http://schemas.microsoft.com/office/drawing/2014/main" id="{DD537FB0-D919-ED54-68E7-26AEF1E8D17A}"/>
               </a:ext>
             </a:extLst>
@@ -4285,7 +4983,7 @@
 </p:sld>
 </file>
 
-<file path=ppt/slides/slide6.xml><?xml version="1.0" encoding="utf-8"?>
+<file path=ppt/slides/slide5.xml><?xml version="1.0" encoding="utf-8"?>
 <p:sld xmlns:a="http://schemas.openxmlformats.org/drawingml/2006/main" xmlns:r="http://schemas.openxmlformats.org/officeDocument/2006/relationships" xmlns:p="http://schemas.openxmlformats.org/presentationml/2006/main">
   <p:cSld>
     <p:spTree>
@@ -4369,98 +5067,6 @@
     <p:extLst>
       <p:ext uri="{BB962C8B-B14F-4D97-AF65-F5344CB8AC3E}">
         <p14:creationId xmlns:p14="http://schemas.microsoft.com/office/powerpoint/2010/main" val="3585876011"/>
-      </p:ext>
-    </p:extLst>
-  </p:cSld>
-  <p:clrMapOvr>
-    <a:masterClrMapping/>
-  </p:clrMapOvr>
-</p:sld>
-</file>
-
-<file path=ppt/slides/slide7.xml><?xml version="1.0" encoding="utf-8"?>
-<p:sld xmlns:a="http://schemas.openxmlformats.org/drawingml/2006/main" xmlns:r="http://schemas.openxmlformats.org/officeDocument/2006/relationships" xmlns:p="http://schemas.openxmlformats.org/presentationml/2006/main">
-  <p:cSld>
-    <p:spTree>
-      <p:nvGrpSpPr>
-        <p:cNvPr id="1" name=""/>
-        <p:cNvGrpSpPr/>
-        <p:nvPr/>
-      </p:nvGrpSpPr>
-      <p:grpSpPr>
-        <a:xfrm>
-          <a:off x="0" y="0"/>
-          <a:ext cx="0" cy="0"/>
-          <a:chOff x="0" y="0"/>
-          <a:chExt cx="0" cy="0"/>
-        </a:xfrm>
-      </p:grpSpPr>
-      <p:sp>
-        <p:nvSpPr>
-          <p:cNvPr id="2" name="Título 1">
-            <a:extLst>
-              <a:ext uri="{FF2B5EF4-FFF2-40B4-BE49-F238E27FC236}">
-                <a16:creationId xmlns:a16="http://schemas.microsoft.com/office/drawing/2014/main" id="{D0EB3269-2D30-F046-350C-2454C3F093DE}"/>
-              </a:ext>
-            </a:extLst>
-          </p:cNvPr>
-          <p:cNvSpPr>
-            <a:spLocks noGrp="1"/>
-          </p:cNvSpPr>
-          <p:nvPr>
-            <p:ph type="title"/>
-          </p:nvPr>
-        </p:nvSpPr>
-        <p:spPr/>
-        <p:txBody>
-          <a:bodyPr/>
-          <a:lstStyle/>
-          <a:p>
-            <a:r>
-              <a:rPr lang="es-ES" dirty="0"/>
-              <a:t>Contexto</a:t>
-            </a:r>
-          </a:p>
-        </p:txBody>
-      </p:sp>
-      <p:sp>
-        <p:nvSpPr>
-          <p:cNvPr id="3" name="Marcador de contenido 2">
-            <a:extLst>
-              <a:ext uri="{FF2B5EF4-FFF2-40B4-BE49-F238E27FC236}">
-                <a16:creationId xmlns:a16="http://schemas.microsoft.com/office/drawing/2014/main" id="{54F9CD0A-8335-A373-8E42-786DDDFFF8D3}"/>
-              </a:ext>
-            </a:extLst>
-          </p:cNvPr>
-          <p:cNvSpPr>
-            <a:spLocks noGrp="1"/>
-          </p:cNvSpPr>
-          <p:nvPr>
-            <p:ph idx="1"/>
-          </p:nvPr>
-        </p:nvSpPr>
-        <p:spPr/>
-        <p:txBody>
-          <a:bodyPr/>
-          <a:lstStyle/>
-          <a:p>
-            <a:r>
-              <a:rPr lang="es-ES" dirty="0"/>
-              <a:t>El grado de satisfacción media de los empleados se encuentra en torno al 0,6.</a:t>
-            </a:r>
-          </a:p>
-          <a:p>
-            <a:r>
-              <a:rPr lang="es-ES" dirty="0"/>
-              <a:t>Sin embargo, desde la última evaluación la satisfacción ha bajado en promedio un 0,1. </a:t>
-            </a:r>
-          </a:p>
-        </p:txBody>
-      </p:sp>
-    </p:spTree>
-    <p:extLst>
-      <p:ext uri="{BB962C8B-B14F-4D97-AF65-F5344CB8AC3E}">
-        <p14:creationId xmlns:p14="http://schemas.microsoft.com/office/powerpoint/2010/main" val="2647031989"/>
       </p:ext>
     </p:extLst>
   </p:cSld>

--- a/RRHH/Data_Storytelling.pptx
+++ b/RRHH/Data_Storytelling.pptx
@@ -10,6 +10,11 @@
     <p:sldId id="258" r:id="rId4"/>
     <p:sldId id="259" r:id="rId5"/>
     <p:sldId id="260" r:id="rId6"/>
+    <p:sldId id="261" r:id="rId7"/>
+    <p:sldId id="262" r:id="rId8"/>
+    <p:sldId id="263" r:id="rId9"/>
+    <p:sldId id="264" r:id="rId10"/>
+    <p:sldId id="265" r:id="rId11"/>
   </p:sldIdLst>
   <p:sldSz cx="12192000" cy="6858000"/>
   <p:notesSz cx="6858000" cy="9144000"/>
@@ -114,6 +119,3944 @@
     </p:ext>
   </p:extLst>
 </p:presentation>
+</file>
+
+<file path=ppt/diagrams/colors1.xml><?xml version="1.0" encoding="utf-8"?>
+<dgm:colorsDef xmlns:dgm="http://schemas.openxmlformats.org/drawingml/2006/diagram" xmlns:a="http://schemas.openxmlformats.org/drawingml/2006/main" uniqueId="urn:microsoft.com/office/officeart/2005/8/colors/accent1_2">
+  <dgm:title val=""/>
+  <dgm:desc val=""/>
+  <dgm:catLst>
+    <dgm:cat type="accent1" pri="11200"/>
+  </dgm:catLst>
+  <dgm:styleLbl name="node0">
+    <dgm:fillClrLst meth="repeat">
+      <a:schemeClr val="accent1"/>
+    </dgm:fillClrLst>
+    <dgm:linClrLst meth="repeat">
+      <a:schemeClr val="lt1"/>
+    </dgm:linClrLst>
+    <dgm:effectClrLst/>
+    <dgm:txLinClrLst/>
+    <dgm:txFillClrLst/>
+    <dgm:txEffectClrLst/>
+  </dgm:styleLbl>
+  <dgm:styleLbl name="alignNode1">
+    <dgm:fillClrLst meth="repeat">
+      <a:schemeClr val="accent1"/>
+    </dgm:fillClrLst>
+    <dgm:linClrLst meth="repeat">
+      <a:schemeClr val="accent1"/>
+    </dgm:linClrLst>
+    <dgm:effectClrLst/>
+    <dgm:txLinClrLst/>
+    <dgm:txFillClrLst/>
+    <dgm:txEffectClrLst/>
+  </dgm:styleLbl>
+  <dgm:styleLbl name="node1">
+    <dgm:fillClrLst meth="repeat">
+      <a:schemeClr val="accent1"/>
+    </dgm:fillClrLst>
+    <dgm:linClrLst meth="repeat">
+      <a:schemeClr val="lt1"/>
+    </dgm:linClrLst>
+    <dgm:effectClrLst/>
+    <dgm:txLinClrLst/>
+    <dgm:txFillClrLst/>
+    <dgm:txEffectClrLst/>
+  </dgm:styleLbl>
+  <dgm:styleLbl name="lnNode1">
+    <dgm:fillClrLst meth="repeat">
+      <a:schemeClr val="accent1"/>
+    </dgm:fillClrLst>
+    <dgm:linClrLst meth="repeat">
+      <a:schemeClr val="lt1"/>
+    </dgm:linClrLst>
+    <dgm:effectClrLst/>
+    <dgm:txLinClrLst/>
+    <dgm:txFillClrLst/>
+    <dgm:txEffectClrLst/>
+  </dgm:styleLbl>
+  <dgm:styleLbl name="vennNode1">
+    <dgm:fillClrLst meth="repeat">
+      <a:schemeClr val="accent1">
+        <a:alpha val="50000"/>
+      </a:schemeClr>
+    </dgm:fillClrLst>
+    <dgm:linClrLst meth="repeat">
+      <a:schemeClr val="lt1"/>
+    </dgm:linClrLst>
+    <dgm:effectClrLst/>
+    <dgm:txLinClrLst/>
+    <dgm:txFillClrLst/>
+    <dgm:txEffectClrLst/>
+  </dgm:styleLbl>
+  <dgm:styleLbl name="node2">
+    <dgm:fillClrLst meth="repeat">
+      <a:schemeClr val="accent1"/>
+    </dgm:fillClrLst>
+    <dgm:linClrLst meth="repeat">
+      <a:schemeClr val="lt1"/>
+    </dgm:linClrLst>
+    <dgm:effectClrLst/>
+    <dgm:txLinClrLst/>
+    <dgm:txFillClrLst/>
+    <dgm:txEffectClrLst/>
+  </dgm:styleLbl>
+  <dgm:styleLbl name="node3">
+    <dgm:fillClrLst meth="repeat">
+      <a:schemeClr val="accent1"/>
+    </dgm:fillClrLst>
+    <dgm:linClrLst meth="repeat">
+      <a:schemeClr val="lt1"/>
+    </dgm:linClrLst>
+    <dgm:effectClrLst/>
+    <dgm:txLinClrLst/>
+    <dgm:txFillClrLst/>
+    <dgm:txEffectClrLst/>
+  </dgm:styleLbl>
+  <dgm:styleLbl name="node4">
+    <dgm:fillClrLst meth="repeat">
+      <a:schemeClr val="accent1"/>
+    </dgm:fillClrLst>
+    <dgm:linClrLst meth="repeat">
+      <a:schemeClr val="lt1"/>
+    </dgm:linClrLst>
+    <dgm:effectClrLst/>
+    <dgm:txLinClrLst/>
+    <dgm:txFillClrLst/>
+    <dgm:txEffectClrLst/>
+  </dgm:styleLbl>
+  <dgm:styleLbl name="fgImgPlace1">
+    <dgm:fillClrLst meth="repeat">
+      <a:schemeClr val="accent1">
+        <a:tint val="50000"/>
+      </a:schemeClr>
+    </dgm:fillClrLst>
+    <dgm:linClrLst meth="repeat">
+      <a:schemeClr val="lt1"/>
+    </dgm:linClrLst>
+    <dgm:effectClrLst/>
+    <dgm:txLinClrLst/>
+    <dgm:txFillClrLst meth="repeat">
+      <a:schemeClr val="lt1"/>
+    </dgm:txFillClrLst>
+    <dgm:txEffectClrLst/>
+  </dgm:styleLbl>
+  <dgm:styleLbl name="alignImgPlace1">
+    <dgm:fillClrLst meth="repeat">
+      <a:schemeClr val="accent1">
+        <a:tint val="50000"/>
+      </a:schemeClr>
+    </dgm:fillClrLst>
+    <dgm:linClrLst meth="repeat">
+      <a:schemeClr val="lt1"/>
+    </dgm:linClrLst>
+    <dgm:effectClrLst/>
+    <dgm:txLinClrLst/>
+    <dgm:txFillClrLst meth="repeat">
+      <a:schemeClr val="lt1"/>
+    </dgm:txFillClrLst>
+    <dgm:txEffectClrLst/>
+  </dgm:styleLbl>
+  <dgm:styleLbl name="bgImgPlace1">
+    <dgm:fillClrLst meth="repeat">
+      <a:schemeClr val="accent1">
+        <a:tint val="50000"/>
+      </a:schemeClr>
+    </dgm:fillClrLst>
+    <dgm:linClrLst meth="repeat">
+      <a:schemeClr val="lt1"/>
+    </dgm:linClrLst>
+    <dgm:effectClrLst/>
+    <dgm:txLinClrLst/>
+    <dgm:txFillClrLst meth="repeat">
+      <a:schemeClr val="lt1"/>
+    </dgm:txFillClrLst>
+    <dgm:txEffectClrLst/>
+  </dgm:styleLbl>
+  <dgm:styleLbl name="sibTrans2D1">
+    <dgm:fillClrLst meth="repeat">
+      <a:schemeClr val="accent1">
+        <a:tint val="60000"/>
+      </a:schemeClr>
+    </dgm:fillClrLst>
+    <dgm:linClrLst meth="repeat">
+      <a:schemeClr val="accent1">
+        <a:tint val="60000"/>
+      </a:schemeClr>
+    </dgm:linClrLst>
+    <dgm:effectClrLst/>
+    <dgm:txLinClrLst/>
+    <dgm:txFillClrLst/>
+    <dgm:txEffectClrLst/>
+  </dgm:styleLbl>
+  <dgm:styleLbl name="fgSibTrans2D1">
+    <dgm:fillClrLst meth="repeat">
+      <a:schemeClr val="accent1">
+        <a:tint val="60000"/>
+      </a:schemeClr>
+    </dgm:fillClrLst>
+    <dgm:linClrLst meth="repeat">
+      <a:schemeClr val="accent1">
+        <a:tint val="60000"/>
+      </a:schemeClr>
+    </dgm:linClrLst>
+    <dgm:effectClrLst/>
+    <dgm:txLinClrLst/>
+    <dgm:txFillClrLst/>
+    <dgm:txEffectClrLst/>
+  </dgm:styleLbl>
+  <dgm:styleLbl name="bgSibTrans2D1">
+    <dgm:fillClrLst meth="repeat">
+      <a:schemeClr val="accent1">
+        <a:tint val="60000"/>
+      </a:schemeClr>
+    </dgm:fillClrLst>
+    <dgm:linClrLst meth="repeat">
+      <a:schemeClr val="accent1">
+        <a:tint val="60000"/>
+      </a:schemeClr>
+    </dgm:linClrLst>
+    <dgm:effectClrLst/>
+    <dgm:txLinClrLst/>
+    <dgm:txFillClrLst/>
+    <dgm:txEffectClrLst/>
+  </dgm:styleLbl>
+  <dgm:styleLbl name="sibTrans1D1">
+    <dgm:fillClrLst meth="repeat">
+      <a:schemeClr val="accent1"/>
+    </dgm:fillClrLst>
+    <dgm:linClrLst meth="repeat">
+      <a:schemeClr val="accent1"/>
+    </dgm:linClrLst>
+    <dgm:effectClrLst/>
+    <dgm:txLinClrLst/>
+    <dgm:txFillClrLst meth="repeat">
+      <a:schemeClr val="tx1"/>
+    </dgm:txFillClrLst>
+    <dgm:txEffectClrLst/>
+  </dgm:styleLbl>
+  <dgm:styleLbl name="callout">
+    <dgm:fillClrLst meth="repeat">
+      <a:schemeClr val="accent1"/>
+    </dgm:fillClrLst>
+    <dgm:linClrLst meth="repeat">
+      <a:schemeClr val="accent1">
+        <a:tint val="50000"/>
+      </a:schemeClr>
+    </dgm:linClrLst>
+    <dgm:effectClrLst/>
+    <dgm:txLinClrLst/>
+    <dgm:txFillClrLst meth="repeat">
+      <a:schemeClr val="tx1"/>
+    </dgm:txFillClrLst>
+    <dgm:txEffectClrLst/>
+  </dgm:styleLbl>
+  <dgm:styleLbl name="asst0">
+    <dgm:fillClrLst meth="repeat">
+      <a:schemeClr val="accent1"/>
+    </dgm:fillClrLst>
+    <dgm:linClrLst meth="repeat">
+      <a:schemeClr val="lt1"/>
+    </dgm:linClrLst>
+    <dgm:effectClrLst/>
+    <dgm:txLinClrLst/>
+    <dgm:txFillClrLst/>
+    <dgm:txEffectClrLst/>
+  </dgm:styleLbl>
+  <dgm:styleLbl name="asst1">
+    <dgm:fillClrLst meth="repeat">
+      <a:schemeClr val="accent1"/>
+    </dgm:fillClrLst>
+    <dgm:linClrLst meth="repeat">
+      <a:schemeClr val="lt1"/>
+    </dgm:linClrLst>
+    <dgm:effectClrLst/>
+    <dgm:txLinClrLst/>
+    <dgm:txFillClrLst/>
+    <dgm:txEffectClrLst/>
+  </dgm:styleLbl>
+  <dgm:styleLbl name="asst2">
+    <dgm:fillClrLst meth="repeat">
+      <a:schemeClr val="accent1"/>
+    </dgm:fillClrLst>
+    <dgm:linClrLst meth="repeat">
+      <a:schemeClr val="lt1"/>
+    </dgm:linClrLst>
+    <dgm:effectClrLst/>
+    <dgm:txLinClrLst/>
+    <dgm:txFillClrLst/>
+    <dgm:txEffectClrLst/>
+  </dgm:styleLbl>
+  <dgm:styleLbl name="asst3">
+    <dgm:fillClrLst meth="repeat">
+      <a:schemeClr val="accent1"/>
+    </dgm:fillClrLst>
+    <dgm:linClrLst meth="repeat">
+      <a:schemeClr val="lt1"/>
+    </dgm:linClrLst>
+    <dgm:effectClrLst/>
+    <dgm:txLinClrLst/>
+    <dgm:txFillClrLst/>
+    <dgm:txEffectClrLst/>
+  </dgm:styleLbl>
+  <dgm:styleLbl name="asst4">
+    <dgm:fillClrLst meth="repeat">
+      <a:schemeClr val="accent1"/>
+    </dgm:fillClrLst>
+    <dgm:linClrLst meth="repeat">
+      <a:schemeClr val="lt1"/>
+    </dgm:linClrLst>
+    <dgm:effectClrLst/>
+    <dgm:txLinClrLst/>
+    <dgm:txFillClrLst/>
+    <dgm:txEffectClrLst/>
+  </dgm:styleLbl>
+  <dgm:styleLbl name="parChTrans2D1">
+    <dgm:fillClrLst meth="repeat">
+      <a:schemeClr val="accent1">
+        <a:tint val="60000"/>
+      </a:schemeClr>
+    </dgm:fillClrLst>
+    <dgm:linClrLst meth="repeat">
+      <a:schemeClr val="accent1">
+        <a:tint val="60000"/>
+      </a:schemeClr>
+    </dgm:linClrLst>
+    <dgm:effectClrLst/>
+    <dgm:txLinClrLst/>
+    <dgm:txFillClrLst meth="repeat">
+      <a:schemeClr val="lt1"/>
+    </dgm:txFillClrLst>
+    <dgm:txEffectClrLst/>
+  </dgm:styleLbl>
+  <dgm:styleLbl name="parChTrans2D2">
+    <dgm:fillClrLst meth="repeat">
+      <a:schemeClr val="accent1"/>
+    </dgm:fillClrLst>
+    <dgm:linClrLst meth="repeat">
+      <a:schemeClr val="accent1"/>
+    </dgm:linClrLst>
+    <dgm:effectClrLst/>
+    <dgm:txLinClrLst/>
+    <dgm:txFillClrLst meth="repeat">
+      <a:schemeClr val="lt1"/>
+    </dgm:txFillClrLst>
+    <dgm:txEffectClrLst/>
+  </dgm:styleLbl>
+  <dgm:styleLbl name="parChTrans2D3">
+    <dgm:fillClrLst meth="repeat">
+      <a:schemeClr val="accent1"/>
+    </dgm:fillClrLst>
+    <dgm:linClrLst meth="repeat">
+      <a:schemeClr val="accent1"/>
+    </dgm:linClrLst>
+    <dgm:effectClrLst/>
+    <dgm:txLinClrLst/>
+    <dgm:txFillClrLst meth="repeat">
+      <a:schemeClr val="lt1"/>
+    </dgm:txFillClrLst>
+    <dgm:txEffectClrLst/>
+  </dgm:styleLbl>
+  <dgm:styleLbl name="parChTrans2D4">
+    <dgm:fillClrLst meth="repeat">
+      <a:schemeClr val="accent1"/>
+    </dgm:fillClrLst>
+    <dgm:linClrLst meth="repeat">
+      <a:schemeClr val="accent1"/>
+    </dgm:linClrLst>
+    <dgm:effectClrLst/>
+    <dgm:txLinClrLst/>
+    <dgm:txFillClrLst meth="repeat">
+      <a:schemeClr val="lt1"/>
+    </dgm:txFillClrLst>
+    <dgm:txEffectClrLst/>
+  </dgm:styleLbl>
+  <dgm:styleLbl name="parChTrans1D1">
+    <dgm:fillClrLst meth="repeat">
+      <a:schemeClr val="accent1"/>
+    </dgm:fillClrLst>
+    <dgm:linClrLst meth="repeat">
+      <a:schemeClr val="accent1">
+        <a:shade val="60000"/>
+      </a:schemeClr>
+    </dgm:linClrLst>
+    <dgm:effectClrLst/>
+    <dgm:txLinClrLst/>
+    <dgm:txFillClrLst meth="repeat">
+      <a:schemeClr val="tx1"/>
+    </dgm:txFillClrLst>
+    <dgm:txEffectClrLst/>
+  </dgm:styleLbl>
+  <dgm:styleLbl name="parChTrans1D2">
+    <dgm:fillClrLst meth="repeat">
+      <a:schemeClr val="accent1"/>
+    </dgm:fillClrLst>
+    <dgm:linClrLst meth="repeat">
+      <a:schemeClr val="accent1">
+        <a:shade val="60000"/>
+      </a:schemeClr>
+    </dgm:linClrLst>
+    <dgm:effectClrLst/>
+    <dgm:txLinClrLst/>
+    <dgm:txFillClrLst meth="repeat">
+      <a:schemeClr val="tx1"/>
+    </dgm:txFillClrLst>
+    <dgm:txEffectClrLst/>
+  </dgm:styleLbl>
+  <dgm:styleLbl name="parChTrans1D3">
+    <dgm:fillClrLst meth="repeat">
+      <a:schemeClr val="accent1"/>
+    </dgm:fillClrLst>
+    <dgm:linClrLst meth="repeat">
+      <a:schemeClr val="accent1">
+        <a:shade val="80000"/>
+      </a:schemeClr>
+    </dgm:linClrLst>
+    <dgm:effectClrLst/>
+    <dgm:txLinClrLst/>
+    <dgm:txFillClrLst meth="repeat">
+      <a:schemeClr val="tx1"/>
+    </dgm:txFillClrLst>
+    <dgm:txEffectClrLst/>
+  </dgm:styleLbl>
+  <dgm:styleLbl name="parChTrans1D4">
+    <dgm:fillClrLst meth="repeat">
+      <a:schemeClr val="accent1"/>
+    </dgm:fillClrLst>
+    <dgm:linClrLst meth="repeat">
+      <a:schemeClr val="accent1">
+        <a:shade val="80000"/>
+      </a:schemeClr>
+    </dgm:linClrLst>
+    <dgm:effectClrLst/>
+    <dgm:txLinClrLst/>
+    <dgm:txFillClrLst meth="repeat">
+      <a:schemeClr val="tx1"/>
+    </dgm:txFillClrLst>
+    <dgm:txEffectClrLst/>
+  </dgm:styleLbl>
+  <dgm:styleLbl name="fgAcc1">
+    <dgm:fillClrLst meth="repeat">
+      <a:schemeClr val="lt1">
+        <a:alpha val="90000"/>
+      </a:schemeClr>
+    </dgm:fillClrLst>
+    <dgm:linClrLst meth="repeat">
+      <a:schemeClr val="accent1"/>
+    </dgm:linClrLst>
+    <dgm:effectClrLst/>
+    <dgm:txLinClrLst/>
+    <dgm:txFillClrLst meth="repeat">
+      <a:schemeClr val="dk1"/>
+    </dgm:txFillClrLst>
+    <dgm:txEffectClrLst/>
+  </dgm:styleLbl>
+  <dgm:styleLbl name="conFgAcc1">
+    <dgm:fillClrLst meth="repeat">
+      <a:schemeClr val="lt1">
+        <a:alpha val="90000"/>
+      </a:schemeClr>
+    </dgm:fillClrLst>
+    <dgm:linClrLst meth="repeat">
+      <a:schemeClr val="accent1"/>
+    </dgm:linClrLst>
+    <dgm:effectClrLst/>
+    <dgm:txLinClrLst/>
+    <dgm:txFillClrLst meth="repeat">
+      <a:schemeClr val="dk1"/>
+    </dgm:txFillClrLst>
+    <dgm:txEffectClrLst/>
+  </dgm:styleLbl>
+  <dgm:styleLbl name="alignAcc1">
+    <dgm:fillClrLst meth="repeat">
+      <a:schemeClr val="lt1">
+        <a:alpha val="90000"/>
+      </a:schemeClr>
+    </dgm:fillClrLst>
+    <dgm:linClrLst meth="repeat">
+      <a:schemeClr val="accent1"/>
+    </dgm:linClrLst>
+    <dgm:effectClrLst/>
+    <dgm:txLinClrLst/>
+    <dgm:txFillClrLst meth="repeat">
+      <a:schemeClr val="dk1"/>
+    </dgm:txFillClrLst>
+    <dgm:txEffectClrLst/>
+  </dgm:styleLbl>
+  <dgm:styleLbl name="trAlignAcc1">
+    <dgm:fillClrLst meth="repeat">
+      <a:schemeClr val="lt1">
+        <a:alpha val="40000"/>
+      </a:schemeClr>
+    </dgm:fillClrLst>
+    <dgm:linClrLst meth="repeat">
+      <a:schemeClr val="accent1"/>
+    </dgm:linClrLst>
+    <dgm:effectClrLst/>
+    <dgm:txLinClrLst/>
+    <dgm:txFillClrLst meth="repeat">
+      <a:schemeClr val="dk1"/>
+    </dgm:txFillClrLst>
+    <dgm:txEffectClrLst/>
+  </dgm:styleLbl>
+  <dgm:styleLbl name="bgAcc1">
+    <dgm:fillClrLst meth="repeat">
+      <a:schemeClr val="lt1">
+        <a:alpha val="90000"/>
+      </a:schemeClr>
+    </dgm:fillClrLst>
+    <dgm:linClrLst meth="repeat">
+      <a:schemeClr val="accent1"/>
+    </dgm:linClrLst>
+    <dgm:effectClrLst/>
+    <dgm:txLinClrLst/>
+    <dgm:txFillClrLst meth="repeat">
+      <a:schemeClr val="dk1"/>
+    </dgm:txFillClrLst>
+    <dgm:txEffectClrLst/>
+  </dgm:styleLbl>
+  <dgm:styleLbl name="solidFgAcc1">
+    <dgm:fillClrLst meth="repeat">
+      <a:schemeClr val="lt1"/>
+    </dgm:fillClrLst>
+    <dgm:linClrLst meth="repeat">
+      <a:schemeClr val="accent1"/>
+    </dgm:linClrLst>
+    <dgm:effectClrLst/>
+    <dgm:txLinClrLst/>
+    <dgm:txFillClrLst meth="repeat">
+      <a:schemeClr val="dk1"/>
+    </dgm:txFillClrLst>
+    <dgm:txEffectClrLst/>
+  </dgm:styleLbl>
+  <dgm:styleLbl name="solidAlignAcc1">
+    <dgm:fillClrLst meth="repeat">
+      <a:schemeClr val="lt1"/>
+    </dgm:fillClrLst>
+    <dgm:linClrLst meth="repeat">
+      <a:schemeClr val="accent1"/>
+    </dgm:linClrLst>
+    <dgm:effectClrLst/>
+    <dgm:txLinClrLst/>
+    <dgm:txFillClrLst meth="repeat">
+      <a:schemeClr val="dk1"/>
+    </dgm:txFillClrLst>
+    <dgm:txEffectClrLst/>
+  </dgm:styleLbl>
+  <dgm:styleLbl name="solidBgAcc1">
+    <dgm:fillClrLst meth="repeat">
+      <a:schemeClr val="lt1"/>
+    </dgm:fillClrLst>
+    <dgm:linClrLst meth="repeat">
+      <a:schemeClr val="accent1"/>
+    </dgm:linClrLst>
+    <dgm:effectClrLst/>
+    <dgm:txLinClrLst/>
+    <dgm:txFillClrLst meth="repeat">
+      <a:schemeClr val="dk1"/>
+    </dgm:txFillClrLst>
+    <dgm:txEffectClrLst/>
+  </dgm:styleLbl>
+  <dgm:styleLbl name="fgAccFollowNode1">
+    <dgm:fillClrLst meth="repeat">
+      <a:schemeClr val="accent1">
+        <a:alpha val="90000"/>
+        <a:tint val="40000"/>
+      </a:schemeClr>
+    </dgm:fillClrLst>
+    <dgm:linClrLst meth="repeat">
+      <a:schemeClr val="accent1">
+        <a:alpha val="90000"/>
+        <a:tint val="40000"/>
+      </a:schemeClr>
+    </dgm:linClrLst>
+    <dgm:effectClrLst/>
+    <dgm:txLinClrLst/>
+    <dgm:txFillClrLst meth="repeat">
+      <a:schemeClr val="dk1"/>
+    </dgm:txFillClrLst>
+    <dgm:txEffectClrLst/>
+  </dgm:styleLbl>
+  <dgm:styleLbl name="alignAccFollowNode1">
+    <dgm:fillClrLst meth="repeat">
+      <a:schemeClr val="accent1">
+        <a:alpha val="90000"/>
+        <a:tint val="40000"/>
+      </a:schemeClr>
+    </dgm:fillClrLst>
+    <dgm:linClrLst meth="repeat">
+      <a:schemeClr val="accent1">
+        <a:alpha val="90000"/>
+        <a:tint val="40000"/>
+      </a:schemeClr>
+    </dgm:linClrLst>
+    <dgm:effectClrLst/>
+    <dgm:txLinClrLst/>
+    <dgm:txFillClrLst meth="repeat">
+      <a:schemeClr val="dk1"/>
+    </dgm:txFillClrLst>
+    <dgm:txEffectClrLst/>
+  </dgm:styleLbl>
+  <dgm:styleLbl name="bgAccFollowNode1">
+    <dgm:fillClrLst meth="repeat">
+      <a:schemeClr val="accent1">
+        <a:alpha val="90000"/>
+        <a:tint val="40000"/>
+      </a:schemeClr>
+    </dgm:fillClrLst>
+    <dgm:linClrLst meth="repeat">
+      <a:schemeClr val="accent1">
+        <a:alpha val="90000"/>
+        <a:tint val="40000"/>
+      </a:schemeClr>
+    </dgm:linClrLst>
+    <dgm:effectClrLst/>
+    <dgm:txLinClrLst/>
+    <dgm:txFillClrLst meth="repeat">
+      <a:schemeClr val="dk1"/>
+    </dgm:txFillClrLst>
+    <dgm:txEffectClrLst/>
+  </dgm:styleLbl>
+  <dgm:styleLbl name="fgAcc0">
+    <dgm:fillClrLst meth="repeat">
+      <a:schemeClr val="lt1">
+        <a:alpha val="90000"/>
+      </a:schemeClr>
+    </dgm:fillClrLst>
+    <dgm:linClrLst meth="repeat">
+      <a:schemeClr val="accent1"/>
+    </dgm:linClrLst>
+    <dgm:effectClrLst/>
+    <dgm:txLinClrLst/>
+    <dgm:txFillClrLst meth="repeat">
+      <a:schemeClr val="dk1"/>
+    </dgm:txFillClrLst>
+    <dgm:txEffectClrLst/>
+  </dgm:styleLbl>
+  <dgm:styleLbl name="fgAcc2">
+    <dgm:fillClrLst meth="repeat">
+      <a:schemeClr val="lt1">
+        <a:alpha val="90000"/>
+      </a:schemeClr>
+    </dgm:fillClrLst>
+    <dgm:linClrLst meth="repeat">
+      <a:schemeClr val="accent1"/>
+    </dgm:linClrLst>
+    <dgm:effectClrLst/>
+    <dgm:txLinClrLst/>
+    <dgm:txFillClrLst meth="repeat">
+      <a:schemeClr val="dk1"/>
+    </dgm:txFillClrLst>
+    <dgm:txEffectClrLst/>
+  </dgm:styleLbl>
+  <dgm:styleLbl name="fgAcc3">
+    <dgm:fillClrLst meth="repeat">
+      <a:schemeClr val="lt1">
+        <a:alpha val="90000"/>
+      </a:schemeClr>
+    </dgm:fillClrLst>
+    <dgm:linClrLst meth="repeat">
+      <a:schemeClr val="accent1"/>
+    </dgm:linClrLst>
+    <dgm:effectClrLst/>
+    <dgm:txLinClrLst/>
+    <dgm:txFillClrLst meth="repeat">
+      <a:schemeClr val="dk1"/>
+    </dgm:txFillClrLst>
+    <dgm:txEffectClrLst/>
+  </dgm:styleLbl>
+  <dgm:styleLbl name="fgAcc4">
+    <dgm:fillClrLst meth="repeat">
+      <a:schemeClr val="lt1">
+        <a:alpha val="90000"/>
+      </a:schemeClr>
+    </dgm:fillClrLst>
+    <dgm:linClrLst meth="repeat">
+      <a:schemeClr val="accent1"/>
+    </dgm:linClrLst>
+    <dgm:effectClrLst/>
+    <dgm:txLinClrLst/>
+    <dgm:txFillClrLst meth="repeat">
+      <a:schemeClr val="dk1"/>
+    </dgm:txFillClrLst>
+    <dgm:txEffectClrLst/>
+  </dgm:styleLbl>
+  <dgm:styleLbl name="bgShp">
+    <dgm:fillClrLst meth="repeat">
+      <a:schemeClr val="accent1">
+        <a:tint val="40000"/>
+      </a:schemeClr>
+    </dgm:fillClrLst>
+    <dgm:linClrLst meth="repeat">
+      <a:schemeClr val="accent1"/>
+    </dgm:linClrLst>
+    <dgm:effectClrLst/>
+    <dgm:txLinClrLst/>
+    <dgm:txFillClrLst meth="repeat">
+      <a:schemeClr val="dk1"/>
+    </dgm:txFillClrLst>
+    <dgm:txEffectClrLst/>
+  </dgm:styleLbl>
+  <dgm:styleLbl name="dkBgShp">
+    <dgm:fillClrLst meth="repeat">
+      <a:schemeClr val="accent1">
+        <a:shade val="80000"/>
+      </a:schemeClr>
+    </dgm:fillClrLst>
+    <dgm:linClrLst meth="repeat">
+      <a:schemeClr val="accent1"/>
+    </dgm:linClrLst>
+    <dgm:effectClrLst/>
+    <dgm:txLinClrLst/>
+    <dgm:txFillClrLst meth="repeat">
+      <a:schemeClr val="lt1"/>
+    </dgm:txFillClrLst>
+    <dgm:txEffectClrLst/>
+  </dgm:styleLbl>
+  <dgm:styleLbl name="trBgShp">
+    <dgm:fillClrLst meth="repeat">
+      <a:schemeClr val="accent1">
+        <a:tint val="50000"/>
+        <a:alpha val="40000"/>
+      </a:schemeClr>
+    </dgm:fillClrLst>
+    <dgm:linClrLst meth="repeat">
+      <a:schemeClr val="accent1"/>
+    </dgm:linClrLst>
+    <dgm:effectClrLst/>
+    <dgm:txLinClrLst/>
+    <dgm:txFillClrLst meth="repeat">
+      <a:schemeClr val="lt1"/>
+    </dgm:txFillClrLst>
+    <dgm:txEffectClrLst/>
+  </dgm:styleLbl>
+  <dgm:styleLbl name="fgShp">
+    <dgm:fillClrLst meth="repeat">
+      <a:schemeClr val="accent1">
+        <a:tint val="60000"/>
+      </a:schemeClr>
+    </dgm:fillClrLst>
+    <dgm:linClrLst meth="repeat">
+      <a:schemeClr val="lt1"/>
+    </dgm:linClrLst>
+    <dgm:effectClrLst/>
+    <dgm:txLinClrLst/>
+    <dgm:txFillClrLst meth="repeat">
+      <a:schemeClr val="dk1"/>
+    </dgm:txFillClrLst>
+    <dgm:txEffectClrLst/>
+  </dgm:styleLbl>
+  <dgm:styleLbl name="revTx">
+    <dgm:fillClrLst meth="repeat">
+      <a:schemeClr val="lt1">
+        <a:alpha val="0"/>
+      </a:schemeClr>
+    </dgm:fillClrLst>
+    <dgm:linClrLst meth="repeat">
+      <a:schemeClr val="dk1">
+        <a:alpha val="0"/>
+      </a:schemeClr>
+    </dgm:linClrLst>
+    <dgm:effectClrLst/>
+    <dgm:txLinClrLst/>
+    <dgm:txFillClrLst meth="repeat">
+      <a:schemeClr val="tx1"/>
+    </dgm:txFillClrLst>
+    <dgm:txEffectClrLst/>
+  </dgm:styleLbl>
+</dgm:colorsDef>
+</file>
+
+<file path=ppt/diagrams/data1.xml><?xml version="1.0" encoding="utf-8"?>
+<dgm:dataModel xmlns:dgm="http://schemas.openxmlformats.org/drawingml/2006/diagram" xmlns:a="http://schemas.openxmlformats.org/drawingml/2006/main">
+  <dgm:ptLst>
+    <dgm:pt modelId="{54094BEC-6369-4211-B012-9EE825790101}" type="doc">
+      <dgm:prSet loTypeId="urn:microsoft.com/office/officeart/2008/layout/VerticalCurvedList" loCatId="list" qsTypeId="urn:microsoft.com/office/officeart/2005/8/quickstyle/simple1" qsCatId="simple" csTypeId="urn:microsoft.com/office/officeart/2005/8/colors/accent1_2" csCatId="accent1" phldr="1"/>
+      <dgm:spPr/>
+      <dgm:t>
+        <a:bodyPr/>
+        <a:lstStyle/>
+        <a:p>
+          <a:endParaRPr lang="es-ES"/>
+        </a:p>
+      </dgm:t>
+    </dgm:pt>
+    <dgm:pt modelId="{950F7666-65DE-4C50-8BC9-0B7B81BE9FFE}">
+      <dgm:prSet phldrT="[Texto]"/>
+      <dgm:spPr>
+        <a:solidFill>
+          <a:srgbClr val="004AAD"/>
+        </a:solidFill>
+      </dgm:spPr>
+      <dgm:t>
+        <a:bodyPr/>
+        <a:lstStyle/>
+        <a:p>
+          <a:r>
+            <a:rPr lang="es-ES" dirty="0"/>
+            <a:t>Evaluar las condiciones del departamento de RRHH donde hay una mayor proporción de renuncias.</a:t>
+          </a:r>
+        </a:p>
+      </dgm:t>
+    </dgm:pt>
+    <dgm:pt modelId="{048E66F7-8BA5-4CE5-82BA-0BE5302AB000}" type="parTrans" cxnId="{85FE23CF-8840-4C9A-B9E5-F290F5651494}">
+      <dgm:prSet/>
+      <dgm:spPr/>
+      <dgm:t>
+        <a:bodyPr/>
+        <a:lstStyle/>
+        <a:p>
+          <a:endParaRPr lang="es-ES"/>
+        </a:p>
+      </dgm:t>
+    </dgm:pt>
+    <dgm:pt modelId="{9348E62C-F081-42E7-875F-96B6BC7F3E7B}" type="sibTrans" cxnId="{85FE23CF-8840-4C9A-B9E5-F290F5651494}">
+      <dgm:prSet/>
+      <dgm:spPr/>
+      <dgm:t>
+        <a:bodyPr/>
+        <a:lstStyle/>
+        <a:p>
+          <a:endParaRPr lang="es-ES"/>
+        </a:p>
+      </dgm:t>
+    </dgm:pt>
+    <dgm:pt modelId="{170F6FEB-983B-44D2-B0BC-CF52C32EE9BE}">
+      <dgm:prSet phldrT="[Texto]"/>
+      <dgm:spPr>
+        <a:solidFill>
+          <a:srgbClr val="F4EEDC"/>
+        </a:solidFill>
+      </dgm:spPr>
+      <dgm:t>
+        <a:bodyPr/>
+        <a:lstStyle/>
+        <a:p>
+          <a:r>
+            <a:rPr lang="es-ES" dirty="0">
+              <a:solidFill>
+                <a:sysClr val="windowText" lastClr="000000"/>
+              </a:solidFill>
+            </a:rPr>
+            <a:t>Realizar las mismas evaluaciones para los departamentos de contabilidad y técnico.</a:t>
+          </a:r>
+        </a:p>
+      </dgm:t>
+    </dgm:pt>
+    <dgm:pt modelId="{FB9851E9-27D9-494C-9FAE-AEFC2F6C183B}" type="parTrans" cxnId="{3A07EFFD-88A4-4FE7-8010-C414508AEE4C}">
+      <dgm:prSet/>
+      <dgm:spPr/>
+      <dgm:t>
+        <a:bodyPr/>
+        <a:lstStyle/>
+        <a:p>
+          <a:endParaRPr lang="es-ES"/>
+        </a:p>
+      </dgm:t>
+    </dgm:pt>
+    <dgm:pt modelId="{10A48156-7294-4E8D-A624-259CE132B72A}" type="sibTrans" cxnId="{3A07EFFD-88A4-4FE7-8010-C414508AEE4C}">
+      <dgm:prSet/>
+      <dgm:spPr/>
+      <dgm:t>
+        <a:bodyPr/>
+        <a:lstStyle/>
+        <a:p>
+          <a:endParaRPr lang="es-ES"/>
+        </a:p>
+      </dgm:t>
+    </dgm:pt>
+    <dgm:pt modelId="{9859CC96-4C9E-44A0-BF34-3EEB46EBA64F}">
+      <dgm:prSet phldrT="[Texto]"/>
+      <dgm:spPr>
+        <a:solidFill>
+          <a:srgbClr val="5BB7C3"/>
+        </a:solidFill>
+      </dgm:spPr>
+      <dgm:t>
+        <a:bodyPr/>
+        <a:lstStyle/>
+        <a:p>
+          <a:r>
+            <a:rPr lang="es-ES" dirty="0">
+              <a:solidFill>
+                <a:sysClr val="windowText" lastClr="000000"/>
+              </a:solidFill>
+            </a:rPr>
+            <a:t>Evaluar la política de promoción para facilitar el crecimiento de los empleados que se quiere conservar. </a:t>
+          </a:r>
+        </a:p>
+      </dgm:t>
+    </dgm:pt>
+    <dgm:pt modelId="{37088F97-EAA2-45F1-9692-7D249A035907}" type="parTrans" cxnId="{2F6C4D3A-9AC0-4501-BDC1-6B0E6CCC6574}">
+      <dgm:prSet/>
+      <dgm:spPr/>
+      <dgm:t>
+        <a:bodyPr/>
+        <a:lstStyle/>
+        <a:p>
+          <a:endParaRPr lang="es-ES"/>
+        </a:p>
+      </dgm:t>
+    </dgm:pt>
+    <dgm:pt modelId="{B3422539-006A-4910-A3B5-AB2C491C8183}" type="sibTrans" cxnId="{2F6C4D3A-9AC0-4501-BDC1-6B0E6CCC6574}">
+      <dgm:prSet/>
+      <dgm:spPr/>
+      <dgm:t>
+        <a:bodyPr/>
+        <a:lstStyle/>
+        <a:p>
+          <a:endParaRPr lang="es-ES"/>
+        </a:p>
+      </dgm:t>
+    </dgm:pt>
+    <dgm:pt modelId="{FA066AEF-836E-4D11-AB90-7043954BC7E0}">
+      <dgm:prSet/>
+      <dgm:spPr>
+        <a:solidFill>
+          <a:srgbClr val="848484"/>
+        </a:solidFill>
+      </dgm:spPr>
+      <dgm:t>
+        <a:bodyPr/>
+        <a:lstStyle/>
+        <a:p>
+          <a:r>
+            <a:rPr lang="es-ES" dirty="0">
+              <a:solidFill>
+                <a:sysClr val="windowText" lastClr="000000"/>
+              </a:solidFill>
+            </a:rPr>
+            <a:t>Investigar la razón por la que los empleados que han tenido un accidente tienden menos a renunciar para poder mejorar la experiencia de los que no han sufrido accidentes.</a:t>
+          </a:r>
+        </a:p>
+      </dgm:t>
+    </dgm:pt>
+    <dgm:pt modelId="{D93EA554-1E38-4D50-A8F6-CD06BA5D958B}" type="parTrans" cxnId="{33543B91-E649-47A5-8E9C-FCDD4E1CB085}">
+      <dgm:prSet/>
+      <dgm:spPr/>
+      <dgm:t>
+        <a:bodyPr/>
+        <a:lstStyle/>
+        <a:p>
+          <a:endParaRPr lang="es-ES"/>
+        </a:p>
+      </dgm:t>
+    </dgm:pt>
+    <dgm:pt modelId="{B6E1C478-3A1A-43FA-BF62-16A0395EFBAE}" type="sibTrans" cxnId="{33543B91-E649-47A5-8E9C-FCDD4E1CB085}">
+      <dgm:prSet/>
+      <dgm:spPr/>
+      <dgm:t>
+        <a:bodyPr/>
+        <a:lstStyle/>
+        <a:p>
+          <a:endParaRPr lang="es-ES"/>
+        </a:p>
+      </dgm:t>
+    </dgm:pt>
+    <dgm:pt modelId="{DD6837D8-CE89-4E95-A754-0B3F3042C351}" type="pres">
+      <dgm:prSet presAssocID="{54094BEC-6369-4211-B012-9EE825790101}" presName="Name0" presStyleCnt="0">
+        <dgm:presLayoutVars>
+          <dgm:chMax val="7"/>
+          <dgm:chPref val="7"/>
+          <dgm:dir/>
+        </dgm:presLayoutVars>
+      </dgm:prSet>
+      <dgm:spPr/>
+    </dgm:pt>
+    <dgm:pt modelId="{8DAB9D6D-E70F-4EF1-BAC4-D7D711C4E588}" type="pres">
+      <dgm:prSet presAssocID="{54094BEC-6369-4211-B012-9EE825790101}" presName="Name1" presStyleCnt="0"/>
+      <dgm:spPr/>
+    </dgm:pt>
+    <dgm:pt modelId="{A8660876-7C5B-4006-B530-47F07689E55F}" type="pres">
+      <dgm:prSet presAssocID="{54094BEC-6369-4211-B012-9EE825790101}" presName="cycle" presStyleCnt="0"/>
+      <dgm:spPr/>
+    </dgm:pt>
+    <dgm:pt modelId="{C087DDF0-0B41-450D-86B7-534AE16F3DD4}" type="pres">
+      <dgm:prSet presAssocID="{54094BEC-6369-4211-B012-9EE825790101}" presName="srcNode" presStyleLbl="node1" presStyleIdx="0" presStyleCnt="4"/>
+      <dgm:spPr/>
+    </dgm:pt>
+    <dgm:pt modelId="{B3A48F01-ECC5-4276-8716-F835C935E1F9}" type="pres">
+      <dgm:prSet presAssocID="{54094BEC-6369-4211-B012-9EE825790101}" presName="conn" presStyleLbl="parChTrans1D2" presStyleIdx="0" presStyleCnt="1"/>
+      <dgm:spPr/>
+    </dgm:pt>
+    <dgm:pt modelId="{045F3F6A-C716-451D-93D4-F6118B6B86B4}" type="pres">
+      <dgm:prSet presAssocID="{54094BEC-6369-4211-B012-9EE825790101}" presName="extraNode" presStyleLbl="node1" presStyleIdx="0" presStyleCnt="4"/>
+      <dgm:spPr/>
+    </dgm:pt>
+    <dgm:pt modelId="{F331BB2A-0949-4539-B0FA-DA542C775CEA}" type="pres">
+      <dgm:prSet presAssocID="{54094BEC-6369-4211-B012-9EE825790101}" presName="dstNode" presStyleLbl="node1" presStyleIdx="0" presStyleCnt="4"/>
+      <dgm:spPr/>
+    </dgm:pt>
+    <dgm:pt modelId="{61E01A78-5B87-4B2C-9303-688B5B2C40D7}" type="pres">
+      <dgm:prSet presAssocID="{950F7666-65DE-4C50-8BC9-0B7B81BE9FFE}" presName="text_1" presStyleLbl="node1" presStyleIdx="0" presStyleCnt="4">
+        <dgm:presLayoutVars>
+          <dgm:bulletEnabled val="1"/>
+        </dgm:presLayoutVars>
+      </dgm:prSet>
+      <dgm:spPr/>
+    </dgm:pt>
+    <dgm:pt modelId="{A5E9309F-FB08-4D9B-8AF1-C470ED28EAD0}" type="pres">
+      <dgm:prSet presAssocID="{950F7666-65DE-4C50-8BC9-0B7B81BE9FFE}" presName="accent_1" presStyleCnt="0"/>
+      <dgm:spPr/>
+    </dgm:pt>
+    <dgm:pt modelId="{C8FA9378-E2E4-48CE-8853-C66905EA926C}" type="pres">
+      <dgm:prSet presAssocID="{950F7666-65DE-4C50-8BC9-0B7B81BE9FFE}" presName="accentRepeatNode" presStyleLbl="solidFgAcc1" presStyleIdx="0" presStyleCnt="4"/>
+      <dgm:spPr/>
+    </dgm:pt>
+    <dgm:pt modelId="{275FCFCC-8ACF-4F5B-ACD1-284195E49BE7}" type="pres">
+      <dgm:prSet presAssocID="{170F6FEB-983B-44D2-B0BC-CF52C32EE9BE}" presName="text_2" presStyleLbl="node1" presStyleIdx="1" presStyleCnt="4">
+        <dgm:presLayoutVars>
+          <dgm:bulletEnabled val="1"/>
+        </dgm:presLayoutVars>
+      </dgm:prSet>
+      <dgm:spPr/>
+    </dgm:pt>
+    <dgm:pt modelId="{F6757BB3-2F7C-4CF9-BF6A-4C774F610D49}" type="pres">
+      <dgm:prSet presAssocID="{170F6FEB-983B-44D2-B0BC-CF52C32EE9BE}" presName="accent_2" presStyleCnt="0"/>
+      <dgm:spPr/>
+    </dgm:pt>
+    <dgm:pt modelId="{D24BD180-4A8B-46C9-B832-D1A348E1267A}" type="pres">
+      <dgm:prSet presAssocID="{170F6FEB-983B-44D2-B0BC-CF52C32EE9BE}" presName="accentRepeatNode" presStyleLbl="solidFgAcc1" presStyleIdx="1" presStyleCnt="4"/>
+      <dgm:spPr/>
+    </dgm:pt>
+    <dgm:pt modelId="{92E73AFA-1726-4FCA-905C-3C45F37F2F64}" type="pres">
+      <dgm:prSet presAssocID="{9859CC96-4C9E-44A0-BF34-3EEB46EBA64F}" presName="text_3" presStyleLbl="node1" presStyleIdx="2" presStyleCnt="4">
+        <dgm:presLayoutVars>
+          <dgm:bulletEnabled val="1"/>
+        </dgm:presLayoutVars>
+      </dgm:prSet>
+      <dgm:spPr/>
+    </dgm:pt>
+    <dgm:pt modelId="{F4AC269F-80E4-4135-BC72-BBD97C2DD975}" type="pres">
+      <dgm:prSet presAssocID="{9859CC96-4C9E-44A0-BF34-3EEB46EBA64F}" presName="accent_3" presStyleCnt="0"/>
+      <dgm:spPr/>
+    </dgm:pt>
+    <dgm:pt modelId="{00EB0D90-24AF-4119-AFBB-FA179213F8CB}" type="pres">
+      <dgm:prSet presAssocID="{9859CC96-4C9E-44A0-BF34-3EEB46EBA64F}" presName="accentRepeatNode" presStyleLbl="solidFgAcc1" presStyleIdx="2" presStyleCnt="4"/>
+      <dgm:spPr/>
+    </dgm:pt>
+    <dgm:pt modelId="{68764195-D643-46B0-A90B-7F2135943B99}" type="pres">
+      <dgm:prSet presAssocID="{FA066AEF-836E-4D11-AB90-7043954BC7E0}" presName="text_4" presStyleLbl="node1" presStyleIdx="3" presStyleCnt="4">
+        <dgm:presLayoutVars>
+          <dgm:bulletEnabled val="1"/>
+        </dgm:presLayoutVars>
+      </dgm:prSet>
+      <dgm:spPr/>
+    </dgm:pt>
+    <dgm:pt modelId="{7C4877EF-2501-4F64-9A6F-5DC17D771404}" type="pres">
+      <dgm:prSet presAssocID="{FA066AEF-836E-4D11-AB90-7043954BC7E0}" presName="accent_4" presStyleCnt="0"/>
+      <dgm:spPr/>
+    </dgm:pt>
+    <dgm:pt modelId="{34F06E88-32DB-48B4-ADAB-B895D227F493}" type="pres">
+      <dgm:prSet presAssocID="{FA066AEF-836E-4D11-AB90-7043954BC7E0}" presName="accentRepeatNode" presStyleLbl="solidFgAcc1" presStyleIdx="3" presStyleCnt="4"/>
+      <dgm:spPr/>
+    </dgm:pt>
+  </dgm:ptLst>
+  <dgm:cxnLst>
+    <dgm:cxn modelId="{15F9E221-22CF-41B8-8410-54AF9F0D472D}" type="presOf" srcId="{9859CC96-4C9E-44A0-BF34-3EEB46EBA64F}" destId="{92E73AFA-1726-4FCA-905C-3C45F37F2F64}" srcOrd="0" destOrd="0" presId="urn:microsoft.com/office/officeart/2008/layout/VerticalCurvedList"/>
+    <dgm:cxn modelId="{2F6C4D3A-9AC0-4501-BDC1-6B0E6CCC6574}" srcId="{54094BEC-6369-4211-B012-9EE825790101}" destId="{9859CC96-4C9E-44A0-BF34-3EEB46EBA64F}" srcOrd="2" destOrd="0" parTransId="{37088F97-EAA2-45F1-9692-7D249A035907}" sibTransId="{B3422539-006A-4910-A3B5-AB2C491C8183}"/>
+    <dgm:cxn modelId="{8D1ED868-B194-494D-802F-477991820E0A}" type="presOf" srcId="{54094BEC-6369-4211-B012-9EE825790101}" destId="{DD6837D8-CE89-4E95-A754-0B3F3042C351}" srcOrd="0" destOrd="0" presId="urn:microsoft.com/office/officeart/2008/layout/VerticalCurvedList"/>
+    <dgm:cxn modelId="{A121F385-D3E9-476E-A2CE-5FD36E44E04F}" type="presOf" srcId="{170F6FEB-983B-44D2-B0BC-CF52C32EE9BE}" destId="{275FCFCC-8ACF-4F5B-ACD1-284195E49BE7}" srcOrd="0" destOrd="0" presId="urn:microsoft.com/office/officeart/2008/layout/VerticalCurvedList"/>
+    <dgm:cxn modelId="{33543B91-E649-47A5-8E9C-FCDD4E1CB085}" srcId="{54094BEC-6369-4211-B012-9EE825790101}" destId="{FA066AEF-836E-4D11-AB90-7043954BC7E0}" srcOrd="3" destOrd="0" parTransId="{D93EA554-1E38-4D50-A8F6-CD06BA5D958B}" sibTransId="{B6E1C478-3A1A-43FA-BF62-16A0395EFBAE}"/>
+    <dgm:cxn modelId="{41831993-D7E5-4EBC-958D-6E42F189F494}" type="presOf" srcId="{9348E62C-F081-42E7-875F-96B6BC7F3E7B}" destId="{B3A48F01-ECC5-4276-8716-F835C935E1F9}" srcOrd="0" destOrd="0" presId="urn:microsoft.com/office/officeart/2008/layout/VerticalCurvedList"/>
+    <dgm:cxn modelId="{C0DCF493-65D4-434C-976F-CA02004C42C4}" type="presOf" srcId="{950F7666-65DE-4C50-8BC9-0B7B81BE9FFE}" destId="{61E01A78-5B87-4B2C-9303-688B5B2C40D7}" srcOrd="0" destOrd="0" presId="urn:microsoft.com/office/officeart/2008/layout/VerticalCurvedList"/>
+    <dgm:cxn modelId="{0ECB14AE-D578-483D-8C60-5C46914465BA}" type="presOf" srcId="{FA066AEF-836E-4D11-AB90-7043954BC7E0}" destId="{68764195-D643-46B0-A90B-7F2135943B99}" srcOrd="0" destOrd="0" presId="urn:microsoft.com/office/officeart/2008/layout/VerticalCurvedList"/>
+    <dgm:cxn modelId="{85FE23CF-8840-4C9A-B9E5-F290F5651494}" srcId="{54094BEC-6369-4211-B012-9EE825790101}" destId="{950F7666-65DE-4C50-8BC9-0B7B81BE9FFE}" srcOrd="0" destOrd="0" parTransId="{048E66F7-8BA5-4CE5-82BA-0BE5302AB000}" sibTransId="{9348E62C-F081-42E7-875F-96B6BC7F3E7B}"/>
+    <dgm:cxn modelId="{3A07EFFD-88A4-4FE7-8010-C414508AEE4C}" srcId="{54094BEC-6369-4211-B012-9EE825790101}" destId="{170F6FEB-983B-44D2-B0BC-CF52C32EE9BE}" srcOrd="1" destOrd="0" parTransId="{FB9851E9-27D9-494C-9FAE-AEFC2F6C183B}" sibTransId="{10A48156-7294-4E8D-A624-259CE132B72A}"/>
+    <dgm:cxn modelId="{693E0464-FE44-4B3F-A564-DD96F95DD51E}" type="presParOf" srcId="{DD6837D8-CE89-4E95-A754-0B3F3042C351}" destId="{8DAB9D6D-E70F-4EF1-BAC4-D7D711C4E588}" srcOrd="0" destOrd="0" presId="urn:microsoft.com/office/officeart/2008/layout/VerticalCurvedList"/>
+    <dgm:cxn modelId="{1EFBC227-A921-425D-819E-F9D8FC535FEE}" type="presParOf" srcId="{8DAB9D6D-E70F-4EF1-BAC4-D7D711C4E588}" destId="{A8660876-7C5B-4006-B530-47F07689E55F}" srcOrd="0" destOrd="0" presId="urn:microsoft.com/office/officeart/2008/layout/VerticalCurvedList"/>
+    <dgm:cxn modelId="{A05A6534-5BE6-4845-87C5-F6C85AC1184B}" type="presParOf" srcId="{A8660876-7C5B-4006-B530-47F07689E55F}" destId="{C087DDF0-0B41-450D-86B7-534AE16F3DD4}" srcOrd="0" destOrd="0" presId="urn:microsoft.com/office/officeart/2008/layout/VerticalCurvedList"/>
+    <dgm:cxn modelId="{E92B0B9D-5AE5-4E95-9867-D21B7C56E632}" type="presParOf" srcId="{A8660876-7C5B-4006-B530-47F07689E55F}" destId="{B3A48F01-ECC5-4276-8716-F835C935E1F9}" srcOrd="1" destOrd="0" presId="urn:microsoft.com/office/officeart/2008/layout/VerticalCurvedList"/>
+    <dgm:cxn modelId="{DC96BCED-14D7-4792-988B-7C89F43E3A45}" type="presParOf" srcId="{A8660876-7C5B-4006-B530-47F07689E55F}" destId="{045F3F6A-C716-451D-93D4-F6118B6B86B4}" srcOrd="2" destOrd="0" presId="urn:microsoft.com/office/officeart/2008/layout/VerticalCurvedList"/>
+    <dgm:cxn modelId="{74C35E73-6B3E-4366-876C-735334FE4846}" type="presParOf" srcId="{A8660876-7C5B-4006-B530-47F07689E55F}" destId="{F331BB2A-0949-4539-B0FA-DA542C775CEA}" srcOrd="3" destOrd="0" presId="urn:microsoft.com/office/officeart/2008/layout/VerticalCurvedList"/>
+    <dgm:cxn modelId="{7143C178-FB51-4D9A-89B3-921DABBA4F07}" type="presParOf" srcId="{8DAB9D6D-E70F-4EF1-BAC4-D7D711C4E588}" destId="{61E01A78-5B87-4B2C-9303-688B5B2C40D7}" srcOrd="1" destOrd="0" presId="urn:microsoft.com/office/officeart/2008/layout/VerticalCurvedList"/>
+    <dgm:cxn modelId="{C18D2C34-B597-493F-8332-2E2C036977D8}" type="presParOf" srcId="{8DAB9D6D-E70F-4EF1-BAC4-D7D711C4E588}" destId="{A5E9309F-FB08-4D9B-8AF1-C470ED28EAD0}" srcOrd="2" destOrd="0" presId="urn:microsoft.com/office/officeart/2008/layout/VerticalCurvedList"/>
+    <dgm:cxn modelId="{6088CAAA-95C4-43BA-83A7-C421FDD569AE}" type="presParOf" srcId="{A5E9309F-FB08-4D9B-8AF1-C470ED28EAD0}" destId="{C8FA9378-E2E4-48CE-8853-C66905EA926C}" srcOrd="0" destOrd="0" presId="urn:microsoft.com/office/officeart/2008/layout/VerticalCurvedList"/>
+    <dgm:cxn modelId="{60FAB984-DEB1-4940-A790-C1160B24A2D2}" type="presParOf" srcId="{8DAB9D6D-E70F-4EF1-BAC4-D7D711C4E588}" destId="{275FCFCC-8ACF-4F5B-ACD1-284195E49BE7}" srcOrd="3" destOrd="0" presId="urn:microsoft.com/office/officeart/2008/layout/VerticalCurvedList"/>
+    <dgm:cxn modelId="{E7388DF8-6707-43FA-A60A-7429370C0F06}" type="presParOf" srcId="{8DAB9D6D-E70F-4EF1-BAC4-D7D711C4E588}" destId="{F6757BB3-2F7C-4CF9-BF6A-4C774F610D49}" srcOrd="4" destOrd="0" presId="urn:microsoft.com/office/officeart/2008/layout/VerticalCurvedList"/>
+    <dgm:cxn modelId="{46E1DA27-7018-48B6-AA0D-55A47A38B601}" type="presParOf" srcId="{F6757BB3-2F7C-4CF9-BF6A-4C774F610D49}" destId="{D24BD180-4A8B-46C9-B832-D1A348E1267A}" srcOrd="0" destOrd="0" presId="urn:microsoft.com/office/officeart/2008/layout/VerticalCurvedList"/>
+    <dgm:cxn modelId="{00BF7D8A-8C02-435A-B564-C67135F4EC65}" type="presParOf" srcId="{8DAB9D6D-E70F-4EF1-BAC4-D7D711C4E588}" destId="{92E73AFA-1726-4FCA-905C-3C45F37F2F64}" srcOrd="5" destOrd="0" presId="urn:microsoft.com/office/officeart/2008/layout/VerticalCurvedList"/>
+    <dgm:cxn modelId="{34BEB9B7-18C9-441A-89BC-85EBB853D511}" type="presParOf" srcId="{8DAB9D6D-E70F-4EF1-BAC4-D7D711C4E588}" destId="{F4AC269F-80E4-4135-BC72-BBD97C2DD975}" srcOrd="6" destOrd="0" presId="urn:microsoft.com/office/officeart/2008/layout/VerticalCurvedList"/>
+    <dgm:cxn modelId="{B1C65591-2D45-43D5-895C-458201B97FAF}" type="presParOf" srcId="{F4AC269F-80E4-4135-BC72-BBD97C2DD975}" destId="{00EB0D90-24AF-4119-AFBB-FA179213F8CB}" srcOrd="0" destOrd="0" presId="urn:microsoft.com/office/officeart/2008/layout/VerticalCurvedList"/>
+    <dgm:cxn modelId="{21A09E89-3567-412D-A21C-E4C74488CC86}" type="presParOf" srcId="{8DAB9D6D-E70F-4EF1-BAC4-D7D711C4E588}" destId="{68764195-D643-46B0-A90B-7F2135943B99}" srcOrd="7" destOrd="0" presId="urn:microsoft.com/office/officeart/2008/layout/VerticalCurvedList"/>
+    <dgm:cxn modelId="{6C4E5F3A-C6DF-481A-BDB7-0840BF00E71D}" type="presParOf" srcId="{8DAB9D6D-E70F-4EF1-BAC4-D7D711C4E588}" destId="{7C4877EF-2501-4F64-9A6F-5DC17D771404}" srcOrd="8" destOrd="0" presId="urn:microsoft.com/office/officeart/2008/layout/VerticalCurvedList"/>
+    <dgm:cxn modelId="{F4301B97-6CA4-4174-BDA5-5E014718DEAA}" type="presParOf" srcId="{7C4877EF-2501-4F64-9A6F-5DC17D771404}" destId="{34F06E88-32DB-48B4-ADAB-B895D227F493}" srcOrd="0" destOrd="0" presId="urn:microsoft.com/office/officeart/2008/layout/VerticalCurvedList"/>
+  </dgm:cxnLst>
+  <dgm:bg/>
+  <dgm:whole/>
+  <dgm:extLst>
+    <a:ext uri="http://schemas.microsoft.com/office/drawing/2008/diagram">
+      <dsp:dataModelExt xmlns:dsp="http://schemas.microsoft.com/office/drawing/2008/diagram" relId="rId6" minVer="http://schemas.openxmlformats.org/drawingml/2006/diagram"/>
+    </a:ext>
+  </dgm:extLst>
+</dgm:dataModel>
+</file>
+
+<file path=ppt/diagrams/drawing1.xml><?xml version="1.0" encoding="utf-8"?>
+<dsp:drawing xmlns:dgm="http://schemas.openxmlformats.org/drawingml/2006/diagram" xmlns:dsp="http://schemas.microsoft.com/office/drawing/2008/diagram" xmlns:a="http://schemas.openxmlformats.org/drawingml/2006/main">
+  <dsp:spTree>
+    <dsp:nvGrpSpPr>
+      <dsp:cNvPr id="0" name=""/>
+      <dsp:cNvGrpSpPr/>
+    </dsp:nvGrpSpPr>
+    <dsp:grpSpPr/>
+    <dsp:sp modelId="{B3A48F01-ECC5-4276-8716-F835C935E1F9}">
+      <dsp:nvSpPr>
+        <dsp:cNvPr id="0" name=""/>
+        <dsp:cNvSpPr/>
+      </dsp:nvSpPr>
+      <dsp:spPr>
+        <a:xfrm>
+          <a:off x="-4919424" y="-753830"/>
+          <a:ext cx="5858998" cy="5858998"/>
+        </a:xfrm>
+        <a:prstGeom prst="blockArc">
+          <a:avLst>
+            <a:gd name="adj1" fmla="val 18900000"/>
+            <a:gd name="adj2" fmla="val 2700000"/>
+            <a:gd name="adj3" fmla="val 369"/>
+          </a:avLst>
+        </a:prstGeom>
+        <a:noFill/>
+        <a:ln w="19050" cap="flat" cmpd="sng" algn="ctr">
+          <a:solidFill>
+            <a:schemeClr val="accent1">
+              <a:shade val="60000"/>
+              <a:hueOff val="0"/>
+              <a:satOff val="0"/>
+              <a:lumOff val="0"/>
+              <a:alphaOff val="0"/>
+            </a:schemeClr>
+          </a:solidFill>
+          <a:prstDash val="solid"/>
+          <a:miter lim="800000"/>
+        </a:ln>
+        <a:effectLst/>
+      </dsp:spPr>
+      <dsp:style>
+        <a:lnRef idx="2">
+          <a:scrgbClr r="0" g="0" b="0"/>
+        </a:lnRef>
+        <a:fillRef idx="0">
+          <a:scrgbClr r="0" g="0" b="0"/>
+        </a:fillRef>
+        <a:effectRef idx="0">
+          <a:scrgbClr r="0" g="0" b="0"/>
+        </a:effectRef>
+        <a:fontRef idx="minor"/>
+      </dsp:style>
+    </dsp:sp>
+    <dsp:sp modelId="{61E01A78-5B87-4B2C-9303-688B5B2C40D7}">
+      <dsp:nvSpPr>
+        <dsp:cNvPr id="0" name=""/>
+        <dsp:cNvSpPr/>
+      </dsp:nvSpPr>
+      <dsp:spPr>
+        <a:xfrm>
+          <a:off x="492024" y="334530"/>
+          <a:ext cx="9963850" cy="669409"/>
+        </a:xfrm>
+        <a:prstGeom prst="rect">
+          <a:avLst/>
+        </a:prstGeom>
+        <a:solidFill>
+          <a:srgbClr val="004AAD"/>
+        </a:solidFill>
+        <a:ln w="19050" cap="flat" cmpd="sng" algn="ctr">
+          <a:solidFill>
+            <a:schemeClr val="lt1">
+              <a:hueOff val="0"/>
+              <a:satOff val="0"/>
+              <a:lumOff val="0"/>
+              <a:alphaOff val="0"/>
+            </a:schemeClr>
+          </a:solidFill>
+          <a:prstDash val="solid"/>
+          <a:miter lim="800000"/>
+        </a:ln>
+        <a:effectLst/>
+      </dsp:spPr>
+      <dsp:style>
+        <a:lnRef idx="2">
+          <a:scrgbClr r="0" g="0" b="0"/>
+        </a:lnRef>
+        <a:fillRef idx="1">
+          <a:scrgbClr r="0" g="0" b="0"/>
+        </a:fillRef>
+        <a:effectRef idx="0">
+          <a:scrgbClr r="0" g="0" b="0"/>
+        </a:effectRef>
+        <a:fontRef idx="minor">
+          <a:schemeClr val="lt1"/>
+        </a:fontRef>
+      </dsp:style>
+      <dsp:txBody>
+        <a:bodyPr spcFirstLastPara="0" vert="horz" wrap="square" lIns="531344" tIns="48260" rIns="48260" bIns="48260" numCol="1" spcCol="1270" anchor="ctr" anchorCtr="0">
+          <a:noAutofit/>
+        </a:bodyPr>
+        <a:lstStyle/>
+        <a:p>
+          <a:pPr marL="0" lvl="0" indent="0" algn="l" defTabSz="844550">
+            <a:lnSpc>
+              <a:spcPct val="90000"/>
+            </a:lnSpc>
+            <a:spcBef>
+              <a:spcPct val="0"/>
+            </a:spcBef>
+            <a:spcAft>
+              <a:spcPct val="35000"/>
+            </a:spcAft>
+            <a:buNone/>
+          </a:pPr>
+          <a:r>
+            <a:rPr lang="es-ES" sz="1900" kern="1200" dirty="0"/>
+            <a:t>Evaluar las condiciones del departamento de RRHH donde hay una mayor proporción de renuncias.</a:t>
+          </a:r>
+        </a:p>
+      </dsp:txBody>
+      <dsp:txXfrm>
+        <a:off x="492024" y="334530"/>
+        <a:ext cx="9963850" cy="669409"/>
+      </dsp:txXfrm>
+    </dsp:sp>
+    <dsp:sp modelId="{C8FA9378-E2E4-48CE-8853-C66905EA926C}">
+      <dsp:nvSpPr>
+        <dsp:cNvPr id="0" name=""/>
+        <dsp:cNvSpPr/>
+      </dsp:nvSpPr>
+      <dsp:spPr>
+        <a:xfrm>
+          <a:off x="73643" y="250854"/>
+          <a:ext cx="836762" cy="836762"/>
+        </a:xfrm>
+        <a:prstGeom prst="ellipse">
+          <a:avLst/>
+        </a:prstGeom>
+        <a:solidFill>
+          <a:schemeClr val="lt1">
+            <a:hueOff val="0"/>
+            <a:satOff val="0"/>
+            <a:lumOff val="0"/>
+            <a:alphaOff val="0"/>
+          </a:schemeClr>
+        </a:solidFill>
+        <a:ln w="19050" cap="flat" cmpd="sng" algn="ctr">
+          <a:solidFill>
+            <a:schemeClr val="accent1">
+              <a:hueOff val="0"/>
+              <a:satOff val="0"/>
+              <a:lumOff val="0"/>
+              <a:alphaOff val="0"/>
+            </a:schemeClr>
+          </a:solidFill>
+          <a:prstDash val="solid"/>
+          <a:miter lim="800000"/>
+        </a:ln>
+        <a:effectLst/>
+      </dsp:spPr>
+      <dsp:style>
+        <a:lnRef idx="2">
+          <a:scrgbClr r="0" g="0" b="0"/>
+        </a:lnRef>
+        <a:fillRef idx="1">
+          <a:scrgbClr r="0" g="0" b="0"/>
+        </a:fillRef>
+        <a:effectRef idx="0">
+          <a:scrgbClr r="0" g="0" b="0"/>
+        </a:effectRef>
+        <a:fontRef idx="minor"/>
+      </dsp:style>
+    </dsp:sp>
+    <dsp:sp modelId="{275FCFCC-8ACF-4F5B-ACD1-284195E49BE7}">
+      <dsp:nvSpPr>
+        <dsp:cNvPr id="0" name=""/>
+        <dsp:cNvSpPr/>
+      </dsp:nvSpPr>
+      <dsp:spPr>
+        <a:xfrm>
+          <a:off x="875812" y="1338819"/>
+          <a:ext cx="9580062" cy="669409"/>
+        </a:xfrm>
+        <a:prstGeom prst="rect">
+          <a:avLst/>
+        </a:prstGeom>
+        <a:solidFill>
+          <a:srgbClr val="F4EEDC"/>
+        </a:solidFill>
+        <a:ln w="19050" cap="flat" cmpd="sng" algn="ctr">
+          <a:solidFill>
+            <a:schemeClr val="lt1">
+              <a:hueOff val="0"/>
+              <a:satOff val="0"/>
+              <a:lumOff val="0"/>
+              <a:alphaOff val="0"/>
+            </a:schemeClr>
+          </a:solidFill>
+          <a:prstDash val="solid"/>
+          <a:miter lim="800000"/>
+        </a:ln>
+        <a:effectLst/>
+      </dsp:spPr>
+      <dsp:style>
+        <a:lnRef idx="2">
+          <a:scrgbClr r="0" g="0" b="0"/>
+        </a:lnRef>
+        <a:fillRef idx="1">
+          <a:scrgbClr r="0" g="0" b="0"/>
+        </a:fillRef>
+        <a:effectRef idx="0">
+          <a:scrgbClr r="0" g="0" b="0"/>
+        </a:effectRef>
+        <a:fontRef idx="minor">
+          <a:schemeClr val="lt1"/>
+        </a:fontRef>
+      </dsp:style>
+      <dsp:txBody>
+        <a:bodyPr spcFirstLastPara="0" vert="horz" wrap="square" lIns="531344" tIns="48260" rIns="48260" bIns="48260" numCol="1" spcCol="1270" anchor="ctr" anchorCtr="0">
+          <a:noAutofit/>
+        </a:bodyPr>
+        <a:lstStyle/>
+        <a:p>
+          <a:pPr marL="0" lvl="0" indent="0" algn="l" defTabSz="844550">
+            <a:lnSpc>
+              <a:spcPct val="90000"/>
+            </a:lnSpc>
+            <a:spcBef>
+              <a:spcPct val="0"/>
+            </a:spcBef>
+            <a:spcAft>
+              <a:spcPct val="35000"/>
+            </a:spcAft>
+            <a:buNone/>
+          </a:pPr>
+          <a:r>
+            <a:rPr lang="es-ES" sz="1900" kern="1200" dirty="0">
+              <a:solidFill>
+                <a:sysClr val="windowText" lastClr="000000"/>
+              </a:solidFill>
+            </a:rPr>
+            <a:t>Realizar las mismas evaluaciones para los departamentos de contabilidad y técnico.</a:t>
+          </a:r>
+        </a:p>
+      </dsp:txBody>
+      <dsp:txXfrm>
+        <a:off x="875812" y="1338819"/>
+        <a:ext cx="9580062" cy="669409"/>
+      </dsp:txXfrm>
+    </dsp:sp>
+    <dsp:sp modelId="{D24BD180-4A8B-46C9-B832-D1A348E1267A}">
+      <dsp:nvSpPr>
+        <dsp:cNvPr id="0" name=""/>
+        <dsp:cNvSpPr/>
+      </dsp:nvSpPr>
+      <dsp:spPr>
+        <a:xfrm>
+          <a:off x="457431" y="1255143"/>
+          <a:ext cx="836762" cy="836762"/>
+        </a:xfrm>
+        <a:prstGeom prst="ellipse">
+          <a:avLst/>
+        </a:prstGeom>
+        <a:solidFill>
+          <a:schemeClr val="lt1">
+            <a:hueOff val="0"/>
+            <a:satOff val="0"/>
+            <a:lumOff val="0"/>
+            <a:alphaOff val="0"/>
+          </a:schemeClr>
+        </a:solidFill>
+        <a:ln w="19050" cap="flat" cmpd="sng" algn="ctr">
+          <a:solidFill>
+            <a:schemeClr val="accent1">
+              <a:hueOff val="0"/>
+              <a:satOff val="0"/>
+              <a:lumOff val="0"/>
+              <a:alphaOff val="0"/>
+            </a:schemeClr>
+          </a:solidFill>
+          <a:prstDash val="solid"/>
+          <a:miter lim="800000"/>
+        </a:ln>
+        <a:effectLst/>
+      </dsp:spPr>
+      <dsp:style>
+        <a:lnRef idx="2">
+          <a:scrgbClr r="0" g="0" b="0"/>
+        </a:lnRef>
+        <a:fillRef idx="1">
+          <a:scrgbClr r="0" g="0" b="0"/>
+        </a:fillRef>
+        <a:effectRef idx="0">
+          <a:scrgbClr r="0" g="0" b="0"/>
+        </a:effectRef>
+        <a:fontRef idx="minor"/>
+      </dsp:style>
+    </dsp:sp>
+    <dsp:sp modelId="{92E73AFA-1726-4FCA-905C-3C45F37F2F64}">
+      <dsp:nvSpPr>
+        <dsp:cNvPr id="0" name=""/>
+        <dsp:cNvSpPr/>
+      </dsp:nvSpPr>
+      <dsp:spPr>
+        <a:xfrm>
+          <a:off x="875812" y="2343108"/>
+          <a:ext cx="9580062" cy="669409"/>
+        </a:xfrm>
+        <a:prstGeom prst="rect">
+          <a:avLst/>
+        </a:prstGeom>
+        <a:solidFill>
+          <a:srgbClr val="5BB7C3"/>
+        </a:solidFill>
+        <a:ln w="19050" cap="flat" cmpd="sng" algn="ctr">
+          <a:solidFill>
+            <a:schemeClr val="lt1">
+              <a:hueOff val="0"/>
+              <a:satOff val="0"/>
+              <a:lumOff val="0"/>
+              <a:alphaOff val="0"/>
+            </a:schemeClr>
+          </a:solidFill>
+          <a:prstDash val="solid"/>
+          <a:miter lim="800000"/>
+        </a:ln>
+        <a:effectLst/>
+      </dsp:spPr>
+      <dsp:style>
+        <a:lnRef idx="2">
+          <a:scrgbClr r="0" g="0" b="0"/>
+        </a:lnRef>
+        <a:fillRef idx="1">
+          <a:scrgbClr r="0" g="0" b="0"/>
+        </a:fillRef>
+        <a:effectRef idx="0">
+          <a:scrgbClr r="0" g="0" b="0"/>
+        </a:effectRef>
+        <a:fontRef idx="minor">
+          <a:schemeClr val="lt1"/>
+        </a:fontRef>
+      </dsp:style>
+      <dsp:txBody>
+        <a:bodyPr spcFirstLastPara="0" vert="horz" wrap="square" lIns="531344" tIns="48260" rIns="48260" bIns="48260" numCol="1" spcCol="1270" anchor="ctr" anchorCtr="0">
+          <a:noAutofit/>
+        </a:bodyPr>
+        <a:lstStyle/>
+        <a:p>
+          <a:pPr marL="0" lvl="0" indent="0" algn="l" defTabSz="844550">
+            <a:lnSpc>
+              <a:spcPct val="90000"/>
+            </a:lnSpc>
+            <a:spcBef>
+              <a:spcPct val="0"/>
+            </a:spcBef>
+            <a:spcAft>
+              <a:spcPct val="35000"/>
+            </a:spcAft>
+            <a:buNone/>
+          </a:pPr>
+          <a:r>
+            <a:rPr lang="es-ES" sz="1900" kern="1200" dirty="0">
+              <a:solidFill>
+                <a:sysClr val="windowText" lastClr="000000"/>
+              </a:solidFill>
+            </a:rPr>
+            <a:t>Evaluar la política de promoción para facilitar el crecimiento de los empleados que se quiere conservar. </a:t>
+          </a:r>
+        </a:p>
+      </dsp:txBody>
+      <dsp:txXfrm>
+        <a:off x="875812" y="2343108"/>
+        <a:ext cx="9580062" cy="669409"/>
+      </dsp:txXfrm>
+    </dsp:sp>
+    <dsp:sp modelId="{00EB0D90-24AF-4119-AFBB-FA179213F8CB}">
+      <dsp:nvSpPr>
+        <dsp:cNvPr id="0" name=""/>
+        <dsp:cNvSpPr/>
+      </dsp:nvSpPr>
+      <dsp:spPr>
+        <a:xfrm>
+          <a:off x="457431" y="2259432"/>
+          <a:ext cx="836762" cy="836762"/>
+        </a:xfrm>
+        <a:prstGeom prst="ellipse">
+          <a:avLst/>
+        </a:prstGeom>
+        <a:solidFill>
+          <a:schemeClr val="lt1">
+            <a:hueOff val="0"/>
+            <a:satOff val="0"/>
+            <a:lumOff val="0"/>
+            <a:alphaOff val="0"/>
+          </a:schemeClr>
+        </a:solidFill>
+        <a:ln w="19050" cap="flat" cmpd="sng" algn="ctr">
+          <a:solidFill>
+            <a:schemeClr val="accent1">
+              <a:hueOff val="0"/>
+              <a:satOff val="0"/>
+              <a:lumOff val="0"/>
+              <a:alphaOff val="0"/>
+            </a:schemeClr>
+          </a:solidFill>
+          <a:prstDash val="solid"/>
+          <a:miter lim="800000"/>
+        </a:ln>
+        <a:effectLst/>
+      </dsp:spPr>
+      <dsp:style>
+        <a:lnRef idx="2">
+          <a:scrgbClr r="0" g="0" b="0"/>
+        </a:lnRef>
+        <a:fillRef idx="1">
+          <a:scrgbClr r="0" g="0" b="0"/>
+        </a:fillRef>
+        <a:effectRef idx="0">
+          <a:scrgbClr r="0" g="0" b="0"/>
+        </a:effectRef>
+        <a:fontRef idx="minor"/>
+      </dsp:style>
+    </dsp:sp>
+    <dsp:sp modelId="{68764195-D643-46B0-A90B-7F2135943B99}">
+      <dsp:nvSpPr>
+        <dsp:cNvPr id="0" name=""/>
+        <dsp:cNvSpPr/>
+      </dsp:nvSpPr>
+      <dsp:spPr>
+        <a:xfrm>
+          <a:off x="492024" y="3347397"/>
+          <a:ext cx="9963850" cy="669409"/>
+        </a:xfrm>
+        <a:prstGeom prst="rect">
+          <a:avLst/>
+        </a:prstGeom>
+        <a:solidFill>
+          <a:srgbClr val="848484"/>
+        </a:solidFill>
+        <a:ln w="19050" cap="flat" cmpd="sng" algn="ctr">
+          <a:solidFill>
+            <a:schemeClr val="lt1">
+              <a:hueOff val="0"/>
+              <a:satOff val="0"/>
+              <a:lumOff val="0"/>
+              <a:alphaOff val="0"/>
+            </a:schemeClr>
+          </a:solidFill>
+          <a:prstDash val="solid"/>
+          <a:miter lim="800000"/>
+        </a:ln>
+        <a:effectLst/>
+      </dsp:spPr>
+      <dsp:style>
+        <a:lnRef idx="2">
+          <a:scrgbClr r="0" g="0" b="0"/>
+        </a:lnRef>
+        <a:fillRef idx="1">
+          <a:scrgbClr r="0" g="0" b="0"/>
+        </a:fillRef>
+        <a:effectRef idx="0">
+          <a:scrgbClr r="0" g="0" b="0"/>
+        </a:effectRef>
+        <a:fontRef idx="minor">
+          <a:schemeClr val="lt1"/>
+        </a:fontRef>
+      </dsp:style>
+      <dsp:txBody>
+        <a:bodyPr spcFirstLastPara="0" vert="horz" wrap="square" lIns="531344" tIns="48260" rIns="48260" bIns="48260" numCol="1" spcCol="1270" anchor="ctr" anchorCtr="0">
+          <a:noAutofit/>
+        </a:bodyPr>
+        <a:lstStyle/>
+        <a:p>
+          <a:pPr marL="0" lvl="0" indent="0" algn="l" defTabSz="844550">
+            <a:lnSpc>
+              <a:spcPct val="90000"/>
+            </a:lnSpc>
+            <a:spcBef>
+              <a:spcPct val="0"/>
+            </a:spcBef>
+            <a:spcAft>
+              <a:spcPct val="35000"/>
+            </a:spcAft>
+            <a:buNone/>
+          </a:pPr>
+          <a:r>
+            <a:rPr lang="es-ES" sz="1900" kern="1200" dirty="0">
+              <a:solidFill>
+                <a:sysClr val="windowText" lastClr="000000"/>
+              </a:solidFill>
+            </a:rPr>
+            <a:t>Investigar la razón por la que los empleados que han tenido un accidente tienden menos a renunciar para poder mejorar la experiencia de los que no han sufrido accidentes.</a:t>
+          </a:r>
+        </a:p>
+      </dsp:txBody>
+      <dsp:txXfrm>
+        <a:off x="492024" y="3347397"/>
+        <a:ext cx="9963850" cy="669409"/>
+      </dsp:txXfrm>
+    </dsp:sp>
+    <dsp:sp modelId="{34F06E88-32DB-48B4-ADAB-B895D227F493}">
+      <dsp:nvSpPr>
+        <dsp:cNvPr id="0" name=""/>
+        <dsp:cNvSpPr/>
+      </dsp:nvSpPr>
+      <dsp:spPr>
+        <a:xfrm>
+          <a:off x="73643" y="3263721"/>
+          <a:ext cx="836762" cy="836762"/>
+        </a:xfrm>
+        <a:prstGeom prst="ellipse">
+          <a:avLst/>
+        </a:prstGeom>
+        <a:solidFill>
+          <a:schemeClr val="lt1">
+            <a:hueOff val="0"/>
+            <a:satOff val="0"/>
+            <a:lumOff val="0"/>
+            <a:alphaOff val="0"/>
+          </a:schemeClr>
+        </a:solidFill>
+        <a:ln w="19050" cap="flat" cmpd="sng" algn="ctr">
+          <a:solidFill>
+            <a:schemeClr val="accent1">
+              <a:hueOff val="0"/>
+              <a:satOff val="0"/>
+              <a:lumOff val="0"/>
+              <a:alphaOff val="0"/>
+            </a:schemeClr>
+          </a:solidFill>
+          <a:prstDash val="solid"/>
+          <a:miter lim="800000"/>
+        </a:ln>
+        <a:effectLst/>
+      </dsp:spPr>
+      <dsp:style>
+        <a:lnRef idx="2">
+          <a:scrgbClr r="0" g="0" b="0"/>
+        </a:lnRef>
+        <a:fillRef idx="1">
+          <a:scrgbClr r="0" g="0" b="0"/>
+        </a:fillRef>
+        <a:effectRef idx="0">
+          <a:scrgbClr r="0" g="0" b="0"/>
+        </a:effectRef>
+        <a:fontRef idx="minor"/>
+      </dsp:style>
+    </dsp:sp>
+  </dsp:spTree>
+</dsp:drawing>
+</file>
+
+<file path=ppt/diagrams/layout1.xml><?xml version="1.0" encoding="utf-8"?>
+<dgm:layoutDef xmlns:dgm="http://schemas.openxmlformats.org/drawingml/2006/diagram" xmlns:a="http://schemas.openxmlformats.org/drawingml/2006/main" uniqueId="urn:microsoft.com/office/officeart/2008/layout/VerticalCurvedList">
+  <dgm:title val=""/>
+  <dgm:desc val=""/>
+  <dgm:catLst>
+    <dgm:cat type="list" pri="20000"/>
+  </dgm:catLst>
+  <dgm:sampData>
+    <dgm:dataModel>
+      <dgm:ptLst>
+        <dgm:pt modelId="0" type="doc"/>
+        <dgm:pt modelId="1">
+          <dgm:prSet phldr="1"/>
+        </dgm:pt>
+        <dgm:pt modelId="2">
+          <dgm:prSet phldr="1"/>
+        </dgm:pt>
+        <dgm:pt modelId="3">
+          <dgm:prSet phldr="1"/>
+        </dgm:pt>
+      </dgm:ptLst>
+      <dgm:cxnLst>
+        <dgm:cxn modelId="4" srcId="0" destId="1" srcOrd="0" destOrd="0"/>
+        <dgm:cxn modelId="5" srcId="0" destId="2" srcOrd="1" destOrd="0"/>
+        <dgm:cxn modelId="6" srcId="0" destId="3" srcOrd="2" destOrd="0"/>
+      </dgm:cxnLst>
+      <dgm:bg/>
+      <dgm:whole/>
+    </dgm:dataModel>
+  </dgm:sampData>
+  <dgm:styleData>
+    <dgm:dataModel>
+      <dgm:ptLst>
+        <dgm:pt modelId="0" type="doc"/>
+        <dgm:pt modelId="1">
+          <dgm:prSet phldr="1"/>
+        </dgm:pt>
+        <dgm:pt modelId="2">
+          <dgm:prSet phldr="1"/>
+        </dgm:pt>
+      </dgm:ptLst>
+      <dgm:cxnLst>
+        <dgm:cxn modelId="3" srcId="0" destId="1" srcOrd="0" destOrd="0"/>
+        <dgm:cxn modelId="4" srcId="0" destId="2" srcOrd="1" destOrd="0"/>
+      </dgm:cxnLst>
+      <dgm:bg/>
+      <dgm:whole/>
+    </dgm:dataModel>
+  </dgm:styleData>
+  <dgm:clrData>
+    <dgm:dataModel>
+      <dgm:ptLst>
+        <dgm:pt modelId="0" type="doc"/>
+        <dgm:pt modelId="1">
+          <dgm:prSet phldr="1"/>
+        </dgm:pt>
+        <dgm:pt modelId="2">
+          <dgm:prSet phldr="1"/>
+        </dgm:pt>
+        <dgm:pt modelId="3">
+          <dgm:prSet phldr="1"/>
+        </dgm:pt>
+        <dgm:pt modelId="4">
+          <dgm:prSet phldr="1"/>
+        </dgm:pt>
+      </dgm:ptLst>
+      <dgm:cxnLst>
+        <dgm:cxn modelId="5" srcId="0" destId="1" srcOrd="0" destOrd="0"/>
+        <dgm:cxn modelId="6" srcId="0" destId="2" srcOrd="1" destOrd="0"/>
+        <dgm:cxn modelId="7" srcId="0" destId="3" srcOrd="2" destOrd="0"/>
+        <dgm:cxn modelId="8" srcId="0" destId="4" srcOrd="3" destOrd="0"/>
+      </dgm:cxnLst>
+      <dgm:bg/>
+      <dgm:whole/>
+    </dgm:dataModel>
+  </dgm:clrData>
+  <dgm:layoutNode name="Name0">
+    <dgm:varLst>
+      <dgm:chMax val="7"/>
+      <dgm:chPref val="7"/>
+      <dgm:dir/>
+    </dgm:varLst>
+    <dgm:alg type="composite"/>
+    <dgm:shape xmlns:r="http://schemas.openxmlformats.org/officeDocument/2006/relationships" r:blip="">
+      <dgm:adjLst/>
+    </dgm:shape>
+    <dgm:constrLst>
+      <dgm:constr type="w" for="ch" refType="h" refFor="ch" op="gte" fact="0.8"/>
+    </dgm:constrLst>
+    <dgm:layoutNode name="Name1">
+      <dgm:alg type="composite"/>
+      <dgm:shape xmlns:r="http://schemas.openxmlformats.org/officeDocument/2006/relationships" r:blip="">
+        <dgm:adjLst/>
+      </dgm:shape>
+      <dgm:choose name="Name2">
+        <dgm:if name="Name3" func="var" arg="dir" op="equ" val="norm">
+          <dgm:choose name="Name4">
+            <dgm:if name="Name5" axis="ch" ptType="node" func="cnt" op="equ" val="1">
+              <dgm:constrLst>
+                <dgm:constr type="h" for="ch" forName="cycle" refType="h"/>
+                <dgm:constr type="w" for="ch" forName="cycle" refType="h" refFor="ch" refForName="cycle" fact="0.26"/>
+                <dgm:constr type="l" for="ch" forName="cycle"/>
+                <dgm:constr type="ctrY" for="ch" forName="cycle" refType="h" fact="0.5"/>
+                <dgm:constr type="diam" for="ch" forName="cycle" refType="h" fact="1.344"/>
+                <dgm:constr type="h" for="ch" forName="accent_1" refType="h" fact="0.625"/>
+                <dgm:constr type="w" for="ch" forName="accent_1" refType="h" refFor="ch" refForName="accent_1" op="equ"/>
+                <dgm:constr type="ctrY" for="ch" forName="accent_1" refType="h" fact="0.5"/>
+                <dgm:constr type="ctrX" for="ch" forName="accent_1" refType="h" fact="0.2253"/>
+                <dgm:constr type="l" for="ch" forName="text_1" refType="ctrX" refFor="ch" refForName="accent_1"/>
+                <dgm:constr type="r" for="ch" forName="text_1" refType="w"/>
+                <dgm:constr type="w" for="ch" forName="text_1" refType="h" refFor="ch" refForName="text_1" op="gte"/>
+                <dgm:constr type="h" for="ch" forName="text_1" refType="h" refFor="ch" refForName="accent_1" fact="0.8"/>
+                <dgm:constr type="ctrY" for="ch" forName="text_1" refType="ctrY" refFor="ch" refForName="accent_1"/>
+                <dgm:constr type="lMarg" for="ch" forName="text_1" refType="w" refFor="ch" refForName="accent_1" fact="1.8"/>
+                <dgm:constr type="primFontSz" for="ch" ptType="node" op="equ" val="65"/>
+              </dgm:constrLst>
+            </dgm:if>
+            <dgm:if name="Name6" axis="ch" ptType="node" func="cnt" op="equ" val="2">
+              <dgm:constrLst>
+                <dgm:constr type="h" for="ch" forName="cycle" refType="h"/>
+                <dgm:constr type="w" for="ch" forName="cycle" refType="h" refFor="ch" refForName="cycle" fact="0.26"/>
+                <dgm:constr type="l" for="ch" forName="cycle"/>
+                <dgm:constr type="ctrY" for="ch" forName="cycle" refType="h" fact="0.5"/>
+                <dgm:constr type="diam" for="ch" forName="cycle" refType="h" fact="1.344"/>
+                <dgm:constr type="h" for="ch" forName="accent_1" refType="h" fact="0.3571"/>
+                <dgm:constr type="w" for="ch" forName="accent_1" refType="h" refFor="ch" refForName="accent_1" op="equ"/>
+                <dgm:constr type="ctrY" for="ch" forName="accent_1" refType="h" fact="0.2857"/>
+                <dgm:constr type="ctrX" for="ch" forName="accent_1" refType="h" fact="0.1891"/>
+                <dgm:constr type="l" for="ch" forName="text_1" refType="ctrX" refFor="ch" refForName="accent_1"/>
+                <dgm:constr type="r" for="ch" forName="text_1" refType="w"/>
+                <dgm:constr type="w" for="ch" forName="text_1" refType="h" refFor="ch" refForName="text_1" op="gte"/>
+                <dgm:constr type="h" for="ch" forName="text_1" refType="h" refFor="ch" refForName="accent_1" fact="0.8"/>
+                <dgm:constr type="ctrY" for="ch" forName="text_1" refType="ctrY" refFor="ch" refForName="accent_1"/>
+                <dgm:constr type="lMarg" for="ch" forName="text_1" refType="w" refFor="ch" refForName="accent_1" fact="1.8"/>
+                <dgm:constr type="h" for="ch" forName="accent_2" refType="h" fact="0.3571"/>
+                <dgm:constr type="w" for="ch" forName="accent_2" refType="h" refFor="ch" refForName="accent_2" op="equ"/>
+                <dgm:constr type="ctrY" for="ch" forName="accent_2" refType="h" fact="0.7143"/>
+                <dgm:constr type="ctrX" for="ch" forName="accent_2" refType="h" fact="0.1891"/>
+                <dgm:constr type="l" for="ch" forName="text_2" refType="ctrX" refFor="ch" refForName="accent_2"/>
+                <dgm:constr type="r" for="ch" forName="text_2" refType="w"/>
+                <dgm:constr type="w" for="ch" forName="text_2" refType="h" refFor="ch" refForName="text_2" op="gte"/>
+                <dgm:constr type="h" for="ch" forName="text_2" refType="h" refFor="ch" refForName="accent_2" fact="0.8"/>
+                <dgm:constr type="ctrY" for="ch" forName="text_2" refType="ctrY" refFor="ch" refForName="accent_2"/>
+                <dgm:constr type="lMarg" for="ch" forName="text_2" refType="w" refFor="ch" refForName="accent_2" fact="1.8"/>
+                <dgm:constr type="primFontSz" for="ch" ptType="node" op="equ" val="65"/>
+              </dgm:constrLst>
+            </dgm:if>
+            <dgm:if name="Name7" axis="ch" ptType="node" func="cnt" op="equ" val="3">
+              <dgm:constrLst>
+                <dgm:constr type="h" for="ch" forName="cycle" refType="h"/>
+                <dgm:constr type="w" for="ch" forName="cycle" refType="h" refFor="ch" refForName="cycle" fact="0.26"/>
+                <dgm:constr type="l" for="ch" forName="cycle"/>
+                <dgm:constr type="ctrY" for="ch" forName="cycle" refType="h" fact="0.5"/>
+                <dgm:constr type="diam" for="ch" forName="cycle" refType="h" fact="1.344"/>
+                <dgm:constr type="h" for="ch" forName="accent_1" refType="h" fact="0.25"/>
+                <dgm:constr type="w" for="ch" forName="accent_1" refType="h" refFor="ch" refForName="accent_1" op="equ"/>
+                <dgm:constr type="ctrY" for="ch" forName="accent_1" refType="h" fact="0.2"/>
+                <dgm:constr type="ctrX" for="ch" forName="accent_1" refType="h" fact="0.1526"/>
+                <dgm:constr type="l" for="ch" forName="text_1" refType="ctrX" refFor="ch" refForName="accent_1"/>
+                <dgm:constr type="r" for="ch" forName="text_1" refType="w"/>
+                <dgm:constr type="w" for="ch" forName="text_1" refType="h" refFor="ch" refForName="text_1" op="gte"/>
+                <dgm:constr type="h" for="ch" forName="text_1" refType="h" refFor="ch" refForName="accent_1" fact="0.8"/>
+                <dgm:constr type="ctrY" for="ch" forName="text_1" refType="ctrY" refFor="ch" refForName="accent_1"/>
+                <dgm:constr type="lMarg" for="ch" forName="text_1" refType="w" refFor="ch" refForName="accent_1" fact="1.8"/>
+                <dgm:constr type="h" for="ch" forName="accent_2" refType="h" fact="0.25"/>
+                <dgm:constr type="w" for="ch" forName="accent_2" refType="h" refFor="ch" refForName="accent_2" op="equ"/>
+                <dgm:constr type="ctrY" for="ch" forName="accent_2" refType="h" fact="0.5"/>
+                <dgm:constr type="ctrX" for="ch" forName="accent_2" refType="h" fact="0.2253"/>
+                <dgm:constr type="l" for="ch" forName="text_2" refType="ctrX" refFor="ch" refForName="accent_2"/>
+                <dgm:constr type="r" for="ch" forName="text_2" refType="w"/>
+                <dgm:constr type="w" for="ch" forName="text_2" refType="h" refFor="ch" refForName="text_2" op="gte"/>
+                <dgm:constr type="h" for="ch" forName="text_2" refType="h" refFor="ch" refForName="accent_2" fact="0.8"/>
+                <dgm:constr type="ctrY" for="ch" forName="text_2" refType="ctrY" refFor="ch" refForName="accent_2"/>
+                <dgm:constr type="lMarg" for="ch" forName="text_2" refType="w" refFor="ch" refForName="accent_2" fact="1.8"/>
+                <dgm:constr type="h" for="ch" forName="accent_3" refType="h" fact="0.25"/>
+                <dgm:constr type="w" for="ch" forName="accent_3" refType="h" refFor="ch" refForName="accent_3" op="equ"/>
+                <dgm:constr type="ctrY" for="ch" forName="accent_3" refType="h" fact="0.8"/>
+                <dgm:constr type="ctrX" for="ch" forName="accent_3" refType="h" fact="0.1526"/>
+                <dgm:constr type="l" for="ch" forName="text_3" refType="ctrX" refFor="ch" refForName="accent_3"/>
+                <dgm:constr type="r" for="ch" forName="text_3" refType="w"/>
+                <dgm:constr type="w" for="ch" forName="text_3" refType="h" refFor="ch" refForName="text_3" op="gte"/>
+                <dgm:constr type="h" for="ch" forName="text_3" refType="h" refFor="ch" refForName="accent_3" fact="0.8"/>
+                <dgm:constr type="ctrY" for="ch" forName="text_3" refType="ctrY" refFor="ch" refForName="accent_3"/>
+                <dgm:constr type="lMarg" for="ch" forName="text_3" refType="w" refFor="ch" refForName="accent_3" fact="1.8"/>
+                <dgm:constr type="primFontSz" for="ch" ptType="node" op="equ" val="65"/>
+              </dgm:constrLst>
+            </dgm:if>
+            <dgm:if name="Name8" axis="ch" ptType="node" func="cnt" op="equ" val="4">
+              <dgm:constrLst>
+                <dgm:constr type="h" for="ch" forName="cycle" refType="h"/>
+                <dgm:constr type="w" for="ch" forName="cycle" refType="h" refFor="ch" refForName="cycle" fact="0.26"/>
+                <dgm:constr type="l" for="ch" forName="cycle"/>
+                <dgm:constr type="ctrY" for="ch" forName="cycle" refType="h" fact="0.5"/>
+                <dgm:constr type="diam" for="ch" forName="cycle" refType="h" fact="1.344"/>
+                <dgm:constr type="h" for="ch" forName="accent_1" refType="h" fact="0.1923"/>
+                <dgm:constr type="w" for="ch" forName="accent_1" refType="h" refFor="ch" refForName="accent_1" op="equ"/>
+                <dgm:constr type="ctrY" for="ch" forName="accent_1" refType="h" fact="0.1538"/>
+                <dgm:constr type="ctrX" for="ch" forName="accent_1" refType="h" fact="0.1268"/>
+                <dgm:constr type="l" for="ch" forName="text_1" refType="ctrX" refFor="ch" refForName="accent_1"/>
+                <dgm:constr type="r" for="ch" forName="text_1" refType="w"/>
+                <dgm:constr type="w" for="ch" forName="text_1" refType="h" refFor="ch" refForName="text_1" op="gte"/>
+                <dgm:constr type="h" for="ch" forName="text_1" refType="h" refFor="ch" refForName="accent_1" fact="0.8"/>
+                <dgm:constr type="ctrY" for="ch" forName="text_1" refType="ctrY" refFor="ch" refForName="accent_1"/>
+                <dgm:constr type="lMarg" for="ch" forName="text_1" refType="w" refFor="ch" refForName="accent_1" fact="1.8"/>
+                <dgm:constr type="h" for="ch" forName="accent_2" refType="h" fact="0.1923"/>
+                <dgm:constr type="w" for="ch" forName="accent_2" refType="h" refFor="ch" refForName="accent_2" op="equ"/>
+                <dgm:constr type="ctrY" for="ch" forName="accent_2" refType="h" fact="0.3846"/>
+                <dgm:constr type="ctrX" for="ch" forName="accent_2" refType="h" fact="0.215"/>
+                <dgm:constr type="l" for="ch" forName="text_2" refType="ctrX" refFor="ch" refForName="accent_2"/>
+                <dgm:constr type="r" for="ch" forName="text_2" refType="w"/>
+                <dgm:constr type="w" for="ch" forName="text_2" refType="h" refFor="ch" refForName="text_2" op="gte"/>
+                <dgm:constr type="h" for="ch" forName="text_2" refType="h" refFor="ch" refForName="accent_2" fact="0.8"/>
+                <dgm:constr type="ctrY" for="ch" forName="text_2" refType="ctrY" refFor="ch" refForName="accent_2"/>
+                <dgm:constr type="lMarg" for="ch" forName="text_2" refType="w" refFor="ch" refForName="accent_2" fact="1.8"/>
+                <dgm:constr type="h" for="ch" forName="accent_3" refType="h" fact="0.1923"/>
+                <dgm:constr type="w" for="ch" forName="accent_3" refType="h" refFor="ch" refForName="accent_3" op="equ"/>
+                <dgm:constr type="ctrY" for="ch" forName="accent_3" refType="h" fact="0.6154"/>
+                <dgm:constr type="ctrX" for="ch" forName="accent_3" refType="h" fact="0.215"/>
+                <dgm:constr type="l" for="ch" forName="text_3" refType="ctrX" refFor="ch" refForName="accent_3"/>
+                <dgm:constr type="r" for="ch" forName="text_3" refType="w"/>
+                <dgm:constr type="w" for="ch" forName="text_3" refType="h" refFor="ch" refForName="text_3" op="gte"/>
+                <dgm:constr type="h" for="ch" forName="text_3" refType="h" refFor="ch" refForName="accent_3" fact="0.8"/>
+                <dgm:constr type="ctrY" for="ch" forName="text_3" refType="ctrY" refFor="ch" refForName="accent_3"/>
+                <dgm:constr type="lMarg" for="ch" forName="text_3" refType="w" refFor="ch" refForName="accent_3" fact="1.8"/>
+                <dgm:constr type="h" for="ch" forName="accent_4" refType="h" fact="0.1923"/>
+                <dgm:constr type="w" for="ch" forName="accent_4" refType="h" refFor="ch" refForName="accent_4" op="equ"/>
+                <dgm:constr type="ctrY" for="ch" forName="accent_4" refType="h" fact="0.8462"/>
+                <dgm:constr type="ctrX" for="ch" forName="accent_4" refType="h" fact="0.1268"/>
+                <dgm:constr type="l" for="ch" forName="text_4" refType="ctrX" refFor="ch" refForName="accent_4"/>
+                <dgm:constr type="r" for="ch" forName="text_4" refType="w"/>
+                <dgm:constr type="w" for="ch" forName="text_4" refType="h" refFor="ch" refForName="text_4" op="gte"/>
+                <dgm:constr type="h" for="ch" forName="text_4" refType="h" refFor="ch" refForName="accent_4" fact="0.8"/>
+                <dgm:constr type="ctrY" for="ch" forName="text_4" refType="ctrY" refFor="ch" refForName="accent_4"/>
+                <dgm:constr type="lMarg" for="ch" forName="text_4" refType="w" refFor="ch" refForName="accent_4" fact="1.8"/>
+                <dgm:constr type="primFontSz" for="ch" ptType="node" op="equ" val="65"/>
+              </dgm:constrLst>
+            </dgm:if>
+            <dgm:if name="Name9" axis="ch" ptType="node" func="cnt" op="equ" val="5">
+              <dgm:constrLst>
+                <dgm:constr type="h" for="ch" forName="cycle" refType="h"/>
+                <dgm:constr type="w" for="ch" forName="cycle" refType="h" refFor="ch" refForName="cycle" fact="0.26"/>
+                <dgm:constr type="l" for="ch" forName="cycle"/>
+                <dgm:constr type="ctrY" for="ch" forName="cycle" refType="h" fact="0.5"/>
+                <dgm:constr type="diam" for="ch" forName="cycle" refType="h" fact="1.344"/>
+                <dgm:constr type="h" for="ch" forName="accent_1" refType="h" fact="0.1563"/>
+                <dgm:constr type="w" for="ch" forName="accent_1" refType="h" refFor="ch" refForName="accent_1" op="equ"/>
+                <dgm:constr type="ctrY" for="ch" forName="accent_1" refType="h" fact="0.125"/>
+                <dgm:constr type="ctrX" for="ch" forName="accent_1" refType="h" fact="0.1082"/>
+                <dgm:constr type="l" for="ch" forName="text_1" refType="ctrX" refFor="ch" refForName="accent_1"/>
+                <dgm:constr type="r" for="ch" forName="text_1" refType="w"/>
+                <dgm:constr type="w" for="ch" forName="text_1" refType="h" refFor="ch" refForName="text_1" op="gte"/>
+                <dgm:constr type="h" for="ch" forName="text_1" refType="h" refFor="ch" refForName="accent_1" fact="0.8"/>
+                <dgm:constr type="ctrY" for="ch" forName="text_1" refType="ctrY" refFor="ch" refForName="accent_1"/>
+                <dgm:constr type="lMarg" for="ch" forName="text_1" refType="w" refFor="ch" refForName="accent_1" fact="1.8"/>
+                <dgm:constr type="h" for="ch" forName="accent_2" refType="h" fact="0.1563"/>
+                <dgm:constr type="w" for="ch" forName="accent_2" refType="h" refFor="ch" refForName="accent_2" op="equ"/>
+                <dgm:constr type="ctrY" for="ch" forName="accent_2" refType="h" fact="0.3125"/>
+                <dgm:constr type="ctrX" for="ch" forName="accent_2" refType="h" fact="0.1978"/>
+                <dgm:constr type="l" for="ch" forName="text_2" refType="ctrX" refFor="ch" refForName="accent_2"/>
+                <dgm:constr type="r" for="ch" forName="text_2" refType="w"/>
+                <dgm:constr type="w" for="ch" forName="text_2" refType="h" refFor="ch" refForName="text_2" op="gte"/>
+                <dgm:constr type="h" for="ch" forName="text_2" refType="h" refFor="ch" refForName="accent_2" fact="0.8"/>
+                <dgm:constr type="ctrY" for="ch" forName="text_2" refType="ctrY" refFor="ch" refForName="accent_2"/>
+                <dgm:constr type="lMarg" for="ch" forName="text_2" refType="w" refFor="ch" refForName="accent_2" fact="1.8"/>
+                <dgm:constr type="h" for="ch" forName="accent_3" refType="h" fact="0.1563"/>
+                <dgm:constr type="w" for="ch" forName="accent_3" refType="h" refFor="ch" refForName="accent_3" op="equ"/>
+                <dgm:constr type="ctrY" for="ch" forName="accent_3" refType="h" fact="0.5"/>
+                <dgm:constr type="ctrX" for="ch" forName="accent_3" refType="h" fact="0.2253"/>
+                <dgm:constr type="l" for="ch" forName="text_3" refType="ctrX" refFor="ch" refForName="accent_3"/>
+                <dgm:constr type="r" for="ch" forName="text_3" refType="w"/>
+                <dgm:constr type="w" for="ch" forName="text_3" refType="h" refFor="ch" refForName="text_3" op="gte"/>
+                <dgm:constr type="h" for="ch" forName="text_3" refType="h" refFor="ch" refForName="accent_3" fact="0.8"/>
+                <dgm:constr type="ctrY" for="ch" forName="text_3" refType="ctrY" refFor="ch" refForName="accent_3"/>
+                <dgm:constr type="lMarg" for="ch" forName="text_3" refType="w" refFor="ch" refForName="accent_3" fact="1.8"/>
+                <dgm:constr type="h" for="ch" forName="accent_4" refType="h" fact="0.1563"/>
+                <dgm:constr type="w" for="ch" forName="accent_4" refType="h" refFor="ch" refForName="accent_4" op="equ"/>
+                <dgm:constr type="ctrY" for="ch" forName="accent_4" refType="h" fact="0.6875"/>
+                <dgm:constr type="ctrX" for="ch" forName="accent_4" refType="h" fact="0.1978"/>
+                <dgm:constr type="l" for="ch" forName="text_4" refType="ctrX" refFor="ch" refForName="accent_4"/>
+                <dgm:constr type="r" for="ch" forName="text_4" refType="w"/>
+                <dgm:constr type="w" for="ch" forName="text_4" refType="h" refFor="ch" refForName="text_4" op="gte"/>
+                <dgm:constr type="h" for="ch" forName="text_4" refType="h" refFor="ch" refForName="accent_4" fact="0.8"/>
+                <dgm:constr type="ctrY" for="ch" forName="text_4" refType="ctrY" refFor="ch" refForName="accent_4"/>
+                <dgm:constr type="lMarg" for="ch" forName="text_4" refType="w" refFor="ch" refForName="accent_4" fact="1.8"/>
+                <dgm:constr type="h" for="ch" forName="accent_5" refType="h" fact="0.1563"/>
+                <dgm:constr type="w" for="ch" forName="accent_5" refType="h" refFor="ch" refForName="accent_5" op="equ"/>
+                <dgm:constr type="ctrY" for="ch" forName="accent_5" refType="h" fact="0.875"/>
+                <dgm:constr type="ctrX" for="ch" forName="accent_5" refType="h" fact="0.1082"/>
+                <dgm:constr type="l" for="ch" forName="text_5" refType="ctrX" refFor="ch" refForName="accent_5"/>
+                <dgm:constr type="r" for="ch" forName="text_5" refType="w"/>
+                <dgm:constr type="w" for="ch" forName="text_5" refType="h" refFor="ch" refForName="text_5" op="gte"/>
+                <dgm:constr type="h" for="ch" forName="text_5" refType="h" refFor="ch" refForName="accent_5" fact="0.8"/>
+                <dgm:constr type="ctrY" for="ch" forName="text_5" refType="ctrY" refFor="ch" refForName="accent_5"/>
+                <dgm:constr type="lMarg" for="ch" forName="text_5" refType="w" refFor="ch" refForName="accent_5" fact="1.8"/>
+                <dgm:constr type="primFontSz" for="ch" ptType="node" op="equ" val="65"/>
+              </dgm:constrLst>
+            </dgm:if>
+            <dgm:if name="Name10" axis="ch" ptType="node" func="cnt" op="equ" val="6">
+              <dgm:constrLst>
+                <dgm:constr type="h" for="ch" forName="cycle" refType="h"/>
+                <dgm:constr type="w" for="ch" forName="cycle" refType="h" refFor="ch" refForName="cycle" fact="0.26"/>
+                <dgm:constr type="l" for="ch" forName="cycle"/>
+                <dgm:constr type="ctrY" for="ch" forName="cycle" refType="h" fact="0.5"/>
+                <dgm:constr type="diam" for="ch" forName="cycle" refType="h" fact="1.344"/>
+                <dgm:constr type="h" for="ch" forName="accent_1" refType="h" fact="0.1316"/>
+                <dgm:constr type="w" for="ch" forName="accent_1" refType="h" refFor="ch" refForName="accent_1" op="equ"/>
+                <dgm:constr type="ctrY" for="ch" forName="accent_1" refType="h" fact="0.1053"/>
+                <dgm:constr type="ctrX" for="ch" forName="accent_1" refType="h" fact="0.0943"/>
+                <dgm:constr type="l" for="ch" forName="text_1" refType="ctrX" refFor="ch" refForName="accent_1"/>
+                <dgm:constr type="r" for="ch" forName="text_1" refType="w"/>
+                <dgm:constr type="w" for="ch" forName="text_1" refType="h" refFor="ch" refForName="text_1" op="gte"/>
+                <dgm:constr type="h" for="ch" forName="text_1" refType="h" refFor="ch" refForName="accent_1" fact="0.8"/>
+                <dgm:constr type="ctrY" for="ch" forName="text_1" refType="ctrY" refFor="ch" refForName="accent_1"/>
+                <dgm:constr type="lMarg" for="ch" forName="text_1" refType="w" refFor="ch" refForName="accent_1" fact="1.8"/>
+                <dgm:constr type="h" for="ch" forName="accent_2" refType="h" fact="0.1316"/>
+                <dgm:constr type="w" for="ch" forName="accent_2" refType="h" refFor="ch" refForName="accent_2" op="equ"/>
+                <dgm:constr type="ctrY" for="ch" forName="accent_2" refType="h" fact="0.2632"/>
+                <dgm:constr type="ctrX" for="ch" forName="accent_2" refType="h" fact="0.1809"/>
+                <dgm:constr type="l" for="ch" forName="text_2" refType="ctrX" refFor="ch" refForName="accent_2"/>
+                <dgm:constr type="r" for="ch" forName="text_2" refType="w"/>
+                <dgm:constr type="w" for="ch" forName="text_2" refType="h" refFor="ch" refForName="text_2" op="gte"/>
+                <dgm:constr type="h" for="ch" forName="text_2" refType="h" refFor="ch" refForName="accent_2" fact="0.8"/>
+                <dgm:constr type="ctrY" for="ch" forName="text_2" refType="ctrY" refFor="ch" refForName="accent_2"/>
+                <dgm:constr type="lMarg" for="ch" forName="text_2" refType="w" refFor="ch" refForName="accent_2" fact="1.8"/>
+                <dgm:constr type="h" for="ch" forName="accent_3" refType="h" fact="0.1316"/>
+                <dgm:constr type="w" for="ch" forName="accent_3" refType="h" refFor="ch" refForName="accent_3" op="equ"/>
+                <dgm:constr type="ctrY" for="ch" forName="accent_3" refType="h" fact="0.4211"/>
+                <dgm:constr type="ctrX" for="ch" forName="accent_3" refType="h" fact="0.2205"/>
+                <dgm:constr type="l" for="ch" forName="text_3" refType="ctrX" refFor="ch" refForName="accent_3"/>
+                <dgm:constr type="r" for="ch" forName="text_3" refType="w"/>
+                <dgm:constr type="w" for="ch" forName="text_3" refType="h" refFor="ch" refForName="text_3" op="gte"/>
+                <dgm:constr type="h" for="ch" forName="text_3" refType="h" refFor="ch" refForName="accent_3" fact="0.8"/>
+                <dgm:constr type="ctrY" for="ch" forName="text_3" refType="ctrY" refFor="ch" refForName="accent_3"/>
+                <dgm:constr type="lMarg" for="ch" forName="text_3" refType="w" refFor="ch" refForName="accent_3" fact="1.8"/>
+                <dgm:constr type="h" for="ch" forName="accent_4" refType="h" fact="0.1316"/>
+                <dgm:constr type="w" for="ch" forName="accent_4" refType="h" refFor="ch" refForName="accent_4" op="equ"/>
+                <dgm:constr type="ctrY" for="ch" forName="accent_4" refType="h" fact="0.5789"/>
+                <dgm:constr type="ctrX" for="ch" forName="accent_4" refType="h" fact="0.2205"/>
+                <dgm:constr type="l" for="ch" forName="text_4" refType="ctrX" refFor="ch" refForName="accent_4"/>
+                <dgm:constr type="r" for="ch" forName="text_4" refType="w"/>
+                <dgm:constr type="w" for="ch" forName="text_4" refType="h" refFor="ch" refForName="text_4" op="gte"/>
+                <dgm:constr type="h" for="ch" forName="text_4" refType="h" refFor="ch" refForName="accent_4" fact="0.8"/>
+                <dgm:constr type="ctrY" for="ch" forName="text_4" refType="ctrY" refFor="ch" refForName="accent_4"/>
+                <dgm:constr type="lMarg" for="ch" forName="text_4" refType="w" refFor="ch" refForName="accent_4" fact="1.8"/>
+                <dgm:constr type="h" for="ch" forName="accent_5" refType="h" fact="0.1316"/>
+                <dgm:constr type="w" for="ch" forName="accent_5" refType="h" refFor="ch" refForName="accent_5" op="equ"/>
+                <dgm:constr type="ctrY" for="ch" forName="accent_5" refType="h" fact="0.7368"/>
+                <dgm:constr type="ctrX" for="ch" forName="accent_5" refType="h" fact="0.1809"/>
+                <dgm:constr type="l" for="ch" forName="text_5" refType="ctrX" refFor="ch" refForName="accent_5"/>
+                <dgm:constr type="r" for="ch" forName="text_5" refType="w"/>
+                <dgm:constr type="w" for="ch" forName="text_5" refType="h" refFor="ch" refForName="text_5" op="gte"/>
+                <dgm:constr type="h" for="ch" forName="text_5" refType="h" refFor="ch" refForName="accent_5" fact="0.8"/>
+                <dgm:constr type="ctrY" for="ch" forName="text_5" refType="ctrY" refFor="ch" refForName="accent_5"/>
+                <dgm:constr type="lMarg" for="ch" forName="text_5" refType="w" refFor="ch" refForName="accent_5" fact="1.8"/>
+                <dgm:constr type="h" for="ch" forName="accent_6" refType="h" fact="0.1316"/>
+                <dgm:constr type="w" for="ch" forName="accent_6" refType="h" refFor="ch" refForName="accent_6" op="equ"/>
+                <dgm:constr type="ctrY" for="ch" forName="accent_6" refType="h" fact="0.8947"/>
+                <dgm:constr type="ctrX" for="ch" forName="accent_6" refType="h" fact="0.0943"/>
+                <dgm:constr type="l" for="ch" forName="text_6" refType="ctrX" refFor="ch" refForName="accent_6"/>
+                <dgm:constr type="r" for="ch" forName="text_6" refType="w"/>
+                <dgm:constr type="w" for="ch" forName="text_6" refType="h" refFor="ch" refForName="text_6" op="gte"/>
+                <dgm:constr type="h" for="ch" forName="text_6" refType="h" refFor="ch" refForName="accent_6" fact="0.8"/>
+                <dgm:constr type="ctrY" for="ch" forName="text_6" refType="ctrY" refFor="ch" refForName="accent_6"/>
+                <dgm:constr type="lMarg" for="ch" forName="text_6" refType="w" refFor="ch" refForName="accent_6" fact="1.8"/>
+                <dgm:constr type="primFontSz" for="ch" ptType="node" op="equ" val="65"/>
+              </dgm:constrLst>
+            </dgm:if>
+            <dgm:else name="Name11">
+              <dgm:constrLst>
+                <dgm:constr type="h" for="ch" forName="cycle" refType="h"/>
+                <dgm:constr type="w" for="ch" forName="cycle" refType="h" refFor="ch" refForName="cycle" fact="0.26"/>
+                <dgm:constr type="l" for="ch" forName="cycle"/>
+                <dgm:constr type="ctrY" for="ch" forName="cycle" refType="h" fact="0.5"/>
+                <dgm:constr type="diam" for="ch" forName="cycle" refType="h" fact="1.344"/>
+                <dgm:constr type="h" for="ch" forName="accent_1" refType="h" fact="0.1136"/>
+                <dgm:constr type="w" for="ch" forName="accent_1" refType="h" refFor="ch" refForName="accent_1" op="equ"/>
+                <dgm:constr type="ctrY" for="ch" forName="accent_1" refType="h" fact="0.0909"/>
+                <dgm:constr type="ctrX" for="ch" forName="accent_1" refType="h" fact="0.0835"/>
+                <dgm:constr type="l" for="ch" forName="text_1" refType="ctrX" refFor="ch" refForName="accent_1"/>
+                <dgm:constr type="r" for="ch" forName="text_1" refType="w"/>
+                <dgm:constr type="w" for="ch" forName="text_1" refType="h" refFor="ch" refForName="text_1" op="gte"/>
+                <dgm:constr type="h" for="ch" forName="text_1" refType="h" refFor="ch" refForName="accent_1" fact="0.8"/>
+                <dgm:constr type="ctrY" for="ch" forName="text_1" refType="ctrY" refFor="ch" refForName="accent_1"/>
+                <dgm:constr type="lMarg" for="ch" forName="text_1" refType="w" refFor="ch" refForName="accent_1" fact="1.8"/>
+                <dgm:constr type="h" for="ch" forName="accent_2" refType="h" fact="0.1136"/>
+                <dgm:constr type="w" for="ch" forName="accent_2" refType="h" refFor="ch" refForName="accent_2" op="equ"/>
+                <dgm:constr type="ctrY" for="ch" forName="accent_2" refType="h" fact="0.2273"/>
+                <dgm:constr type="ctrX" for="ch" forName="accent_2" refType="h" fact="0.1658"/>
+                <dgm:constr type="l" for="ch" forName="text_2" refType="ctrX" refFor="ch" refForName="accent_2"/>
+                <dgm:constr type="r" for="ch" forName="text_2" refType="w"/>
+                <dgm:constr type="w" for="ch" forName="text_2" refType="h" refFor="ch" refForName="text_2" op="gte"/>
+                <dgm:constr type="h" for="ch" forName="text_2" refType="h" refFor="ch" refForName="accent_2" fact="0.8"/>
+                <dgm:constr type="ctrY" for="ch" forName="text_2" refType="ctrY" refFor="ch" refForName="accent_2"/>
+                <dgm:constr type="lMarg" for="ch" forName="text_2" refType="w" refFor="ch" refForName="accent_2" fact="1.8"/>
+                <dgm:constr type="h" for="ch" forName="accent_3" refType="h" fact="0.1136"/>
+                <dgm:constr type="w" for="ch" forName="accent_3" refType="h" refFor="ch" refForName="accent_3" op="equ"/>
+                <dgm:constr type="ctrY" for="ch" forName="accent_3" refType="h" fact="0.3636"/>
+                <dgm:constr type="ctrX" for="ch" forName="accent_3" refType="h" fact="0.2109"/>
+                <dgm:constr type="l" for="ch" forName="text_3" refType="ctrX" refFor="ch" refForName="accent_3"/>
+                <dgm:constr type="r" for="ch" forName="text_3" refType="w"/>
+                <dgm:constr type="w" for="ch" forName="text_3" refType="h" refFor="ch" refForName="text_3" op="gte"/>
+                <dgm:constr type="h" for="ch" forName="text_3" refType="h" refFor="ch" refForName="accent_3" fact="0.8"/>
+                <dgm:constr type="ctrY" for="ch" forName="text_3" refType="ctrY" refFor="ch" refForName="accent_3"/>
+                <dgm:constr type="lMarg" for="ch" forName="text_3" refType="w" refFor="ch" refForName="accent_3" fact="1.8"/>
+                <dgm:constr type="h" for="ch" forName="accent_4" refType="h" fact="0.1136"/>
+                <dgm:constr type="w" for="ch" forName="accent_4" refType="h" refFor="ch" refForName="accent_4" op="equ"/>
+                <dgm:constr type="ctrY" for="ch" forName="accent_4" refType="h" fact="0.5"/>
+                <dgm:constr type="ctrX" for="ch" forName="accent_4" refType="h" fact="0.2253"/>
+                <dgm:constr type="l" for="ch" forName="text_4" refType="ctrX" refFor="ch" refForName="accent_4"/>
+                <dgm:constr type="r" for="ch" forName="text_4" refType="w"/>
+                <dgm:constr type="w" for="ch" forName="text_4" refType="h" refFor="ch" refForName="text_4" op="gte"/>
+                <dgm:constr type="h" for="ch" forName="text_4" refType="h" refFor="ch" refForName="accent_4" fact="0.8"/>
+                <dgm:constr type="ctrY" for="ch" forName="text_4" refType="ctrY" refFor="ch" refForName="accent_4"/>
+                <dgm:constr type="lMarg" for="ch" forName="text_4" refType="w" refFor="ch" refForName="accent_4" fact="1.8"/>
+                <dgm:constr type="h" for="ch" forName="accent_5" refType="h" fact="0.1136"/>
+                <dgm:constr type="w" for="ch" forName="accent_5" refType="h" refFor="ch" refForName="accent_5" op="equ"/>
+                <dgm:constr type="ctrY" for="ch" forName="accent_5" refType="h" fact="0.6364"/>
+                <dgm:constr type="ctrX" for="ch" forName="accent_5" refType="h" fact="0.2109"/>
+                <dgm:constr type="l" for="ch" forName="text_5" refType="ctrX" refFor="ch" refForName="accent_5"/>
+                <dgm:constr type="r" for="ch" forName="text_5" refType="w"/>
+                <dgm:constr type="w" for="ch" forName="text_5" refType="h" refFor="ch" refForName="text_5" op="gte"/>
+                <dgm:constr type="h" for="ch" forName="text_5" refType="h" refFor="ch" refForName="accent_5" fact="0.8"/>
+                <dgm:constr type="ctrY" for="ch" forName="text_5" refType="ctrY" refFor="ch" refForName="accent_5"/>
+                <dgm:constr type="lMarg" for="ch" forName="text_5" refType="w" refFor="ch" refForName="accent_5" fact="1.8"/>
+                <dgm:constr type="h" for="ch" forName="accent_6" refType="h" fact="0.1136"/>
+                <dgm:constr type="w" for="ch" forName="accent_6" refType="h" refFor="ch" refForName="accent_6" op="equ"/>
+                <dgm:constr type="ctrY" for="ch" forName="accent_6" refType="h" fact="0.7727"/>
+                <dgm:constr type="ctrX" for="ch" forName="accent_6" refType="h" fact="0.1658"/>
+                <dgm:constr type="l" for="ch" forName="text_6" refType="ctrX" refFor="ch" refForName="accent_6"/>
+                <dgm:constr type="r" for="ch" forName="text_6" refType="w"/>
+                <dgm:constr type="w" for="ch" forName="text_6" refType="h" refFor="ch" refForName="text_6" op="gte"/>
+                <dgm:constr type="h" for="ch" forName="text_6" refType="h" refFor="ch" refForName="accent_6" fact="0.8"/>
+                <dgm:constr type="ctrY" for="ch" forName="text_6" refType="ctrY" refFor="ch" refForName="accent_6"/>
+                <dgm:constr type="lMarg" for="ch" forName="text_6" refType="w" refFor="ch" refForName="accent_6" fact="1.8"/>
+                <dgm:constr type="h" for="ch" forName="accent_7" refType="h" fact="0.1136"/>
+                <dgm:constr type="w" for="ch" forName="accent_7" refType="h" refFor="ch" refForName="accent_7" op="equ"/>
+                <dgm:constr type="ctrY" for="ch" forName="accent_7" refType="h" fact="0.9091"/>
+                <dgm:constr type="ctrX" for="ch" forName="accent_7" refType="h" fact="0.0835"/>
+                <dgm:constr type="l" for="ch" forName="text_7" refType="ctrX" refFor="ch" refForName="accent_7"/>
+                <dgm:constr type="r" for="ch" forName="text_7" refType="w"/>
+                <dgm:constr type="w" for="ch" forName="text_7" refType="h" refFor="ch" refForName="text_7" op="gte"/>
+                <dgm:constr type="h" for="ch" forName="text_7" refType="h" refFor="ch" refForName="accent_7" fact="0.8"/>
+                <dgm:constr type="ctrY" for="ch" forName="text_7" refType="ctrY" refFor="ch" refForName="accent_7"/>
+                <dgm:constr type="lMarg" for="ch" forName="text_7" refType="w" refFor="ch" refForName="accent_7" fact="1.8"/>
+                <dgm:constr type="primFontSz" for="ch" ptType="node" op="equ" val="65"/>
+              </dgm:constrLst>
+            </dgm:else>
+          </dgm:choose>
+        </dgm:if>
+        <dgm:else name="Name12">
+          <dgm:choose name="Name13">
+            <dgm:if name="Name14" axis="ch" ptType="node" func="cnt" op="equ" val="1">
+              <dgm:constrLst>
+                <dgm:constr type="h" for="ch" forName="cycle" refType="h"/>
+                <dgm:constr type="w" for="ch" forName="cycle" refType="h" refFor="ch" refForName="cycle" fact="0.26"/>
+                <dgm:constr type="r" for="ch" forName="cycle" refType="w"/>
+                <dgm:constr type="ctrY" for="ch" forName="cycle" refType="h" fact="0.5"/>
+                <dgm:constr type="diam" for="ch" forName="cycle" refType="h" fact="1.344"/>
+                <dgm:constr type="h" for="ch" forName="accent_1" refType="h" fact="0.625"/>
+                <dgm:constr type="w" for="ch" forName="accent_1" refType="h" refFor="ch" refForName="accent_1" op="equ"/>
+                <dgm:constr type="ctrY" for="ch" forName="accent_1" refType="h" fact="0.5"/>
+                <dgm:constr type="ctrX" for="ch" forName="accent_1" refType="w"/>
+                <dgm:constr type="ctrXOff" for="ch" forName="accent_1" refType="h" fact="-0.2253"/>
+                <dgm:constr type="r" for="ch" forName="text_1" refType="ctrX" refFor="ch" refForName="accent_1"/>
+                <dgm:constr type="rOff" for="ch" forName="text_1" refType="ctrXOff" refFor="ch" refForName="accent_1"/>
+                <dgm:constr type="l" for="ch" forName="text_1"/>
+                <dgm:constr type="w" for="ch" forName="text_1" refType="h" refFor="ch" refForName="text_1" op="gte"/>
+                <dgm:constr type="h" for="ch" forName="text_1" refType="h" refFor="ch" refForName="accent_1" fact="0.8"/>
+                <dgm:constr type="ctrY" for="ch" forName="text_1" refType="ctrY" refFor="ch" refForName="accent_1"/>
+                <dgm:constr type="rMarg" for="ch" forName="text_1" refType="w" refFor="ch" refForName="accent_1" fact="1.8"/>
+                <dgm:constr type="primFontSz" for="ch" ptType="node" op="equ" val="65"/>
+              </dgm:constrLst>
+            </dgm:if>
+            <dgm:if name="Name15" axis="ch" ptType="node" func="cnt" op="equ" val="2">
+              <dgm:constrLst>
+                <dgm:constr type="h" for="ch" forName="cycle" refType="h"/>
+                <dgm:constr type="w" for="ch" forName="cycle" refType="h" refFor="ch" refForName="cycle" fact="0.26"/>
+                <dgm:constr type="r" for="ch" forName="cycle" refType="w"/>
+                <dgm:constr type="ctrY" for="ch" forName="cycle" refType="h" fact="0.5"/>
+                <dgm:constr type="diam" for="ch" forName="cycle" refType="h" fact="1.344"/>
+                <dgm:constr type="h" for="ch" forName="accent_1" refType="h" fact="0.3571"/>
+                <dgm:constr type="w" for="ch" forName="accent_1" refType="h" refFor="ch" refForName="accent_1" op="equ"/>
+                <dgm:constr type="ctrY" for="ch" forName="accent_1" refType="h" fact="0.2857"/>
+                <dgm:constr type="ctrX" for="ch" forName="accent_1" refType="w"/>
+                <dgm:constr type="ctrXOff" for="ch" forName="accent_1" refType="h" fact="-0.1891"/>
+                <dgm:constr type="r" for="ch" forName="text_1" refType="ctrX" refFor="ch" refForName="accent_1"/>
+                <dgm:constr type="rOff" for="ch" forName="text_1" refType="ctrXOff" refFor="ch" refForName="accent_1"/>
+                <dgm:constr type="l" for="ch" forName="text_1"/>
+                <dgm:constr type="w" for="ch" forName="text_1" refType="h" refFor="ch" refForName="text_1" op="gte"/>
+                <dgm:constr type="h" for="ch" forName="text_1" refType="h" refFor="ch" refForName="accent_1" fact="0.8"/>
+                <dgm:constr type="ctrY" for="ch" forName="text_1" refType="ctrY" refFor="ch" refForName="accent_1"/>
+                <dgm:constr type="rMarg" for="ch" forName="text_1" refType="w" refFor="ch" refForName="accent_1" fact="1.8"/>
+                <dgm:constr type="h" for="ch" forName="accent_2" refType="h" fact="0.3571"/>
+                <dgm:constr type="w" for="ch" forName="accent_2" refType="h" refFor="ch" refForName="accent_2" op="equ"/>
+                <dgm:constr type="ctrY" for="ch" forName="accent_2" refType="h" fact="0.7143"/>
+                <dgm:constr type="ctrX" for="ch" forName="accent_2" refType="w"/>
+                <dgm:constr type="ctrXOff" for="ch" forName="accent_2" refType="h" fact="-0.1891"/>
+                <dgm:constr type="r" for="ch" forName="text_2" refType="ctrX" refFor="ch" refForName="accent_2"/>
+                <dgm:constr type="rOff" for="ch" forName="text_2" refType="ctrXOff" refFor="ch" refForName="accent_2"/>
+                <dgm:constr type="l" for="ch" forName="text_2"/>
+                <dgm:constr type="w" for="ch" forName="text_2" refType="h" refFor="ch" refForName="text_2" op="gte"/>
+                <dgm:constr type="h" for="ch" forName="text_2" refType="h" refFor="ch" refForName="accent_2" fact="0.8"/>
+                <dgm:constr type="ctrY" for="ch" forName="text_2" refType="ctrY" refFor="ch" refForName="accent_2"/>
+                <dgm:constr type="rMarg" for="ch" forName="text_2" refType="w" refFor="ch" refForName="accent_2" fact="1.8"/>
+                <dgm:constr type="primFontSz" for="ch" ptType="node" op="equ" val="65"/>
+              </dgm:constrLst>
+            </dgm:if>
+            <dgm:if name="Name16" axis="ch" ptType="node" func="cnt" op="equ" val="3">
+              <dgm:constrLst>
+                <dgm:constr type="h" for="ch" forName="cycle" refType="h"/>
+                <dgm:constr type="w" for="ch" forName="cycle" refType="h" refFor="ch" refForName="cycle" fact="0.26"/>
+                <dgm:constr type="r" for="ch" forName="cycle" refType="w"/>
+                <dgm:constr type="ctrY" for="ch" forName="cycle" refType="h" fact="0.5"/>
+                <dgm:constr type="diam" for="ch" forName="cycle" refType="h" fact="1.344"/>
+                <dgm:constr type="h" for="ch" forName="accent_1" refType="h" fact="0.25"/>
+                <dgm:constr type="w" for="ch" forName="accent_1" refType="h" refFor="ch" refForName="accent_1" op="equ"/>
+                <dgm:constr type="ctrY" for="ch" forName="accent_1" refType="h" fact="0.2"/>
+                <dgm:constr type="ctrX" for="ch" forName="accent_1" refType="w"/>
+                <dgm:constr type="ctrXOff" for="ch" forName="accent_1" refType="h" fact="-0.1526"/>
+                <dgm:constr type="r" for="ch" forName="text_1" refType="ctrX" refFor="ch" refForName="accent_1"/>
+                <dgm:constr type="rOff" for="ch" forName="text_1" refType="ctrXOff" refFor="ch" refForName="accent_1"/>
+                <dgm:constr type="l" for="ch" forName="text_1"/>
+                <dgm:constr type="w" for="ch" forName="text_1" refType="h" refFor="ch" refForName="text_1" op="gte"/>
+                <dgm:constr type="h" for="ch" forName="text_1" refType="h" refFor="ch" refForName="accent_1" fact="0.8"/>
+                <dgm:constr type="ctrY" for="ch" forName="text_1" refType="ctrY" refFor="ch" refForName="accent_1"/>
+                <dgm:constr type="rMarg" for="ch" forName="text_1" refType="w" refFor="ch" refForName="accent_1" fact="1.8"/>
+                <dgm:constr type="h" for="ch" forName="accent_2" refType="h" fact="0.25"/>
+                <dgm:constr type="w" for="ch" forName="accent_2" refType="h" refFor="ch" refForName="accent_2" op="equ"/>
+                <dgm:constr type="ctrY" for="ch" forName="accent_2" refType="h" fact="0.5"/>
+                <dgm:constr type="ctrX" for="ch" forName="accent_2" refType="w"/>
+                <dgm:constr type="ctrXOff" for="ch" forName="accent_2" refType="h" fact="-0.2253"/>
+                <dgm:constr type="r" for="ch" forName="text_2" refType="ctrX" refFor="ch" refForName="accent_2"/>
+                <dgm:constr type="rOff" for="ch" forName="text_2" refType="ctrXOff" refFor="ch" refForName="accent_2"/>
+                <dgm:constr type="l" for="ch" forName="text_2"/>
+                <dgm:constr type="w" for="ch" forName="text_2" refType="h" refFor="ch" refForName="text_2" op="gte"/>
+                <dgm:constr type="h" for="ch" forName="text_2" refType="h" refFor="ch" refForName="accent_2" fact="0.8"/>
+                <dgm:constr type="ctrY" for="ch" forName="text_2" refType="ctrY" refFor="ch" refForName="accent_2"/>
+                <dgm:constr type="rMarg" for="ch" forName="text_2" refType="w" refFor="ch" refForName="accent_2" fact="1.8"/>
+                <dgm:constr type="h" for="ch" forName="accent_3" refType="h" fact="0.25"/>
+                <dgm:constr type="w" for="ch" forName="accent_3" refType="h" refFor="ch" refForName="accent_3" op="equ"/>
+                <dgm:constr type="ctrY" for="ch" forName="accent_3" refType="h" fact="0.8"/>
+                <dgm:constr type="ctrX" for="ch" forName="accent_3" refType="w"/>
+                <dgm:constr type="ctrXOff" for="ch" forName="accent_3" refType="h" fact="-0.1526"/>
+                <dgm:constr type="r" for="ch" forName="text_3" refType="ctrX" refFor="ch" refForName="accent_3"/>
+                <dgm:constr type="rOff" for="ch" forName="text_3" refType="ctrXOff" refFor="ch" refForName="accent_3"/>
+                <dgm:constr type="l" for="ch" forName="text_3"/>
+                <dgm:constr type="w" for="ch" forName="text_3" refType="h" refFor="ch" refForName="text_3" op="gte"/>
+                <dgm:constr type="h" for="ch" forName="text_3" refType="h" refFor="ch" refForName="accent_3" fact="0.8"/>
+                <dgm:constr type="ctrY" for="ch" forName="text_3" refType="ctrY" refFor="ch" refForName="accent_3"/>
+                <dgm:constr type="rMarg" for="ch" forName="text_3" refType="w" refFor="ch" refForName="accent_3" fact="1.8"/>
+                <dgm:constr type="primFontSz" for="ch" ptType="node" op="equ" val="65"/>
+              </dgm:constrLst>
+            </dgm:if>
+            <dgm:if name="Name17" axis="ch" ptType="node" func="cnt" op="equ" val="4">
+              <dgm:constrLst>
+                <dgm:constr type="h" for="ch" forName="cycle" refType="h"/>
+                <dgm:constr type="w" for="ch" forName="cycle" refType="h" refFor="ch" refForName="cycle" fact="0.26"/>
+                <dgm:constr type="r" for="ch" forName="cycle" refType="w"/>
+                <dgm:constr type="ctrY" for="ch" forName="cycle" refType="h" fact="0.5"/>
+                <dgm:constr type="diam" for="ch" forName="cycle" refType="h" fact="1.344"/>
+                <dgm:constr type="h" for="ch" forName="accent_1" refType="h" fact="0.1923"/>
+                <dgm:constr type="w" for="ch" forName="accent_1" refType="h" refFor="ch" refForName="accent_1" op="equ"/>
+                <dgm:constr type="ctrY" for="ch" forName="accent_1" refType="h" fact="0.1538"/>
+                <dgm:constr type="ctrX" for="ch" forName="accent_1" refType="w"/>
+                <dgm:constr type="ctrXOff" for="ch" forName="accent_1" refType="h" fact="-0.1268"/>
+                <dgm:constr type="r" for="ch" forName="text_1" refType="ctrX" refFor="ch" refForName="accent_1"/>
+                <dgm:constr type="rOff" for="ch" forName="text_1" refType="ctrXOff" refFor="ch" refForName="accent_1"/>
+                <dgm:constr type="l" for="ch" forName="text_1"/>
+                <dgm:constr type="w" for="ch" forName="text_1" refType="h" refFor="ch" refForName="text_1" op="gte"/>
+                <dgm:constr type="h" for="ch" forName="text_1" refType="h" refFor="ch" refForName="accent_1" fact="0.8"/>
+                <dgm:constr type="ctrY" for="ch" forName="text_1" refType="ctrY" refFor="ch" refForName="accent_1"/>
+                <dgm:constr type="rMarg" for="ch" forName="text_1" refType="w" refFor="ch" refForName="accent_1" fact="1.8"/>
+                <dgm:constr type="h" for="ch" forName="accent_2" refType="h" fact="0.1923"/>
+                <dgm:constr type="w" for="ch" forName="accent_2" refType="h" refFor="ch" refForName="accent_2" op="equ"/>
+                <dgm:constr type="ctrY" for="ch" forName="accent_2" refType="h" fact="0.3846"/>
+                <dgm:constr type="ctrX" for="ch" forName="accent_2" refType="w"/>
+                <dgm:constr type="ctrXOff" for="ch" forName="accent_2" refType="h" fact="-0.215"/>
+                <dgm:constr type="r" for="ch" forName="text_2" refType="ctrX" refFor="ch" refForName="accent_2"/>
+                <dgm:constr type="rOff" for="ch" forName="text_2" refType="ctrXOff" refFor="ch" refForName="accent_2"/>
+                <dgm:constr type="l" for="ch" forName="text_2"/>
+                <dgm:constr type="w" for="ch" forName="text_2" refType="h" refFor="ch" refForName="text_2" op="gte"/>
+                <dgm:constr type="h" for="ch" forName="text_2" refType="h" refFor="ch" refForName="accent_2" fact="0.8"/>
+                <dgm:constr type="ctrY" for="ch" forName="text_2" refType="ctrY" refFor="ch" refForName="accent_2"/>
+                <dgm:constr type="rMarg" for="ch" forName="text_2" refType="w" refFor="ch" refForName="accent_2" fact="1.8"/>
+                <dgm:constr type="h" for="ch" forName="accent_3" refType="h" fact="0.1923"/>
+                <dgm:constr type="w" for="ch" forName="accent_3" refType="h" refFor="ch" refForName="accent_3" op="equ"/>
+                <dgm:constr type="ctrY" for="ch" forName="accent_3" refType="h" fact="0.6154"/>
+                <dgm:constr type="ctrX" for="ch" forName="accent_3" refType="w"/>
+                <dgm:constr type="ctrXOff" for="ch" forName="accent_3" refType="h" fact="-0.215"/>
+                <dgm:constr type="r" for="ch" forName="text_3" refType="ctrX" refFor="ch" refForName="accent_3"/>
+                <dgm:constr type="rOff" for="ch" forName="text_3" refType="ctrXOff" refFor="ch" refForName="accent_3"/>
+                <dgm:constr type="l" for="ch" forName="text_3"/>
+                <dgm:constr type="w" for="ch" forName="text_3" refType="h" refFor="ch" refForName="text_3" op="gte"/>
+                <dgm:constr type="h" for="ch" forName="text_3" refType="h" refFor="ch" refForName="accent_3" fact="0.8"/>
+                <dgm:constr type="ctrY" for="ch" forName="text_3" refType="ctrY" refFor="ch" refForName="accent_3"/>
+                <dgm:constr type="rMarg" for="ch" forName="text_3" refType="w" refFor="ch" refForName="accent_3" fact="1.8"/>
+                <dgm:constr type="h" for="ch" forName="accent_4" refType="h" fact="0.1923"/>
+                <dgm:constr type="w" for="ch" forName="accent_4" refType="h" refFor="ch" refForName="accent_4" op="equ"/>
+                <dgm:constr type="ctrY" for="ch" forName="accent_4" refType="h" fact="0.8462"/>
+                <dgm:constr type="ctrX" for="ch" forName="accent_4" refType="w"/>
+                <dgm:constr type="ctrXOff" for="ch" forName="accent_4" refType="h" fact="-0.1268"/>
+                <dgm:constr type="r" for="ch" forName="text_4" refType="ctrX" refFor="ch" refForName="accent_4"/>
+                <dgm:constr type="rOff" for="ch" forName="text_4" refType="ctrXOff" refFor="ch" refForName="accent_4"/>
+                <dgm:constr type="l" for="ch" forName="text_4"/>
+                <dgm:constr type="w" for="ch" forName="text_4" refType="h" refFor="ch" refForName="text_4" op="gte"/>
+                <dgm:constr type="h" for="ch" forName="text_4" refType="h" refFor="ch" refForName="accent_4" fact="0.8"/>
+                <dgm:constr type="ctrY" for="ch" forName="text_4" refType="ctrY" refFor="ch" refForName="accent_4"/>
+                <dgm:constr type="rMarg" for="ch" forName="text_4" refType="w" refFor="ch" refForName="accent_4" fact="1.8"/>
+                <dgm:constr type="primFontSz" for="ch" ptType="node" op="equ" val="65"/>
+              </dgm:constrLst>
+            </dgm:if>
+            <dgm:if name="Name18" axis="ch" ptType="node" func="cnt" op="equ" val="5">
+              <dgm:constrLst>
+                <dgm:constr type="h" for="ch" forName="cycle" refType="h"/>
+                <dgm:constr type="w" for="ch" forName="cycle" refType="h" refFor="ch" refForName="cycle" fact="0.26"/>
+                <dgm:constr type="r" for="ch" forName="cycle" refType="w"/>
+                <dgm:constr type="ctrY" for="ch" forName="cycle" refType="h" fact="0.5"/>
+                <dgm:constr type="diam" for="ch" forName="cycle" refType="h" fact="1.344"/>
+                <dgm:constr type="h" for="ch" forName="accent_1" refType="h" fact="0.1563"/>
+                <dgm:constr type="w" for="ch" forName="accent_1" refType="h" refFor="ch" refForName="accent_1" op="equ"/>
+                <dgm:constr type="ctrY" for="ch" forName="accent_1" refType="h" fact="0.125"/>
+                <dgm:constr type="ctrX" for="ch" forName="accent_1" refType="w"/>
+                <dgm:constr type="ctrXOff" for="ch" forName="accent_1" refType="h" fact="-0.1082"/>
+                <dgm:constr type="r" for="ch" forName="text_1" refType="ctrX" refFor="ch" refForName="accent_1"/>
+                <dgm:constr type="rOff" for="ch" forName="text_1" refType="ctrXOff" refFor="ch" refForName="accent_1"/>
+                <dgm:constr type="l" for="ch" forName="text_1"/>
+                <dgm:constr type="w" for="ch" forName="text_1" refType="h" refFor="ch" refForName="text_1" op="gte"/>
+                <dgm:constr type="h" for="ch" forName="text_1" refType="h" refFor="ch" refForName="accent_1" fact="0.8"/>
+                <dgm:constr type="ctrY" for="ch" forName="text_1" refType="ctrY" refFor="ch" refForName="accent_1"/>
+                <dgm:constr type="rMarg" for="ch" forName="text_1" refType="w" refFor="ch" refForName="accent_1" fact="1.8"/>
+                <dgm:constr type="h" for="ch" forName="accent_2" refType="h" fact="0.1563"/>
+                <dgm:constr type="w" for="ch" forName="accent_2" refType="h" refFor="ch" refForName="accent_2" op="equ"/>
+                <dgm:constr type="ctrY" for="ch" forName="accent_2" refType="h" fact="0.3125"/>
+                <dgm:constr type="ctrX" for="ch" forName="accent_2" refType="w"/>
+                <dgm:constr type="ctrXOff" for="ch" forName="accent_2" refType="h" fact="-0.1978"/>
+                <dgm:constr type="r" for="ch" forName="text_2" refType="ctrX" refFor="ch" refForName="accent_2"/>
+                <dgm:constr type="rOff" for="ch" forName="text_2" refType="ctrXOff" refFor="ch" refForName="accent_2"/>
+                <dgm:constr type="l" for="ch" forName="text_2"/>
+                <dgm:constr type="w" for="ch" forName="text_2" refType="h" refFor="ch" refForName="text_2" op="gte"/>
+                <dgm:constr type="h" for="ch" forName="text_2" refType="h" refFor="ch" refForName="accent_2" fact="0.8"/>
+                <dgm:constr type="ctrY" for="ch" forName="text_2" refType="ctrY" refFor="ch" refForName="accent_2"/>
+                <dgm:constr type="rMarg" for="ch" forName="text_2" refType="w" refFor="ch" refForName="accent_2" fact="1.8"/>
+                <dgm:constr type="h" for="ch" forName="accent_3" refType="h" fact="0.1563"/>
+                <dgm:constr type="w" for="ch" forName="accent_3" refType="h" refFor="ch" refForName="accent_3" op="equ"/>
+                <dgm:constr type="ctrY" for="ch" forName="accent_3" refType="h" fact="0.5"/>
+                <dgm:constr type="ctrX" for="ch" forName="accent_3" refType="w"/>
+                <dgm:constr type="ctrXOff" for="ch" forName="accent_3" refType="h" fact="-0.2253"/>
+                <dgm:constr type="r" for="ch" forName="text_3" refType="ctrX" refFor="ch" refForName="accent_3"/>
+                <dgm:constr type="rOff" for="ch" forName="text_3" refType="ctrXOff" refFor="ch" refForName="accent_3"/>
+                <dgm:constr type="l" for="ch" forName="text_3"/>
+                <dgm:constr type="w" for="ch" forName="text_3" refType="h" refFor="ch" refForName="text_3" op="gte"/>
+                <dgm:constr type="h" for="ch" forName="text_3" refType="h" refFor="ch" refForName="accent_3" fact="0.8"/>
+                <dgm:constr type="ctrY" for="ch" forName="text_3" refType="ctrY" refFor="ch" refForName="accent_3"/>
+                <dgm:constr type="rMarg" for="ch" forName="text_3" refType="w" refFor="ch" refForName="accent_3" fact="1.8"/>
+                <dgm:constr type="h" for="ch" forName="accent_4" refType="h" fact="0.1563"/>
+                <dgm:constr type="w" for="ch" forName="accent_4" refType="h" refFor="ch" refForName="accent_4" op="equ"/>
+                <dgm:constr type="ctrY" for="ch" forName="accent_4" refType="h" fact="0.6875"/>
+                <dgm:constr type="ctrX" for="ch" forName="accent_4" refType="w"/>
+                <dgm:constr type="ctrXOff" for="ch" forName="accent_4" refType="h" fact="-0.1978"/>
+                <dgm:constr type="r" for="ch" forName="text_4" refType="ctrX" refFor="ch" refForName="accent_4"/>
+                <dgm:constr type="rOff" for="ch" forName="text_4" refType="ctrXOff" refFor="ch" refForName="accent_4"/>
+                <dgm:constr type="l" for="ch" forName="text_4"/>
+                <dgm:constr type="w" for="ch" forName="text_4" refType="h" refFor="ch" refForName="text_4" op="gte"/>
+                <dgm:constr type="h" for="ch" forName="text_4" refType="h" refFor="ch" refForName="accent_4" fact="0.8"/>
+                <dgm:constr type="ctrY" for="ch" forName="text_4" refType="ctrY" refFor="ch" refForName="accent_4"/>
+                <dgm:constr type="rMarg" for="ch" forName="text_4" refType="w" refFor="ch" refForName="accent_4" fact="1.8"/>
+                <dgm:constr type="h" for="ch" forName="accent_5" refType="h" fact="0.1563"/>
+                <dgm:constr type="w" for="ch" forName="accent_5" refType="h" refFor="ch" refForName="accent_5" op="equ"/>
+                <dgm:constr type="ctrY" for="ch" forName="accent_5" refType="h" fact="0.875"/>
+                <dgm:constr type="ctrX" for="ch" forName="accent_5" refType="w"/>
+                <dgm:constr type="ctrXOff" for="ch" forName="accent_5" refType="h" fact="-0.1082"/>
+                <dgm:constr type="r" for="ch" forName="text_5" refType="ctrX" refFor="ch" refForName="accent_5"/>
+                <dgm:constr type="rOff" for="ch" forName="text_5" refType="ctrXOff" refFor="ch" refForName="accent_5"/>
+                <dgm:constr type="l" for="ch" forName="text_5"/>
+                <dgm:constr type="w" for="ch" forName="text_5" refType="h" refFor="ch" refForName="text_5" op="gte"/>
+                <dgm:constr type="h" for="ch" forName="text_5" refType="h" refFor="ch" refForName="accent_5" fact="0.8"/>
+                <dgm:constr type="ctrY" for="ch" forName="text_5" refType="ctrY" refFor="ch" refForName="accent_5"/>
+                <dgm:constr type="rMarg" for="ch" forName="text_5" refType="w" refFor="ch" refForName="accent_5" fact="1.8"/>
+                <dgm:constr type="primFontSz" for="ch" ptType="node" op="equ" val="65"/>
+              </dgm:constrLst>
+            </dgm:if>
+            <dgm:if name="Name19" axis="ch" ptType="node" func="cnt" op="equ" val="6">
+              <dgm:constrLst>
+                <dgm:constr type="h" for="ch" forName="cycle" refType="h"/>
+                <dgm:constr type="w" for="ch" forName="cycle" refType="h" refFor="ch" refForName="cycle" fact="0.26"/>
+                <dgm:constr type="r" for="ch" forName="cycle" refType="w"/>
+                <dgm:constr type="ctrY" for="ch" forName="cycle" refType="h" fact="0.5"/>
+                <dgm:constr type="diam" for="ch" forName="cycle" refType="h" fact="1.344"/>
+                <dgm:constr type="h" for="ch" forName="accent_1" refType="h" fact="0.1316"/>
+                <dgm:constr type="w" for="ch" forName="accent_1" refType="h" refFor="ch" refForName="accent_1" op="equ"/>
+                <dgm:constr type="ctrY" for="ch" forName="accent_1" refType="h" fact="0.1053"/>
+                <dgm:constr type="ctrX" for="ch" forName="accent_1" refType="w"/>
+                <dgm:constr type="ctrXOff" for="ch" forName="accent_1" refType="h" fact="-0.0943"/>
+                <dgm:constr type="r" for="ch" forName="text_1" refType="ctrX" refFor="ch" refForName="accent_1"/>
+                <dgm:constr type="rOff" for="ch" forName="text_1" refType="ctrXOff" refFor="ch" refForName="accent_1"/>
+                <dgm:constr type="l" for="ch" forName="text_1"/>
+                <dgm:constr type="w" for="ch" forName="text_1" refType="h" refFor="ch" refForName="text_1" op="gte"/>
+                <dgm:constr type="h" for="ch" forName="text_1" refType="h" refFor="ch" refForName="accent_1" fact="0.8"/>
+                <dgm:constr type="ctrY" for="ch" forName="text_1" refType="ctrY" refFor="ch" refForName="accent_1"/>
+                <dgm:constr type="rMarg" for="ch" forName="text_1" refType="w" refFor="ch" refForName="accent_1" fact="1.8"/>
+                <dgm:constr type="h" for="ch" forName="accent_2" refType="h" fact="0.1316"/>
+                <dgm:constr type="w" for="ch" forName="accent_2" refType="h" refFor="ch" refForName="accent_2" op="equ"/>
+                <dgm:constr type="ctrY" for="ch" forName="accent_2" refType="h" fact="0.2632"/>
+                <dgm:constr type="ctrX" for="ch" forName="accent_2" refType="w"/>
+                <dgm:constr type="ctrXOff" for="ch" forName="accent_2" refType="h" fact="-0.1809"/>
+                <dgm:constr type="r" for="ch" forName="text_2" refType="ctrX" refFor="ch" refForName="accent_2"/>
+                <dgm:constr type="rOff" for="ch" forName="text_2" refType="ctrXOff" refFor="ch" refForName="accent_2"/>
+                <dgm:constr type="l" for="ch" forName="text_2"/>
+                <dgm:constr type="w" for="ch" forName="text_2" refType="h" refFor="ch" refForName="text_2" op="gte"/>
+                <dgm:constr type="h" for="ch" forName="text_2" refType="h" refFor="ch" refForName="accent_2" fact="0.8"/>
+                <dgm:constr type="ctrY" for="ch" forName="text_2" refType="ctrY" refFor="ch" refForName="accent_2"/>
+                <dgm:constr type="rMarg" for="ch" forName="text_2" refType="w" refFor="ch" refForName="accent_2" fact="1.8"/>
+                <dgm:constr type="h" for="ch" forName="accent_3" refType="h" fact="0.1316"/>
+                <dgm:constr type="w" for="ch" forName="accent_3" refType="h" refFor="ch" refForName="accent_3" op="equ"/>
+                <dgm:constr type="ctrY" for="ch" forName="accent_3" refType="h" fact="0.4211"/>
+                <dgm:constr type="ctrX" for="ch" forName="accent_3" refType="w"/>
+                <dgm:constr type="ctrXOff" for="ch" forName="accent_3" refType="h" fact="-0.2205"/>
+                <dgm:constr type="r" for="ch" forName="text_3" refType="ctrX" refFor="ch" refForName="accent_3"/>
+                <dgm:constr type="rOff" for="ch" forName="text_3" refType="ctrXOff" refFor="ch" refForName="accent_3"/>
+                <dgm:constr type="l" for="ch" forName="text_3"/>
+                <dgm:constr type="w" for="ch" forName="text_3" refType="h" refFor="ch" refForName="text_3" op="gte"/>
+                <dgm:constr type="h" for="ch" forName="text_3" refType="h" refFor="ch" refForName="accent_3" fact="0.8"/>
+                <dgm:constr type="ctrY" for="ch" forName="text_3" refType="ctrY" refFor="ch" refForName="accent_3"/>
+                <dgm:constr type="rMarg" for="ch" forName="text_3" refType="w" refFor="ch" refForName="accent_3" fact="1.8"/>
+                <dgm:constr type="h" for="ch" forName="accent_4" refType="h" fact="0.1316"/>
+                <dgm:constr type="w" for="ch" forName="accent_4" refType="h" refFor="ch" refForName="accent_4" op="equ"/>
+                <dgm:constr type="ctrY" for="ch" forName="accent_4" refType="h" fact="0.5789"/>
+                <dgm:constr type="ctrX" for="ch" forName="accent_4" refType="w"/>
+                <dgm:constr type="ctrXOff" for="ch" forName="accent_4" refType="h" fact="-0.2205"/>
+                <dgm:constr type="r" for="ch" forName="text_4" refType="ctrX" refFor="ch" refForName="accent_4"/>
+                <dgm:constr type="rOff" for="ch" forName="text_4" refType="ctrXOff" refFor="ch" refForName="accent_4"/>
+                <dgm:constr type="l" for="ch" forName="text_4"/>
+                <dgm:constr type="w" for="ch" forName="text_4" refType="h" refFor="ch" refForName="text_4" op="gte"/>
+                <dgm:constr type="h" for="ch" forName="text_4" refType="h" refFor="ch" refForName="accent_4" fact="0.8"/>
+                <dgm:constr type="ctrY" for="ch" forName="text_4" refType="ctrY" refFor="ch" refForName="accent_4"/>
+                <dgm:constr type="rMarg" for="ch" forName="text_4" refType="w" refFor="ch" refForName="accent_4" fact="1.8"/>
+                <dgm:constr type="h" for="ch" forName="accent_5" refType="h" fact="0.1316"/>
+                <dgm:constr type="w" for="ch" forName="accent_5" refType="h" refFor="ch" refForName="accent_5" op="equ"/>
+                <dgm:constr type="ctrY" for="ch" forName="accent_5" refType="h" fact="0.7368"/>
+                <dgm:constr type="ctrX" for="ch" forName="accent_5" refType="w"/>
+                <dgm:constr type="ctrXOff" for="ch" forName="accent_5" refType="h" fact="-0.1809"/>
+                <dgm:constr type="r" for="ch" forName="text_5" refType="ctrX" refFor="ch" refForName="accent_5"/>
+                <dgm:constr type="rOff" for="ch" forName="text_5" refType="ctrXOff" refFor="ch" refForName="accent_5"/>
+                <dgm:constr type="l" for="ch" forName="text_5"/>
+                <dgm:constr type="w" for="ch" forName="text_5" refType="h" refFor="ch" refForName="text_5" op="gte"/>
+                <dgm:constr type="h" for="ch" forName="text_5" refType="h" refFor="ch" refForName="accent_5" fact="0.8"/>
+                <dgm:constr type="ctrY" for="ch" forName="text_5" refType="ctrY" refFor="ch" refForName="accent_5"/>
+                <dgm:constr type="rMarg" for="ch" forName="text_5" refType="w" refFor="ch" refForName="accent_5" fact="1.8"/>
+                <dgm:constr type="h" for="ch" forName="accent_6" refType="h" fact="0.1316"/>
+                <dgm:constr type="w" for="ch" forName="accent_6" refType="h" refFor="ch" refForName="accent_6" op="equ"/>
+                <dgm:constr type="ctrY" for="ch" forName="accent_6" refType="h" fact="0.8947"/>
+                <dgm:constr type="ctrX" for="ch" forName="accent_6" refType="w"/>
+                <dgm:constr type="ctrXOff" for="ch" forName="accent_6" refType="h" fact="-0.0943"/>
+                <dgm:constr type="r" for="ch" forName="text_6" refType="ctrX" refFor="ch" refForName="accent_6"/>
+                <dgm:constr type="rOff" for="ch" forName="text_6" refType="ctrXOff" refFor="ch" refForName="accent_6"/>
+                <dgm:constr type="l" for="ch" forName="text_6"/>
+                <dgm:constr type="w" for="ch" forName="text_6" refType="h" refFor="ch" refForName="text_6" op="gte"/>
+                <dgm:constr type="h" for="ch" forName="text_6" refType="h" refFor="ch" refForName="accent_6" fact="0.8"/>
+                <dgm:constr type="ctrY" for="ch" forName="text_6" refType="ctrY" refFor="ch" refForName="accent_6"/>
+                <dgm:constr type="rMarg" for="ch" forName="text_6" refType="w" refFor="ch" refForName="accent_6" fact="1.8"/>
+                <dgm:constr type="primFontSz" for="ch" ptType="node" op="equ" val="65"/>
+              </dgm:constrLst>
+            </dgm:if>
+            <dgm:else name="Name20">
+              <dgm:constrLst>
+                <dgm:constr type="h" for="ch" forName="cycle" refType="h"/>
+                <dgm:constr type="w" for="ch" forName="cycle" refType="h" refFor="ch" refForName="cycle" fact="0.26"/>
+                <dgm:constr type="r" for="ch" forName="cycle" refType="w"/>
+                <dgm:constr type="ctrY" for="ch" forName="cycle" refType="h" fact="0.5"/>
+                <dgm:constr type="diam" for="ch" forName="cycle" refType="h" fact="1.344"/>
+                <dgm:constr type="h" for="ch" forName="accent_1" refType="h" fact="0.1136"/>
+                <dgm:constr type="w" for="ch" forName="accent_1" refType="h" refFor="ch" refForName="accent_1" op="equ"/>
+                <dgm:constr type="ctrY" for="ch" forName="accent_1" refType="h" fact="0.0909"/>
+                <dgm:constr type="ctrX" for="ch" forName="accent_1" refType="w"/>
+                <dgm:constr type="ctrXOff" for="ch" forName="accent_1" refType="h" fact="-0.0835"/>
+                <dgm:constr type="r" for="ch" forName="text_1" refType="ctrX" refFor="ch" refForName="accent_1"/>
+                <dgm:constr type="rOff" for="ch" forName="text_1" refType="ctrXOff" refFor="ch" refForName="accent_1"/>
+                <dgm:constr type="l" for="ch" forName="text_1"/>
+                <dgm:constr type="w" for="ch" forName="text_1" refType="h" refFor="ch" refForName="text_1" op="gte"/>
+                <dgm:constr type="h" for="ch" forName="text_1" refType="h" refFor="ch" refForName="accent_1" fact="0.8"/>
+                <dgm:constr type="ctrY" for="ch" forName="text_1" refType="ctrY" refFor="ch" refForName="accent_1"/>
+                <dgm:constr type="rMarg" for="ch" forName="text_1" refType="w" refFor="ch" refForName="accent_1" fact="1.8"/>
+                <dgm:constr type="h" for="ch" forName="accent_2" refType="h" fact="0.1136"/>
+                <dgm:constr type="w" for="ch" forName="accent_2" refType="h" refFor="ch" refForName="accent_2" op="equ"/>
+                <dgm:constr type="ctrY" for="ch" forName="accent_2" refType="h" fact="0.2273"/>
+                <dgm:constr type="ctrX" for="ch" forName="accent_2" refType="w"/>
+                <dgm:constr type="ctrXOff" for="ch" forName="accent_2" refType="h" fact="-0.1658"/>
+                <dgm:constr type="r" for="ch" forName="text_2" refType="ctrX" refFor="ch" refForName="accent_2"/>
+                <dgm:constr type="rOff" for="ch" forName="text_2" refType="ctrXOff" refFor="ch" refForName="accent_2"/>
+                <dgm:constr type="l" for="ch" forName="text_2"/>
+                <dgm:constr type="w" for="ch" forName="text_2" refType="h" refFor="ch" refForName="text_2" op="gte"/>
+                <dgm:constr type="h" for="ch" forName="text_2" refType="h" refFor="ch" refForName="accent_2" fact="0.8"/>
+                <dgm:constr type="ctrY" for="ch" forName="text_2" refType="ctrY" refFor="ch" refForName="accent_2"/>
+                <dgm:constr type="rMarg" for="ch" forName="text_2" refType="w" refFor="ch" refForName="accent_2" fact="1.8"/>
+                <dgm:constr type="h" for="ch" forName="accent_3" refType="h" fact="0.1136"/>
+                <dgm:constr type="w" for="ch" forName="accent_3" refType="h" refFor="ch" refForName="accent_3" op="equ"/>
+                <dgm:constr type="ctrY" for="ch" forName="accent_3" refType="h" fact="0.3636"/>
+                <dgm:constr type="ctrX" for="ch" forName="accent_3" refType="w"/>
+                <dgm:constr type="ctrXOff" for="ch" forName="accent_3" refType="h" fact="-0.2109"/>
+                <dgm:constr type="r" for="ch" forName="text_3" refType="ctrX" refFor="ch" refForName="accent_3"/>
+                <dgm:constr type="rOff" for="ch" forName="text_3" refType="ctrXOff" refFor="ch" refForName="accent_3"/>
+                <dgm:constr type="l" for="ch" forName="text_3"/>
+                <dgm:constr type="w" for="ch" forName="text_3" refType="h" refFor="ch" refForName="text_3" op="gte"/>
+                <dgm:constr type="h" for="ch" forName="text_3" refType="h" refFor="ch" refForName="accent_3" fact="0.8"/>
+                <dgm:constr type="ctrY" for="ch" forName="text_3" refType="ctrY" refFor="ch" refForName="accent_3"/>
+                <dgm:constr type="rMarg" for="ch" forName="text_3" refType="w" refFor="ch" refForName="accent_3" fact="1.8"/>
+                <dgm:constr type="h" for="ch" forName="accent_4" refType="h" fact="0.1136"/>
+                <dgm:constr type="w" for="ch" forName="accent_4" refType="h" refFor="ch" refForName="accent_4" op="equ"/>
+                <dgm:constr type="ctrY" for="ch" forName="accent_4" refType="h" fact="0.5"/>
+                <dgm:constr type="ctrX" for="ch" forName="accent_4" refType="w"/>
+                <dgm:constr type="ctrXOff" for="ch" forName="accent_4" refType="h" fact="-0.2253"/>
+                <dgm:constr type="r" for="ch" forName="text_4" refType="ctrX" refFor="ch" refForName="accent_4"/>
+                <dgm:constr type="rOff" for="ch" forName="text_4" refType="ctrXOff" refFor="ch" refForName="accent_4"/>
+                <dgm:constr type="l" for="ch" forName="text_4"/>
+                <dgm:constr type="w" for="ch" forName="text_4" refType="h" refFor="ch" refForName="text_4" op="gte"/>
+                <dgm:constr type="h" for="ch" forName="text_4" refType="h" refFor="ch" refForName="accent_4" fact="0.8"/>
+                <dgm:constr type="ctrY" for="ch" forName="text_4" refType="ctrY" refFor="ch" refForName="accent_4"/>
+                <dgm:constr type="rMarg" for="ch" forName="text_4" refType="w" refFor="ch" refForName="accent_4" fact="1.8"/>
+                <dgm:constr type="h" for="ch" forName="accent_5" refType="h" fact="0.1136"/>
+                <dgm:constr type="w" for="ch" forName="accent_5" refType="h" refFor="ch" refForName="accent_5" op="equ"/>
+                <dgm:constr type="ctrY" for="ch" forName="accent_5" refType="h" fact="0.6364"/>
+                <dgm:constr type="ctrX" for="ch" forName="accent_5" refType="w"/>
+                <dgm:constr type="ctrXOff" for="ch" forName="accent_5" refType="h" fact="-0.2109"/>
+                <dgm:constr type="r" for="ch" forName="text_5" refType="ctrX" refFor="ch" refForName="accent_5"/>
+                <dgm:constr type="rOff" for="ch" forName="text_5" refType="ctrXOff" refFor="ch" refForName="accent_5"/>
+                <dgm:constr type="l" for="ch" forName="text_5"/>
+                <dgm:constr type="w" for="ch" forName="text_5" refType="h" refFor="ch" refForName="text_5" op="gte"/>
+                <dgm:constr type="h" for="ch" forName="text_5" refType="h" refFor="ch" refForName="accent_5" fact="0.8"/>
+                <dgm:constr type="ctrY" for="ch" forName="text_5" refType="ctrY" refFor="ch" refForName="accent_5"/>
+                <dgm:constr type="rMarg" for="ch" forName="text_5" refType="w" refFor="ch" refForName="accent_5" fact="1.8"/>
+                <dgm:constr type="h" for="ch" forName="accent_6" refType="h" fact="0.1136"/>
+                <dgm:constr type="w" for="ch" forName="accent_6" refType="h" refFor="ch" refForName="accent_6" op="equ"/>
+                <dgm:constr type="ctrY" for="ch" forName="accent_6" refType="h" fact="0.7727"/>
+                <dgm:constr type="ctrX" for="ch" forName="accent_6" refType="w"/>
+                <dgm:constr type="ctrXOff" for="ch" forName="accent_6" refType="h" fact="-0.1658"/>
+                <dgm:constr type="r" for="ch" forName="text_6" refType="ctrX" refFor="ch" refForName="accent_6"/>
+                <dgm:constr type="rOff" for="ch" forName="text_6" refType="ctrXOff" refFor="ch" refForName="accent_6"/>
+                <dgm:constr type="l" for="ch" forName="text_6"/>
+                <dgm:constr type="w" for="ch" forName="text_6" refType="h" refFor="ch" refForName="text_6" op="gte"/>
+                <dgm:constr type="h" for="ch" forName="text_6" refType="h" refFor="ch" refForName="accent_6" fact="0.8"/>
+                <dgm:constr type="ctrY" for="ch" forName="text_6" refType="ctrY" refFor="ch" refForName="accent_6"/>
+                <dgm:constr type="rMarg" for="ch" forName="text_6" refType="w" refFor="ch" refForName="accent_6" fact="1.8"/>
+                <dgm:constr type="h" for="ch" forName="accent_7" refType="h" fact="0.1136"/>
+                <dgm:constr type="w" for="ch" forName="accent_7" refType="h" refFor="ch" refForName="accent_7" op="equ"/>
+                <dgm:constr type="ctrY" for="ch" forName="accent_7" refType="h" fact="0.9091"/>
+                <dgm:constr type="ctrX" for="ch" forName="accent_7" refType="w"/>
+                <dgm:constr type="ctrXOff" for="ch" forName="accent_7" refType="h" fact="-0.0835"/>
+                <dgm:constr type="r" for="ch" forName="text_7" refType="ctrX" refFor="ch" refForName="accent_7"/>
+                <dgm:constr type="rOff" for="ch" forName="text_7" refType="ctrXOff" refFor="ch" refForName="accent_7"/>
+                <dgm:constr type="l" for="ch" forName="text_7"/>
+                <dgm:constr type="w" for="ch" forName="text_7" refType="h" refFor="ch" refForName="text_7" op="gte"/>
+                <dgm:constr type="h" for="ch" forName="text_7" refType="h" refFor="ch" refForName="accent_7" fact="0.8"/>
+                <dgm:constr type="ctrY" for="ch" forName="text_7" refType="ctrY" refFor="ch" refForName="accent_7"/>
+                <dgm:constr type="rMarg" for="ch" forName="text_7" refType="w" refFor="ch" refForName="accent_7" fact="1.8"/>
+                <dgm:constr type="primFontSz" for="ch" ptType="node" op="equ" val="65"/>
+              </dgm:constrLst>
+            </dgm:else>
+          </dgm:choose>
+        </dgm:else>
+      </dgm:choose>
+      <dgm:layoutNode name="cycle">
+        <dgm:choose name="Name21">
+          <dgm:if name="Name22" func="var" arg="dir" op="equ" val="norm">
+            <dgm:alg type="cycle">
+              <dgm:param type="stAng" val="45"/>
+              <dgm:param type="spanAng" val="90"/>
+            </dgm:alg>
+          </dgm:if>
+          <dgm:else name="Name23">
+            <dgm:alg type="cycle">
+              <dgm:param type="stAng" val="225"/>
+              <dgm:param type="spanAng" val="90"/>
+            </dgm:alg>
+          </dgm:else>
+        </dgm:choose>
+        <dgm:shape xmlns:r="http://schemas.openxmlformats.org/officeDocument/2006/relationships" r:blip="">
+          <dgm:adjLst/>
+        </dgm:shape>
+        <dgm:presOf/>
+        <dgm:constrLst>
+          <dgm:constr type="w" for="ch" val="1"/>
+          <dgm:constr type="h" for="ch" val="1"/>
+          <dgm:constr type="diam" for="ch" forName="conn" refType="diam"/>
+        </dgm:constrLst>
+        <dgm:layoutNode name="srcNode">
+          <dgm:alg type="sp"/>
+          <dgm:shape xmlns:r="http://schemas.openxmlformats.org/officeDocument/2006/relationships" type="rect" r:blip="" hideGeom="1">
+            <dgm:adjLst/>
+          </dgm:shape>
+          <dgm:presOf/>
+        </dgm:layoutNode>
+        <dgm:layoutNode name="conn" styleLbl="parChTrans1D2">
+          <dgm:alg type="conn">
+            <dgm:param type="connRout" val="curve"/>
+            <dgm:param type="srcNode" val="srcNode"/>
+            <dgm:param type="dstNode" val="dstNode"/>
+            <dgm:param type="begPts" val="ctr"/>
+            <dgm:param type="endPts" val="ctr"/>
+            <dgm:param type="endSty" val="noArr"/>
+          </dgm:alg>
+          <dgm:shape xmlns:r="http://schemas.openxmlformats.org/officeDocument/2006/relationships" type="conn" r:blip="">
+            <dgm:adjLst/>
+          </dgm:shape>
+          <dgm:presOf axis="desOrSelf" ptType="sibTrans" hideLastTrans="0" st="0" cnt="1"/>
+          <dgm:constrLst>
+            <dgm:constr type="begPad"/>
+            <dgm:constr type="endPad"/>
+          </dgm:constrLst>
+        </dgm:layoutNode>
+        <dgm:layoutNode name="extraNode">
+          <dgm:alg type="sp"/>
+          <dgm:shape xmlns:r="http://schemas.openxmlformats.org/officeDocument/2006/relationships" type="rect" r:blip="" hideGeom="1">
+            <dgm:adjLst/>
+          </dgm:shape>
+          <dgm:presOf/>
+        </dgm:layoutNode>
+        <dgm:layoutNode name="dstNode">
+          <dgm:alg type="sp"/>
+          <dgm:shape xmlns:r="http://schemas.openxmlformats.org/officeDocument/2006/relationships" type="rect" r:blip="" hideGeom="1">
+            <dgm:adjLst/>
+          </dgm:shape>
+          <dgm:presOf/>
+        </dgm:layoutNode>
+      </dgm:layoutNode>
+      <dgm:forEach name="wrapper" axis="self" ptType="parTrans">
+        <dgm:forEach name="wrapper2" axis="self" ptType="sibTrans" st="2">
+          <dgm:forEach name="accentRepeat" axis="self">
+            <dgm:layoutNode name="accentRepeatNode" styleLbl="solidFgAcc1">
+              <dgm:alg type="sp"/>
+              <dgm:shape xmlns:r="http://schemas.openxmlformats.org/officeDocument/2006/relationships" type="ellipse" r:blip="">
+                <dgm:adjLst/>
+              </dgm:shape>
+              <dgm:presOf/>
+            </dgm:layoutNode>
+          </dgm:forEach>
+        </dgm:forEach>
+      </dgm:forEach>
+      <dgm:forEach name="Name24" axis="ch" ptType="node" cnt="1">
+        <dgm:layoutNode name="text_1" styleLbl="node1">
+          <dgm:varLst>
+            <dgm:bulletEnabled val="1"/>
+          </dgm:varLst>
+          <dgm:choose name="Name25">
+            <dgm:if name="Name26" func="var" arg="dir" op="equ" val="norm">
+              <dgm:alg type="tx">
+                <dgm:param type="parTxLTRAlign" val="l"/>
+                <dgm:param type="shpTxLTRAlignCh" val="l"/>
+                <dgm:param type="parTxRTLAlign" val="l"/>
+                <dgm:param type="shpTxRTLAlignCh" val="l"/>
+              </dgm:alg>
+            </dgm:if>
+            <dgm:else name="Name27">
+              <dgm:alg type="tx">
+                <dgm:param type="parTxLTRAlign" val="r"/>
+                <dgm:param type="shpTxLTRAlignCh" val="r"/>
+                <dgm:param type="parTxRTLAlign" val="r"/>
+                <dgm:param type="shpTxRTLAlignCh" val="r"/>
+              </dgm:alg>
+            </dgm:else>
+          </dgm:choose>
+          <dgm:shape xmlns:r="http://schemas.openxmlformats.org/officeDocument/2006/relationships" type="rect" r:blip="">
+            <dgm:adjLst/>
+          </dgm:shape>
+          <dgm:presOf axis="desOrSelf" ptType="node"/>
+          <dgm:constrLst>
+            <dgm:constr type="primFontSz" val="65"/>
+            <dgm:constr type="lMarg" refType="primFontSz" fact="0.2"/>
+            <dgm:constr type="rMarg" refType="primFontSz" fact="0.2"/>
+            <dgm:constr type="tMarg" refType="primFontSz" fact="0.2"/>
+            <dgm:constr type="bMarg" refType="primFontSz" fact="0.2"/>
+          </dgm:constrLst>
+          <dgm:ruleLst>
+            <dgm:rule type="primFontSz" val="5" fact="NaN" max="NaN"/>
+          </dgm:ruleLst>
+        </dgm:layoutNode>
+        <dgm:layoutNode name="accent_1">
+          <dgm:alg type="sp"/>
+          <dgm:shape xmlns:r="http://schemas.openxmlformats.org/officeDocument/2006/relationships" r:blip="">
+            <dgm:adjLst/>
+          </dgm:shape>
+          <dgm:presOf/>
+          <dgm:constrLst/>
+          <dgm:forEach name="Name28" ref="accentRepeat"/>
+        </dgm:layoutNode>
+      </dgm:forEach>
+      <dgm:forEach name="Name29" axis="ch" ptType="node" st="2" cnt="1">
+        <dgm:layoutNode name="text_2" styleLbl="node1">
+          <dgm:varLst>
+            <dgm:bulletEnabled val="1"/>
+          </dgm:varLst>
+          <dgm:choose name="Name30">
+            <dgm:if name="Name31" func="var" arg="dir" op="equ" val="norm">
+              <dgm:alg type="tx">
+                <dgm:param type="parTxLTRAlign" val="l"/>
+                <dgm:param type="shpTxLTRAlignCh" val="l"/>
+                <dgm:param type="parTxRTLAlign" val="l"/>
+                <dgm:param type="shpTxRTLAlignCh" val="l"/>
+              </dgm:alg>
+            </dgm:if>
+            <dgm:else name="Name32">
+              <dgm:alg type="tx">
+                <dgm:param type="parTxLTRAlign" val="r"/>
+                <dgm:param type="shpTxLTRAlignCh" val="r"/>
+                <dgm:param type="parTxRTLAlign" val="r"/>
+                <dgm:param type="shpTxRTLAlignCh" val="r"/>
+              </dgm:alg>
+            </dgm:else>
+          </dgm:choose>
+          <dgm:shape xmlns:r="http://schemas.openxmlformats.org/officeDocument/2006/relationships" type="rect" r:blip="">
+            <dgm:adjLst/>
+          </dgm:shape>
+          <dgm:presOf axis="desOrSelf" ptType="node"/>
+          <dgm:constrLst>
+            <dgm:constr type="primFontSz" val="65"/>
+            <dgm:constr type="lMarg" refType="primFontSz" fact="0.2"/>
+            <dgm:constr type="rMarg" refType="primFontSz" fact="0.2"/>
+            <dgm:constr type="tMarg" refType="primFontSz" fact="0.2"/>
+            <dgm:constr type="bMarg" refType="primFontSz" fact="0.2"/>
+          </dgm:constrLst>
+          <dgm:ruleLst>
+            <dgm:rule type="primFontSz" val="5" fact="NaN" max="NaN"/>
+          </dgm:ruleLst>
+        </dgm:layoutNode>
+        <dgm:layoutNode name="accent_2">
+          <dgm:alg type="sp"/>
+          <dgm:shape xmlns:r="http://schemas.openxmlformats.org/officeDocument/2006/relationships" r:blip="">
+            <dgm:adjLst/>
+          </dgm:shape>
+          <dgm:presOf/>
+          <dgm:constrLst/>
+          <dgm:forEach name="Name33" ref="accentRepeat"/>
+        </dgm:layoutNode>
+      </dgm:forEach>
+      <dgm:forEach name="Name34" axis="ch" ptType="node" st="3" cnt="1">
+        <dgm:layoutNode name="text_3" styleLbl="node1">
+          <dgm:varLst>
+            <dgm:bulletEnabled val="1"/>
+          </dgm:varLst>
+          <dgm:choose name="Name35">
+            <dgm:if name="Name36" func="var" arg="dir" op="equ" val="norm">
+              <dgm:alg type="tx">
+                <dgm:param type="parTxLTRAlign" val="l"/>
+                <dgm:param type="shpTxLTRAlignCh" val="l"/>
+                <dgm:param type="parTxRTLAlign" val="l"/>
+                <dgm:param type="shpTxRTLAlignCh" val="l"/>
+              </dgm:alg>
+            </dgm:if>
+            <dgm:else name="Name37">
+              <dgm:alg type="tx">
+                <dgm:param type="parTxLTRAlign" val="r"/>
+                <dgm:param type="shpTxLTRAlignCh" val="r"/>
+                <dgm:param type="parTxRTLAlign" val="r"/>
+                <dgm:param type="shpTxRTLAlignCh" val="r"/>
+              </dgm:alg>
+            </dgm:else>
+          </dgm:choose>
+          <dgm:shape xmlns:r="http://schemas.openxmlformats.org/officeDocument/2006/relationships" type="rect" r:blip="">
+            <dgm:adjLst/>
+          </dgm:shape>
+          <dgm:presOf axis="desOrSelf" ptType="node"/>
+          <dgm:constrLst>
+            <dgm:constr type="primFontSz" val="65"/>
+            <dgm:constr type="lMarg" refType="primFontSz" fact="0.2"/>
+            <dgm:constr type="rMarg" refType="primFontSz" fact="0.2"/>
+            <dgm:constr type="tMarg" refType="primFontSz" fact="0.2"/>
+            <dgm:constr type="bMarg" refType="primFontSz" fact="0.2"/>
+          </dgm:constrLst>
+          <dgm:ruleLst>
+            <dgm:rule type="primFontSz" val="5" fact="NaN" max="NaN"/>
+          </dgm:ruleLst>
+        </dgm:layoutNode>
+        <dgm:layoutNode name="accent_3">
+          <dgm:alg type="sp"/>
+          <dgm:shape xmlns:r="http://schemas.openxmlformats.org/officeDocument/2006/relationships" r:blip="">
+            <dgm:adjLst/>
+          </dgm:shape>
+          <dgm:presOf/>
+          <dgm:constrLst/>
+          <dgm:forEach name="Name38" ref="accentRepeat"/>
+        </dgm:layoutNode>
+      </dgm:forEach>
+      <dgm:forEach name="Name39" axis="ch" ptType="node" st="4" cnt="1">
+        <dgm:layoutNode name="text_4" styleLbl="node1">
+          <dgm:varLst>
+            <dgm:bulletEnabled val="1"/>
+          </dgm:varLst>
+          <dgm:choose name="Name40">
+            <dgm:if name="Name41" func="var" arg="dir" op="equ" val="norm">
+              <dgm:alg type="tx">
+                <dgm:param type="parTxLTRAlign" val="l"/>
+                <dgm:param type="shpTxLTRAlignCh" val="l"/>
+                <dgm:param type="parTxRTLAlign" val="l"/>
+                <dgm:param type="shpTxRTLAlignCh" val="l"/>
+              </dgm:alg>
+            </dgm:if>
+            <dgm:else name="Name42">
+              <dgm:alg type="tx">
+                <dgm:param type="parTxLTRAlign" val="r"/>
+                <dgm:param type="shpTxLTRAlignCh" val="r"/>
+                <dgm:param type="parTxRTLAlign" val="r"/>
+                <dgm:param type="shpTxRTLAlignCh" val="r"/>
+              </dgm:alg>
+            </dgm:else>
+          </dgm:choose>
+          <dgm:shape xmlns:r="http://schemas.openxmlformats.org/officeDocument/2006/relationships" type="rect" r:blip="">
+            <dgm:adjLst/>
+          </dgm:shape>
+          <dgm:presOf axis="desOrSelf" ptType="node"/>
+          <dgm:constrLst>
+            <dgm:constr type="primFontSz" val="65"/>
+            <dgm:constr type="lMarg" refType="primFontSz" fact="0.2"/>
+            <dgm:constr type="rMarg" refType="primFontSz" fact="0.2"/>
+            <dgm:constr type="tMarg" refType="primFontSz" fact="0.2"/>
+            <dgm:constr type="bMarg" refType="primFontSz" fact="0.2"/>
+          </dgm:constrLst>
+          <dgm:ruleLst>
+            <dgm:rule type="primFontSz" val="5" fact="NaN" max="NaN"/>
+          </dgm:ruleLst>
+        </dgm:layoutNode>
+        <dgm:layoutNode name="accent_4">
+          <dgm:alg type="sp"/>
+          <dgm:shape xmlns:r="http://schemas.openxmlformats.org/officeDocument/2006/relationships" r:blip="">
+            <dgm:adjLst/>
+          </dgm:shape>
+          <dgm:presOf/>
+          <dgm:constrLst/>
+          <dgm:forEach name="Name43" ref="accentRepeat"/>
+        </dgm:layoutNode>
+      </dgm:forEach>
+      <dgm:forEach name="Name44" axis="ch" ptType="node" st="5" cnt="1">
+        <dgm:layoutNode name="text_5" styleLbl="node1">
+          <dgm:varLst>
+            <dgm:bulletEnabled val="1"/>
+          </dgm:varLst>
+          <dgm:choose name="Name45">
+            <dgm:if name="Name46" func="var" arg="dir" op="equ" val="norm">
+              <dgm:alg type="tx">
+                <dgm:param type="parTxLTRAlign" val="l"/>
+                <dgm:param type="shpTxLTRAlignCh" val="l"/>
+                <dgm:param type="parTxRTLAlign" val="l"/>
+                <dgm:param type="shpTxRTLAlignCh" val="l"/>
+              </dgm:alg>
+            </dgm:if>
+            <dgm:else name="Name47">
+              <dgm:alg type="tx">
+                <dgm:param type="parTxLTRAlign" val="r"/>
+                <dgm:param type="shpTxLTRAlignCh" val="r"/>
+                <dgm:param type="parTxRTLAlign" val="r"/>
+                <dgm:param type="shpTxRTLAlignCh" val="r"/>
+              </dgm:alg>
+            </dgm:else>
+          </dgm:choose>
+          <dgm:shape xmlns:r="http://schemas.openxmlformats.org/officeDocument/2006/relationships" type="rect" r:blip="">
+            <dgm:adjLst/>
+          </dgm:shape>
+          <dgm:presOf axis="desOrSelf" ptType="node"/>
+          <dgm:constrLst>
+            <dgm:constr type="primFontSz" val="65"/>
+            <dgm:constr type="lMarg" refType="primFontSz" fact="0.2"/>
+            <dgm:constr type="rMarg" refType="primFontSz" fact="0.2"/>
+            <dgm:constr type="tMarg" refType="primFontSz" fact="0.2"/>
+            <dgm:constr type="bMarg" refType="primFontSz" fact="0.2"/>
+          </dgm:constrLst>
+          <dgm:ruleLst>
+            <dgm:rule type="primFontSz" val="5" fact="NaN" max="NaN"/>
+          </dgm:ruleLst>
+        </dgm:layoutNode>
+        <dgm:layoutNode name="accent_5">
+          <dgm:alg type="sp"/>
+          <dgm:shape xmlns:r="http://schemas.openxmlformats.org/officeDocument/2006/relationships" r:blip="">
+            <dgm:adjLst/>
+          </dgm:shape>
+          <dgm:presOf/>
+          <dgm:constrLst/>
+          <dgm:forEach name="Name48" ref="accentRepeat"/>
+        </dgm:layoutNode>
+      </dgm:forEach>
+      <dgm:forEach name="Name49" axis="ch" ptType="node" st="6" cnt="1">
+        <dgm:layoutNode name="text_6" styleLbl="node1">
+          <dgm:varLst>
+            <dgm:bulletEnabled val="1"/>
+          </dgm:varLst>
+          <dgm:choose name="Name50">
+            <dgm:if name="Name51" func="var" arg="dir" op="equ" val="norm">
+              <dgm:alg type="tx">
+                <dgm:param type="parTxLTRAlign" val="l"/>
+                <dgm:param type="shpTxLTRAlignCh" val="l"/>
+                <dgm:param type="parTxRTLAlign" val="l"/>
+                <dgm:param type="shpTxRTLAlignCh" val="l"/>
+              </dgm:alg>
+            </dgm:if>
+            <dgm:else name="Name52">
+              <dgm:alg type="tx">
+                <dgm:param type="parTxLTRAlign" val="r"/>
+                <dgm:param type="shpTxLTRAlignCh" val="r"/>
+                <dgm:param type="parTxRTLAlign" val="r"/>
+                <dgm:param type="shpTxRTLAlignCh" val="r"/>
+              </dgm:alg>
+            </dgm:else>
+          </dgm:choose>
+          <dgm:shape xmlns:r="http://schemas.openxmlformats.org/officeDocument/2006/relationships" type="rect" r:blip="">
+            <dgm:adjLst/>
+          </dgm:shape>
+          <dgm:presOf axis="desOrSelf" ptType="node"/>
+          <dgm:constrLst>
+            <dgm:constr type="primFontSz" val="65"/>
+            <dgm:constr type="lMarg" refType="primFontSz" fact="0.2"/>
+            <dgm:constr type="rMarg" refType="primFontSz" fact="0.2"/>
+            <dgm:constr type="tMarg" refType="primFontSz" fact="0.2"/>
+            <dgm:constr type="bMarg" refType="primFontSz" fact="0.2"/>
+          </dgm:constrLst>
+          <dgm:ruleLst>
+            <dgm:rule type="primFontSz" val="5" fact="NaN" max="NaN"/>
+          </dgm:ruleLst>
+        </dgm:layoutNode>
+        <dgm:layoutNode name="accent_6">
+          <dgm:alg type="sp"/>
+          <dgm:shape xmlns:r="http://schemas.openxmlformats.org/officeDocument/2006/relationships" r:blip="">
+            <dgm:adjLst/>
+          </dgm:shape>
+          <dgm:presOf/>
+          <dgm:constrLst/>
+          <dgm:forEach name="Name53" ref="accentRepeat"/>
+        </dgm:layoutNode>
+      </dgm:forEach>
+      <dgm:forEach name="Name54" axis="ch" ptType="node" st="7" cnt="1">
+        <dgm:layoutNode name="text_7" styleLbl="node1">
+          <dgm:varLst>
+            <dgm:bulletEnabled val="1"/>
+          </dgm:varLst>
+          <dgm:choose name="Name55">
+            <dgm:if name="Name56" func="var" arg="dir" op="equ" val="norm">
+              <dgm:alg type="tx">
+                <dgm:param type="parTxLTRAlign" val="l"/>
+                <dgm:param type="shpTxLTRAlignCh" val="l"/>
+                <dgm:param type="parTxRTLAlign" val="l"/>
+                <dgm:param type="shpTxRTLAlignCh" val="l"/>
+              </dgm:alg>
+            </dgm:if>
+            <dgm:else name="Name57">
+              <dgm:alg type="tx">
+                <dgm:param type="parTxLTRAlign" val="r"/>
+                <dgm:param type="shpTxLTRAlignCh" val="r"/>
+                <dgm:param type="parTxRTLAlign" val="r"/>
+                <dgm:param type="shpTxRTLAlignCh" val="r"/>
+              </dgm:alg>
+            </dgm:else>
+          </dgm:choose>
+          <dgm:shape xmlns:r="http://schemas.openxmlformats.org/officeDocument/2006/relationships" type="rect" r:blip="">
+            <dgm:adjLst/>
+          </dgm:shape>
+          <dgm:presOf axis="desOrSelf" ptType="node"/>
+          <dgm:constrLst>
+            <dgm:constr type="primFontSz" val="65"/>
+            <dgm:constr type="lMarg" refType="primFontSz" fact="0.2"/>
+            <dgm:constr type="rMarg" refType="primFontSz" fact="0.2"/>
+            <dgm:constr type="tMarg" refType="primFontSz" fact="0.2"/>
+            <dgm:constr type="bMarg" refType="primFontSz" fact="0.2"/>
+          </dgm:constrLst>
+          <dgm:ruleLst>
+            <dgm:rule type="primFontSz" val="5" fact="NaN" max="NaN"/>
+          </dgm:ruleLst>
+        </dgm:layoutNode>
+        <dgm:layoutNode name="accent_7">
+          <dgm:alg type="sp"/>
+          <dgm:shape xmlns:r="http://schemas.openxmlformats.org/officeDocument/2006/relationships" r:blip="">
+            <dgm:adjLst/>
+          </dgm:shape>
+          <dgm:presOf/>
+          <dgm:constrLst/>
+          <dgm:forEach name="Name58" ref="accentRepeat"/>
+        </dgm:layoutNode>
+      </dgm:forEach>
+    </dgm:layoutNode>
+  </dgm:layoutNode>
+</dgm:layoutDef>
+</file>
+
+<file path=ppt/diagrams/quickStyle1.xml><?xml version="1.0" encoding="utf-8"?>
+<dgm:styleDef xmlns:dgm="http://schemas.openxmlformats.org/drawingml/2006/diagram" xmlns:a="http://schemas.openxmlformats.org/drawingml/2006/main" uniqueId="urn:microsoft.com/office/officeart/2005/8/quickstyle/simple1">
+  <dgm:title val=""/>
+  <dgm:desc val=""/>
+  <dgm:catLst>
+    <dgm:cat type="simple" pri="10100"/>
+  </dgm:catLst>
+  <dgm:scene3d>
+    <a:camera prst="orthographicFront"/>
+    <a:lightRig rig="threePt" dir="t"/>
+  </dgm:scene3d>
+  <dgm:styleLbl name="node0">
+    <dgm:scene3d>
+      <a:camera prst="orthographicFront"/>
+      <a:lightRig rig="threePt" dir="t"/>
+    </dgm:scene3d>
+    <dgm:sp3d/>
+    <dgm:txPr/>
+    <dgm:style>
+      <a:lnRef idx="2">
+        <a:scrgbClr r="0" g="0" b="0"/>
+      </a:lnRef>
+      <a:fillRef idx="1">
+        <a:scrgbClr r="0" g="0" b="0"/>
+      </a:fillRef>
+      <a:effectRef idx="0">
+        <a:scrgbClr r="0" g="0" b="0"/>
+      </a:effectRef>
+      <a:fontRef idx="minor">
+        <a:schemeClr val="lt1"/>
+      </a:fontRef>
+    </dgm:style>
+  </dgm:styleLbl>
+  <dgm:styleLbl name="lnNode1">
+    <dgm:scene3d>
+      <a:camera prst="orthographicFront"/>
+      <a:lightRig rig="threePt" dir="t"/>
+    </dgm:scene3d>
+    <dgm:sp3d/>
+    <dgm:txPr/>
+    <dgm:style>
+      <a:lnRef idx="2">
+        <a:scrgbClr r="0" g="0" b="0"/>
+      </a:lnRef>
+      <a:fillRef idx="1">
+        <a:scrgbClr r="0" g="0" b="0"/>
+      </a:fillRef>
+      <a:effectRef idx="0">
+        <a:scrgbClr r="0" g="0" b="0"/>
+      </a:effectRef>
+      <a:fontRef idx="minor">
+        <a:schemeClr val="lt1"/>
+      </a:fontRef>
+    </dgm:style>
+  </dgm:styleLbl>
+  <dgm:styleLbl name="vennNode1">
+    <dgm:scene3d>
+      <a:camera prst="orthographicFront"/>
+      <a:lightRig rig="threePt" dir="t"/>
+    </dgm:scene3d>
+    <dgm:sp3d/>
+    <dgm:txPr/>
+    <dgm:style>
+      <a:lnRef idx="2">
+        <a:scrgbClr r="0" g="0" b="0"/>
+      </a:lnRef>
+      <a:fillRef idx="1">
+        <a:scrgbClr r="0" g="0" b="0"/>
+      </a:fillRef>
+      <a:effectRef idx="0">
+        <a:scrgbClr r="0" g="0" b="0"/>
+      </a:effectRef>
+      <a:fontRef idx="minor">
+        <a:schemeClr val="tx1"/>
+      </a:fontRef>
+    </dgm:style>
+  </dgm:styleLbl>
+  <dgm:styleLbl name="alignNode1">
+    <dgm:scene3d>
+      <a:camera prst="orthographicFront"/>
+      <a:lightRig rig="threePt" dir="t"/>
+    </dgm:scene3d>
+    <dgm:sp3d/>
+    <dgm:txPr/>
+    <dgm:style>
+      <a:lnRef idx="2">
+        <a:scrgbClr r="0" g="0" b="0"/>
+      </a:lnRef>
+      <a:fillRef idx="1">
+        <a:scrgbClr r="0" g="0" b="0"/>
+      </a:fillRef>
+      <a:effectRef idx="0">
+        <a:scrgbClr r="0" g="0" b="0"/>
+      </a:effectRef>
+      <a:fontRef idx="minor">
+        <a:schemeClr val="lt1"/>
+      </a:fontRef>
+    </dgm:style>
+  </dgm:styleLbl>
+  <dgm:styleLbl name="node1">
+    <dgm:scene3d>
+      <a:camera prst="orthographicFront"/>
+      <a:lightRig rig="threePt" dir="t"/>
+    </dgm:scene3d>
+    <dgm:sp3d/>
+    <dgm:txPr/>
+    <dgm:style>
+      <a:lnRef idx="2">
+        <a:scrgbClr r="0" g="0" b="0"/>
+      </a:lnRef>
+      <a:fillRef idx="1">
+        <a:scrgbClr r="0" g="0" b="0"/>
+      </a:fillRef>
+      <a:effectRef idx="0">
+        <a:scrgbClr r="0" g="0" b="0"/>
+      </a:effectRef>
+      <a:fontRef idx="minor">
+        <a:schemeClr val="lt1"/>
+      </a:fontRef>
+    </dgm:style>
+  </dgm:styleLbl>
+  <dgm:styleLbl name="node2">
+    <dgm:scene3d>
+      <a:camera prst="orthographicFront"/>
+      <a:lightRig rig="threePt" dir="t"/>
+    </dgm:scene3d>
+    <dgm:sp3d/>
+    <dgm:txPr/>
+    <dgm:style>
+      <a:lnRef idx="2">
+        <a:scrgbClr r="0" g="0" b="0"/>
+      </a:lnRef>
+      <a:fillRef idx="1">
+        <a:scrgbClr r="0" g="0" b="0"/>
+      </a:fillRef>
+      <a:effectRef idx="0">
+        <a:scrgbClr r="0" g="0" b="0"/>
+      </a:effectRef>
+      <a:fontRef idx="minor">
+        <a:schemeClr val="lt1"/>
+      </a:fontRef>
+    </dgm:style>
+  </dgm:styleLbl>
+  <dgm:styleLbl name="node3">
+    <dgm:scene3d>
+      <a:camera prst="orthographicFront"/>
+      <a:lightRig rig="threePt" dir="t"/>
+    </dgm:scene3d>
+    <dgm:sp3d/>
+    <dgm:txPr/>
+    <dgm:style>
+      <a:lnRef idx="2">
+        <a:scrgbClr r="0" g="0" b="0"/>
+      </a:lnRef>
+      <a:fillRef idx="1">
+        <a:scrgbClr r="0" g="0" b="0"/>
+      </a:fillRef>
+      <a:effectRef idx="0">
+        <a:scrgbClr r="0" g="0" b="0"/>
+      </a:effectRef>
+      <a:fontRef idx="minor">
+        <a:schemeClr val="lt1"/>
+      </a:fontRef>
+    </dgm:style>
+  </dgm:styleLbl>
+  <dgm:styleLbl name="node4">
+    <dgm:scene3d>
+      <a:camera prst="orthographicFront"/>
+      <a:lightRig rig="threePt" dir="t"/>
+    </dgm:scene3d>
+    <dgm:sp3d/>
+    <dgm:txPr/>
+    <dgm:style>
+      <a:lnRef idx="2">
+        <a:scrgbClr r="0" g="0" b="0"/>
+      </a:lnRef>
+      <a:fillRef idx="1">
+        <a:scrgbClr r="0" g="0" b="0"/>
+      </a:fillRef>
+      <a:effectRef idx="0">
+        <a:scrgbClr r="0" g="0" b="0"/>
+      </a:effectRef>
+      <a:fontRef idx="minor">
+        <a:schemeClr val="lt1"/>
+      </a:fontRef>
+    </dgm:style>
+  </dgm:styleLbl>
+  <dgm:styleLbl name="fgImgPlace1">
+    <dgm:scene3d>
+      <a:camera prst="orthographicFront"/>
+      <a:lightRig rig="threePt" dir="t"/>
+    </dgm:scene3d>
+    <dgm:sp3d/>
+    <dgm:txPr/>
+    <dgm:style>
+      <a:lnRef idx="2">
+        <a:scrgbClr r="0" g="0" b="0"/>
+      </a:lnRef>
+      <a:fillRef idx="1">
+        <a:scrgbClr r="0" g="0" b="0"/>
+      </a:fillRef>
+      <a:effectRef idx="0">
+        <a:scrgbClr r="0" g="0" b="0"/>
+      </a:effectRef>
+      <a:fontRef idx="minor"/>
+    </dgm:style>
+  </dgm:styleLbl>
+  <dgm:styleLbl name="alignImgPlace1">
+    <dgm:scene3d>
+      <a:camera prst="orthographicFront"/>
+      <a:lightRig rig="threePt" dir="t"/>
+    </dgm:scene3d>
+    <dgm:sp3d/>
+    <dgm:txPr/>
+    <dgm:style>
+      <a:lnRef idx="2">
+        <a:scrgbClr r="0" g="0" b="0"/>
+      </a:lnRef>
+      <a:fillRef idx="1">
+        <a:scrgbClr r="0" g="0" b="0"/>
+      </a:fillRef>
+      <a:effectRef idx="0">
+        <a:scrgbClr r="0" g="0" b="0"/>
+      </a:effectRef>
+      <a:fontRef idx="minor"/>
+    </dgm:style>
+  </dgm:styleLbl>
+  <dgm:styleLbl name="bgImgPlace1">
+    <dgm:scene3d>
+      <a:camera prst="orthographicFront"/>
+      <a:lightRig rig="threePt" dir="t"/>
+    </dgm:scene3d>
+    <dgm:sp3d/>
+    <dgm:txPr/>
+    <dgm:style>
+      <a:lnRef idx="2">
+        <a:scrgbClr r="0" g="0" b="0"/>
+      </a:lnRef>
+      <a:fillRef idx="1">
+        <a:scrgbClr r="0" g="0" b="0"/>
+      </a:fillRef>
+      <a:effectRef idx="0">
+        <a:scrgbClr r="0" g="0" b="0"/>
+      </a:effectRef>
+      <a:fontRef idx="minor"/>
+    </dgm:style>
+  </dgm:styleLbl>
+  <dgm:styleLbl name="sibTrans2D1">
+    <dgm:scene3d>
+      <a:camera prst="orthographicFront"/>
+      <a:lightRig rig="threePt" dir="t"/>
+    </dgm:scene3d>
+    <dgm:sp3d/>
+    <dgm:txPr/>
+    <dgm:style>
+      <a:lnRef idx="0">
+        <a:scrgbClr r="0" g="0" b="0"/>
+      </a:lnRef>
+      <a:fillRef idx="1">
+        <a:scrgbClr r="0" g="0" b="0"/>
+      </a:fillRef>
+      <a:effectRef idx="0">
+        <a:scrgbClr r="0" g="0" b="0"/>
+      </a:effectRef>
+      <a:fontRef idx="minor">
+        <a:schemeClr val="lt1"/>
+      </a:fontRef>
+    </dgm:style>
+  </dgm:styleLbl>
+  <dgm:styleLbl name="fgSibTrans2D1">
+    <dgm:scene3d>
+      <a:camera prst="orthographicFront"/>
+      <a:lightRig rig="threePt" dir="t"/>
+    </dgm:scene3d>
+    <dgm:sp3d/>
+    <dgm:txPr/>
+    <dgm:style>
+      <a:lnRef idx="0">
+        <a:scrgbClr r="0" g="0" b="0"/>
+      </a:lnRef>
+      <a:fillRef idx="1">
+        <a:scrgbClr r="0" g="0" b="0"/>
+      </a:fillRef>
+      <a:effectRef idx="0">
+        <a:scrgbClr r="0" g="0" b="0"/>
+      </a:effectRef>
+      <a:fontRef idx="minor">
+        <a:schemeClr val="lt1"/>
+      </a:fontRef>
+    </dgm:style>
+  </dgm:styleLbl>
+  <dgm:styleLbl name="bgSibTrans2D1">
+    <dgm:scene3d>
+      <a:camera prst="orthographicFront"/>
+      <a:lightRig rig="threePt" dir="t"/>
+    </dgm:scene3d>
+    <dgm:sp3d/>
+    <dgm:txPr/>
+    <dgm:style>
+      <a:lnRef idx="0">
+        <a:scrgbClr r="0" g="0" b="0"/>
+      </a:lnRef>
+      <a:fillRef idx="1">
+        <a:scrgbClr r="0" g="0" b="0"/>
+      </a:fillRef>
+      <a:effectRef idx="0">
+        <a:scrgbClr r="0" g="0" b="0"/>
+      </a:effectRef>
+      <a:fontRef idx="minor">
+        <a:schemeClr val="lt1"/>
+      </a:fontRef>
+    </dgm:style>
+  </dgm:styleLbl>
+  <dgm:styleLbl name="sibTrans1D1">
+    <dgm:scene3d>
+      <a:camera prst="orthographicFront"/>
+      <a:lightRig rig="threePt" dir="t"/>
+    </dgm:scene3d>
+    <dgm:sp3d/>
+    <dgm:txPr/>
+    <dgm:style>
+      <a:lnRef idx="1">
+        <a:scrgbClr r="0" g="0" b="0"/>
+      </a:lnRef>
+      <a:fillRef idx="0">
+        <a:scrgbClr r="0" g="0" b="0"/>
+      </a:fillRef>
+      <a:effectRef idx="0">
+        <a:scrgbClr r="0" g="0" b="0"/>
+      </a:effectRef>
+      <a:fontRef idx="minor"/>
+    </dgm:style>
+  </dgm:styleLbl>
+  <dgm:styleLbl name="callout">
+    <dgm:scene3d>
+      <a:camera prst="orthographicFront"/>
+      <a:lightRig rig="threePt" dir="t"/>
+    </dgm:scene3d>
+    <dgm:sp3d/>
+    <dgm:txPr/>
+    <dgm:style>
+      <a:lnRef idx="2">
+        <a:scrgbClr r="0" g="0" b="0"/>
+      </a:lnRef>
+      <a:fillRef idx="1">
+        <a:scrgbClr r="0" g="0" b="0"/>
+      </a:fillRef>
+      <a:effectRef idx="0">
+        <a:scrgbClr r="0" g="0" b="0"/>
+      </a:effectRef>
+      <a:fontRef idx="minor"/>
+    </dgm:style>
+  </dgm:styleLbl>
+  <dgm:styleLbl name="asst0">
+    <dgm:scene3d>
+      <a:camera prst="orthographicFront"/>
+      <a:lightRig rig="threePt" dir="t"/>
+    </dgm:scene3d>
+    <dgm:sp3d/>
+    <dgm:txPr/>
+    <dgm:style>
+      <a:lnRef idx="2">
+        <a:scrgbClr r="0" g="0" b="0"/>
+      </a:lnRef>
+      <a:fillRef idx="1">
+        <a:scrgbClr r="0" g="0" b="0"/>
+      </a:fillRef>
+      <a:effectRef idx="0">
+        <a:scrgbClr r="0" g="0" b="0"/>
+      </a:effectRef>
+      <a:fontRef idx="minor">
+        <a:schemeClr val="lt1"/>
+      </a:fontRef>
+    </dgm:style>
+  </dgm:styleLbl>
+  <dgm:styleLbl name="asst1">
+    <dgm:scene3d>
+      <a:camera prst="orthographicFront"/>
+      <a:lightRig rig="threePt" dir="t"/>
+    </dgm:scene3d>
+    <dgm:sp3d/>
+    <dgm:txPr/>
+    <dgm:style>
+      <a:lnRef idx="2">
+        <a:scrgbClr r="0" g="0" b="0"/>
+      </a:lnRef>
+      <a:fillRef idx="1">
+        <a:scrgbClr r="0" g="0" b="0"/>
+      </a:fillRef>
+      <a:effectRef idx="0">
+        <a:scrgbClr r="0" g="0" b="0"/>
+      </a:effectRef>
+      <a:fontRef idx="minor">
+        <a:schemeClr val="lt1"/>
+      </a:fontRef>
+    </dgm:style>
+  </dgm:styleLbl>
+  <dgm:styleLbl name="asst2">
+    <dgm:scene3d>
+      <a:camera prst="orthographicFront"/>
+      <a:lightRig rig="threePt" dir="t"/>
+    </dgm:scene3d>
+    <dgm:sp3d/>
+    <dgm:txPr/>
+    <dgm:style>
+      <a:lnRef idx="2">
+        <a:scrgbClr r="0" g="0" b="0"/>
+      </a:lnRef>
+      <a:fillRef idx="1">
+        <a:scrgbClr r="0" g="0" b="0"/>
+      </a:fillRef>
+      <a:effectRef idx="0">
+        <a:scrgbClr r="0" g="0" b="0"/>
+      </a:effectRef>
+      <a:fontRef idx="minor">
+        <a:schemeClr val="lt1"/>
+      </a:fontRef>
+    </dgm:style>
+  </dgm:styleLbl>
+  <dgm:styleLbl name="asst3">
+    <dgm:scene3d>
+      <a:camera prst="orthographicFront"/>
+      <a:lightRig rig="threePt" dir="t"/>
+    </dgm:scene3d>
+    <dgm:sp3d/>
+    <dgm:txPr/>
+    <dgm:style>
+      <a:lnRef idx="2">
+        <a:scrgbClr r="0" g="0" b="0"/>
+      </a:lnRef>
+      <a:fillRef idx="1">
+        <a:scrgbClr r="0" g="0" b="0"/>
+      </a:fillRef>
+      <a:effectRef idx="0">
+        <a:scrgbClr r="0" g="0" b="0"/>
+      </a:effectRef>
+      <a:fontRef idx="minor">
+        <a:schemeClr val="lt1"/>
+      </a:fontRef>
+    </dgm:style>
+  </dgm:styleLbl>
+  <dgm:styleLbl name="asst4">
+    <dgm:scene3d>
+      <a:camera prst="orthographicFront"/>
+      <a:lightRig rig="threePt" dir="t"/>
+    </dgm:scene3d>
+    <dgm:sp3d/>
+    <dgm:txPr/>
+    <dgm:style>
+      <a:lnRef idx="2">
+        <a:scrgbClr r="0" g="0" b="0"/>
+      </a:lnRef>
+      <a:fillRef idx="1">
+        <a:scrgbClr r="0" g="0" b="0"/>
+      </a:fillRef>
+      <a:effectRef idx="0">
+        <a:scrgbClr r="0" g="0" b="0"/>
+      </a:effectRef>
+      <a:fontRef idx="minor">
+        <a:schemeClr val="lt1"/>
+      </a:fontRef>
+    </dgm:style>
+  </dgm:styleLbl>
+  <dgm:styleLbl name="parChTrans2D1">
+    <dgm:scene3d>
+      <a:camera prst="orthographicFront"/>
+      <a:lightRig rig="threePt" dir="t"/>
+    </dgm:scene3d>
+    <dgm:sp3d/>
+    <dgm:txPr/>
+    <dgm:style>
+      <a:lnRef idx="2">
+        <a:scrgbClr r="0" g="0" b="0"/>
+      </a:lnRef>
+      <a:fillRef idx="1">
+        <a:scrgbClr r="0" g="0" b="0"/>
+      </a:fillRef>
+      <a:effectRef idx="0">
+        <a:scrgbClr r="0" g="0" b="0"/>
+      </a:effectRef>
+      <a:fontRef idx="minor">
+        <a:schemeClr val="lt1"/>
+      </a:fontRef>
+    </dgm:style>
+  </dgm:styleLbl>
+  <dgm:styleLbl name="parChTrans2D2">
+    <dgm:scene3d>
+      <a:camera prst="orthographicFront"/>
+      <a:lightRig rig="threePt" dir="t"/>
+    </dgm:scene3d>
+    <dgm:sp3d/>
+    <dgm:txPr/>
+    <dgm:style>
+      <a:lnRef idx="2">
+        <a:scrgbClr r="0" g="0" b="0"/>
+      </a:lnRef>
+      <a:fillRef idx="1">
+        <a:scrgbClr r="0" g="0" b="0"/>
+      </a:fillRef>
+      <a:effectRef idx="0">
+        <a:scrgbClr r="0" g="0" b="0"/>
+      </a:effectRef>
+      <a:fontRef idx="minor">
+        <a:schemeClr val="lt1"/>
+      </a:fontRef>
+    </dgm:style>
+  </dgm:styleLbl>
+  <dgm:styleLbl name="parChTrans2D3">
+    <dgm:scene3d>
+      <a:camera prst="orthographicFront"/>
+      <a:lightRig rig="threePt" dir="t"/>
+    </dgm:scene3d>
+    <dgm:sp3d/>
+    <dgm:txPr/>
+    <dgm:style>
+      <a:lnRef idx="2">
+        <a:scrgbClr r="0" g="0" b="0"/>
+      </a:lnRef>
+      <a:fillRef idx="1">
+        <a:scrgbClr r="0" g="0" b="0"/>
+      </a:fillRef>
+      <a:effectRef idx="0">
+        <a:scrgbClr r="0" g="0" b="0"/>
+      </a:effectRef>
+      <a:fontRef idx="minor">
+        <a:schemeClr val="lt1"/>
+      </a:fontRef>
+    </dgm:style>
+  </dgm:styleLbl>
+  <dgm:styleLbl name="parChTrans2D4">
+    <dgm:scene3d>
+      <a:camera prst="orthographicFront"/>
+      <a:lightRig rig="threePt" dir="t"/>
+    </dgm:scene3d>
+    <dgm:sp3d/>
+    <dgm:txPr/>
+    <dgm:style>
+      <a:lnRef idx="2">
+        <a:scrgbClr r="0" g="0" b="0"/>
+      </a:lnRef>
+      <a:fillRef idx="1">
+        <a:scrgbClr r="0" g="0" b="0"/>
+      </a:fillRef>
+      <a:effectRef idx="0">
+        <a:scrgbClr r="0" g="0" b="0"/>
+      </a:effectRef>
+      <a:fontRef idx="minor">
+        <a:schemeClr val="lt1"/>
+      </a:fontRef>
+    </dgm:style>
+  </dgm:styleLbl>
+  <dgm:styleLbl name="parChTrans1D1">
+    <dgm:scene3d>
+      <a:camera prst="orthographicFront"/>
+      <a:lightRig rig="threePt" dir="t"/>
+    </dgm:scene3d>
+    <dgm:sp3d/>
+    <dgm:txPr/>
+    <dgm:style>
+      <a:lnRef idx="2">
+        <a:scrgbClr r="0" g="0" b="0"/>
+      </a:lnRef>
+      <a:fillRef idx="0">
+        <a:scrgbClr r="0" g="0" b="0"/>
+      </a:fillRef>
+      <a:effectRef idx="0">
+        <a:scrgbClr r="0" g="0" b="0"/>
+      </a:effectRef>
+      <a:fontRef idx="minor"/>
+    </dgm:style>
+  </dgm:styleLbl>
+  <dgm:styleLbl name="parChTrans1D2">
+    <dgm:scene3d>
+      <a:camera prst="orthographicFront"/>
+      <a:lightRig rig="threePt" dir="t"/>
+    </dgm:scene3d>
+    <dgm:sp3d/>
+    <dgm:txPr/>
+    <dgm:style>
+      <a:lnRef idx="2">
+        <a:scrgbClr r="0" g="0" b="0"/>
+      </a:lnRef>
+      <a:fillRef idx="0">
+        <a:scrgbClr r="0" g="0" b="0"/>
+      </a:fillRef>
+      <a:effectRef idx="0">
+        <a:scrgbClr r="0" g="0" b="0"/>
+      </a:effectRef>
+      <a:fontRef idx="minor"/>
+    </dgm:style>
+  </dgm:styleLbl>
+  <dgm:styleLbl name="parChTrans1D3">
+    <dgm:scene3d>
+      <a:camera prst="orthographicFront"/>
+      <a:lightRig rig="threePt" dir="t"/>
+    </dgm:scene3d>
+    <dgm:sp3d/>
+    <dgm:txPr/>
+    <dgm:style>
+      <a:lnRef idx="2">
+        <a:scrgbClr r="0" g="0" b="0"/>
+      </a:lnRef>
+      <a:fillRef idx="0">
+        <a:scrgbClr r="0" g="0" b="0"/>
+      </a:fillRef>
+      <a:effectRef idx="0">
+        <a:scrgbClr r="0" g="0" b="0"/>
+      </a:effectRef>
+      <a:fontRef idx="minor"/>
+    </dgm:style>
+  </dgm:styleLbl>
+  <dgm:styleLbl name="parChTrans1D4">
+    <dgm:scene3d>
+      <a:camera prst="orthographicFront"/>
+      <a:lightRig rig="threePt" dir="t"/>
+    </dgm:scene3d>
+    <dgm:sp3d/>
+    <dgm:txPr/>
+    <dgm:style>
+      <a:lnRef idx="2">
+        <a:scrgbClr r="0" g="0" b="0"/>
+      </a:lnRef>
+      <a:fillRef idx="0">
+        <a:scrgbClr r="0" g="0" b="0"/>
+      </a:fillRef>
+      <a:effectRef idx="0">
+        <a:scrgbClr r="0" g="0" b="0"/>
+      </a:effectRef>
+      <a:fontRef idx="minor"/>
+    </dgm:style>
+  </dgm:styleLbl>
+  <dgm:styleLbl name="fgAcc1">
+    <dgm:scene3d>
+      <a:camera prst="orthographicFront"/>
+      <a:lightRig rig="threePt" dir="t"/>
+    </dgm:scene3d>
+    <dgm:sp3d/>
+    <dgm:txPr/>
+    <dgm:style>
+      <a:lnRef idx="2">
+        <a:scrgbClr r="0" g="0" b="0"/>
+      </a:lnRef>
+      <a:fillRef idx="1">
+        <a:scrgbClr r="0" g="0" b="0"/>
+      </a:fillRef>
+      <a:effectRef idx="0">
+        <a:scrgbClr r="0" g="0" b="0"/>
+      </a:effectRef>
+      <a:fontRef idx="minor"/>
+    </dgm:style>
+  </dgm:styleLbl>
+  <dgm:styleLbl name="conFgAcc1">
+    <dgm:scene3d>
+      <a:camera prst="orthographicFront"/>
+      <a:lightRig rig="threePt" dir="t"/>
+    </dgm:scene3d>
+    <dgm:sp3d/>
+    <dgm:txPr/>
+    <dgm:style>
+      <a:lnRef idx="2">
+        <a:scrgbClr r="0" g="0" b="0"/>
+      </a:lnRef>
+      <a:fillRef idx="1">
+        <a:scrgbClr r="0" g="0" b="0"/>
+      </a:fillRef>
+      <a:effectRef idx="0">
+        <a:scrgbClr r="0" g="0" b="0"/>
+      </a:effectRef>
+      <a:fontRef idx="minor"/>
+    </dgm:style>
+  </dgm:styleLbl>
+  <dgm:styleLbl name="alignAcc1">
+    <dgm:scene3d>
+      <a:camera prst="orthographicFront"/>
+      <a:lightRig rig="threePt" dir="t"/>
+    </dgm:scene3d>
+    <dgm:sp3d/>
+    <dgm:txPr/>
+    <dgm:style>
+      <a:lnRef idx="2">
+        <a:scrgbClr r="0" g="0" b="0"/>
+      </a:lnRef>
+      <a:fillRef idx="1">
+        <a:scrgbClr r="0" g="0" b="0"/>
+      </a:fillRef>
+      <a:effectRef idx="0">
+        <a:scrgbClr r="0" g="0" b="0"/>
+      </a:effectRef>
+      <a:fontRef idx="minor"/>
+    </dgm:style>
+  </dgm:styleLbl>
+  <dgm:styleLbl name="trAlignAcc1">
+    <dgm:scene3d>
+      <a:camera prst="orthographicFront"/>
+      <a:lightRig rig="threePt" dir="t"/>
+    </dgm:scene3d>
+    <dgm:sp3d/>
+    <dgm:txPr/>
+    <dgm:style>
+      <a:lnRef idx="1">
+        <a:scrgbClr r="0" g="0" b="0"/>
+      </a:lnRef>
+      <a:fillRef idx="1">
+        <a:scrgbClr r="0" g="0" b="0"/>
+      </a:fillRef>
+      <a:effectRef idx="0">
+        <a:scrgbClr r="0" g="0" b="0"/>
+      </a:effectRef>
+      <a:fontRef idx="minor"/>
+    </dgm:style>
+  </dgm:styleLbl>
+  <dgm:styleLbl name="bgAcc1">
+    <dgm:scene3d>
+      <a:camera prst="orthographicFront"/>
+      <a:lightRig rig="threePt" dir="t"/>
+    </dgm:scene3d>
+    <dgm:sp3d/>
+    <dgm:txPr/>
+    <dgm:style>
+      <a:lnRef idx="2">
+        <a:scrgbClr r="0" g="0" b="0"/>
+      </a:lnRef>
+      <a:fillRef idx="1">
+        <a:scrgbClr r="0" g="0" b="0"/>
+      </a:fillRef>
+      <a:effectRef idx="0">
+        <a:scrgbClr r="0" g="0" b="0"/>
+      </a:effectRef>
+      <a:fontRef idx="minor"/>
+    </dgm:style>
+  </dgm:styleLbl>
+  <dgm:styleLbl name="solidFgAcc1">
+    <dgm:scene3d>
+      <a:camera prst="orthographicFront"/>
+      <a:lightRig rig="threePt" dir="t"/>
+    </dgm:scene3d>
+    <dgm:sp3d/>
+    <dgm:txPr/>
+    <dgm:style>
+      <a:lnRef idx="2">
+        <a:scrgbClr r="0" g="0" b="0"/>
+      </a:lnRef>
+      <a:fillRef idx="1">
+        <a:scrgbClr r="0" g="0" b="0"/>
+      </a:fillRef>
+      <a:effectRef idx="0">
+        <a:scrgbClr r="0" g="0" b="0"/>
+      </a:effectRef>
+      <a:fontRef idx="minor"/>
+    </dgm:style>
+  </dgm:styleLbl>
+  <dgm:styleLbl name="solidAlignAcc1">
+    <dgm:scene3d>
+      <a:camera prst="orthographicFront"/>
+      <a:lightRig rig="threePt" dir="t"/>
+    </dgm:scene3d>
+    <dgm:sp3d/>
+    <dgm:txPr/>
+    <dgm:style>
+      <a:lnRef idx="2">
+        <a:scrgbClr r="0" g="0" b="0"/>
+      </a:lnRef>
+      <a:fillRef idx="1">
+        <a:scrgbClr r="0" g="0" b="0"/>
+      </a:fillRef>
+      <a:effectRef idx="0">
+        <a:scrgbClr r="0" g="0" b="0"/>
+      </a:effectRef>
+      <a:fontRef idx="minor"/>
+    </dgm:style>
+  </dgm:styleLbl>
+  <dgm:styleLbl name="solidBgAcc1">
+    <dgm:scene3d>
+      <a:camera prst="orthographicFront"/>
+      <a:lightRig rig="threePt" dir="t"/>
+    </dgm:scene3d>
+    <dgm:sp3d/>
+    <dgm:txPr/>
+    <dgm:style>
+      <a:lnRef idx="2">
+        <a:scrgbClr r="0" g="0" b="0"/>
+      </a:lnRef>
+      <a:fillRef idx="1">
+        <a:scrgbClr r="0" g="0" b="0"/>
+      </a:fillRef>
+      <a:effectRef idx="0">
+        <a:scrgbClr r="0" g="0" b="0"/>
+      </a:effectRef>
+      <a:fontRef idx="minor"/>
+    </dgm:style>
+  </dgm:styleLbl>
+  <dgm:styleLbl name="fgAccFollowNode1">
+    <dgm:scene3d>
+      <a:camera prst="orthographicFront"/>
+      <a:lightRig rig="threePt" dir="t"/>
+    </dgm:scene3d>
+    <dgm:sp3d/>
+    <dgm:txPr/>
+    <dgm:style>
+      <a:lnRef idx="2">
+        <a:scrgbClr r="0" g="0" b="0"/>
+      </a:lnRef>
+      <a:fillRef idx="1">
+        <a:scrgbClr r="0" g="0" b="0"/>
+      </a:fillRef>
+      <a:effectRef idx="0">
+        <a:scrgbClr r="0" g="0" b="0"/>
+      </a:effectRef>
+      <a:fontRef idx="minor"/>
+    </dgm:style>
+  </dgm:styleLbl>
+  <dgm:styleLbl name="alignAccFollowNode1">
+    <dgm:scene3d>
+      <a:camera prst="orthographicFront"/>
+      <a:lightRig rig="threePt" dir="t"/>
+    </dgm:scene3d>
+    <dgm:sp3d/>
+    <dgm:txPr/>
+    <dgm:style>
+      <a:lnRef idx="2">
+        <a:scrgbClr r="0" g="0" b="0"/>
+      </a:lnRef>
+      <a:fillRef idx="1">
+        <a:scrgbClr r="0" g="0" b="0"/>
+      </a:fillRef>
+      <a:effectRef idx="0">
+        <a:scrgbClr r="0" g="0" b="0"/>
+      </a:effectRef>
+      <a:fontRef idx="minor"/>
+    </dgm:style>
+  </dgm:styleLbl>
+  <dgm:styleLbl name="bgAccFollowNode1">
+    <dgm:scene3d>
+      <a:camera prst="orthographicFront"/>
+      <a:lightRig rig="threePt" dir="t"/>
+    </dgm:scene3d>
+    <dgm:sp3d/>
+    <dgm:txPr/>
+    <dgm:style>
+      <a:lnRef idx="2">
+        <a:scrgbClr r="0" g="0" b="0"/>
+      </a:lnRef>
+      <a:fillRef idx="1">
+        <a:scrgbClr r="0" g="0" b="0"/>
+      </a:fillRef>
+      <a:effectRef idx="0">
+        <a:scrgbClr r="0" g="0" b="0"/>
+      </a:effectRef>
+      <a:fontRef idx="minor"/>
+    </dgm:style>
+  </dgm:styleLbl>
+  <dgm:styleLbl name="fgAcc0">
+    <dgm:scene3d>
+      <a:camera prst="orthographicFront"/>
+      <a:lightRig rig="threePt" dir="t"/>
+    </dgm:scene3d>
+    <dgm:sp3d/>
+    <dgm:txPr/>
+    <dgm:style>
+      <a:lnRef idx="2">
+        <a:scrgbClr r="0" g="0" b="0"/>
+      </a:lnRef>
+      <a:fillRef idx="1">
+        <a:scrgbClr r="0" g="0" b="0"/>
+      </a:fillRef>
+      <a:effectRef idx="0">
+        <a:scrgbClr r="0" g="0" b="0"/>
+      </a:effectRef>
+      <a:fontRef idx="minor"/>
+    </dgm:style>
+  </dgm:styleLbl>
+  <dgm:styleLbl name="fgAcc2">
+    <dgm:scene3d>
+      <a:camera prst="orthographicFront"/>
+      <a:lightRig rig="threePt" dir="t"/>
+    </dgm:scene3d>
+    <dgm:sp3d/>
+    <dgm:txPr/>
+    <dgm:style>
+      <a:lnRef idx="2">
+        <a:scrgbClr r="0" g="0" b="0"/>
+      </a:lnRef>
+      <a:fillRef idx="1">
+        <a:scrgbClr r="0" g="0" b="0"/>
+      </a:fillRef>
+      <a:effectRef idx="0">
+        <a:scrgbClr r="0" g="0" b="0"/>
+      </a:effectRef>
+      <a:fontRef idx="minor"/>
+    </dgm:style>
+  </dgm:styleLbl>
+  <dgm:styleLbl name="fgAcc3">
+    <dgm:scene3d>
+      <a:camera prst="orthographicFront"/>
+      <a:lightRig rig="threePt" dir="t"/>
+    </dgm:scene3d>
+    <dgm:sp3d/>
+    <dgm:txPr/>
+    <dgm:style>
+      <a:lnRef idx="2">
+        <a:scrgbClr r="0" g="0" b="0"/>
+      </a:lnRef>
+      <a:fillRef idx="1">
+        <a:scrgbClr r="0" g="0" b="0"/>
+      </a:fillRef>
+      <a:effectRef idx="0">
+        <a:scrgbClr r="0" g="0" b="0"/>
+      </a:effectRef>
+      <a:fontRef idx="minor"/>
+    </dgm:style>
+  </dgm:styleLbl>
+  <dgm:styleLbl name="fgAcc4">
+    <dgm:scene3d>
+      <a:camera prst="orthographicFront"/>
+      <a:lightRig rig="threePt" dir="t"/>
+    </dgm:scene3d>
+    <dgm:sp3d/>
+    <dgm:txPr/>
+    <dgm:style>
+      <a:lnRef idx="2">
+        <a:scrgbClr r="0" g="0" b="0"/>
+      </a:lnRef>
+      <a:fillRef idx="1">
+        <a:scrgbClr r="0" g="0" b="0"/>
+      </a:fillRef>
+      <a:effectRef idx="0">
+        <a:scrgbClr r="0" g="0" b="0"/>
+      </a:effectRef>
+      <a:fontRef idx="minor"/>
+    </dgm:style>
+  </dgm:styleLbl>
+  <dgm:styleLbl name="bgShp">
+    <dgm:scene3d>
+      <a:camera prst="orthographicFront"/>
+      <a:lightRig rig="threePt" dir="t"/>
+    </dgm:scene3d>
+    <dgm:sp3d/>
+    <dgm:txPr/>
+    <dgm:style>
+      <a:lnRef idx="0">
+        <a:scrgbClr r="0" g="0" b="0"/>
+      </a:lnRef>
+      <a:fillRef idx="1">
+        <a:scrgbClr r="0" g="0" b="0"/>
+      </a:fillRef>
+      <a:effectRef idx="0">
+        <a:scrgbClr r="0" g="0" b="0"/>
+      </a:effectRef>
+      <a:fontRef idx="minor"/>
+    </dgm:style>
+  </dgm:styleLbl>
+  <dgm:styleLbl name="dkBgShp">
+    <dgm:scene3d>
+      <a:camera prst="orthographicFront"/>
+      <a:lightRig rig="threePt" dir="t"/>
+    </dgm:scene3d>
+    <dgm:sp3d/>
+    <dgm:txPr/>
+    <dgm:style>
+      <a:lnRef idx="0">
+        <a:scrgbClr r="0" g="0" b="0"/>
+      </a:lnRef>
+      <a:fillRef idx="1">
+        <a:scrgbClr r="0" g="0" b="0"/>
+      </a:fillRef>
+      <a:effectRef idx="0">
+        <a:scrgbClr r="0" g="0" b="0"/>
+      </a:effectRef>
+      <a:fontRef idx="minor"/>
+    </dgm:style>
+  </dgm:styleLbl>
+  <dgm:styleLbl name="trBgShp">
+    <dgm:scene3d>
+      <a:camera prst="orthographicFront"/>
+      <a:lightRig rig="threePt" dir="t"/>
+    </dgm:scene3d>
+    <dgm:sp3d/>
+    <dgm:txPr/>
+    <dgm:style>
+      <a:lnRef idx="0">
+        <a:scrgbClr r="0" g="0" b="0"/>
+      </a:lnRef>
+      <a:fillRef idx="1">
+        <a:scrgbClr r="0" g="0" b="0"/>
+      </a:fillRef>
+      <a:effectRef idx="0">
+        <a:scrgbClr r="0" g="0" b="0"/>
+      </a:effectRef>
+      <a:fontRef idx="minor"/>
+    </dgm:style>
+  </dgm:styleLbl>
+  <dgm:styleLbl name="fgShp">
+    <dgm:scene3d>
+      <a:camera prst="orthographicFront"/>
+      <a:lightRig rig="threePt" dir="t"/>
+    </dgm:scene3d>
+    <dgm:sp3d/>
+    <dgm:txPr/>
+    <dgm:style>
+      <a:lnRef idx="2">
+        <a:scrgbClr r="0" g="0" b="0"/>
+      </a:lnRef>
+      <a:fillRef idx="1">
+        <a:scrgbClr r="0" g="0" b="0"/>
+      </a:fillRef>
+      <a:effectRef idx="0">
+        <a:scrgbClr r="0" g="0" b="0"/>
+      </a:effectRef>
+      <a:fontRef idx="minor"/>
+    </dgm:style>
+  </dgm:styleLbl>
+  <dgm:styleLbl name="revTx">
+    <dgm:scene3d>
+      <a:camera prst="orthographicFront"/>
+      <a:lightRig rig="threePt" dir="t"/>
+    </dgm:scene3d>
+    <dgm:sp3d/>
+    <dgm:txPr/>
+    <dgm:style>
+      <a:lnRef idx="0">
+        <a:scrgbClr r="0" g="0" b="0"/>
+      </a:lnRef>
+      <a:fillRef idx="0">
+        <a:scrgbClr r="0" g="0" b="0"/>
+      </a:fillRef>
+      <a:effectRef idx="0">
+        <a:scrgbClr r="0" g="0" b="0"/>
+      </a:effectRef>
+      <a:fontRef idx="minor"/>
+    </dgm:style>
+  </dgm:styleLbl>
+</dgm:styleDef>
 </file>
 
 <file path=ppt/slideLayouts/slideLayout1.xml><?xml version="1.0" encoding="utf-8"?>
@@ -4704,6 +8647,215 @@
 </p:sld>
 </file>
 
+<file path=ppt/slides/slide10.xml><?xml version="1.0" encoding="utf-8"?>
+<p:sld xmlns:a="http://schemas.openxmlformats.org/drawingml/2006/main" xmlns:r="http://schemas.openxmlformats.org/officeDocument/2006/relationships" xmlns:p="http://schemas.openxmlformats.org/presentationml/2006/main">
+  <p:cSld>
+    <p:spTree>
+      <p:nvGrpSpPr>
+        <p:cNvPr id="1" name=""/>
+        <p:cNvGrpSpPr/>
+        <p:nvPr/>
+      </p:nvGrpSpPr>
+      <p:grpSpPr>
+        <a:xfrm>
+          <a:off x="0" y="0"/>
+          <a:ext cx="0" cy="0"/>
+          <a:chOff x="0" y="0"/>
+          <a:chExt cx="0" cy="0"/>
+        </a:xfrm>
+      </p:grpSpPr>
+      <p:sp>
+        <p:nvSpPr>
+          <p:cNvPr id="2" name="Título 1">
+            <a:extLst>
+              <a:ext uri="{FF2B5EF4-FFF2-40B4-BE49-F238E27FC236}">
+                <a16:creationId xmlns:a16="http://schemas.microsoft.com/office/drawing/2014/main" id="{930F0B8D-D6F9-DCB0-03BA-ADD7D2DB7877}"/>
+              </a:ext>
+            </a:extLst>
+          </p:cNvPr>
+          <p:cNvSpPr>
+            <a:spLocks noGrp="1"/>
+          </p:cNvSpPr>
+          <p:nvPr>
+            <p:ph type="title"/>
+          </p:nvPr>
+        </p:nvSpPr>
+        <p:spPr/>
+        <p:txBody>
+          <a:bodyPr/>
+          <a:lstStyle/>
+          <a:p>
+            <a:r>
+              <a:rPr lang="es-ES" dirty="0"/>
+              <a:t>Conclusiones</a:t>
+            </a:r>
+          </a:p>
+        </p:txBody>
+      </p:sp>
+      <p:graphicFrame>
+        <p:nvGraphicFramePr>
+          <p:cNvPr id="4" name="Marcador de contenido 3">
+            <a:extLst>
+              <a:ext uri="{FF2B5EF4-FFF2-40B4-BE49-F238E27FC236}">
+                <a16:creationId xmlns:a16="http://schemas.microsoft.com/office/drawing/2014/main" id="{B7FE9E31-86CE-F3F1-FE56-EF7CC5DBF29C}"/>
+              </a:ext>
+            </a:extLst>
+          </p:cNvPr>
+          <p:cNvGraphicFramePr>
+            <a:graphicFrameLocks noGrp="1"/>
+          </p:cNvGraphicFramePr>
+          <p:nvPr>
+            <p:ph idx="1"/>
+            <p:extLst>
+              <p:ext uri="{D42A27DB-BD31-4B8C-83A1-F6EECF244321}">
+                <p14:modId xmlns:p14="http://schemas.microsoft.com/office/powerpoint/2010/main" val="4257286473"/>
+              </p:ext>
+            </p:extLst>
+          </p:nvPr>
+        </p:nvGraphicFramePr>
+        <p:xfrm>
+          <a:off x="838200" y="1825625"/>
+          <a:ext cx="10515600" cy="4351338"/>
+        </p:xfrm>
+        <a:graphic>
+          <a:graphicData uri="http://schemas.openxmlformats.org/drawingml/2006/diagram">
+            <dgm:relIds xmlns:dgm="http://schemas.openxmlformats.org/drawingml/2006/diagram" xmlns:r="http://schemas.openxmlformats.org/officeDocument/2006/relationships" r:dm="rId2" r:lo="rId3" r:qs="rId4" r:cs="rId5"/>
+          </a:graphicData>
+        </a:graphic>
+      </p:graphicFrame>
+      <p:pic>
+        <p:nvPicPr>
+          <p:cNvPr id="5" name="Imagen 4">
+            <a:extLst>
+              <a:ext uri="{FF2B5EF4-FFF2-40B4-BE49-F238E27FC236}">
+                <a16:creationId xmlns:a16="http://schemas.microsoft.com/office/drawing/2014/main" id="{6CF0E8C9-831D-5EF7-5BEF-F8D631A15402}"/>
+              </a:ext>
+            </a:extLst>
+          </p:cNvPr>
+          <p:cNvPicPr>
+            <a:picLocks noChangeAspect="1"/>
+          </p:cNvPicPr>
+          <p:nvPr/>
+        </p:nvPicPr>
+        <p:blipFill>
+          <a:blip r:embed="rId7"/>
+          <a:stretch>
+            <a:fillRect/>
+          </a:stretch>
+        </p:blipFill>
+        <p:spPr>
+          <a:xfrm>
+            <a:off x="983225" y="2111477"/>
+            <a:ext cx="720000" cy="720000"/>
+          </a:xfrm>
+          <a:prstGeom prst="rect">
+            <a:avLst/>
+          </a:prstGeom>
+        </p:spPr>
+      </p:pic>
+      <p:pic>
+        <p:nvPicPr>
+          <p:cNvPr id="6" name="Imagen 5">
+            <a:extLst>
+              <a:ext uri="{FF2B5EF4-FFF2-40B4-BE49-F238E27FC236}">
+                <a16:creationId xmlns:a16="http://schemas.microsoft.com/office/drawing/2014/main" id="{9A4FCCD9-DC5C-66CC-CEE1-7290F42D8CF2}"/>
+              </a:ext>
+            </a:extLst>
+          </p:cNvPr>
+          <p:cNvPicPr>
+            <a:picLocks noChangeAspect="1"/>
+          </p:cNvPicPr>
+          <p:nvPr/>
+        </p:nvPicPr>
+        <p:blipFill>
+          <a:blip r:embed="rId7"/>
+          <a:stretch>
+            <a:fillRect/>
+          </a:stretch>
+        </p:blipFill>
+        <p:spPr>
+          <a:xfrm>
+            <a:off x="1343225" y="3117329"/>
+            <a:ext cx="720000" cy="720000"/>
+          </a:xfrm>
+          <a:prstGeom prst="rect">
+            <a:avLst/>
+          </a:prstGeom>
+        </p:spPr>
+      </p:pic>
+      <p:pic>
+        <p:nvPicPr>
+          <p:cNvPr id="8" name="Imagen 7">
+            <a:extLst>
+              <a:ext uri="{FF2B5EF4-FFF2-40B4-BE49-F238E27FC236}">
+                <a16:creationId xmlns:a16="http://schemas.microsoft.com/office/drawing/2014/main" id="{233FEF62-C1FC-425B-A7E4-695C7B78A838}"/>
+              </a:ext>
+            </a:extLst>
+          </p:cNvPr>
+          <p:cNvPicPr>
+            <a:picLocks noChangeAspect="1"/>
+          </p:cNvPicPr>
+          <p:nvPr/>
+        </p:nvPicPr>
+        <p:blipFill>
+          <a:blip r:embed="rId8"/>
+          <a:stretch>
+            <a:fillRect/>
+          </a:stretch>
+        </p:blipFill>
+        <p:spPr>
+          <a:xfrm>
+            <a:off x="1343225" y="4175693"/>
+            <a:ext cx="720000" cy="720000"/>
+          </a:xfrm>
+          <a:prstGeom prst="rect">
+            <a:avLst/>
+          </a:prstGeom>
+        </p:spPr>
+      </p:pic>
+      <p:pic>
+        <p:nvPicPr>
+          <p:cNvPr id="10" name="Imagen 9">
+            <a:extLst>
+              <a:ext uri="{FF2B5EF4-FFF2-40B4-BE49-F238E27FC236}">
+                <a16:creationId xmlns:a16="http://schemas.microsoft.com/office/drawing/2014/main" id="{75048C82-3729-1CD8-1886-855F9482A17D}"/>
+              </a:ext>
+            </a:extLst>
+          </p:cNvPr>
+          <p:cNvPicPr>
+            <a:picLocks noChangeAspect="1"/>
+          </p:cNvPicPr>
+          <p:nvPr/>
+        </p:nvPicPr>
+        <p:blipFill>
+          <a:blip r:embed="rId9"/>
+          <a:stretch>
+            <a:fillRect/>
+          </a:stretch>
+        </p:blipFill>
+        <p:spPr>
+          <a:xfrm>
+            <a:off x="983225" y="5129033"/>
+            <a:ext cx="720000" cy="720000"/>
+          </a:xfrm>
+          <a:prstGeom prst="rect">
+            <a:avLst/>
+          </a:prstGeom>
+        </p:spPr>
+      </p:pic>
+    </p:spTree>
+    <p:extLst>
+      <p:ext uri="{BB962C8B-B14F-4D97-AF65-F5344CB8AC3E}">
+        <p14:creationId xmlns:p14="http://schemas.microsoft.com/office/powerpoint/2010/main" val="2816089262"/>
+      </p:ext>
+    </p:extLst>
+  </p:cSld>
+  <p:clrMapOvr>
+    <a:masterClrMapping/>
+  </p:clrMapOvr>
+</p:sld>
+</file>
+
 <file path=ppt/slides/slide2.xml><?xml version="1.0" encoding="utf-8"?>
 <p:sld xmlns:a="http://schemas.openxmlformats.org/drawingml/2006/main" xmlns:r="http://schemas.openxmlformats.org/officeDocument/2006/relationships" xmlns:p="http://schemas.openxmlformats.org/presentationml/2006/main">
   <p:cSld>
@@ -4912,7 +9064,7 @@
           <p:cNvPr id="2" name="Título 1">
             <a:extLst>
               <a:ext uri="{FF2B5EF4-FFF2-40B4-BE49-F238E27FC236}">
-                <a16:creationId xmlns:a16="http://schemas.microsoft.com/office/drawing/2014/main" id="{DD537FB0-D919-ED54-68E7-26AEF1E8D17A}"/>
+                <a16:creationId xmlns:a16="http://schemas.microsoft.com/office/drawing/2014/main" id="{EC2536C5-01CC-0B44-7CAB-0EA009653469}"/>
               </a:ext>
             </a:extLst>
           </p:cNvPr>
@@ -4930,50 +9082,55 @@
           <a:p>
             <a:r>
               <a:rPr lang="es-ES" dirty="0"/>
-              <a:t>Contexto</a:t>
+              <a:t>Contexto </a:t>
             </a:r>
           </a:p>
         </p:txBody>
       </p:sp>
-      <p:pic>
-        <p:nvPicPr>
-          <p:cNvPr id="5" name="Imagen 4">
-            <a:extLst>
-              <a:ext uri="{FF2B5EF4-FFF2-40B4-BE49-F238E27FC236}">
-                <a16:creationId xmlns:a16="http://schemas.microsoft.com/office/drawing/2014/main" id="{F409AA67-6AC4-1AED-0B6A-F62093642FFF}"/>
-              </a:ext>
-            </a:extLst>
-          </p:cNvPr>
-          <p:cNvPicPr>
-            <a:picLocks noChangeAspect="1"/>
-          </p:cNvPicPr>
-          <p:nvPr/>
-        </p:nvPicPr>
-        <p:blipFill>
-          <a:blip r:embed="rId2">
-            <a:extLst>
-              <a:ext uri="{28A0092B-C50C-407E-A947-70E740481C1C}">
-                <a14:useLocalDpi xmlns:a14="http://schemas.microsoft.com/office/drawing/2010/main" val="0"/>
-              </a:ext>
-            </a:extLst>
-          </a:blip>
-          <a:srcRect/>
-          <a:stretch/>
-        </p:blipFill>
-        <p:spPr>
-          <a:xfrm>
-            <a:off x="2934953" y="1437443"/>
-            <a:ext cx="5653500" cy="5025334"/>
-          </a:xfrm>
-          <a:prstGeom prst="rect">
-            <a:avLst/>
-          </a:prstGeom>
-        </p:spPr>
-      </p:pic>
+      <p:sp>
+        <p:nvSpPr>
+          <p:cNvPr id="3" name="Marcador de contenido 2">
+            <a:extLst>
+              <a:ext uri="{FF2B5EF4-FFF2-40B4-BE49-F238E27FC236}">
+                <a16:creationId xmlns:a16="http://schemas.microsoft.com/office/drawing/2014/main" id="{57656DD6-B24F-983D-8ACE-F1B460500438}"/>
+              </a:ext>
+            </a:extLst>
+          </p:cNvPr>
+          <p:cNvSpPr>
+            <a:spLocks noGrp="1"/>
+          </p:cNvSpPr>
+          <p:nvPr>
+            <p:ph idx="1"/>
+          </p:nvPr>
+        </p:nvSpPr>
+        <p:spPr/>
+        <p:txBody>
+          <a:bodyPr/>
+          <a:lstStyle/>
+          <a:p>
+            <a:r>
+              <a:rPr lang="es-ES" dirty="0"/>
+              <a:t>La media de las evaluaciones de satisfacción del personal está en 0,61.</a:t>
+            </a:r>
+          </a:p>
+          <a:p>
+            <a:r>
+              <a:rPr lang="es-ES" dirty="0"/>
+              <a:t>Las valoraciones han bajado en promedio un 0,1 desde la última evaluación.</a:t>
+            </a:r>
+          </a:p>
+          <a:p>
+            <a:r>
+              <a:rPr lang="es-ES" dirty="0"/>
+              <a:t>Casi el 24 % de los empleados han dejado la compañía.</a:t>
+            </a:r>
+          </a:p>
+        </p:txBody>
+      </p:sp>
     </p:spTree>
     <p:extLst>
       <p:ext uri="{BB962C8B-B14F-4D97-AF65-F5344CB8AC3E}">
-        <p14:creationId xmlns:p14="http://schemas.microsoft.com/office/powerpoint/2010/main" val="1168923816"/>
+        <p14:creationId xmlns:p14="http://schemas.microsoft.com/office/powerpoint/2010/main" val="3937836440"/>
       </p:ext>
     </p:extLst>
   </p:cSld>
@@ -5005,7 +9162,7 @@
           <p:cNvPr id="2" name="Título 1">
             <a:extLst>
               <a:ext uri="{FF2B5EF4-FFF2-40B4-BE49-F238E27FC236}">
-                <a16:creationId xmlns:a16="http://schemas.microsoft.com/office/drawing/2014/main" id="{DD537FB0-D919-ED54-68E7-26AEF1E8D17A}"/>
+                <a16:creationId xmlns:a16="http://schemas.microsoft.com/office/drawing/2014/main" id="{668F8978-7902-23D9-AA10-B21658DB1135}"/>
               </a:ext>
             </a:extLst>
           </p:cNvPr>
@@ -5021,26 +9178,87 @@
           <a:bodyPr/>
           <a:lstStyle/>
           <a:p>
+            <a:pPr algn="ctr"/>
             <a:r>
               <a:rPr lang="es-ES" dirty="0"/>
-              <a:t>Contexto</a:t>
+              <a:t>¿En qué casos hay mayor probabilidad de que un empleado deje la compañía?</a:t>
+            </a:r>
+          </a:p>
+        </p:txBody>
+      </p:sp>
+    </p:spTree>
+    <p:extLst>
+      <p:ext uri="{BB962C8B-B14F-4D97-AF65-F5344CB8AC3E}">
+        <p14:creationId xmlns:p14="http://schemas.microsoft.com/office/powerpoint/2010/main" val="917122647"/>
+      </p:ext>
+    </p:extLst>
+  </p:cSld>
+  <p:clrMapOvr>
+    <a:masterClrMapping/>
+  </p:clrMapOvr>
+</p:sld>
+</file>
+
+<file path=ppt/slides/slide6.xml><?xml version="1.0" encoding="utf-8"?>
+<p:sld xmlns:a="http://schemas.openxmlformats.org/drawingml/2006/main" xmlns:r="http://schemas.openxmlformats.org/officeDocument/2006/relationships" xmlns:p="http://schemas.openxmlformats.org/presentationml/2006/main">
+  <p:cSld>
+    <p:spTree>
+      <p:nvGrpSpPr>
+        <p:cNvPr id="1" name=""/>
+        <p:cNvGrpSpPr/>
+        <p:nvPr/>
+      </p:nvGrpSpPr>
+      <p:grpSpPr>
+        <a:xfrm>
+          <a:off x="0" y="0"/>
+          <a:ext cx="0" cy="0"/>
+          <a:chOff x="0" y="0"/>
+          <a:chExt cx="0" cy="0"/>
+        </a:xfrm>
+      </p:grpSpPr>
+      <p:sp>
+        <p:nvSpPr>
+          <p:cNvPr id="2" name="Título 1">
+            <a:extLst>
+              <a:ext uri="{FF2B5EF4-FFF2-40B4-BE49-F238E27FC236}">
+                <a16:creationId xmlns:a16="http://schemas.microsoft.com/office/drawing/2014/main" id="{8FD36BD0-5268-338A-BC98-C6A644462D78}"/>
+              </a:ext>
+            </a:extLst>
+          </p:cNvPr>
+          <p:cNvSpPr>
+            <a:spLocks noGrp="1"/>
+          </p:cNvSpPr>
+          <p:nvPr>
+            <p:ph type="title"/>
+          </p:nvPr>
+        </p:nvSpPr>
+        <p:spPr/>
+        <p:txBody>
+          <a:bodyPr/>
+          <a:lstStyle/>
+          <a:p>
+            <a:r>
+              <a:rPr lang="es-ES" dirty="0"/>
+              <a:t>Departamentos</a:t>
             </a:r>
           </a:p>
         </p:txBody>
       </p:sp>
       <p:pic>
         <p:nvPicPr>
-          <p:cNvPr id="5" name="Imagen 4">
-            <a:extLst>
-              <a:ext uri="{FF2B5EF4-FFF2-40B4-BE49-F238E27FC236}">
-                <a16:creationId xmlns:a16="http://schemas.microsoft.com/office/drawing/2014/main" id="{F409AA67-6AC4-1AED-0B6A-F62093642FFF}"/>
+          <p:cNvPr id="9" name="Marcador de contenido 8">
+            <a:extLst>
+              <a:ext uri="{FF2B5EF4-FFF2-40B4-BE49-F238E27FC236}">
+                <a16:creationId xmlns:a16="http://schemas.microsoft.com/office/drawing/2014/main" id="{A2267757-502F-662F-4CD6-5511DA299687}"/>
               </a:ext>
             </a:extLst>
           </p:cNvPr>
           <p:cNvPicPr>
-            <a:picLocks noChangeAspect="1"/>
+            <a:picLocks noGrp="1" noChangeAspect="1"/>
           </p:cNvPicPr>
-          <p:nvPr/>
+          <p:nvPr>
+            <p:ph sz="half" idx="1"/>
+          </p:nvPr>
         </p:nvPicPr>
         <p:blipFill>
           <a:blip r:embed="rId2">
@@ -5055,18 +9273,416 @@
         </p:blipFill>
         <p:spPr>
           <a:xfrm>
-            <a:off x="2762372" y="1437443"/>
-            <a:ext cx="5998661" cy="5025334"/>
+            <a:off x="1077808" y="1825625"/>
+            <a:ext cx="4702384" cy="4351338"/>
           </a:xfrm>
-          <a:prstGeom prst="rect">
-            <a:avLst/>
-          </a:prstGeom>
+        </p:spPr>
+      </p:pic>
+      <p:sp>
+        <p:nvSpPr>
+          <p:cNvPr id="7" name="Marcador de contenido 6">
+            <a:extLst>
+              <a:ext uri="{FF2B5EF4-FFF2-40B4-BE49-F238E27FC236}">
+                <a16:creationId xmlns:a16="http://schemas.microsoft.com/office/drawing/2014/main" id="{6C32A04F-8885-3448-7B2B-59F7B7FA1BBB}"/>
+              </a:ext>
+            </a:extLst>
+          </p:cNvPr>
+          <p:cNvSpPr>
+            <a:spLocks noGrp="1"/>
+          </p:cNvSpPr>
+          <p:nvPr>
+            <p:ph sz="half" idx="2"/>
+          </p:nvPr>
+        </p:nvSpPr>
+        <p:spPr/>
+        <p:txBody>
+          <a:bodyPr/>
+          <a:lstStyle/>
+          <a:p>
+            <a:pPr algn="just"/>
+            <a:r>
+              <a:rPr lang="es-ES" dirty="0"/>
+              <a:t>Los empleados de recursos humanos tienen mayores probabilidades de dejar la compañía con casi un 30 %.</a:t>
+            </a:r>
+          </a:p>
+          <a:p>
+            <a:pPr algn="just"/>
+            <a:endParaRPr lang="es-ES" dirty="0"/>
+          </a:p>
+          <a:p>
+            <a:pPr marL="0" indent="0" algn="just">
+              <a:buNone/>
+            </a:pPr>
+            <a:endParaRPr lang="es-ES" dirty="0"/>
+          </a:p>
+        </p:txBody>
+      </p:sp>
+    </p:spTree>
+    <p:extLst>
+      <p:ext uri="{BB962C8B-B14F-4D97-AF65-F5344CB8AC3E}">
+        <p14:creationId xmlns:p14="http://schemas.microsoft.com/office/powerpoint/2010/main" val="2940338219"/>
+      </p:ext>
+    </p:extLst>
+  </p:cSld>
+  <p:clrMapOvr>
+    <a:masterClrMapping/>
+  </p:clrMapOvr>
+</p:sld>
+</file>
+
+<file path=ppt/slides/slide7.xml><?xml version="1.0" encoding="utf-8"?>
+<p:sld xmlns:a="http://schemas.openxmlformats.org/drawingml/2006/main" xmlns:r="http://schemas.openxmlformats.org/officeDocument/2006/relationships" xmlns:p="http://schemas.openxmlformats.org/presentationml/2006/main">
+  <p:cSld>
+    <p:spTree>
+      <p:nvGrpSpPr>
+        <p:cNvPr id="1" name=""/>
+        <p:cNvGrpSpPr/>
+        <p:nvPr/>
+      </p:nvGrpSpPr>
+      <p:grpSpPr>
+        <a:xfrm>
+          <a:off x="0" y="0"/>
+          <a:ext cx="0" cy="0"/>
+          <a:chOff x="0" y="0"/>
+          <a:chExt cx="0" cy="0"/>
+        </a:xfrm>
+      </p:grpSpPr>
+      <p:sp>
+        <p:nvSpPr>
+          <p:cNvPr id="2" name="Título 1">
+            <a:extLst>
+              <a:ext uri="{FF2B5EF4-FFF2-40B4-BE49-F238E27FC236}">
+                <a16:creationId xmlns:a16="http://schemas.microsoft.com/office/drawing/2014/main" id="{841C5C45-07C8-1BD7-4E95-5DAE0C09D80B}"/>
+              </a:ext>
+            </a:extLst>
+          </p:cNvPr>
+          <p:cNvSpPr>
+            <a:spLocks noGrp="1"/>
+          </p:cNvSpPr>
+          <p:nvPr>
+            <p:ph type="title"/>
+          </p:nvPr>
+        </p:nvSpPr>
+        <p:spPr/>
+        <p:txBody>
+          <a:bodyPr/>
+          <a:lstStyle/>
+          <a:p>
+            <a:r>
+              <a:rPr lang="es-ES" dirty="0"/>
+              <a:t>Salarios</a:t>
+            </a:r>
+          </a:p>
+        </p:txBody>
+      </p:sp>
+      <p:sp>
+        <p:nvSpPr>
+          <p:cNvPr id="3" name="Marcador de contenido 2">
+            <a:extLst>
+              <a:ext uri="{FF2B5EF4-FFF2-40B4-BE49-F238E27FC236}">
+                <a16:creationId xmlns:a16="http://schemas.microsoft.com/office/drawing/2014/main" id="{19CAE79C-349A-A56A-3A32-49994150F500}"/>
+              </a:ext>
+            </a:extLst>
+          </p:cNvPr>
+          <p:cNvSpPr>
+            <a:spLocks noGrp="1"/>
+          </p:cNvSpPr>
+          <p:nvPr>
+            <p:ph sz="half" idx="1"/>
+          </p:nvPr>
+        </p:nvSpPr>
+        <p:spPr/>
+        <p:txBody>
+          <a:bodyPr/>
+          <a:lstStyle/>
+          <a:p>
+            <a:pPr algn="just"/>
+            <a:r>
+              <a:rPr lang="es-ES" dirty="0"/>
+              <a:t>El nivel salarial tiene una relación inversa con la probabilidad de dejar la compañía.</a:t>
+            </a:r>
+          </a:p>
+        </p:txBody>
+      </p:sp>
+      <p:pic>
+        <p:nvPicPr>
+          <p:cNvPr id="6" name="Marcador de contenido 5">
+            <a:extLst>
+              <a:ext uri="{FF2B5EF4-FFF2-40B4-BE49-F238E27FC236}">
+                <a16:creationId xmlns:a16="http://schemas.microsoft.com/office/drawing/2014/main" id="{AD882D0C-EC1A-5703-F84C-1F0D26F12D52}"/>
+              </a:ext>
+            </a:extLst>
+          </p:cNvPr>
+          <p:cNvPicPr>
+            <a:picLocks noGrp="1" noChangeAspect="1"/>
+          </p:cNvPicPr>
+          <p:nvPr>
+            <p:ph sz="half" idx="2"/>
+          </p:nvPr>
+        </p:nvPicPr>
+        <p:blipFill>
+          <a:blip r:embed="rId2">
+            <a:extLst>
+              <a:ext uri="{28A0092B-C50C-407E-A947-70E740481C1C}">
+                <a14:useLocalDpi xmlns:a14="http://schemas.microsoft.com/office/drawing/2010/main" val="0"/>
+              </a:ext>
+            </a:extLst>
+          </a:blip>
+          <a:srcRect/>
+          <a:stretch/>
+        </p:blipFill>
+        <p:spPr>
+          <a:xfrm>
+            <a:off x="6241500" y="1825625"/>
+            <a:ext cx="5042999" cy="4351338"/>
+          </a:xfrm>
         </p:spPr>
       </p:pic>
     </p:spTree>
     <p:extLst>
       <p:ext uri="{BB962C8B-B14F-4D97-AF65-F5344CB8AC3E}">
-        <p14:creationId xmlns:p14="http://schemas.microsoft.com/office/powerpoint/2010/main" val="3585876011"/>
+        <p14:creationId xmlns:p14="http://schemas.microsoft.com/office/powerpoint/2010/main" val="1718857223"/>
+      </p:ext>
+    </p:extLst>
+  </p:cSld>
+  <p:clrMapOvr>
+    <a:masterClrMapping/>
+  </p:clrMapOvr>
+</p:sld>
+</file>
+
+<file path=ppt/slides/slide8.xml><?xml version="1.0" encoding="utf-8"?>
+<p:sld xmlns:a="http://schemas.openxmlformats.org/drawingml/2006/main" xmlns:r="http://schemas.openxmlformats.org/officeDocument/2006/relationships" xmlns:p="http://schemas.openxmlformats.org/presentationml/2006/main">
+  <p:cSld>
+    <p:spTree>
+      <p:nvGrpSpPr>
+        <p:cNvPr id="1" name=""/>
+        <p:cNvGrpSpPr/>
+        <p:nvPr/>
+      </p:nvGrpSpPr>
+      <p:grpSpPr>
+        <a:xfrm>
+          <a:off x="0" y="0"/>
+          <a:ext cx="0" cy="0"/>
+          <a:chOff x="0" y="0"/>
+          <a:chExt cx="0" cy="0"/>
+        </a:xfrm>
+      </p:grpSpPr>
+      <p:sp>
+        <p:nvSpPr>
+          <p:cNvPr id="2" name="Título 1">
+            <a:extLst>
+              <a:ext uri="{FF2B5EF4-FFF2-40B4-BE49-F238E27FC236}">
+                <a16:creationId xmlns:a16="http://schemas.microsoft.com/office/drawing/2014/main" id="{9D516C54-B6F7-0716-4902-7A716D1DA0A8}"/>
+              </a:ext>
+            </a:extLst>
+          </p:cNvPr>
+          <p:cNvSpPr>
+            <a:spLocks noGrp="1"/>
+          </p:cNvSpPr>
+          <p:nvPr>
+            <p:ph type="title"/>
+          </p:nvPr>
+        </p:nvSpPr>
+        <p:spPr/>
+        <p:txBody>
+          <a:bodyPr/>
+          <a:lstStyle/>
+          <a:p>
+            <a:r>
+              <a:rPr lang="es-ES" dirty="0"/>
+              <a:t>Accidentes laborales</a:t>
+            </a:r>
+          </a:p>
+        </p:txBody>
+      </p:sp>
+      <p:pic>
+        <p:nvPicPr>
+          <p:cNvPr id="6" name="Marcador de contenido 5">
+            <a:extLst>
+              <a:ext uri="{FF2B5EF4-FFF2-40B4-BE49-F238E27FC236}">
+                <a16:creationId xmlns:a16="http://schemas.microsoft.com/office/drawing/2014/main" id="{CE3C47DC-958C-4908-98ED-9BA5979ED8B5}"/>
+              </a:ext>
+            </a:extLst>
+          </p:cNvPr>
+          <p:cNvPicPr>
+            <a:picLocks noGrp="1" noChangeAspect="1"/>
+          </p:cNvPicPr>
+          <p:nvPr>
+            <p:ph sz="half" idx="1"/>
+          </p:nvPr>
+        </p:nvPicPr>
+        <p:blipFill>
+          <a:blip r:embed="rId2">
+            <a:extLst>
+              <a:ext uri="{28A0092B-C50C-407E-A947-70E740481C1C}">
+                <a14:useLocalDpi xmlns:a14="http://schemas.microsoft.com/office/drawing/2010/main" val="0"/>
+              </a:ext>
+            </a:extLst>
+          </a:blip>
+          <a:srcRect/>
+          <a:stretch/>
+        </p:blipFill>
+        <p:spPr>
+          <a:xfrm>
+            <a:off x="838200" y="1981729"/>
+            <a:ext cx="5181600" cy="4039129"/>
+          </a:xfrm>
+        </p:spPr>
+      </p:pic>
+      <p:sp>
+        <p:nvSpPr>
+          <p:cNvPr id="4" name="Marcador de contenido 3">
+            <a:extLst>
+              <a:ext uri="{FF2B5EF4-FFF2-40B4-BE49-F238E27FC236}">
+                <a16:creationId xmlns:a16="http://schemas.microsoft.com/office/drawing/2014/main" id="{5979067B-6830-BF44-F1BC-AE24321FC9BA}"/>
+              </a:ext>
+            </a:extLst>
+          </p:cNvPr>
+          <p:cNvSpPr>
+            <a:spLocks noGrp="1"/>
+          </p:cNvSpPr>
+          <p:nvPr>
+            <p:ph sz="half" idx="2"/>
+          </p:nvPr>
+        </p:nvSpPr>
+        <p:spPr/>
+        <p:txBody>
+          <a:bodyPr/>
+          <a:lstStyle/>
+          <a:p>
+            <a:pPr algn="just"/>
+            <a:r>
+              <a:rPr lang="es-ES" dirty="0"/>
+              <a:t>Las personas que han tenido un accidente laboral en la empresa tienen una menor tendencia a dejar la compañía. </a:t>
+            </a:r>
+          </a:p>
+        </p:txBody>
+      </p:sp>
+    </p:spTree>
+    <p:extLst>
+      <p:ext uri="{BB962C8B-B14F-4D97-AF65-F5344CB8AC3E}">
+        <p14:creationId xmlns:p14="http://schemas.microsoft.com/office/powerpoint/2010/main" val="749932023"/>
+      </p:ext>
+    </p:extLst>
+  </p:cSld>
+  <p:clrMapOvr>
+    <a:masterClrMapping/>
+  </p:clrMapOvr>
+</p:sld>
+</file>
+
+<file path=ppt/slides/slide9.xml><?xml version="1.0" encoding="utf-8"?>
+<p:sld xmlns:a="http://schemas.openxmlformats.org/drawingml/2006/main" xmlns:r="http://schemas.openxmlformats.org/officeDocument/2006/relationships" xmlns:p="http://schemas.openxmlformats.org/presentationml/2006/main">
+  <p:cSld>
+    <p:spTree>
+      <p:nvGrpSpPr>
+        <p:cNvPr id="1" name=""/>
+        <p:cNvGrpSpPr/>
+        <p:nvPr/>
+      </p:nvGrpSpPr>
+      <p:grpSpPr>
+        <a:xfrm>
+          <a:off x="0" y="0"/>
+          <a:ext cx="0" cy="0"/>
+          <a:chOff x="0" y="0"/>
+          <a:chExt cx="0" cy="0"/>
+        </a:xfrm>
+      </p:grpSpPr>
+      <p:sp>
+        <p:nvSpPr>
+          <p:cNvPr id="2" name="Título 1">
+            <a:extLst>
+              <a:ext uri="{FF2B5EF4-FFF2-40B4-BE49-F238E27FC236}">
+                <a16:creationId xmlns:a16="http://schemas.microsoft.com/office/drawing/2014/main" id="{6BB71082-C79E-A1D9-BB3A-AD8657256570}"/>
+              </a:ext>
+            </a:extLst>
+          </p:cNvPr>
+          <p:cNvSpPr>
+            <a:spLocks noGrp="1"/>
+          </p:cNvSpPr>
+          <p:nvPr>
+            <p:ph type="title"/>
+          </p:nvPr>
+        </p:nvSpPr>
+        <p:spPr/>
+        <p:txBody>
+          <a:bodyPr/>
+          <a:lstStyle/>
+          <a:p>
+            <a:r>
+              <a:rPr lang="es-ES" dirty="0"/>
+              <a:t>Promoción</a:t>
+            </a:r>
+          </a:p>
+        </p:txBody>
+      </p:sp>
+      <p:sp>
+        <p:nvSpPr>
+          <p:cNvPr id="3" name="Marcador de contenido 2">
+            <a:extLst>
+              <a:ext uri="{FF2B5EF4-FFF2-40B4-BE49-F238E27FC236}">
+                <a16:creationId xmlns:a16="http://schemas.microsoft.com/office/drawing/2014/main" id="{A1C7A42A-A09B-DC37-0923-B0F911266F8E}"/>
+              </a:ext>
+            </a:extLst>
+          </p:cNvPr>
+          <p:cNvSpPr>
+            <a:spLocks noGrp="1"/>
+          </p:cNvSpPr>
+          <p:nvPr>
+            <p:ph sz="half" idx="1"/>
+          </p:nvPr>
+        </p:nvSpPr>
+        <p:spPr/>
+        <p:txBody>
+          <a:bodyPr/>
+          <a:lstStyle/>
+          <a:p>
+            <a:r>
+              <a:rPr lang="es-ES" dirty="0"/>
+              <a:t>Las personas que han sido promovidas en los últimos cinco años tienden a dejar la empresa 4 veces menos que las personas que no han sido promovidas. </a:t>
+            </a:r>
+          </a:p>
+        </p:txBody>
+      </p:sp>
+      <p:pic>
+        <p:nvPicPr>
+          <p:cNvPr id="6" name="Marcador de contenido 5">
+            <a:extLst>
+              <a:ext uri="{FF2B5EF4-FFF2-40B4-BE49-F238E27FC236}">
+                <a16:creationId xmlns:a16="http://schemas.microsoft.com/office/drawing/2014/main" id="{93925C7E-46C9-E364-B1D4-E8EB8BE083F5}"/>
+              </a:ext>
+            </a:extLst>
+          </p:cNvPr>
+          <p:cNvPicPr>
+            <a:picLocks noGrp="1" noChangeAspect="1"/>
+          </p:cNvPicPr>
+          <p:nvPr>
+            <p:ph sz="half" idx="2"/>
+          </p:nvPr>
+        </p:nvPicPr>
+        <p:blipFill>
+          <a:blip r:embed="rId2">
+            <a:extLst>
+              <a:ext uri="{28A0092B-C50C-407E-A947-70E740481C1C}">
+                <a14:useLocalDpi xmlns:a14="http://schemas.microsoft.com/office/drawing/2010/main" val="0"/>
+              </a:ext>
+            </a:extLst>
+          </a:blip>
+          <a:srcRect/>
+          <a:stretch/>
+        </p:blipFill>
+        <p:spPr>
+          <a:xfrm>
+            <a:off x="6172200" y="2009395"/>
+            <a:ext cx="5181600" cy="3983798"/>
+          </a:xfrm>
+        </p:spPr>
+      </p:pic>
+    </p:spTree>
+    <p:extLst>
+      <p:ext uri="{BB962C8B-B14F-4D97-AF65-F5344CB8AC3E}">
+        <p14:creationId xmlns:p14="http://schemas.microsoft.com/office/powerpoint/2010/main" val="1808787116"/>
       </p:ext>
     </p:extLst>
   </p:cSld>

--- a/RRHH/Data_Storytelling.pptx
+++ b/RRHH/Data_Storytelling.pptx
@@ -15,6 +15,14 @@
     <p:sldId id="263" r:id="rId9"/>
     <p:sldId id="264" r:id="rId10"/>
     <p:sldId id="265" r:id="rId11"/>
+    <p:sldId id="266" r:id="rId12"/>
+    <p:sldId id="267" r:id="rId13"/>
+    <p:sldId id="268" r:id="rId14"/>
+    <p:sldId id="270" r:id="rId15"/>
+    <p:sldId id="269" r:id="rId16"/>
+    <p:sldId id="271" r:id="rId17"/>
+    <p:sldId id="272" r:id="rId18"/>
+    <p:sldId id="273" r:id="rId19"/>
   </p:sldIdLst>
   <p:sldSz cx="12192000" cy="6858000"/>
   <p:notesSz cx="6858000" cy="9144000"/>
@@ -122,6 +130,753 @@
 </file>
 
 <file path=ppt/diagrams/colors1.xml><?xml version="1.0" encoding="utf-8"?>
+<dgm:colorsDef xmlns:dgm="http://schemas.openxmlformats.org/drawingml/2006/diagram" xmlns:a="http://schemas.openxmlformats.org/drawingml/2006/main" uniqueId="urn:microsoft.com/office/officeart/2005/8/colors/accent1_2">
+  <dgm:title val=""/>
+  <dgm:desc val=""/>
+  <dgm:catLst>
+    <dgm:cat type="accent1" pri="11200"/>
+  </dgm:catLst>
+  <dgm:styleLbl name="node0">
+    <dgm:fillClrLst meth="repeat">
+      <a:schemeClr val="accent1"/>
+    </dgm:fillClrLst>
+    <dgm:linClrLst meth="repeat">
+      <a:schemeClr val="lt1"/>
+    </dgm:linClrLst>
+    <dgm:effectClrLst/>
+    <dgm:txLinClrLst/>
+    <dgm:txFillClrLst/>
+    <dgm:txEffectClrLst/>
+  </dgm:styleLbl>
+  <dgm:styleLbl name="alignNode1">
+    <dgm:fillClrLst meth="repeat">
+      <a:schemeClr val="accent1"/>
+    </dgm:fillClrLst>
+    <dgm:linClrLst meth="repeat">
+      <a:schemeClr val="accent1"/>
+    </dgm:linClrLst>
+    <dgm:effectClrLst/>
+    <dgm:txLinClrLst/>
+    <dgm:txFillClrLst/>
+    <dgm:txEffectClrLst/>
+  </dgm:styleLbl>
+  <dgm:styleLbl name="node1">
+    <dgm:fillClrLst meth="repeat">
+      <a:schemeClr val="accent1"/>
+    </dgm:fillClrLst>
+    <dgm:linClrLst meth="repeat">
+      <a:schemeClr val="lt1"/>
+    </dgm:linClrLst>
+    <dgm:effectClrLst/>
+    <dgm:txLinClrLst/>
+    <dgm:txFillClrLst/>
+    <dgm:txEffectClrLst/>
+  </dgm:styleLbl>
+  <dgm:styleLbl name="lnNode1">
+    <dgm:fillClrLst meth="repeat">
+      <a:schemeClr val="accent1"/>
+    </dgm:fillClrLst>
+    <dgm:linClrLst meth="repeat">
+      <a:schemeClr val="lt1"/>
+    </dgm:linClrLst>
+    <dgm:effectClrLst/>
+    <dgm:txLinClrLst/>
+    <dgm:txFillClrLst/>
+    <dgm:txEffectClrLst/>
+  </dgm:styleLbl>
+  <dgm:styleLbl name="vennNode1">
+    <dgm:fillClrLst meth="repeat">
+      <a:schemeClr val="accent1">
+        <a:alpha val="50000"/>
+      </a:schemeClr>
+    </dgm:fillClrLst>
+    <dgm:linClrLst meth="repeat">
+      <a:schemeClr val="lt1"/>
+    </dgm:linClrLst>
+    <dgm:effectClrLst/>
+    <dgm:txLinClrLst/>
+    <dgm:txFillClrLst/>
+    <dgm:txEffectClrLst/>
+  </dgm:styleLbl>
+  <dgm:styleLbl name="node2">
+    <dgm:fillClrLst meth="repeat">
+      <a:schemeClr val="accent1"/>
+    </dgm:fillClrLst>
+    <dgm:linClrLst meth="repeat">
+      <a:schemeClr val="lt1"/>
+    </dgm:linClrLst>
+    <dgm:effectClrLst/>
+    <dgm:txLinClrLst/>
+    <dgm:txFillClrLst/>
+    <dgm:txEffectClrLst/>
+  </dgm:styleLbl>
+  <dgm:styleLbl name="node3">
+    <dgm:fillClrLst meth="repeat">
+      <a:schemeClr val="accent1"/>
+    </dgm:fillClrLst>
+    <dgm:linClrLst meth="repeat">
+      <a:schemeClr val="lt1"/>
+    </dgm:linClrLst>
+    <dgm:effectClrLst/>
+    <dgm:txLinClrLst/>
+    <dgm:txFillClrLst/>
+    <dgm:txEffectClrLst/>
+  </dgm:styleLbl>
+  <dgm:styleLbl name="node4">
+    <dgm:fillClrLst meth="repeat">
+      <a:schemeClr val="accent1"/>
+    </dgm:fillClrLst>
+    <dgm:linClrLst meth="repeat">
+      <a:schemeClr val="lt1"/>
+    </dgm:linClrLst>
+    <dgm:effectClrLst/>
+    <dgm:txLinClrLst/>
+    <dgm:txFillClrLst/>
+    <dgm:txEffectClrLst/>
+  </dgm:styleLbl>
+  <dgm:styleLbl name="fgImgPlace1">
+    <dgm:fillClrLst meth="repeat">
+      <a:schemeClr val="accent1">
+        <a:tint val="50000"/>
+      </a:schemeClr>
+    </dgm:fillClrLst>
+    <dgm:linClrLst meth="repeat">
+      <a:schemeClr val="lt1"/>
+    </dgm:linClrLst>
+    <dgm:effectClrLst/>
+    <dgm:txLinClrLst/>
+    <dgm:txFillClrLst meth="repeat">
+      <a:schemeClr val="lt1"/>
+    </dgm:txFillClrLst>
+    <dgm:txEffectClrLst/>
+  </dgm:styleLbl>
+  <dgm:styleLbl name="alignImgPlace1">
+    <dgm:fillClrLst meth="repeat">
+      <a:schemeClr val="accent1">
+        <a:tint val="50000"/>
+      </a:schemeClr>
+    </dgm:fillClrLst>
+    <dgm:linClrLst meth="repeat">
+      <a:schemeClr val="lt1"/>
+    </dgm:linClrLst>
+    <dgm:effectClrLst/>
+    <dgm:txLinClrLst/>
+    <dgm:txFillClrLst meth="repeat">
+      <a:schemeClr val="lt1"/>
+    </dgm:txFillClrLst>
+    <dgm:txEffectClrLst/>
+  </dgm:styleLbl>
+  <dgm:styleLbl name="bgImgPlace1">
+    <dgm:fillClrLst meth="repeat">
+      <a:schemeClr val="accent1">
+        <a:tint val="50000"/>
+      </a:schemeClr>
+    </dgm:fillClrLst>
+    <dgm:linClrLst meth="repeat">
+      <a:schemeClr val="lt1"/>
+    </dgm:linClrLst>
+    <dgm:effectClrLst/>
+    <dgm:txLinClrLst/>
+    <dgm:txFillClrLst meth="repeat">
+      <a:schemeClr val="lt1"/>
+    </dgm:txFillClrLst>
+    <dgm:txEffectClrLst/>
+  </dgm:styleLbl>
+  <dgm:styleLbl name="sibTrans2D1">
+    <dgm:fillClrLst meth="repeat">
+      <a:schemeClr val="accent1">
+        <a:tint val="60000"/>
+      </a:schemeClr>
+    </dgm:fillClrLst>
+    <dgm:linClrLst meth="repeat">
+      <a:schemeClr val="accent1">
+        <a:tint val="60000"/>
+      </a:schemeClr>
+    </dgm:linClrLst>
+    <dgm:effectClrLst/>
+    <dgm:txLinClrLst/>
+    <dgm:txFillClrLst/>
+    <dgm:txEffectClrLst/>
+  </dgm:styleLbl>
+  <dgm:styleLbl name="fgSibTrans2D1">
+    <dgm:fillClrLst meth="repeat">
+      <a:schemeClr val="accent1">
+        <a:tint val="60000"/>
+      </a:schemeClr>
+    </dgm:fillClrLst>
+    <dgm:linClrLst meth="repeat">
+      <a:schemeClr val="accent1">
+        <a:tint val="60000"/>
+      </a:schemeClr>
+    </dgm:linClrLst>
+    <dgm:effectClrLst/>
+    <dgm:txLinClrLst/>
+    <dgm:txFillClrLst/>
+    <dgm:txEffectClrLst/>
+  </dgm:styleLbl>
+  <dgm:styleLbl name="bgSibTrans2D1">
+    <dgm:fillClrLst meth="repeat">
+      <a:schemeClr val="accent1">
+        <a:tint val="60000"/>
+      </a:schemeClr>
+    </dgm:fillClrLst>
+    <dgm:linClrLst meth="repeat">
+      <a:schemeClr val="accent1">
+        <a:tint val="60000"/>
+      </a:schemeClr>
+    </dgm:linClrLst>
+    <dgm:effectClrLst/>
+    <dgm:txLinClrLst/>
+    <dgm:txFillClrLst/>
+    <dgm:txEffectClrLst/>
+  </dgm:styleLbl>
+  <dgm:styleLbl name="sibTrans1D1">
+    <dgm:fillClrLst meth="repeat">
+      <a:schemeClr val="accent1"/>
+    </dgm:fillClrLst>
+    <dgm:linClrLst meth="repeat">
+      <a:schemeClr val="accent1"/>
+    </dgm:linClrLst>
+    <dgm:effectClrLst/>
+    <dgm:txLinClrLst/>
+    <dgm:txFillClrLst meth="repeat">
+      <a:schemeClr val="tx1"/>
+    </dgm:txFillClrLst>
+    <dgm:txEffectClrLst/>
+  </dgm:styleLbl>
+  <dgm:styleLbl name="callout">
+    <dgm:fillClrLst meth="repeat">
+      <a:schemeClr val="accent1"/>
+    </dgm:fillClrLst>
+    <dgm:linClrLst meth="repeat">
+      <a:schemeClr val="accent1">
+        <a:tint val="50000"/>
+      </a:schemeClr>
+    </dgm:linClrLst>
+    <dgm:effectClrLst/>
+    <dgm:txLinClrLst/>
+    <dgm:txFillClrLst meth="repeat">
+      <a:schemeClr val="tx1"/>
+    </dgm:txFillClrLst>
+    <dgm:txEffectClrLst/>
+  </dgm:styleLbl>
+  <dgm:styleLbl name="asst0">
+    <dgm:fillClrLst meth="repeat">
+      <a:schemeClr val="accent1"/>
+    </dgm:fillClrLst>
+    <dgm:linClrLst meth="repeat">
+      <a:schemeClr val="lt1"/>
+    </dgm:linClrLst>
+    <dgm:effectClrLst/>
+    <dgm:txLinClrLst/>
+    <dgm:txFillClrLst/>
+    <dgm:txEffectClrLst/>
+  </dgm:styleLbl>
+  <dgm:styleLbl name="asst1">
+    <dgm:fillClrLst meth="repeat">
+      <a:schemeClr val="accent1"/>
+    </dgm:fillClrLst>
+    <dgm:linClrLst meth="repeat">
+      <a:schemeClr val="lt1"/>
+    </dgm:linClrLst>
+    <dgm:effectClrLst/>
+    <dgm:txLinClrLst/>
+    <dgm:txFillClrLst/>
+    <dgm:txEffectClrLst/>
+  </dgm:styleLbl>
+  <dgm:styleLbl name="asst2">
+    <dgm:fillClrLst meth="repeat">
+      <a:schemeClr val="accent1"/>
+    </dgm:fillClrLst>
+    <dgm:linClrLst meth="repeat">
+      <a:schemeClr val="lt1"/>
+    </dgm:linClrLst>
+    <dgm:effectClrLst/>
+    <dgm:txLinClrLst/>
+    <dgm:txFillClrLst/>
+    <dgm:txEffectClrLst/>
+  </dgm:styleLbl>
+  <dgm:styleLbl name="asst3">
+    <dgm:fillClrLst meth="repeat">
+      <a:schemeClr val="accent1"/>
+    </dgm:fillClrLst>
+    <dgm:linClrLst meth="repeat">
+      <a:schemeClr val="lt1"/>
+    </dgm:linClrLst>
+    <dgm:effectClrLst/>
+    <dgm:txLinClrLst/>
+    <dgm:txFillClrLst/>
+    <dgm:txEffectClrLst/>
+  </dgm:styleLbl>
+  <dgm:styleLbl name="asst4">
+    <dgm:fillClrLst meth="repeat">
+      <a:schemeClr val="accent1"/>
+    </dgm:fillClrLst>
+    <dgm:linClrLst meth="repeat">
+      <a:schemeClr val="lt1"/>
+    </dgm:linClrLst>
+    <dgm:effectClrLst/>
+    <dgm:txLinClrLst/>
+    <dgm:txFillClrLst/>
+    <dgm:txEffectClrLst/>
+  </dgm:styleLbl>
+  <dgm:styleLbl name="parChTrans2D1">
+    <dgm:fillClrLst meth="repeat">
+      <a:schemeClr val="accent1">
+        <a:tint val="60000"/>
+      </a:schemeClr>
+    </dgm:fillClrLst>
+    <dgm:linClrLst meth="repeat">
+      <a:schemeClr val="accent1">
+        <a:tint val="60000"/>
+      </a:schemeClr>
+    </dgm:linClrLst>
+    <dgm:effectClrLst/>
+    <dgm:txLinClrLst/>
+    <dgm:txFillClrLst meth="repeat">
+      <a:schemeClr val="lt1"/>
+    </dgm:txFillClrLst>
+    <dgm:txEffectClrLst/>
+  </dgm:styleLbl>
+  <dgm:styleLbl name="parChTrans2D2">
+    <dgm:fillClrLst meth="repeat">
+      <a:schemeClr val="accent1"/>
+    </dgm:fillClrLst>
+    <dgm:linClrLst meth="repeat">
+      <a:schemeClr val="accent1"/>
+    </dgm:linClrLst>
+    <dgm:effectClrLst/>
+    <dgm:txLinClrLst/>
+    <dgm:txFillClrLst meth="repeat">
+      <a:schemeClr val="lt1"/>
+    </dgm:txFillClrLst>
+    <dgm:txEffectClrLst/>
+  </dgm:styleLbl>
+  <dgm:styleLbl name="parChTrans2D3">
+    <dgm:fillClrLst meth="repeat">
+      <a:schemeClr val="accent1"/>
+    </dgm:fillClrLst>
+    <dgm:linClrLst meth="repeat">
+      <a:schemeClr val="accent1"/>
+    </dgm:linClrLst>
+    <dgm:effectClrLst/>
+    <dgm:txLinClrLst/>
+    <dgm:txFillClrLst meth="repeat">
+      <a:schemeClr val="lt1"/>
+    </dgm:txFillClrLst>
+    <dgm:txEffectClrLst/>
+  </dgm:styleLbl>
+  <dgm:styleLbl name="parChTrans2D4">
+    <dgm:fillClrLst meth="repeat">
+      <a:schemeClr val="accent1"/>
+    </dgm:fillClrLst>
+    <dgm:linClrLst meth="repeat">
+      <a:schemeClr val="accent1"/>
+    </dgm:linClrLst>
+    <dgm:effectClrLst/>
+    <dgm:txLinClrLst/>
+    <dgm:txFillClrLst meth="repeat">
+      <a:schemeClr val="lt1"/>
+    </dgm:txFillClrLst>
+    <dgm:txEffectClrLst/>
+  </dgm:styleLbl>
+  <dgm:styleLbl name="parChTrans1D1">
+    <dgm:fillClrLst meth="repeat">
+      <a:schemeClr val="accent1"/>
+    </dgm:fillClrLst>
+    <dgm:linClrLst meth="repeat">
+      <a:schemeClr val="accent1">
+        <a:shade val="60000"/>
+      </a:schemeClr>
+    </dgm:linClrLst>
+    <dgm:effectClrLst/>
+    <dgm:txLinClrLst/>
+    <dgm:txFillClrLst meth="repeat">
+      <a:schemeClr val="tx1"/>
+    </dgm:txFillClrLst>
+    <dgm:txEffectClrLst/>
+  </dgm:styleLbl>
+  <dgm:styleLbl name="parChTrans1D2">
+    <dgm:fillClrLst meth="repeat">
+      <a:schemeClr val="accent1"/>
+    </dgm:fillClrLst>
+    <dgm:linClrLst meth="repeat">
+      <a:schemeClr val="accent1">
+        <a:shade val="60000"/>
+      </a:schemeClr>
+    </dgm:linClrLst>
+    <dgm:effectClrLst/>
+    <dgm:txLinClrLst/>
+    <dgm:txFillClrLst meth="repeat">
+      <a:schemeClr val="tx1"/>
+    </dgm:txFillClrLst>
+    <dgm:txEffectClrLst/>
+  </dgm:styleLbl>
+  <dgm:styleLbl name="parChTrans1D3">
+    <dgm:fillClrLst meth="repeat">
+      <a:schemeClr val="accent1"/>
+    </dgm:fillClrLst>
+    <dgm:linClrLst meth="repeat">
+      <a:schemeClr val="accent1">
+        <a:shade val="80000"/>
+      </a:schemeClr>
+    </dgm:linClrLst>
+    <dgm:effectClrLst/>
+    <dgm:txLinClrLst/>
+    <dgm:txFillClrLst meth="repeat">
+      <a:schemeClr val="tx1"/>
+    </dgm:txFillClrLst>
+    <dgm:txEffectClrLst/>
+  </dgm:styleLbl>
+  <dgm:styleLbl name="parChTrans1D4">
+    <dgm:fillClrLst meth="repeat">
+      <a:schemeClr val="accent1"/>
+    </dgm:fillClrLst>
+    <dgm:linClrLst meth="repeat">
+      <a:schemeClr val="accent1">
+        <a:shade val="80000"/>
+      </a:schemeClr>
+    </dgm:linClrLst>
+    <dgm:effectClrLst/>
+    <dgm:txLinClrLst/>
+    <dgm:txFillClrLst meth="repeat">
+      <a:schemeClr val="tx1"/>
+    </dgm:txFillClrLst>
+    <dgm:txEffectClrLst/>
+  </dgm:styleLbl>
+  <dgm:styleLbl name="fgAcc1">
+    <dgm:fillClrLst meth="repeat">
+      <a:schemeClr val="lt1">
+        <a:alpha val="90000"/>
+      </a:schemeClr>
+    </dgm:fillClrLst>
+    <dgm:linClrLst meth="repeat">
+      <a:schemeClr val="accent1"/>
+    </dgm:linClrLst>
+    <dgm:effectClrLst/>
+    <dgm:txLinClrLst/>
+    <dgm:txFillClrLst meth="repeat">
+      <a:schemeClr val="dk1"/>
+    </dgm:txFillClrLst>
+    <dgm:txEffectClrLst/>
+  </dgm:styleLbl>
+  <dgm:styleLbl name="conFgAcc1">
+    <dgm:fillClrLst meth="repeat">
+      <a:schemeClr val="lt1">
+        <a:alpha val="90000"/>
+      </a:schemeClr>
+    </dgm:fillClrLst>
+    <dgm:linClrLst meth="repeat">
+      <a:schemeClr val="accent1"/>
+    </dgm:linClrLst>
+    <dgm:effectClrLst/>
+    <dgm:txLinClrLst/>
+    <dgm:txFillClrLst meth="repeat">
+      <a:schemeClr val="dk1"/>
+    </dgm:txFillClrLst>
+    <dgm:txEffectClrLst/>
+  </dgm:styleLbl>
+  <dgm:styleLbl name="alignAcc1">
+    <dgm:fillClrLst meth="repeat">
+      <a:schemeClr val="lt1">
+        <a:alpha val="90000"/>
+      </a:schemeClr>
+    </dgm:fillClrLst>
+    <dgm:linClrLst meth="repeat">
+      <a:schemeClr val="accent1"/>
+    </dgm:linClrLst>
+    <dgm:effectClrLst/>
+    <dgm:txLinClrLst/>
+    <dgm:txFillClrLst meth="repeat">
+      <a:schemeClr val="dk1"/>
+    </dgm:txFillClrLst>
+    <dgm:txEffectClrLst/>
+  </dgm:styleLbl>
+  <dgm:styleLbl name="trAlignAcc1">
+    <dgm:fillClrLst meth="repeat">
+      <a:schemeClr val="lt1">
+        <a:alpha val="40000"/>
+      </a:schemeClr>
+    </dgm:fillClrLst>
+    <dgm:linClrLst meth="repeat">
+      <a:schemeClr val="accent1"/>
+    </dgm:linClrLst>
+    <dgm:effectClrLst/>
+    <dgm:txLinClrLst/>
+    <dgm:txFillClrLst meth="repeat">
+      <a:schemeClr val="dk1"/>
+    </dgm:txFillClrLst>
+    <dgm:txEffectClrLst/>
+  </dgm:styleLbl>
+  <dgm:styleLbl name="bgAcc1">
+    <dgm:fillClrLst meth="repeat">
+      <a:schemeClr val="lt1">
+        <a:alpha val="90000"/>
+      </a:schemeClr>
+    </dgm:fillClrLst>
+    <dgm:linClrLst meth="repeat">
+      <a:schemeClr val="accent1"/>
+    </dgm:linClrLst>
+    <dgm:effectClrLst/>
+    <dgm:txLinClrLst/>
+    <dgm:txFillClrLst meth="repeat">
+      <a:schemeClr val="dk1"/>
+    </dgm:txFillClrLst>
+    <dgm:txEffectClrLst/>
+  </dgm:styleLbl>
+  <dgm:styleLbl name="solidFgAcc1">
+    <dgm:fillClrLst meth="repeat">
+      <a:schemeClr val="lt1"/>
+    </dgm:fillClrLst>
+    <dgm:linClrLst meth="repeat">
+      <a:schemeClr val="accent1"/>
+    </dgm:linClrLst>
+    <dgm:effectClrLst/>
+    <dgm:txLinClrLst/>
+    <dgm:txFillClrLst meth="repeat">
+      <a:schemeClr val="dk1"/>
+    </dgm:txFillClrLst>
+    <dgm:txEffectClrLst/>
+  </dgm:styleLbl>
+  <dgm:styleLbl name="solidAlignAcc1">
+    <dgm:fillClrLst meth="repeat">
+      <a:schemeClr val="lt1"/>
+    </dgm:fillClrLst>
+    <dgm:linClrLst meth="repeat">
+      <a:schemeClr val="accent1"/>
+    </dgm:linClrLst>
+    <dgm:effectClrLst/>
+    <dgm:txLinClrLst/>
+    <dgm:txFillClrLst meth="repeat">
+      <a:schemeClr val="dk1"/>
+    </dgm:txFillClrLst>
+    <dgm:txEffectClrLst/>
+  </dgm:styleLbl>
+  <dgm:styleLbl name="solidBgAcc1">
+    <dgm:fillClrLst meth="repeat">
+      <a:schemeClr val="lt1"/>
+    </dgm:fillClrLst>
+    <dgm:linClrLst meth="repeat">
+      <a:schemeClr val="accent1"/>
+    </dgm:linClrLst>
+    <dgm:effectClrLst/>
+    <dgm:txLinClrLst/>
+    <dgm:txFillClrLst meth="repeat">
+      <a:schemeClr val="dk1"/>
+    </dgm:txFillClrLst>
+    <dgm:txEffectClrLst/>
+  </dgm:styleLbl>
+  <dgm:styleLbl name="fgAccFollowNode1">
+    <dgm:fillClrLst meth="repeat">
+      <a:schemeClr val="accent1">
+        <a:alpha val="90000"/>
+        <a:tint val="40000"/>
+      </a:schemeClr>
+    </dgm:fillClrLst>
+    <dgm:linClrLst meth="repeat">
+      <a:schemeClr val="accent1">
+        <a:alpha val="90000"/>
+        <a:tint val="40000"/>
+      </a:schemeClr>
+    </dgm:linClrLst>
+    <dgm:effectClrLst/>
+    <dgm:txLinClrLst/>
+    <dgm:txFillClrLst meth="repeat">
+      <a:schemeClr val="dk1"/>
+    </dgm:txFillClrLst>
+    <dgm:txEffectClrLst/>
+  </dgm:styleLbl>
+  <dgm:styleLbl name="alignAccFollowNode1">
+    <dgm:fillClrLst meth="repeat">
+      <a:schemeClr val="accent1">
+        <a:alpha val="90000"/>
+        <a:tint val="40000"/>
+      </a:schemeClr>
+    </dgm:fillClrLst>
+    <dgm:linClrLst meth="repeat">
+      <a:schemeClr val="accent1">
+        <a:alpha val="90000"/>
+        <a:tint val="40000"/>
+      </a:schemeClr>
+    </dgm:linClrLst>
+    <dgm:effectClrLst/>
+    <dgm:txLinClrLst/>
+    <dgm:txFillClrLst meth="repeat">
+      <a:schemeClr val="dk1"/>
+    </dgm:txFillClrLst>
+    <dgm:txEffectClrLst/>
+  </dgm:styleLbl>
+  <dgm:styleLbl name="bgAccFollowNode1">
+    <dgm:fillClrLst meth="repeat">
+      <a:schemeClr val="accent1">
+        <a:alpha val="90000"/>
+        <a:tint val="40000"/>
+      </a:schemeClr>
+    </dgm:fillClrLst>
+    <dgm:linClrLst meth="repeat">
+      <a:schemeClr val="accent1">
+        <a:alpha val="90000"/>
+        <a:tint val="40000"/>
+      </a:schemeClr>
+    </dgm:linClrLst>
+    <dgm:effectClrLst/>
+    <dgm:txLinClrLst/>
+    <dgm:txFillClrLst meth="repeat">
+      <a:schemeClr val="dk1"/>
+    </dgm:txFillClrLst>
+    <dgm:txEffectClrLst/>
+  </dgm:styleLbl>
+  <dgm:styleLbl name="fgAcc0">
+    <dgm:fillClrLst meth="repeat">
+      <a:schemeClr val="lt1">
+        <a:alpha val="90000"/>
+      </a:schemeClr>
+    </dgm:fillClrLst>
+    <dgm:linClrLst meth="repeat">
+      <a:schemeClr val="accent1"/>
+    </dgm:linClrLst>
+    <dgm:effectClrLst/>
+    <dgm:txLinClrLst/>
+    <dgm:txFillClrLst meth="repeat">
+      <a:schemeClr val="dk1"/>
+    </dgm:txFillClrLst>
+    <dgm:txEffectClrLst/>
+  </dgm:styleLbl>
+  <dgm:styleLbl name="fgAcc2">
+    <dgm:fillClrLst meth="repeat">
+      <a:schemeClr val="lt1">
+        <a:alpha val="90000"/>
+      </a:schemeClr>
+    </dgm:fillClrLst>
+    <dgm:linClrLst meth="repeat">
+      <a:schemeClr val="accent1"/>
+    </dgm:linClrLst>
+    <dgm:effectClrLst/>
+    <dgm:txLinClrLst/>
+    <dgm:txFillClrLst meth="repeat">
+      <a:schemeClr val="dk1"/>
+    </dgm:txFillClrLst>
+    <dgm:txEffectClrLst/>
+  </dgm:styleLbl>
+  <dgm:styleLbl name="fgAcc3">
+    <dgm:fillClrLst meth="repeat">
+      <a:schemeClr val="lt1">
+        <a:alpha val="90000"/>
+      </a:schemeClr>
+    </dgm:fillClrLst>
+    <dgm:linClrLst meth="repeat">
+      <a:schemeClr val="accent1"/>
+    </dgm:linClrLst>
+    <dgm:effectClrLst/>
+    <dgm:txLinClrLst/>
+    <dgm:txFillClrLst meth="repeat">
+      <a:schemeClr val="dk1"/>
+    </dgm:txFillClrLst>
+    <dgm:txEffectClrLst/>
+  </dgm:styleLbl>
+  <dgm:styleLbl name="fgAcc4">
+    <dgm:fillClrLst meth="repeat">
+      <a:schemeClr val="lt1">
+        <a:alpha val="90000"/>
+      </a:schemeClr>
+    </dgm:fillClrLst>
+    <dgm:linClrLst meth="repeat">
+      <a:schemeClr val="accent1"/>
+    </dgm:linClrLst>
+    <dgm:effectClrLst/>
+    <dgm:txLinClrLst/>
+    <dgm:txFillClrLst meth="repeat">
+      <a:schemeClr val="dk1"/>
+    </dgm:txFillClrLst>
+    <dgm:txEffectClrLst/>
+  </dgm:styleLbl>
+  <dgm:styleLbl name="bgShp">
+    <dgm:fillClrLst meth="repeat">
+      <a:schemeClr val="accent1">
+        <a:tint val="40000"/>
+      </a:schemeClr>
+    </dgm:fillClrLst>
+    <dgm:linClrLst meth="repeat">
+      <a:schemeClr val="accent1"/>
+    </dgm:linClrLst>
+    <dgm:effectClrLst/>
+    <dgm:txLinClrLst/>
+    <dgm:txFillClrLst meth="repeat">
+      <a:schemeClr val="dk1"/>
+    </dgm:txFillClrLst>
+    <dgm:txEffectClrLst/>
+  </dgm:styleLbl>
+  <dgm:styleLbl name="dkBgShp">
+    <dgm:fillClrLst meth="repeat">
+      <a:schemeClr val="accent1">
+        <a:shade val="80000"/>
+      </a:schemeClr>
+    </dgm:fillClrLst>
+    <dgm:linClrLst meth="repeat">
+      <a:schemeClr val="accent1"/>
+    </dgm:linClrLst>
+    <dgm:effectClrLst/>
+    <dgm:txLinClrLst/>
+    <dgm:txFillClrLst meth="repeat">
+      <a:schemeClr val="lt1"/>
+    </dgm:txFillClrLst>
+    <dgm:txEffectClrLst/>
+  </dgm:styleLbl>
+  <dgm:styleLbl name="trBgShp">
+    <dgm:fillClrLst meth="repeat">
+      <a:schemeClr val="accent1">
+        <a:tint val="50000"/>
+        <a:alpha val="40000"/>
+      </a:schemeClr>
+    </dgm:fillClrLst>
+    <dgm:linClrLst meth="repeat">
+      <a:schemeClr val="accent1"/>
+    </dgm:linClrLst>
+    <dgm:effectClrLst/>
+    <dgm:txLinClrLst/>
+    <dgm:txFillClrLst meth="repeat">
+      <a:schemeClr val="lt1"/>
+    </dgm:txFillClrLst>
+    <dgm:txEffectClrLst/>
+  </dgm:styleLbl>
+  <dgm:styleLbl name="fgShp">
+    <dgm:fillClrLst meth="repeat">
+      <a:schemeClr val="accent1">
+        <a:tint val="60000"/>
+      </a:schemeClr>
+    </dgm:fillClrLst>
+    <dgm:linClrLst meth="repeat">
+      <a:schemeClr val="lt1"/>
+    </dgm:linClrLst>
+    <dgm:effectClrLst/>
+    <dgm:txLinClrLst/>
+    <dgm:txFillClrLst meth="repeat">
+      <a:schemeClr val="dk1"/>
+    </dgm:txFillClrLst>
+    <dgm:txEffectClrLst/>
+  </dgm:styleLbl>
+  <dgm:styleLbl name="revTx">
+    <dgm:fillClrLst meth="repeat">
+      <a:schemeClr val="lt1">
+        <a:alpha val="0"/>
+      </a:schemeClr>
+    </dgm:fillClrLst>
+    <dgm:linClrLst meth="repeat">
+      <a:schemeClr val="dk1">
+        <a:alpha val="0"/>
+      </a:schemeClr>
+    </dgm:linClrLst>
+    <dgm:effectClrLst/>
+    <dgm:txLinClrLst/>
+    <dgm:txFillClrLst meth="repeat">
+      <a:schemeClr val="tx1"/>
+    </dgm:txFillClrLst>
+    <dgm:txEffectClrLst/>
+  </dgm:styleLbl>
+</dgm:colorsDef>
+</file>
+
+<file path=ppt/diagrams/colors2.xml><?xml version="1.0" encoding="utf-8"?>
 <dgm:colorsDef xmlns:dgm="http://schemas.openxmlformats.org/drawingml/2006/diagram" xmlns:a="http://schemas.openxmlformats.org/drawingml/2006/main" uniqueId="urn:microsoft.com/office/officeart/2005/8/colors/accent1_2">
   <dgm:title val=""/>
   <dgm:desc val=""/>
@@ -1182,6 +1937,266 @@
     <dgm:cxn modelId="{21A09E89-3567-412D-A21C-E4C74488CC86}" type="presParOf" srcId="{8DAB9D6D-E70F-4EF1-BAC4-D7D711C4E588}" destId="{68764195-D643-46B0-A90B-7F2135943B99}" srcOrd="7" destOrd="0" presId="urn:microsoft.com/office/officeart/2008/layout/VerticalCurvedList"/>
     <dgm:cxn modelId="{6C4E5F3A-C6DF-481A-BDB7-0840BF00E71D}" type="presParOf" srcId="{8DAB9D6D-E70F-4EF1-BAC4-D7D711C4E588}" destId="{7C4877EF-2501-4F64-9A6F-5DC17D771404}" srcOrd="8" destOrd="0" presId="urn:microsoft.com/office/officeart/2008/layout/VerticalCurvedList"/>
     <dgm:cxn modelId="{F4301B97-6CA4-4174-BDA5-5E014718DEAA}" type="presParOf" srcId="{7C4877EF-2501-4F64-9A6F-5DC17D771404}" destId="{34F06E88-32DB-48B4-ADAB-B895D227F493}" srcOrd="0" destOrd="0" presId="urn:microsoft.com/office/officeart/2008/layout/VerticalCurvedList"/>
+  </dgm:cxnLst>
+  <dgm:bg/>
+  <dgm:whole/>
+  <dgm:extLst>
+    <a:ext uri="http://schemas.microsoft.com/office/drawing/2008/diagram">
+      <dsp:dataModelExt xmlns:dsp="http://schemas.microsoft.com/office/drawing/2008/diagram" relId="rId6" minVer="http://schemas.openxmlformats.org/drawingml/2006/diagram"/>
+    </a:ext>
+  </dgm:extLst>
+</dgm:dataModel>
+</file>
+
+<file path=ppt/diagrams/data2.xml><?xml version="1.0" encoding="utf-8"?>
+<dgm:dataModel xmlns:dgm="http://schemas.openxmlformats.org/drawingml/2006/diagram" xmlns:a="http://schemas.openxmlformats.org/drawingml/2006/main">
+  <dgm:ptLst>
+    <dgm:pt modelId="{54094BEC-6369-4211-B012-9EE825790101}" type="doc">
+      <dgm:prSet loTypeId="urn:microsoft.com/office/officeart/2008/layout/VerticalCurvedList" loCatId="list" qsTypeId="urn:microsoft.com/office/officeart/2005/8/quickstyle/simple1" qsCatId="simple" csTypeId="urn:microsoft.com/office/officeart/2005/8/colors/accent1_2" csCatId="accent1" phldr="1"/>
+      <dgm:spPr/>
+      <dgm:t>
+        <a:bodyPr/>
+        <a:lstStyle/>
+        <a:p>
+          <a:endParaRPr lang="es-ES"/>
+        </a:p>
+      </dgm:t>
+    </dgm:pt>
+    <dgm:pt modelId="{950F7666-65DE-4C50-8BC9-0B7B81BE9FFE}">
+      <dgm:prSet phldrT="[Texto]"/>
+      <dgm:spPr>
+        <a:solidFill>
+          <a:srgbClr val="004AAD"/>
+        </a:solidFill>
+      </dgm:spPr>
+      <dgm:t>
+        <a:bodyPr/>
+        <a:lstStyle/>
+        <a:p>
+          <a:r>
+            <a:rPr lang="es-ES" dirty="0"/>
+            <a:t>Las malas valoraciones son un buen indicador de la intención de renuncia de los empleados. Prestar especial atención a aquellos empleados donde su nivel de satisfacción haya bajado de una evaluación a otra.</a:t>
+          </a:r>
+        </a:p>
+      </dgm:t>
+    </dgm:pt>
+    <dgm:pt modelId="{048E66F7-8BA5-4CE5-82BA-0BE5302AB000}" type="parTrans" cxnId="{85FE23CF-8840-4C9A-B9E5-F290F5651494}">
+      <dgm:prSet/>
+      <dgm:spPr/>
+      <dgm:t>
+        <a:bodyPr/>
+        <a:lstStyle/>
+        <a:p>
+          <a:endParaRPr lang="es-ES"/>
+        </a:p>
+      </dgm:t>
+    </dgm:pt>
+    <dgm:pt modelId="{9348E62C-F081-42E7-875F-96B6BC7F3E7B}" type="sibTrans" cxnId="{85FE23CF-8840-4C9A-B9E5-F290F5651494}">
+      <dgm:prSet/>
+      <dgm:spPr/>
+      <dgm:t>
+        <a:bodyPr/>
+        <a:lstStyle/>
+        <a:p>
+          <a:endParaRPr lang="es-ES"/>
+        </a:p>
+      </dgm:t>
+    </dgm:pt>
+    <dgm:pt modelId="{170F6FEB-983B-44D2-B0BC-CF52C32EE9BE}">
+      <dgm:prSet phldrT="[Texto]"/>
+      <dgm:spPr>
+        <a:solidFill>
+          <a:srgbClr val="F4EEDC"/>
+        </a:solidFill>
+      </dgm:spPr>
+      <dgm:t>
+        <a:bodyPr/>
+        <a:lstStyle/>
+        <a:p>
+          <a:r>
+            <a:rPr lang="es-ES" dirty="0">
+              <a:solidFill>
+                <a:sysClr val="windowText" lastClr="000000"/>
+              </a:solidFill>
+            </a:rPr>
+            <a:t>Evaluar los cambios realizados desde la última evaluación, ya que los empleados han pasado de valorar positivamente hacer más proyectos a valorarlo negativamente.</a:t>
+          </a:r>
+        </a:p>
+      </dgm:t>
+    </dgm:pt>
+    <dgm:pt modelId="{FB9851E9-27D9-494C-9FAE-AEFC2F6C183B}" type="parTrans" cxnId="{3A07EFFD-88A4-4FE7-8010-C414508AEE4C}">
+      <dgm:prSet/>
+      <dgm:spPr/>
+      <dgm:t>
+        <a:bodyPr/>
+        <a:lstStyle/>
+        <a:p>
+          <a:endParaRPr lang="es-ES"/>
+        </a:p>
+      </dgm:t>
+    </dgm:pt>
+    <dgm:pt modelId="{10A48156-7294-4E8D-A624-259CE132B72A}" type="sibTrans" cxnId="{3A07EFFD-88A4-4FE7-8010-C414508AEE4C}">
+      <dgm:prSet/>
+      <dgm:spPr/>
+      <dgm:t>
+        <a:bodyPr/>
+        <a:lstStyle/>
+        <a:p>
+          <a:endParaRPr lang="es-ES"/>
+        </a:p>
+      </dgm:t>
+    </dgm:pt>
+    <dgm:pt modelId="{9859CC96-4C9E-44A0-BF34-3EEB46EBA64F}">
+      <dgm:prSet phldrT="[Texto]"/>
+      <dgm:spPr>
+        <a:solidFill>
+          <a:srgbClr val="5BB7C3"/>
+        </a:solidFill>
+      </dgm:spPr>
+      <dgm:t>
+        <a:bodyPr/>
+        <a:lstStyle/>
+        <a:p>
+          <a:r>
+            <a:rPr lang="es-ES" dirty="0">
+              <a:solidFill>
+                <a:sysClr val="windowText" lastClr="000000"/>
+              </a:solidFill>
+            </a:rPr>
+            <a:t>Evaluar la política de promoción ya que un mayor puesto de trabajo no supone mayor satisfacción con la empresa</a:t>
+          </a:r>
+        </a:p>
+      </dgm:t>
+    </dgm:pt>
+    <dgm:pt modelId="{37088F97-EAA2-45F1-9692-7D249A035907}" type="parTrans" cxnId="{2F6C4D3A-9AC0-4501-BDC1-6B0E6CCC6574}">
+      <dgm:prSet/>
+      <dgm:spPr/>
+      <dgm:t>
+        <a:bodyPr/>
+        <a:lstStyle/>
+        <a:p>
+          <a:endParaRPr lang="es-ES"/>
+        </a:p>
+      </dgm:t>
+    </dgm:pt>
+    <dgm:pt modelId="{B3422539-006A-4910-A3B5-AB2C491C8183}" type="sibTrans" cxnId="{2F6C4D3A-9AC0-4501-BDC1-6B0E6CCC6574}">
+      <dgm:prSet/>
+      <dgm:spPr/>
+      <dgm:t>
+        <a:bodyPr/>
+        <a:lstStyle/>
+        <a:p>
+          <a:endParaRPr lang="es-ES"/>
+        </a:p>
+      </dgm:t>
+    </dgm:pt>
+    <dgm:pt modelId="{DD6837D8-CE89-4E95-A754-0B3F3042C351}" type="pres">
+      <dgm:prSet presAssocID="{54094BEC-6369-4211-B012-9EE825790101}" presName="Name0" presStyleCnt="0">
+        <dgm:presLayoutVars>
+          <dgm:chMax val="7"/>
+          <dgm:chPref val="7"/>
+          <dgm:dir/>
+        </dgm:presLayoutVars>
+      </dgm:prSet>
+      <dgm:spPr/>
+    </dgm:pt>
+    <dgm:pt modelId="{8DAB9D6D-E70F-4EF1-BAC4-D7D711C4E588}" type="pres">
+      <dgm:prSet presAssocID="{54094BEC-6369-4211-B012-9EE825790101}" presName="Name1" presStyleCnt="0"/>
+      <dgm:spPr/>
+    </dgm:pt>
+    <dgm:pt modelId="{A8660876-7C5B-4006-B530-47F07689E55F}" type="pres">
+      <dgm:prSet presAssocID="{54094BEC-6369-4211-B012-9EE825790101}" presName="cycle" presStyleCnt="0"/>
+      <dgm:spPr/>
+    </dgm:pt>
+    <dgm:pt modelId="{C087DDF0-0B41-450D-86B7-534AE16F3DD4}" type="pres">
+      <dgm:prSet presAssocID="{54094BEC-6369-4211-B012-9EE825790101}" presName="srcNode" presStyleLbl="node1" presStyleIdx="0" presStyleCnt="3"/>
+      <dgm:spPr/>
+    </dgm:pt>
+    <dgm:pt modelId="{B3A48F01-ECC5-4276-8716-F835C935E1F9}" type="pres">
+      <dgm:prSet presAssocID="{54094BEC-6369-4211-B012-9EE825790101}" presName="conn" presStyleLbl="parChTrans1D2" presStyleIdx="0" presStyleCnt="1"/>
+      <dgm:spPr/>
+    </dgm:pt>
+    <dgm:pt modelId="{045F3F6A-C716-451D-93D4-F6118B6B86B4}" type="pres">
+      <dgm:prSet presAssocID="{54094BEC-6369-4211-B012-9EE825790101}" presName="extraNode" presStyleLbl="node1" presStyleIdx="0" presStyleCnt="3"/>
+      <dgm:spPr/>
+    </dgm:pt>
+    <dgm:pt modelId="{F331BB2A-0949-4539-B0FA-DA542C775CEA}" type="pres">
+      <dgm:prSet presAssocID="{54094BEC-6369-4211-B012-9EE825790101}" presName="dstNode" presStyleLbl="node1" presStyleIdx="0" presStyleCnt="3"/>
+      <dgm:spPr/>
+    </dgm:pt>
+    <dgm:pt modelId="{61E01A78-5B87-4B2C-9303-688B5B2C40D7}" type="pres">
+      <dgm:prSet presAssocID="{950F7666-65DE-4C50-8BC9-0B7B81BE9FFE}" presName="text_1" presStyleLbl="node1" presStyleIdx="0" presStyleCnt="3">
+        <dgm:presLayoutVars>
+          <dgm:bulletEnabled val="1"/>
+        </dgm:presLayoutVars>
+      </dgm:prSet>
+      <dgm:spPr/>
+    </dgm:pt>
+    <dgm:pt modelId="{A5E9309F-FB08-4D9B-8AF1-C470ED28EAD0}" type="pres">
+      <dgm:prSet presAssocID="{950F7666-65DE-4C50-8BC9-0B7B81BE9FFE}" presName="accent_1" presStyleCnt="0"/>
+      <dgm:spPr/>
+    </dgm:pt>
+    <dgm:pt modelId="{C8FA9378-E2E4-48CE-8853-C66905EA926C}" type="pres">
+      <dgm:prSet presAssocID="{950F7666-65DE-4C50-8BC9-0B7B81BE9FFE}" presName="accentRepeatNode" presStyleLbl="solidFgAcc1" presStyleIdx="0" presStyleCnt="3"/>
+      <dgm:spPr/>
+    </dgm:pt>
+    <dgm:pt modelId="{275FCFCC-8ACF-4F5B-ACD1-284195E49BE7}" type="pres">
+      <dgm:prSet presAssocID="{170F6FEB-983B-44D2-B0BC-CF52C32EE9BE}" presName="text_2" presStyleLbl="node1" presStyleIdx="1" presStyleCnt="3">
+        <dgm:presLayoutVars>
+          <dgm:bulletEnabled val="1"/>
+        </dgm:presLayoutVars>
+      </dgm:prSet>
+      <dgm:spPr/>
+    </dgm:pt>
+    <dgm:pt modelId="{F6757BB3-2F7C-4CF9-BF6A-4C774F610D49}" type="pres">
+      <dgm:prSet presAssocID="{170F6FEB-983B-44D2-B0BC-CF52C32EE9BE}" presName="accent_2" presStyleCnt="0"/>
+      <dgm:spPr/>
+    </dgm:pt>
+    <dgm:pt modelId="{D24BD180-4A8B-46C9-B832-D1A348E1267A}" type="pres">
+      <dgm:prSet presAssocID="{170F6FEB-983B-44D2-B0BC-CF52C32EE9BE}" presName="accentRepeatNode" presStyleLbl="solidFgAcc1" presStyleIdx="1" presStyleCnt="3"/>
+      <dgm:spPr/>
+    </dgm:pt>
+    <dgm:pt modelId="{92E73AFA-1726-4FCA-905C-3C45F37F2F64}" type="pres">
+      <dgm:prSet presAssocID="{9859CC96-4C9E-44A0-BF34-3EEB46EBA64F}" presName="text_3" presStyleLbl="node1" presStyleIdx="2" presStyleCnt="3">
+        <dgm:presLayoutVars>
+          <dgm:bulletEnabled val="1"/>
+        </dgm:presLayoutVars>
+      </dgm:prSet>
+      <dgm:spPr/>
+    </dgm:pt>
+    <dgm:pt modelId="{F4AC269F-80E4-4135-BC72-BBD97C2DD975}" type="pres">
+      <dgm:prSet presAssocID="{9859CC96-4C9E-44A0-BF34-3EEB46EBA64F}" presName="accent_3" presStyleCnt="0"/>
+      <dgm:spPr/>
+    </dgm:pt>
+    <dgm:pt modelId="{00EB0D90-24AF-4119-AFBB-FA179213F8CB}" type="pres">
+      <dgm:prSet presAssocID="{9859CC96-4C9E-44A0-BF34-3EEB46EBA64F}" presName="accentRepeatNode" presStyleLbl="solidFgAcc1" presStyleIdx="2" presStyleCnt="3"/>
+      <dgm:spPr/>
+    </dgm:pt>
+  </dgm:ptLst>
+  <dgm:cxnLst>
+    <dgm:cxn modelId="{15F9E221-22CF-41B8-8410-54AF9F0D472D}" type="presOf" srcId="{9859CC96-4C9E-44A0-BF34-3EEB46EBA64F}" destId="{92E73AFA-1726-4FCA-905C-3C45F37F2F64}" srcOrd="0" destOrd="0" presId="urn:microsoft.com/office/officeart/2008/layout/VerticalCurvedList"/>
+    <dgm:cxn modelId="{2F6C4D3A-9AC0-4501-BDC1-6B0E6CCC6574}" srcId="{54094BEC-6369-4211-B012-9EE825790101}" destId="{9859CC96-4C9E-44A0-BF34-3EEB46EBA64F}" srcOrd="2" destOrd="0" parTransId="{37088F97-EAA2-45F1-9692-7D249A035907}" sibTransId="{B3422539-006A-4910-A3B5-AB2C491C8183}"/>
+    <dgm:cxn modelId="{8D1ED868-B194-494D-802F-477991820E0A}" type="presOf" srcId="{54094BEC-6369-4211-B012-9EE825790101}" destId="{DD6837D8-CE89-4E95-A754-0B3F3042C351}" srcOrd="0" destOrd="0" presId="urn:microsoft.com/office/officeart/2008/layout/VerticalCurvedList"/>
+    <dgm:cxn modelId="{A121F385-D3E9-476E-A2CE-5FD36E44E04F}" type="presOf" srcId="{170F6FEB-983B-44D2-B0BC-CF52C32EE9BE}" destId="{275FCFCC-8ACF-4F5B-ACD1-284195E49BE7}" srcOrd="0" destOrd="0" presId="urn:microsoft.com/office/officeart/2008/layout/VerticalCurvedList"/>
+    <dgm:cxn modelId="{41831993-D7E5-4EBC-958D-6E42F189F494}" type="presOf" srcId="{9348E62C-F081-42E7-875F-96B6BC7F3E7B}" destId="{B3A48F01-ECC5-4276-8716-F835C935E1F9}" srcOrd="0" destOrd="0" presId="urn:microsoft.com/office/officeart/2008/layout/VerticalCurvedList"/>
+    <dgm:cxn modelId="{C0DCF493-65D4-434C-976F-CA02004C42C4}" type="presOf" srcId="{950F7666-65DE-4C50-8BC9-0B7B81BE9FFE}" destId="{61E01A78-5B87-4B2C-9303-688B5B2C40D7}" srcOrd="0" destOrd="0" presId="urn:microsoft.com/office/officeart/2008/layout/VerticalCurvedList"/>
+    <dgm:cxn modelId="{85FE23CF-8840-4C9A-B9E5-F290F5651494}" srcId="{54094BEC-6369-4211-B012-9EE825790101}" destId="{950F7666-65DE-4C50-8BC9-0B7B81BE9FFE}" srcOrd="0" destOrd="0" parTransId="{048E66F7-8BA5-4CE5-82BA-0BE5302AB000}" sibTransId="{9348E62C-F081-42E7-875F-96B6BC7F3E7B}"/>
+    <dgm:cxn modelId="{3A07EFFD-88A4-4FE7-8010-C414508AEE4C}" srcId="{54094BEC-6369-4211-B012-9EE825790101}" destId="{170F6FEB-983B-44D2-B0BC-CF52C32EE9BE}" srcOrd="1" destOrd="0" parTransId="{FB9851E9-27D9-494C-9FAE-AEFC2F6C183B}" sibTransId="{10A48156-7294-4E8D-A624-259CE132B72A}"/>
+    <dgm:cxn modelId="{693E0464-FE44-4B3F-A564-DD96F95DD51E}" type="presParOf" srcId="{DD6837D8-CE89-4E95-A754-0B3F3042C351}" destId="{8DAB9D6D-E70F-4EF1-BAC4-D7D711C4E588}" srcOrd="0" destOrd="0" presId="urn:microsoft.com/office/officeart/2008/layout/VerticalCurvedList"/>
+    <dgm:cxn modelId="{1EFBC227-A921-425D-819E-F9D8FC535FEE}" type="presParOf" srcId="{8DAB9D6D-E70F-4EF1-BAC4-D7D711C4E588}" destId="{A8660876-7C5B-4006-B530-47F07689E55F}" srcOrd="0" destOrd="0" presId="urn:microsoft.com/office/officeart/2008/layout/VerticalCurvedList"/>
+    <dgm:cxn modelId="{A05A6534-5BE6-4845-87C5-F6C85AC1184B}" type="presParOf" srcId="{A8660876-7C5B-4006-B530-47F07689E55F}" destId="{C087DDF0-0B41-450D-86B7-534AE16F3DD4}" srcOrd="0" destOrd="0" presId="urn:microsoft.com/office/officeart/2008/layout/VerticalCurvedList"/>
+    <dgm:cxn modelId="{E92B0B9D-5AE5-4E95-9867-D21B7C56E632}" type="presParOf" srcId="{A8660876-7C5B-4006-B530-47F07689E55F}" destId="{B3A48F01-ECC5-4276-8716-F835C935E1F9}" srcOrd="1" destOrd="0" presId="urn:microsoft.com/office/officeart/2008/layout/VerticalCurvedList"/>
+    <dgm:cxn modelId="{DC96BCED-14D7-4792-988B-7C89F43E3A45}" type="presParOf" srcId="{A8660876-7C5B-4006-B530-47F07689E55F}" destId="{045F3F6A-C716-451D-93D4-F6118B6B86B4}" srcOrd="2" destOrd="0" presId="urn:microsoft.com/office/officeart/2008/layout/VerticalCurvedList"/>
+    <dgm:cxn modelId="{74C35E73-6B3E-4366-876C-735334FE4846}" type="presParOf" srcId="{A8660876-7C5B-4006-B530-47F07689E55F}" destId="{F331BB2A-0949-4539-B0FA-DA542C775CEA}" srcOrd="3" destOrd="0" presId="urn:microsoft.com/office/officeart/2008/layout/VerticalCurvedList"/>
+    <dgm:cxn modelId="{7143C178-FB51-4D9A-89B3-921DABBA4F07}" type="presParOf" srcId="{8DAB9D6D-E70F-4EF1-BAC4-D7D711C4E588}" destId="{61E01A78-5B87-4B2C-9303-688B5B2C40D7}" srcOrd="1" destOrd="0" presId="urn:microsoft.com/office/officeart/2008/layout/VerticalCurvedList"/>
+    <dgm:cxn modelId="{C18D2C34-B597-493F-8332-2E2C036977D8}" type="presParOf" srcId="{8DAB9D6D-E70F-4EF1-BAC4-D7D711C4E588}" destId="{A5E9309F-FB08-4D9B-8AF1-C470ED28EAD0}" srcOrd="2" destOrd="0" presId="urn:microsoft.com/office/officeart/2008/layout/VerticalCurvedList"/>
+    <dgm:cxn modelId="{6088CAAA-95C4-43BA-83A7-C421FDD569AE}" type="presParOf" srcId="{A5E9309F-FB08-4D9B-8AF1-C470ED28EAD0}" destId="{C8FA9378-E2E4-48CE-8853-C66905EA926C}" srcOrd="0" destOrd="0" presId="urn:microsoft.com/office/officeart/2008/layout/VerticalCurvedList"/>
+    <dgm:cxn modelId="{60FAB984-DEB1-4940-A790-C1160B24A2D2}" type="presParOf" srcId="{8DAB9D6D-E70F-4EF1-BAC4-D7D711C4E588}" destId="{275FCFCC-8ACF-4F5B-ACD1-284195E49BE7}" srcOrd="3" destOrd="0" presId="urn:microsoft.com/office/officeart/2008/layout/VerticalCurvedList"/>
+    <dgm:cxn modelId="{E7388DF8-6707-43FA-A60A-7429370C0F06}" type="presParOf" srcId="{8DAB9D6D-E70F-4EF1-BAC4-D7D711C4E588}" destId="{F6757BB3-2F7C-4CF9-BF6A-4C774F610D49}" srcOrd="4" destOrd="0" presId="urn:microsoft.com/office/officeart/2008/layout/VerticalCurvedList"/>
+    <dgm:cxn modelId="{46E1DA27-7018-48B6-AA0D-55A47A38B601}" type="presParOf" srcId="{F6757BB3-2F7C-4CF9-BF6A-4C774F610D49}" destId="{D24BD180-4A8B-46C9-B832-D1A348E1267A}" srcOrd="0" destOrd="0" presId="urn:microsoft.com/office/officeart/2008/layout/VerticalCurvedList"/>
+    <dgm:cxn modelId="{00BF7D8A-8C02-435A-B564-C67135F4EC65}" type="presParOf" srcId="{8DAB9D6D-E70F-4EF1-BAC4-D7D711C4E588}" destId="{92E73AFA-1726-4FCA-905C-3C45F37F2F64}" srcOrd="5" destOrd="0" presId="urn:microsoft.com/office/officeart/2008/layout/VerticalCurvedList"/>
+    <dgm:cxn modelId="{34BEB9B7-18C9-441A-89BC-85EBB853D511}" type="presParOf" srcId="{8DAB9D6D-E70F-4EF1-BAC4-D7D711C4E588}" destId="{F4AC269F-80E4-4135-BC72-BBD97C2DD975}" srcOrd="6" destOrd="0" presId="urn:microsoft.com/office/officeart/2008/layout/VerticalCurvedList"/>
+    <dgm:cxn modelId="{B1C65591-2D45-43D5-895C-458201B97FAF}" type="presParOf" srcId="{F4AC269F-80E4-4135-BC72-BBD97C2DD975}" destId="{00EB0D90-24AF-4119-AFBB-FA179213F8CB}" srcOrd="0" destOrd="0" presId="urn:microsoft.com/office/officeart/2008/layout/VerticalCurvedList"/>
   </dgm:cxnLst>
   <dgm:bg/>
   <dgm:whole/>
@@ -1704,6 +2719,435 @@
         <a:xfrm>
           <a:off x="73643" y="3263721"/>
           <a:ext cx="836762" cy="836762"/>
+        </a:xfrm>
+        <a:prstGeom prst="ellipse">
+          <a:avLst/>
+        </a:prstGeom>
+        <a:solidFill>
+          <a:schemeClr val="lt1">
+            <a:hueOff val="0"/>
+            <a:satOff val="0"/>
+            <a:lumOff val="0"/>
+            <a:alphaOff val="0"/>
+          </a:schemeClr>
+        </a:solidFill>
+        <a:ln w="19050" cap="flat" cmpd="sng" algn="ctr">
+          <a:solidFill>
+            <a:schemeClr val="accent1">
+              <a:hueOff val="0"/>
+              <a:satOff val="0"/>
+              <a:lumOff val="0"/>
+              <a:alphaOff val="0"/>
+            </a:schemeClr>
+          </a:solidFill>
+          <a:prstDash val="solid"/>
+          <a:miter lim="800000"/>
+        </a:ln>
+        <a:effectLst/>
+      </dsp:spPr>
+      <dsp:style>
+        <a:lnRef idx="2">
+          <a:scrgbClr r="0" g="0" b="0"/>
+        </a:lnRef>
+        <a:fillRef idx="1">
+          <a:scrgbClr r="0" g="0" b="0"/>
+        </a:fillRef>
+        <a:effectRef idx="0">
+          <a:scrgbClr r="0" g="0" b="0"/>
+        </a:effectRef>
+        <a:fontRef idx="minor"/>
+      </dsp:style>
+    </dsp:sp>
+  </dsp:spTree>
+</dsp:drawing>
+</file>
+
+<file path=ppt/diagrams/drawing2.xml><?xml version="1.0" encoding="utf-8"?>
+<dsp:drawing xmlns:dgm="http://schemas.openxmlformats.org/drawingml/2006/diagram" xmlns:dsp="http://schemas.microsoft.com/office/drawing/2008/diagram" xmlns:a="http://schemas.openxmlformats.org/drawingml/2006/main">
+  <dsp:spTree>
+    <dsp:nvGrpSpPr>
+      <dsp:cNvPr id="0" name=""/>
+      <dsp:cNvGrpSpPr/>
+    </dsp:nvGrpSpPr>
+    <dsp:grpSpPr/>
+    <dsp:sp modelId="{B3A48F01-ECC5-4276-8716-F835C935E1F9}">
+      <dsp:nvSpPr>
+        <dsp:cNvPr id="0" name=""/>
+        <dsp:cNvSpPr/>
+      </dsp:nvSpPr>
+      <dsp:spPr>
+        <a:xfrm>
+          <a:off x="-4919424" y="-753830"/>
+          <a:ext cx="5858998" cy="5858998"/>
+        </a:xfrm>
+        <a:prstGeom prst="blockArc">
+          <a:avLst>
+            <a:gd name="adj1" fmla="val 18900000"/>
+            <a:gd name="adj2" fmla="val 2700000"/>
+            <a:gd name="adj3" fmla="val 369"/>
+          </a:avLst>
+        </a:prstGeom>
+        <a:noFill/>
+        <a:ln w="19050" cap="flat" cmpd="sng" algn="ctr">
+          <a:solidFill>
+            <a:schemeClr val="accent1">
+              <a:shade val="60000"/>
+              <a:hueOff val="0"/>
+              <a:satOff val="0"/>
+              <a:lumOff val="0"/>
+              <a:alphaOff val="0"/>
+            </a:schemeClr>
+          </a:solidFill>
+          <a:prstDash val="solid"/>
+          <a:miter lim="800000"/>
+        </a:ln>
+        <a:effectLst/>
+      </dsp:spPr>
+      <dsp:style>
+        <a:lnRef idx="2">
+          <a:scrgbClr r="0" g="0" b="0"/>
+        </a:lnRef>
+        <a:fillRef idx="0">
+          <a:scrgbClr r="0" g="0" b="0"/>
+        </a:fillRef>
+        <a:effectRef idx="0">
+          <a:scrgbClr r="0" g="0" b="0"/>
+        </a:effectRef>
+        <a:fontRef idx="minor"/>
+      </dsp:style>
+    </dsp:sp>
+    <dsp:sp modelId="{61E01A78-5B87-4B2C-9303-688B5B2C40D7}">
+      <dsp:nvSpPr>
+        <dsp:cNvPr id="0" name=""/>
+        <dsp:cNvSpPr/>
+      </dsp:nvSpPr>
+      <dsp:spPr>
+        <a:xfrm>
+          <a:off x="604289" y="435133"/>
+          <a:ext cx="9851585" cy="870267"/>
+        </a:xfrm>
+        <a:prstGeom prst="rect">
+          <a:avLst/>
+        </a:prstGeom>
+        <a:solidFill>
+          <a:srgbClr val="004AAD"/>
+        </a:solidFill>
+        <a:ln w="19050" cap="flat" cmpd="sng" algn="ctr">
+          <a:solidFill>
+            <a:schemeClr val="lt1">
+              <a:hueOff val="0"/>
+              <a:satOff val="0"/>
+              <a:lumOff val="0"/>
+              <a:alphaOff val="0"/>
+            </a:schemeClr>
+          </a:solidFill>
+          <a:prstDash val="solid"/>
+          <a:miter lim="800000"/>
+        </a:ln>
+        <a:effectLst/>
+      </dsp:spPr>
+      <dsp:style>
+        <a:lnRef idx="2">
+          <a:scrgbClr r="0" g="0" b="0"/>
+        </a:lnRef>
+        <a:fillRef idx="1">
+          <a:scrgbClr r="0" g="0" b="0"/>
+        </a:fillRef>
+        <a:effectRef idx="0">
+          <a:scrgbClr r="0" g="0" b="0"/>
+        </a:effectRef>
+        <a:fontRef idx="minor">
+          <a:schemeClr val="lt1"/>
+        </a:fontRef>
+      </dsp:style>
+      <dsp:txBody>
+        <a:bodyPr spcFirstLastPara="0" vert="horz" wrap="square" lIns="690775" tIns="45720" rIns="45720" bIns="45720" numCol="1" spcCol="1270" anchor="ctr" anchorCtr="0">
+          <a:noAutofit/>
+        </a:bodyPr>
+        <a:lstStyle/>
+        <a:p>
+          <a:pPr marL="0" lvl="0" indent="0" algn="l" defTabSz="800100">
+            <a:lnSpc>
+              <a:spcPct val="90000"/>
+            </a:lnSpc>
+            <a:spcBef>
+              <a:spcPct val="0"/>
+            </a:spcBef>
+            <a:spcAft>
+              <a:spcPct val="35000"/>
+            </a:spcAft>
+            <a:buNone/>
+          </a:pPr>
+          <a:r>
+            <a:rPr lang="es-ES" sz="1800" kern="1200" dirty="0"/>
+            <a:t>Las malas valoraciones son un buen indicador de la intención de renuncia de los empleados. Prestar especial atención a aquellos empleados donde su nivel de satisfacción haya bajado de una evaluación a otra.</a:t>
+          </a:r>
+        </a:p>
+      </dsp:txBody>
+      <dsp:txXfrm>
+        <a:off x="604289" y="435133"/>
+        <a:ext cx="9851585" cy="870267"/>
+      </dsp:txXfrm>
+    </dsp:sp>
+    <dsp:sp modelId="{C8FA9378-E2E4-48CE-8853-C66905EA926C}">
+      <dsp:nvSpPr>
+        <dsp:cNvPr id="0" name=""/>
+        <dsp:cNvSpPr/>
+      </dsp:nvSpPr>
+      <dsp:spPr>
+        <a:xfrm>
+          <a:off x="60372" y="326350"/>
+          <a:ext cx="1087834" cy="1087834"/>
+        </a:xfrm>
+        <a:prstGeom prst="ellipse">
+          <a:avLst/>
+        </a:prstGeom>
+        <a:solidFill>
+          <a:schemeClr val="lt1">
+            <a:hueOff val="0"/>
+            <a:satOff val="0"/>
+            <a:lumOff val="0"/>
+            <a:alphaOff val="0"/>
+          </a:schemeClr>
+        </a:solidFill>
+        <a:ln w="19050" cap="flat" cmpd="sng" algn="ctr">
+          <a:solidFill>
+            <a:schemeClr val="accent1">
+              <a:hueOff val="0"/>
+              <a:satOff val="0"/>
+              <a:lumOff val="0"/>
+              <a:alphaOff val="0"/>
+            </a:schemeClr>
+          </a:solidFill>
+          <a:prstDash val="solid"/>
+          <a:miter lim="800000"/>
+        </a:ln>
+        <a:effectLst/>
+      </dsp:spPr>
+      <dsp:style>
+        <a:lnRef idx="2">
+          <a:scrgbClr r="0" g="0" b="0"/>
+        </a:lnRef>
+        <a:fillRef idx="1">
+          <a:scrgbClr r="0" g="0" b="0"/>
+        </a:fillRef>
+        <a:effectRef idx="0">
+          <a:scrgbClr r="0" g="0" b="0"/>
+        </a:effectRef>
+        <a:fontRef idx="minor"/>
+      </dsp:style>
+    </dsp:sp>
+    <dsp:sp modelId="{275FCFCC-8ACF-4F5B-ACD1-284195E49BE7}">
+      <dsp:nvSpPr>
+        <dsp:cNvPr id="0" name=""/>
+        <dsp:cNvSpPr/>
+      </dsp:nvSpPr>
+      <dsp:spPr>
+        <a:xfrm>
+          <a:off x="920631" y="1740535"/>
+          <a:ext cx="9535243" cy="870267"/>
+        </a:xfrm>
+        <a:prstGeom prst="rect">
+          <a:avLst/>
+        </a:prstGeom>
+        <a:solidFill>
+          <a:srgbClr val="F4EEDC"/>
+        </a:solidFill>
+        <a:ln w="19050" cap="flat" cmpd="sng" algn="ctr">
+          <a:solidFill>
+            <a:schemeClr val="lt1">
+              <a:hueOff val="0"/>
+              <a:satOff val="0"/>
+              <a:lumOff val="0"/>
+              <a:alphaOff val="0"/>
+            </a:schemeClr>
+          </a:solidFill>
+          <a:prstDash val="solid"/>
+          <a:miter lim="800000"/>
+        </a:ln>
+        <a:effectLst/>
+      </dsp:spPr>
+      <dsp:style>
+        <a:lnRef idx="2">
+          <a:scrgbClr r="0" g="0" b="0"/>
+        </a:lnRef>
+        <a:fillRef idx="1">
+          <a:scrgbClr r="0" g="0" b="0"/>
+        </a:fillRef>
+        <a:effectRef idx="0">
+          <a:scrgbClr r="0" g="0" b="0"/>
+        </a:effectRef>
+        <a:fontRef idx="minor">
+          <a:schemeClr val="lt1"/>
+        </a:fontRef>
+      </dsp:style>
+      <dsp:txBody>
+        <a:bodyPr spcFirstLastPara="0" vert="horz" wrap="square" lIns="690775" tIns="45720" rIns="45720" bIns="45720" numCol="1" spcCol="1270" anchor="ctr" anchorCtr="0">
+          <a:noAutofit/>
+        </a:bodyPr>
+        <a:lstStyle/>
+        <a:p>
+          <a:pPr marL="0" lvl="0" indent="0" algn="l" defTabSz="800100">
+            <a:lnSpc>
+              <a:spcPct val="90000"/>
+            </a:lnSpc>
+            <a:spcBef>
+              <a:spcPct val="0"/>
+            </a:spcBef>
+            <a:spcAft>
+              <a:spcPct val="35000"/>
+            </a:spcAft>
+            <a:buNone/>
+          </a:pPr>
+          <a:r>
+            <a:rPr lang="es-ES" sz="1800" kern="1200" dirty="0">
+              <a:solidFill>
+                <a:sysClr val="windowText" lastClr="000000"/>
+              </a:solidFill>
+            </a:rPr>
+            <a:t>Evaluar los cambios realizados desde la última evaluación, ya que los empleados han pasado de valorar positivamente hacer más proyectos a valorarlo negativamente.</a:t>
+          </a:r>
+        </a:p>
+      </dsp:txBody>
+      <dsp:txXfrm>
+        <a:off x="920631" y="1740535"/>
+        <a:ext cx="9535243" cy="870267"/>
+      </dsp:txXfrm>
+    </dsp:sp>
+    <dsp:sp modelId="{D24BD180-4A8B-46C9-B832-D1A348E1267A}">
+      <dsp:nvSpPr>
+        <dsp:cNvPr id="0" name=""/>
+        <dsp:cNvSpPr/>
+      </dsp:nvSpPr>
+      <dsp:spPr>
+        <a:xfrm>
+          <a:off x="376714" y="1631751"/>
+          <a:ext cx="1087834" cy="1087834"/>
+        </a:xfrm>
+        <a:prstGeom prst="ellipse">
+          <a:avLst/>
+        </a:prstGeom>
+        <a:solidFill>
+          <a:schemeClr val="lt1">
+            <a:hueOff val="0"/>
+            <a:satOff val="0"/>
+            <a:lumOff val="0"/>
+            <a:alphaOff val="0"/>
+          </a:schemeClr>
+        </a:solidFill>
+        <a:ln w="19050" cap="flat" cmpd="sng" algn="ctr">
+          <a:solidFill>
+            <a:schemeClr val="accent1">
+              <a:hueOff val="0"/>
+              <a:satOff val="0"/>
+              <a:lumOff val="0"/>
+              <a:alphaOff val="0"/>
+            </a:schemeClr>
+          </a:solidFill>
+          <a:prstDash val="solid"/>
+          <a:miter lim="800000"/>
+        </a:ln>
+        <a:effectLst/>
+      </dsp:spPr>
+      <dsp:style>
+        <a:lnRef idx="2">
+          <a:scrgbClr r="0" g="0" b="0"/>
+        </a:lnRef>
+        <a:fillRef idx="1">
+          <a:scrgbClr r="0" g="0" b="0"/>
+        </a:fillRef>
+        <a:effectRef idx="0">
+          <a:scrgbClr r="0" g="0" b="0"/>
+        </a:effectRef>
+        <a:fontRef idx="minor"/>
+      </dsp:style>
+    </dsp:sp>
+    <dsp:sp modelId="{92E73AFA-1726-4FCA-905C-3C45F37F2F64}">
+      <dsp:nvSpPr>
+        <dsp:cNvPr id="0" name=""/>
+        <dsp:cNvSpPr/>
+      </dsp:nvSpPr>
+      <dsp:spPr>
+        <a:xfrm>
+          <a:off x="604289" y="3045936"/>
+          <a:ext cx="9851585" cy="870267"/>
+        </a:xfrm>
+        <a:prstGeom prst="rect">
+          <a:avLst/>
+        </a:prstGeom>
+        <a:solidFill>
+          <a:srgbClr val="5BB7C3"/>
+        </a:solidFill>
+        <a:ln w="19050" cap="flat" cmpd="sng" algn="ctr">
+          <a:solidFill>
+            <a:schemeClr val="lt1">
+              <a:hueOff val="0"/>
+              <a:satOff val="0"/>
+              <a:lumOff val="0"/>
+              <a:alphaOff val="0"/>
+            </a:schemeClr>
+          </a:solidFill>
+          <a:prstDash val="solid"/>
+          <a:miter lim="800000"/>
+        </a:ln>
+        <a:effectLst/>
+      </dsp:spPr>
+      <dsp:style>
+        <a:lnRef idx="2">
+          <a:scrgbClr r="0" g="0" b="0"/>
+        </a:lnRef>
+        <a:fillRef idx="1">
+          <a:scrgbClr r="0" g="0" b="0"/>
+        </a:fillRef>
+        <a:effectRef idx="0">
+          <a:scrgbClr r="0" g="0" b="0"/>
+        </a:effectRef>
+        <a:fontRef idx="minor">
+          <a:schemeClr val="lt1"/>
+        </a:fontRef>
+      </dsp:style>
+      <dsp:txBody>
+        <a:bodyPr spcFirstLastPara="0" vert="horz" wrap="square" lIns="690775" tIns="45720" rIns="45720" bIns="45720" numCol="1" spcCol="1270" anchor="ctr" anchorCtr="0">
+          <a:noAutofit/>
+        </a:bodyPr>
+        <a:lstStyle/>
+        <a:p>
+          <a:pPr marL="0" lvl="0" indent="0" algn="l" defTabSz="800100">
+            <a:lnSpc>
+              <a:spcPct val="90000"/>
+            </a:lnSpc>
+            <a:spcBef>
+              <a:spcPct val="0"/>
+            </a:spcBef>
+            <a:spcAft>
+              <a:spcPct val="35000"/>
+            </a:spcAft>
+            <a:buNone/>
+          </a:pPr>
+          <a:r>
+            <a:rPr lang="es-ES" sz="1800" kern="1200" dirty="0">
+              <a:solidFill>
+                <a:sysClr val="windowText" lastClr="000000"/>
+              </a:solidFill>
+            </a:rPr>
+            <a:t>Evaluar la política de promoción ya que un mayor puesto de trabajo no supone mayor satisfacción con la empresa</a:t>
+          </a:r>
+        </a:p>
+      </dsp:txBody>
+      <dsp:txXfrm>
+        <a:off x="604289" y="3045936"/>
+        <a:ext cx="9851585" cy="870267"/>
+      </dsp:txXfrm>
+    </dsp:sp>
+    <dsp:sp modelId="{00EB0D90-24AF-4119-AFBB-FA179213F8CB}">
+      <dsp:nvSpPr>
+        <dsp:cNvPr id="0" name=""/>
+        <dsp:cNvSpPr/>
+      </dsp:nvSpPr>
+      <dsp:spPr>
+        <a:xfrm>
+          <a:off x="60372" y="2937153"/>
+          <a:ext cx="1087834" cy="1087834"/>
         </a:xfrm>
         <a:prstGeom prst="ellipse">
           <a:avLst/>
@@ -3025,7 +4469,2319 @@
 </dgm:layoutDef>
 </file>
 
+<file path=ppt/diagrams/layout2.xml><?xml version="1.0" encoding="utf-8"?>
+<dgm:layoutDef xmlns:dgm="http://schemas.openxmlformats.org/drawingml/2006/diagram" xmlns:a="http://schemas.openxmlformats.org/drawingml/2006/main" uniqueId="urn:microsoft.com/office/officeart/2008/layout/VerticalCurvedList">
+  <dgm:title val=""/>
+  <dgm:desc val=""/>
+  <dgm:catLst>
+    <dgm:cat type="list" pri="20000"/>
+  </dgm:catLst>
+  <dgm:sampData>
+    <dgm:dataModel>
+      <dgm:ptLst>
+        <dgm:pt modelId="0" type="doc"/>
+        <dgm:pt modelId="1">
+          <dgm:prSet phldr="1"/>
+        </dgm:pt>
+        <dgm:pt modelId="2">
+          <dgm:prSet phldr="1"/>
+        </dgm:pt>
+        <dgm:pt modelId="3">
+          <dgm:prSet phldr="1"/>
+        </dgm:pt>
+      </dgm:ptLst>
+      <dgm:cxnLst>
+        <dgm:cxn modelId="4" srcId="0" destId="1" srcOrd="0" destOrd="0"/>
+        <dgm:cxn modelId="5" srcId="0" destId="2" srcOrd="1" destOrd="0"/>
+        <dgm:cxn modelId="6" srcId="0" destId="3" srcOrd="2" destOrd="0"/>
+      </dgm:cxnLst>
+      <dgm:bg/>
+      <dgm:whole/>
+    </dgm:dataModel>
+  </dgm:sampData>
+  <dgm:styleData>
+    <dgm:dataModel>
+      <dgm:ptLst>
+        <dgm:pt modelId="0" type="doc"/>
+        <dgm:pt modelId="1">
+          <dgm:prSet phldr="1"/>
+        </dgm:pt>
+        <dgm:pt modelId="2">
+          <dgm:prSet phldr="1"/>
+        </dgm:pt>
+      </dgm:ptLst>
+      <dgm:cxnLst>
+        <dgm:cxn modelId="3" srcId="0" destId="1" srcOrd="0" destOrd="0"/>
+        <dgm:cxn modelId="4" srcId="0" destId="2" srcOrd="1" destOrd="0"/>
+      </dgm:cxnLst>
+      <dgm:bg/>
+      <dgm:whole/>
+    </dgm:dataModel>
+  </dgm:styleData>
+  <dgm:clrData>
+    <dgm:dataModel>
+      <dgm:ptLst>
+        <dgm:pt modelId="0" type="doc"/>
+        <dgm:pt modelId="1">
+          <dgm:prSet phldr="1"/>
+        </dgm:pt>
+        <dgm:pt modelId="2">
+          <dgm:prSet phldr="1"/>
+        </dgm:pt>
+        <dgm:pt modelId="3">
+          <dgm:prSet phldr="1"/>
+        </dgm:pt>
+        <dgm:pt modelId="4">
+          <dgm:prSet phldr="1"/>
+        </dgm:pt>
+      </dgm:ptLst>
+      <dgm:cxnLst>
+        <dgm:cxn modelId="5" srcId="0" destId="1" srcOrd="0" destOrd="0"/>
+        <dgm:cxn modelId="6" srcId="0" destId="2" srcOrd="1" destOrd="0"/>
+        <dgm:cxn modelId="7" srcId="0" destId="3" srcOrd="2" destOrd="0"/>
+        <dgm:cxn modelId="8" srcId="0" destId="4" srcOrd="3" destOrd="0"/>
+      </dgm:cxnLst>
+      <dgm:bg/>
+      <dgm:whole/>
+    </dgm:dataModel>
+  </dgm:clrData>
+  <dgm:layoutNode name="Name0">
+    <dgm:varLst>
+      <dgm:chMax val="7"/>
+      <dgm:chPref val="7"/>
+      <dgm:dir/>
+    </dgm:varLst>
+    <dgm:alg type="composite"/>
+    <dgm:shape xmlns:r="http://schemas.openxmlformats.org/officeDocument/2006/relationships" r:blip="">
+      <dgm:adjLst/>
+    </dgm:shape>
+    <dgm:constrLst>
+      <dgm:constr type="w" for="ch" refType="h" refFor="ch" op="gte" fact="0.8"/>
+    </dgm:constrLst>
+    <dgm:layoutNode name="Name1">
+      <dgm:alg type="composite"/>
+      <dgm:shape xmlns:r="http://schemas.openxmlformats.org/officeDocument/2006/relationships" r:blip="">
+        <dgm:adjLst/>
+      </dgm:shape>
+      <dgm:choose name="Name2">
+        <dgm:if name="Name3" func="var" arg="dir" op="equ" val="norm">
+          <dgm:choose name="Name4">
+            <dgm:if name="Name5" axis="ch" ptType="node" func="cnt" op="equ" val="1">
+              <dgm:constrLst>
+                <dgm:constr type="h" for="ch" forName="cycle" refType="h"/>
+                <dgm:constr type="w" for="ch" forName="cycle" refType="h" refFor="ch" refForName="cycle" fact="0.26"/>
+                <dgm:constr type="l" for="ch" forName="cycle"/>
+                <dgm:constr type="ctrY" for="ch" forName="cycle" refType="h" fact="0.5"/>
+                <dgm:constr type="diam" for="ch" forName="cycle" refType="h" fact="1.344"/>
+                <dgm:constr type="h" for="ch" forName="accent_1" refType="h" fact="0.625"/>
+                <dgm:constr type="w" for="ch" forName="accent_1" refType="h" refFor="ch" refForName="accent_1" op="equ"/>
+                <dgm:constr type="ctrY" for="ch" forName="accent_1" refType="h" fact="0.5"/>
+                <dgm:constr type="ctrX" for="ch" forName="accent_1" refType="h" fact="0.2253"/>
+                <dgm:constr type="l" for="ch" forName="text_1" refType="ctrX" refFor="ch" refForName="accent_1"/>
+                <dgm:constr type="r" for="ch" forName="text_1" refType="w"/>
+                <dgm:constr type="w" for="ch" forName="text_1" refType="h" refFor="ch" refForName="text_1" op="gte"/>
+                <dgm:constr type="h" for="ch" forName="text_1" refType="h" refFor="ch" refForName="accent_1" fact="0.8"/>
+                <dgm:constr type="ctrY" for="ch" forName="text_1" refType="ctrY" refFor="ch" refForName="accent_1"/>
+                <dgm:constr type="lMarg" for="ch" forName="text_1" refType="w" refFor="ch" refForName="accent_1" fact="1.8"/>
+                <dgm:constr type="primFontSz" for="ch" ptType="node" op="equ" val="65"/>
+              </dgm:constrLst>
+            </dgm:if>
+            <dgm:if name="Name6" axis="ch" ptType="node" func="cnt" op="equ" val="2">
+              <dgm:constrLst>
+                <dgm:constr type="h" for="ch" forName="cycle" refType="h"/>
+                <dgm:constr type="w" for="ch" forName="cycle" refType="h" refFor="ch" refForName="cycle" fact="0.26"/>
+                <dgm:constr type="l" for="ch" forName="cycle"/>
+                <dgm:constr type="ctrY" for="ch" forName="cycle" refType="h" fact="0.5"/>
+                <dgm:constr type="diam" for="ch" forName="cycle" refType="h" fact="1.344"/>
+                <dgm:constr type="h" for="ch" forName="accent_1" refType="h" fact="0.3571"/>
+                <dgm:constr type="w" for="ch" forName="accent_1" refType="h" refFor="ch" refForName="accent_1" op="equ"/>
+                <dgm:constr type="ctrY" for="ch" forName="accent_1" refType="h" fact="0.2857"/>
+                <dgm:constr type="ctrX" for="ch" forName="accent_1" refType="h" fact="0.1891"/>
+                <dgm:constr type="l" for="ch" forName="text_1" refType="ctrX" refFor="ch" refForName="accent_1"/>
+                <dgm:constr type="r" for="ch" forName="text_1" refType="w"/>
+                <dgm:constr type="w" for="ch" forName="text_1" refType="h" refFor="ch" refForName="text_1" op="gte"/>
+                <dgm:constr type="h" for="ch" forName="text_1" refType="h" refFor="ch" refForName="accent_1" fact="0.8"/>
+                <dgm:constr type="ctrY" for="ch" forName="text_1" refType="ctrY" refFor="ch" refForName="accent_1"/>
+                <dgm:constr type="lMarg" for="ch" forName="text_1" refType="w" refFor="ch" refForName="accent_1" fact="1.8"/>
+                <dgm:constr type="h" for="ch" forName="accent_2" refType="h" fact="0.3571"/>
+                <dgm:constr type="w" for="ch" forName="accent_2" refType="h" refFor="ch" refForName="accent_2" op="equ"/>
+                <dgm:constr type="ctrY" for="ch" forName="accent_2" refType="h" fact="0.7143"/>
+                <dgm:constr type="ctrX" for="ch" forName="accent_2" refType="h" fact="0.1891"/>
+                <dgm:constr type="l" for="ch" forName="text_2" refType="ctrX" refFor="ch" refForName="accent_2"/>
+                <dgm:constr type="r" for="ch" forName="text_2" refType="w"/>
+                <dgm:constr type="w" for="ch" forName="text_2" refType="h" refFor="ch" refForName="text_2" op="gte"/>
+                <dgm:constr type="h" for="ch" forName="text_2" refType="h" refFor="ch" refForName="accent_2" fact="0.8"/>
+                <dgm:constr type="ctrY" for="ch" forName="text_2" refType="ctrY" refFor="ch" refForName="accent_2"/>
+                <dgm:constr type="lMarg" for="ch" forName="text_2" refType="w" refFor="ch" refForName="accent_2" fact="1.8"/>
+                <dgm:constr type="primFontSz" for="ch" ptType="node" op="equ" val="65"/>
+              </dgm:constrLst>
+            </dgm:if>
+            <dgm:if name="Name7" axis="ch" ptType="node" func="cnt" op="equ" val="3">
+              <dgm:constrLst>
+                <dgm:constr type="h" for="ch" forName="cycle" refType="h"/>
+                <dgm:constr type="w" for="ch" forName="cycle" refType="h" refFor="ch" refForName="cycle" fact="0.26"/>
+                <dgm:constr type="l" for="ch" forName="cycle"/>
+                <dgm:constr type="ctrY" for="ch" forName="cycle" refType="h" fact="0.5"/>
+                <dgm:constr type="diam" for="ch" forName="cycle" refType="h" fact="1.344"/>
+                <dgm:constr type="h" for="ch" forName="accent_1" refType="h" fact="0.25"/>
+                <dgm:constr type="w" for="ch" forName="accent_1" refType="h" refFor="ch" refForName="accent_1" op="equ"/>
+                <dgm:constr type="ctrY" for="ch" forName="accent_1" refType="h" fact="0.2"/>
+                <dgm:constr type="ctrX" for="ch" forName="accent_1" refType="h" fact="0.1526"/>
+                <dgm:constr type="l" for="ch" forName="text_1" refType="ctrX" refFor="ch" refForName="accent_1"/>
+                <dgm:constr type="r" for="ch" forName="text_1" refType="w"/>
+                <dgm:constr type="w" for="ch" forName="text_1" refType="h" refFor="ch" refForName="text_1" op="gte"/>
+                <dgm:constr type="h" for="ch" forName="text_1" refType="h" refFor="ch" refForName="accent_1" fact="0.8"/>
+                <dgm:constr type="ctrY" for="ch" forName="text_1" refType="ctrY" refFor="ch" refForName="accent_1"/>
+                <dgm:constr type="lMarg" for="ch" forName="text_1" refType="w" refFor="ch" refForName="accent_1" fact="1.8"/>
+                <dgm:constr type="h" for="ch" forName="accent_2" refType="h" fact="0.25"/>
+                <dgm:constr type="w" for="ch" forName="accent_2" refType="h" refFor="ch" refForName="accent_2" op="equ"/>
+                <dgm:constr type="ctrY" for="ch" forName="accent_2" refType="h" fact="0.5"/>
+                <dgm:constr type="ctrX" for="ch" forName="accent_2" refType="h" fact="0.2253"/>
+                <dgm:constr type="l" for="ch" forName="text_2" refType="ctrX" refFor="ch" refForName="accent_2"/>
+                <dgm:constr type="r" for="ch" forName="text_2" refType="w"/>
+                <dgm:constr type="w" for="ch" forName="text_2" refType="h" refFor="ch" refForName="text_2" op="gte"/>
+                <dgm:constr type="h" for="ch" forName="text_2" refType="h" refFor="ch" refForName="accent_2" fact="0.8"/>
+                <dgm:constr type="ctrY" for="ch" forName="text_2" refType="ctrY" refFor="ch" refForName="accent_2"/>
+                <dgm:constr type="lMarg" for="ch" forName="text_2" refType="w" refFor="ch" refForName="accent_2" fact="1.8"/>
+                <dgm:constr type="h" for="ch" forName="accent_3" refType="h" fact="0.25"/>
+                <dgm:constr type="w" for="ch" forName="accent_3" refType="h" refFor="ch" refForName="accent_3" op="equ"/>
+                <dgm:constr type="ctrY" for="ch" forName="accent_3" refType="h" fact="0.8"/>
+                <dgm:constr type="ctrX" for="ch" forName="accent_3" refType="h" fact="0.1526"/>
+                <dgm:constr type="l" for="ch" forName="text_3" refType="ctrX" refFor="ch" refForName="accent_3"/>
+                <dgm:constr type="r" for="ch" forName="text_3" refType="w"/>
+                <dgm:constr type="w" for="ch" forName="text_3" refType="h" refFor="ch" refForName="text_3" op="gte"/>
+                <dgm:constr type="h" for="ch" forName="text_3" refType="h" refFor="ch" refForName="accent_3" fact="0.8"/>
+                <dgm:constr type="ctrY" for="ch" forName="text_3" refType="ctrY" refFor="ch" refForName="accent_3"/>
+                <dgm:constr type="lMarg" for="ch" forName="text_3" refType="w" refFor="ch" refForName="accent_3" fact="1.8"/>
+                <dgm:constr type="primFontSz" for="ch" ptType="node" op="equ" val="65"/>
+              </dgm:constrLst>
+            </dgm:if>
+            <dgm:if name="Name8" axis="ch" ptType="node" func="cnt" op="equ" val="4">
+              <dgm:constrLst>
+                <dgm:constr type="h" for="ch" forName="cycle" refType="h"/>
+                <dgm:constr type="w" for="ch" forName="cycle" refType="h" refFor="ch" refForName="cycle" fact="0.26"/>
+                <dgm:constr type="l" for="ch" forName="cycle"/>
+                <dgm:constr type="ctrY" for="ch" forName="cycle" refType="h" fact="0.5"/>
+                <dgm:constr type="diam" for="ch" forName="cycle" refType="h" fact="1.344"/>
+                <dgm:constr type="h" for="ch" forName="accent_1" refType="h" fact="0.1923"/>
+                <dgm:constr type="w" for="ch" forName="accent_1" refType="h" refFor="ch" refForName="accent_1" op="equ"/>
+                <dgm:constr type="ctrY" for="ch" forName="accent_1" refType="h" fact="0.1538"/>
+                <dgm:constr type="ctrX" for="ch" forName="accent_1" refType="h" fact="0.1268"/>
+                <dgm:constr type="l" for="ch" forName="text_1" refType="ctrX" refFor="ch" refForName="accent_1"/>
+                <dgm:constr type="r" for="ch" forName="text_1" refType="w"/>
+                <dgm:constr type="w" for="ch" forName="text_1" refType="h" refFor="ch" refForName="text_1" op="gte"/>
+                <dgm:constr type="h" for="ch" forName="text_1" refType="h" refFor="ch" refForName="accent_1" fact="0.8"/>
+                <dgm:constr type="ctrY" for="ch" forName="text_1" refType="ctrY" refFor="ch" refForName="accent_1"/>
+                <dgm:constr type="lMarg" for="ch" forName="text_1" refType="w" refFor="ch" refForName="accent_1" fact="1.8"/>
+                <dgm:constr type="h" for="ch" forName="accent_2" refType="h" fact="0.1923"/>
+                <dgm:constr type="w" for="ch" forName="accent_2" refType="h" refFor="ch" refForName="accent_2" op="equ"/>
+                <dgm:constr type="ctrY" for="ch" forName="accent_2" refType="h" fact="0.3846"/>
+                <dgm:constr type="ctrX" for="ch" forName="accent_2" refType="h" fact="0.215"/>
+                <dgm:constr type="l" for="ch" forName="text_2" refType="ctrX" refFor="ch" refForName="accent_2"/>
+                <dgm:constr type="r" for="ch" forName="text_2" refType="w"/>
+                <dgm:constr type="w" for="ch" forName="text_2" refType="h" refFor="ch" refForName="text_2" op="gte"/>
+                <dgm:constr type="h" for="ch" forName="text_2" refType="h" refFor="ch" refForName="accent_2" fact="0.8"/>
+                <dgm:constr type="ctrY" for="ch" forName="text_2" refType="ctrY" refFor="ch" refForName="accent_2"/>
+                <dgm:constr type="lMarg" for="ch" forName="text_2" refType="w" refFor="ch" refForName="accent_2" fact="1.8"/>
+                <dgm:constr type="h" for="ch" forName="accent_3" refType="h" fact="0.1923"/>
+                <dgm:constr type="w" for="ch" forName="accent_3" refType="h" refFor="ch" refForName="accent_3" op="equ"/>
+                <dgm:constr type="ctrY" for="ch" forName="accent_3" refType="h" fact="0.6154"/>
+                <dgm:constr type="ctrX" for="ch" forName="accent_3" refType="h" fact="0.215"/>
+                <dgm:constr type="l" for="ch" forName="text_3" refType="ctrX" refFor="ch" refForName="accent_3"/>
+                <dgm:constr type="r" for="ch" forName="text_3" refType="w"/>
+                <dgm:constr type="w" for="ch" forName="text_3" refType="h" refFor="ch" refForName="text_3" op="gte"/>
+                <dgm:constr type="h" for="ch" forName="text_3" refType="h" refFor="ch" refForName="accent_3" fact="0.8"/>
+                <dgm:constr type="ctrY" for="ch" forName="text_3" refType="ctrY" refFor="ch" refForName="accent_3"/>
+                <dgm:constr type="lMarg" for="ch" forName="text_3" refType="w" refFor="ch" refForName="accent_3" fact="1.8"/>
+                <dgm:constr type="h" for="ch" forName="accent_4" refType="h" fact="0.1923"/>
+                <dgm:constr type="w" for="ch" forName="accent_4" refType="h" refFor="ch" refForName="accent_4" op="equ"/>
+                <dgm:constr type="ctrY" for="ch" forName="accent_4" refType="h" fact="0.8462"/>
+                <dgm:constr type="ctrX" for="ch" forName="accent_4" refType="h" fact="0.1268"/>
+                <dgm:constr type="l" for="ch" forName="text_4" refType="ctrX" refFor="ch" refForName="accent_4"/>
+                <dgm:constr type="r" for="ch" forName="text_4" refType="w"/>
+                <dgm:constr type="w" for="ch" forName="text_4" refType="h" refFor="ch" refForName="text_4" op="gte"/>
+                <dgm:constr type="h" for="ch" forName="text_4" refType="h" refFor="ch" refForName="accent_4" fact="0.8"/>
+                <dgm:constr type="ctrY" for="ch" forName="text_4" refType="ctrY" refFor="ch" refForName="accent_4"/>
+                <dgm:constr type="lMarg" for="ch" forName="text_4" refType="w" refFor="ch" refForName="accent_4" fact="1.8"/>
+                <dgm:constr type="primFontSz" for="ch" ptType="node" op="equ" val="65"/>
+              </dgm:constrLst>
+            </dgm:if>
+            <dgm:if name="Name9" axis="ch" ptType="node" func="cnt" op="equ" val="5">
+              <dgm:constrLst>
+                <dgm:constr type="h" for="ch" forName="cycle" refType="h"/>
+                <dgm:constr type="w" for="ch" forName="cycle" refType="h" refFor="ch" refForName="cycle" fact="0.26"/>
+                <dgm:constr type="l" for="ch" forName="cycle"/>
+                <dgm:constr type="ctrY" for="ch" forName="cycle" refType="h" fact="0.5"/>
+                <dgm:constr type="diam" for="ch" forName="cycle" refType="h" fact="1.344"/>
+                <dgm:constr type="h" for="ch" forName="accent_1" refType="h" fact="0.1563"/>
+                <dgm:constr type="w" for="ch" forName="accent_1" refType="h" refFor="ch" refForName="accent_1" op="equ"/>
+                <dgm:constr type="ctrY" for="ch" forName="accent_1" refType="h" fact="0.125"/>
+                <dgm:constr type="ctrX" for="ch" forName="accent_1" refType="h" fact="0.1082"/>
+                <dgm:constr type="l" for="ch" forName="text_1" refType="ctrX" refFor="ch" refForName="accent_1"/>
+                <dgm:constr type="r" for="ch" forName="text_1" refType="w"/>
+                <dgm:constr type="w" for="ch" forName="text_1" refType="h" refFor="ch" refForName="text_1" op="gte"/>
+                <dgm:constr type="h" for="ch" forName="text_1" refType="h" refFor="ch" refForName="accent_1" fact="0.8"/>
+                <dgm:constr type="ctrY" for="ch" forName="text_1" refType="ctrY" refFor="ch" refForName="accent_1"/>
+                <dgm:constr type="lMarg" for="ch" forName="text_1" refType="w" refFor="ch" refForName="accent_1" fact="1.8"/>
+                <dgm:constr type="h" for="ch" forName="accent_2" refType="h" fact="0.1563"/>
+                <dgm:constr type="w" for="ch" forName="accent_2" refType="h" refFor="ch" refForName="accent_2" op="equ"/>
+                <dgm:constr type="ctrY" for="ch" forName="accent_2" refType="h" fact="0.3125"/>
+                <dgm:constr type="ctrX" for="ch" forName="accent_2" refType="h" fact="0.1978"/>
+                <dgm:constr type="l" for="ch" forName="text_2" refType="ctrX" refFor="ch" refForName="accent_2"/>
+                <dgm:constr type="r" for="ch" forName="text_2" refType="w"/>
+                <dgm:constr type="w" for="ch" forName="text_2" refType="h" refFor="ch" refForName="text_2" op="gte"/>
+                <dgm:constr type="h" for="ch" forName="text_2" refType="h" refFor="ch" refForName="accent_2" fact="0.8"/>
+                <dgm:constr type="ctrY" for="ch" forName="text_2" refType="ctrY" refFor="ch" refForName="accent_2"/>
+                <dgm:constr type="lMarg" for="ch" forName="text_2" refType="w" refFor="ch" refForName="accent_2" fact="1.8"/>
+                <dgm:constr type="h" for="ch" forName="accent_3" refType="h" fact="0.1563"/>
+                <dgm:constr type="w" for="ch" forName="accent_3" refType="h" refFor="ch" refForName="accent_3" op="equ"/>
+                <dgm:constr type="ctrY" for="ch" forName="accent_3" refType="h" fact="0.5"/>
+                <dgm:constr type="ctrX" for="ch" forName="accent_3" refType="h" fact="0.2253"/>
+                <dgm:constr type="l" for="ch" forName="text_3" refType="ctrX" refFor="ch" refForName="accent_3"/>
+                <dgm:constr type="r" for="ch" forName="text_3" refType="w"/>
+                <dgm:constr type="w" for="ch" forName="text_3" refType="h" refFor="ch" refForName="text_3" op="gte"/>
+                <dgm:constr type="h" for="ch" forName="text_3" refType="h" refFor="ch" refForName="accent_3" fact="0.8"/>
+                <dgm:constr type="ctrY" for="ch" forName="text_3" refType="ctrY" refFor="ch" refForName="accent_3"/>
+                <dgm:constr type="lMarg" for="ch" forName="text_3" refType="w" refFor="ch" refForName="accent_3" fact="1.8"/>
+                <dgm:constr type="h" for="ch" forName="accent_4" refType="h" fact="0.1563"/>
+                <dgm:constr type="w" for="ch" forName="accent_4" refType="h" refFor="ch" refForName="accent_4" op="equ"/>
+                <dgm:constr type="ctrY" for="ch" forName="accent_4" refType="h" fact="0.6875"/>
+                <dgm:constr type="ctrX" for="ch" forName="accent_4" refType="h" fact="0.1978"/>
+                <dgm:constr type="l" for="ch" forName="text_4" refType="ctrX" refFor="ch" refForName="accent_4"/>
+                <dgm:constr type="r" for="ch" forName="text_4" refType="w"/>
+                <dgm:constr type="w" for="ch" forName="text_4" refType="h" refFor="ch" refForName="text_4" op="gte"/>
+                <dgm:constr type="h" for="ch" forName="text_4" refType="h" refFor="ch" refForName="accent_4" fact="0.8"/>
+                <dgm:constr type="ctrY" for="ch" forName="text_4" refType="ctrY" refFor="ch" refForName="accent_4"/>
+                <dgm:constr type="lMarg" for="ch" forName="text_4" refType="w" refFor="ch" refForName="accent_4" fact="1.8"/>
+                <dgm:constr type="h" for="ch" forName="accent_5" refType="h" fact="0.1563"/>
+                <dgm:constr type="w" for="ch" forName="accent_5" refType="h" refFor="ch" refForName="accent_5" op="equ"/>
+                <dgm:constr type="ctrY" for="ch" forName="accent_5" refType="h" fact="0.875"/>
+                <dgm:constr type="ctrX" for="ch" forName="accent_5" refType="h" fact="0.1082"/>
+                <dgm:constr type="l" for="ch" forName="text_5" refType="ctrX" refFor="ch" refForName="accent_5"/>
+                <dgm:constr type="r" for="ch" forName="text_5" refType="w"/>
+                <dgm:constr type="w" for="ch" forName="text_5" refType="h" refFor="ch" refForName="text_5" op="gte"/>
+                <dgm:constr type="h" for="ch" forName="text_5" refType="h" refFor="ch" refForName="accent_5" fact="0.8"/>
+                <dgm:constr type="ctrY" for="ch" forName="text_5" refType="ctrY" refFor="ch" refForName="accent_5"/>
+                <dgm:constr type="lMarg" for="ch" forName="text_5" refType="w" refFor="ch" refForName="accent_5" fact="1.8"/>
+                <dgm:constr type="primFontSz" for="ch" ptType="node" op="equ" val="65"/>
+              </dgm:constrLst>
+            </dgm:if>
+            <dgm:if name="Name10" axis="ch" ptType="node" func="cnt" op="equ" val="6">
+              <dgm:constrLst>
+                <dgm:constr type="h" for="ch" forName="cycle" refType="h"/>
+                <dgm:constr type="w" for="ch" forName="cycle" refType="h" refFor="ch" refForName="cycle" fact="0.26"/>
+                <dgm:constr type="l" for="ch" forName="cycle"/>
+                <dgm:constr type="ctrY" for="ch" forName="cycle" refType="h" fact="0.5"/>
+                <dgm:constr type="diam" for="ch" forName="cycle" refType="h" fact="1.344"/>
+                <dgm:constr type="h" for="ch" forName="accent_1" refType="h" fact="0.1316"/>
+                <dgm:constr type="w" for="ch" forName="accent_1" refType="h" refFor="ch" refForName="accent_1" op="equ"/>
+                <dgm:constr type="ctrY" for="ch" forName="accent_1" refType="h" fact="0.1053"/>
+                <dgm:constr type="ctrX" for="ch" forName="accent_1" refType="h" fact="0.0943"/>
+                <dgm:constr type="l" for="ch" forName="text_1" refType="ctrX" refFor="ch" refForName="accent_1"/>
+                <dgm:constr type="r" for="ch" forName="text_1" refType="w"/>
+                <dgm:constr type="w" for="ch" forName="text_1" refType="h" refFor="ch" refForName="text_1" op="gte"/>
+                <dgm:constr type="h" for="ch" forName="text_1" refType="h" refFor="ch" refForName="accent_1" fact="0.8"/>
+                <dgm:constr type="ctrY" for="ch" forName="text_1" refType="ctrY" refFor="ch" refForName="accent_1"/>
+                <dgm:constr type="lMarg" for="ch" forName="text_1" refType="w" refFor="ch" refForName="accent_1" fact="1.8"/>
+                <dgm:constr type="h" for="ch" forName="accent_2" refType="h" fact="0.1316"/>
+                <dgm:constr type="w" for="ch" forName="accent_2" refType="h" refFor="ch" refForName="accent_2" op="equ"/>
+                <dgm:constr type="ctrY" for="ch" forName="accent_2" refType="h" fact="0.2632"/>
+                <dgm:constr type="ctrX" for="ch" forName="accent_2" refType="h" fact="0.1809"/>
+                <dgm:constr type="l" for="ch" forName="text_2" refType="ctrX" refFor="ch" refForName="accent_2"/>
+                <dgm:constr type="r" for="ch" forName="text_2" refType="w"/>
+                <dgm:constr type="w" for="ch" forName="text_2" refType="h" refFor="ch" refForName="text_2" op="gte"/>
+                <dgm:constr type="h" for="ch" forName="text_2" refType="h" refFor="ch" refForName="accent_2" fact="0.8"/>
+                <dgm:constr type="ctrY" for="ch" forName="text_2" refType="ctrY" refFor="ch" refForName="accent_2"/>
+                <dgm:constr type="lMarg" for="ch" forName="text_2" refType="w" refFor="ch" refForName="accent_2" fact="1.8"/>
+                <dgm:constr type="h" for="ch" forName="accent_3" refType="h" fact="0.1316"/>
+                <dgm:constr type="w" for="ch" forName="accent_3" refType="h" refFor="ch" refForName="accent_3" op="equ"/>
+                <dgm:constr type="ctrY" for="ch" forName="accent_3" refType="h" fact="0.4211"/>
+                <dgm:constr type="ctrX" for="ch" forName="accent_3" refType="h" fact="0.2205"/>
+                <dgm:constr type="l" for="ch" forName="text_3" refType="ctrX" refFor="ch" refForName="accent_3"/>
+                <dgm:constr type="r" for="ch" forName="text_3" refType="w"/>
+                <dgm:constr type="w" for="ch" forName="text_3" refType="h" refFor="ch" refForName="text_3" op="gte"/>
+                <dgm:constr type="h" for="ch" forName="text_3" refType="h" refFor="ch" refForName="accent_3" fact="0.8"/>
+                <dgm:constr type="ctrY" for="ch" forName="text_3" refType="ctrY" refFor="ch" refForName="accent_3"/>
+                <dgm:constr type="lMarg" for="ch" forName="text_3" refType="w" refFor="ch" refForName="accent_3" fact="1.8"/>
+                <dgm:constr type="h" for="ch" forName="accent_4" refType="h" fact="0.1316"/>
+                <dgm:constr type="w" for="ch" forName="accent_4" refType="h" refFor="ch" refForName="accent_4" op="equ"/>
+                <dgm:constr type="ctrY" for="ch" forName="accent_4" refType="h" fact="0.5789"/>
+                <dgm:constr type="ctrX" for="ch" forName="accent_4" refType="h" fact="0.2205"/>
+                <dgm:constr type="l" for="ch" forName="text_4" refType="ctrX" refFor="ch" refForName="accent_4"/>
+                <dgm:constr type="r" for="ch" forName="text_4" refType="w"/>
+                <dgm:constr type="w" for="ch" forName="text_4" refType="h" refFor="ch" refForName="text_4" op="gte"/>
+                <dgm:constr type="h" for="ch" forName="text_4" refType="h" refFor="ch" refForName="accent_4" fact="0.8"/>
+                <dgm:constr type="ctrY" for="ch" forName="text_4" refType="ctrY" refFor="ch" refForName="accent_4"/>
+                <dgm:constr type="lMarg" for="ch" forName="text_4" refType="w" refFor="ch" refForName="accent_4" fact="1.8"/>
+                <dgm:constr type="h" for="ch" forName="accent_5" refType="h" fact="0.1316"/>
+                <dgm:constr type="w" for="ch" forName="accent_5" refType="h" refFor="ch" refForName="accent_5" op="equ"/>
+                <dgm:constr type="ctrY" for="ch" forName="accent_5" refType="h" fact="0.7368"/>
+                <dgm:constr type="ctrX" for="ch" forName="accent_5" refType="h" fact="0.1809"/>
+                <dgm:constr type="l" for="ch" forName="text_5" refType="ctrX" refFor="ch" refForName="accent_5"/>
+                <dgm:constr type="r" for="ch" forName="text_5" refType="w"/>
+                <dgm:constr type="w" for="ch" forName="text_5" refType="h" refFor="ch" refForName="text_5" op="gte"/>
+                <dgm:constr type="h" for="ch" forName="text_5" refType="h" refFor="ch" refForName="accent_5" fact="0.8"/>
+                <dgm:constr type="ctrY" for="ch" forName="text_5" refType="ctrY" refFor="ch" refForName="accent_5"/>
+                <dgm:constr type="lMarg" for="ch" forName="text_5" refType="w" refFor="ch" refForName="accent_5" fact="1.8"/>
+                <dgm:constr type="h" for="ch" forName="accent_6" refType="h" fact="0.1316"/>
+                <dgm:constr type="w" for="ch" forName="accent_6" refType="h" refFor="ch" refForName="accent_6" op="equ"/>
+                <dgm:constr type="ctrY" for="ch" forName="accent_6" refType="h" fact="0.8947"/>
+                <dgm:constr type="ctrX" for="ch" forName="accent_6" refType="h" fact="0.0943"/>
+                <dgm:constr type="l" for="ch" forName="text_6" refType="ctrX" refFor="ch" refForName="accent_6"/>
+                <dgm:constr type="r" for="ch" forName="text_6" refType="w"/>
+                <dgm:constr type="w" for="ch" forName="text_6" refType="h" refFor="ch" refForName="text_6" op="gte"/>
+                <dgm:constr type="h" for="ch" forName="text_6" refType="h" refFor="ch" refForName="accent_6" fact="0.8"/>
+                <dgm:constr type="ctrY" for="ch" forName="text_6" refType="ctrY" refFor="ch" refForName="accent_6"/>
+                <dgm:constr type="lMarg" for="ch" forName="text_6" refType="w" refFor="ch" refForName="accent_6" fact="1.8"/>
+                <dgm:constr type="primFontSz" for="ch" ptType="node" op="equ" val="65"/>
+              </dgm:constrLst>
+            </dgm:if>
+            <dgm:else name="Name11">
+              <dgm:constrLst>
+                <dgm:constr type="h" for="ch" forName="cycle" refType="h"/>
+                <dgm:constr type="w" for="ch" forName="cycle" refType="h" refFor="ch" refForName="cycle" fact="0.26"/>
+                <dgm:constr type="l" for="ch" forName="cycle"/>
+                <dgm:constr type="ctrY" for="ch" forName="cycle" refType="h" fact="0.5"/>
+                <dgm:constr type="diam" for="ch" forName="cycle" refType="h" fact="1.344"/>
+                <dgm:constr type="h" for="ch" forName="accent_1" refType="h" fact="0.1136"/>
+                <dgm:constr type="w" for="ch" forName="accent_1" refType="h" refFor="ch" refForName="accent_1" op="equ"/>
+                <dgm:constr type="ctrY" for="ch" forName="accent_1" refType="h" fact="0.0909"/>
+                <dgm:constr type="ctrX" for="ch" forName="accent_1" refType="h" fact="0.0835"/>
+                <dgm:constr type="l" for="ch" forName="text_1" refType="ctrX" refFor="ch" refForName="accent_1"/>
+                <dgm:constr type="r" for="ch" forName="text_1" refType="w"/>
+                <dgm:constr type="w" for="ch" forName="text_1" refType="h" refFor="ch" refForName="text_1" op="gte"/>
+                <dgm:constr type="h" for="ch" forName="text_1" refType="h" refFor="ch" refForName="accent_1" fact="0.8"/>
+                <dgm:constr type="ctrY" for="ch" forName="text_1" refType="ctrY" refFor="ch" refForName="accent_1"/>
+                <dgm:constr type="lMarg" for="ch" forName="text_1" refType="w" refFor="ch" refForName="accent_1" fact="1.8"/>
+                <dgm:constr type="h" for="ch" forName="accent_2" refType="h" fact="0.1136"/>
+                <dgm:constr type="w" for="ch" forName="accent_2" refType="h" refFor="ch" refForName="accent_2" op="equ"/>
+                <dgm:constr type="ctrY" for="ch" forName="accent_2" refType="h" fact="0.2273"/>
+                <dgm:constr type="ctrX" for="ch" forName="accent_2" refType="h" fact="0.1658"/>
+                <dgm:constr type="l" for="ch" forName="text_2" refType="ctrX" refFor="ch" refForName="accent_2"/>
+                <dgm:constr type="r" for="ch" forName="text_2" refType="w"/>
+                <dgm:constr type="w" for="ch" forName="text_2" refType="h" refFor="ch" refForName="text_2" op="gte"/>
+                <dgm:constr type="h" for="ch" forName="text_2" refType="h" refFor="ch" refForName="accent_2" fact="0.8"/>
+                <dgm:constr type="ctrY" for="ch" forName="text_2" refType="ctrY" refFor="ch" refForName="accent_2"/>
+                <dgm:constr type="lMarg" for="ch" forName="text_2" refType="w" refFor="ch" refForName="accent_2" fact="1.8"/>
+                <dgm:constr type="h" for="ch" forName="accent_3" refType="h" fact="0.1136"/>
+                <dgm:constr type="w" for="ch" forName="accent_3" refType="h" refFor="ch" refForName="accent_3" op="equ"/>
+                <dgm:constr type="ctrY" for="ch" forName="accent_3" refType="h" fact="0.3636"/>
+                <dgm:constr type="ctrX" for="ch" forName="accent_3" refType="h" fact="0.2109"/>
+                <dgm:constr type="l" for="ch" forName="text_3" refType="ctrX" refFor="ch" refForName="accent_3"/>
+                <dgm:constr type="r" for="ch" forName="text_3" refType="w"/>
+                <dgm:constr type="w" for="ch" forName="text_3" refType="h" refFor="ch" refForName="text_3" op="gte"/>
+                <dgm:constr type="h" for="ch" forName="text_3" refType="h" refFor="ch" refForName="accent_3" fact="0.8"/>
+                <dgm:constr type="ctrY" for="ch" forName="text_3" refType="ctrY" refFor="ch" refForName="accent_3"/>
+                <dgm:constr type="lMarg" for="ch" forName="text_3" refType="w" refFor="ch" refForName="accent_3" fact="1.8"/>
+                <dgm:constr type="h" for="ch" forName="accent_4" refType="h" fact="0.1136"/>
+                <dgm:constr type="w" for="ch" forName="accent_4" refType="h" refFor="ch" refForName="accent_4" op="equ"/>
+                <dgm:constr type="ctrY" for="ch" forName="accent_4" refType="h" fact="0.5"/>
+                <dgm:constr type="ctrX" for="ch" forName="accent_4" refType="h" fact="0.2253"/>
+                <dgm:constr type="l" for="ch" forName="text_4" refType="ctrX" refFor="ch" refForName="accent_4"/>
+                <dgm:constr type="r" for="ch" forName="text_4" refType="w"/>
+                <dgm:constr type="w" for="ch" forName="text_4" refType="h" refFor="ch" refForName="text_4" op="gte"/>
+                <dgm:constr type="h" for="ch" forName="text_4" refType="h" refFor="ch" refForName="accent_4" fact="0.8"/>
+                <dgm:constr type="ctrY" for="ch" forName="text_4" refType="ctrY" refFor="ch" refForName="accent_4"/>
+                <dgm:constr type="lMarg" for="ch" forName="text_4" refType="w" refFor="ch" refForName="accent_4" fact="1.8"/>
+                <dgm:constr type="h" for="ch" forName="accent_5" refType="h" fact="0.1136"/>
+                <dgm:constr type="w" for="ch" forName="accent_5" refType="h" refFor="ch" refForName="accent_5" op="equ"/>
+                <dgm:constr type="ctrY" for="ch" forName="accent_5" refType="h" fact="0.6364"/>
+                <dgm:constr type="ctrX" for="ch" forName="accent_5" refType="h" fact="0.2109"/>
+                <dgm:constr type="l" for="ch" forName="text_5" refType="ctrX" refFor="ch" refForName="accent_5"/>
+                <dgm:constr type="r" for="ch" forName="text_5" refType="w"/>
+                <dgm:constr type="w" for="ch" forName="text_5" refType="h" refFor="ch" refForName="text_5" op="gte"/>
+                <dgm:constr type="h" for="ch" forName="text_5" refType="h" refFor="ch" refForName="accent_5" fact="0.8"/>
+                <dgm:constr type="ctrY" for="ch" forName="text_5" refType="ctrY" refFor="ch" refForName="accent_5"/>
+                <dgm:constr type="lMarg" for="ch" forName="text_5" refType="w" refFor="ch" refForName="accent_5" fact="1.8"/>
+                <dgm:constr type="h" for="ch" forName="accent_6" refType="h" fact="0.1136"/>
+                <dgm:constr type="w" for="ch" forName="accent_6" refType="h" refFor="ch" refForName="accent_6" op="equ"/>
+                <dgm:constr type="ctrY" for="ch" forName="accent_6" refType="h" fact="0.7727"/>
+                <dgm:constr type="ctrX" for="ch" forName="accent_6" refType="h" fact="0.1658"/>
+                <dgm:constr type="l" for="ch" forName="text_6" refType="ctrX" refFor="ch" refForName="accent_6"/>
+                <dgm:constr type="r" for="ch" forName="text_6" refType="w"/>
+                <dgm:constr type="w" for="ch" forName="text_6" refType="h" refFor="ch" refForName="text_6" op="gte"/>
+                <dgm:constr type="h" for="ch" forName="text_6" refType="h" refFor="ch" refForName="accent_6" fact="0.8"/>
+                <dgm:constr type="ctrY" for="ch" forName="text_6" refType="ctrY" refFor="ch" refForName="accent_6"/>
+                <dgm:constr type="lMarg" for="ch" forName="text_6" refType="w" refFor="ch" refForName="accent_6" fact="1.8"/>
+                <dgm:constr type="h" for="ch" forName="accent_7" refType="h" fact="0.1136"/>
+                <dgm:constr type="w" for="ch" forName="accent_7" refType="h" refFor="ch" refForName="accent_7" op="equ"/>
+                <dgm:constr type="ctrY" for="ch" forName="accent_7" refType="h" fact="0.9091"/>
+                <dgm:constr type="ctrX" for="ch" forName="accent_7" refType="h" fact="0.0835"/>
+                <dgm:constr type="l" for="ch" forName="text_7" refType="ctrX" refFor="ch" refForName="accent_7"/>
+                <dgm:constr type="r" for="ch" forName="text_7" refType="w"/>
+                <dgm:constr type="w" for="ch" forName="text_7" refType="h" refFor="ch" refForName="text_7" op="gte"/>
+                <dgm:constr type="h" for="ch" forName="text_7" refType="h" refFor="ch" refForName="accent_7" fact="0.8"/>
+                <dgm:constr type="ctrY" for="ch" forName="text_7" refType="ctrY" refFor="ch" refForName="accent_7"/>
+                <dgm:constr type="lMarg" for="ch" forName="text_7" refType="w" refFor="ch" refForName="accent_7" fact="1.8"/>
+                <dgm:constr type="primFontSz" for="ch" ptType="node" op="equ" val="65"/>
+              </dgm:constrLst>
+            </dgm:else>
+          </dgm:choose>
+        </dgm:if>
+        <dgm:else name="Name12">
+          <dgm:choose name="Name13">
+            <dgm:if name="Name14" axis="ch" ptType="node" func="cnt" op="equ" val="1">
+              <dgm:constrLst>
+                <dgm:constr type="h" for="ch" forName="cycle" refType="h"/>
+                <dgm:constr type="w" for="ch" forName="cycle" refType="h" refFor="ch" refForName="cycle" fact="0.26"/>
+                <dgm:constr type="r" for="ch" forName="cycle" refType="w"/>
+                <dgm:constr type="ctrY" for="ch" forName="cycle" refType="h" fact="0.5"/>
+                <dgm:constr type="diam" for="ch" forName="cycle" refType="h" fact="1.344"/>
+                <dgm:constr type="h" for="ch" forName="accent_1" refType="h" fact="0.625"/>
+                <dgm:constr type="w" for="ch" forName="accent_1" refType="h" refFor="ch" refForName="accent_1" op="equ"/>
+                <dgm:constr type="ctrY" for="ch" forName="accent_1" refType="h" fact="0.5"/>
+                <dgm:constr type="ctrX" for="ch" forName="accent_1" refType="w"/>
+                <dgm:constr type="ctrXOff" for="ch" forName="accent_1" refType="h" fact="-0.2253"/>
+                <dgm:constr type="r" for="ch" forName="text_1" refType="ctrX" refFor="ch" refForName="accent_1"/>
+                <dgm:constr type="rOff" for="ch" forName="text_1" refType="ctrXOff" refFor="ch" refForName="accent_1"/>
+                <dgm:constr type="l" for="ch" forName="text_1"/>
+                <dgm:constr type="w" for="ch" forName="text_1" refType="h" refFor="ch" refForName="text_1" op="gte"/>
+                <dgm:constr type="h" for="ch" forName="text_1" refType="h" refFor="ch" refForName="accent_1" fact="0.8"/>
+                <dgm:constr type="ctrY" for="ch" forName="text_1" refType="ctrY" refFor="ch" refForName="accent_1"/>
+                <dgm:constr type="rMarg" for="ch" forName="text_1" refType="w" refFor="ch" refForName="accent_1" fact="1.8"/>
+                <dgm:constr type="primFontSz" for="ch" ptType="node" op="equ" val="65"/>
+              </dgm:constrLst>
+            </dgm:if>
+            <dgm:if name="Name15" axis="ch" ptType="node" func="cnt" op="equ" val="2">
+              <dgm:constrLst>
+                <dgm:constr type="h" for="ch" forName="cycle" refType="h"/>
+                <dgm:constr type="w" for="ch" forName="cycle" refType="h" refFor="ch" refForName="cycle" fact="0.26"/>
+                <dgm:constr type="r" for="ch" forName="cycle" refType="w"/>
+                <dgm:constr type="ctrY" for="ch" forName="cycle" refType="h" fact="0.5"/>
+                <dgm:constr type="diam" for="ch" forName="cycle" refType="h" fact="1.344"/>
+                <dgm:constr type="h" for="ch" forName="accent_1" refType="h" fact="0.3571"/>
+                <dgm:constr type="w" for="ch" forName="accent_1" refType="h" refFor="ch" refForName="accent_1" op="equ"/>
+                <dgm:constr type="ctrY" for="ch" forName="accent_1" refType="h" fact="0.2857"/>
+                <dgm:constr type="ctrX" for="ch" forName="accent_1" refType="w"/>
+                <dgm:constr type="ctrXOff" for="ch" forName="accent_1" refType="h" fact="-0.1891"/>
+                <dgm:constr type="r" for="ch" forName="text_1" refType="ctrX" refFor="ch" refForName="accent_1"/>
+                <dgm:constr type="rOff" for="ch" forName="text_1" refType="ctrXOff" refFor="ch" refForName="accent_1"/>
+                <dgm:constr type="l" for="ch" forName="text_1"/>
+                <dgm:constr type="w" for="ch" forName="text_1" refType="h" refFor="ch" refForName="text_1" op="gte"/>
+                <dgm:constr type="h" for="ch" forName="text_1" refType="h" refFor="ch" refForName="accent_1" fact="0.8"/>
+                <dgm:constr type="ctrY" for="ch" forName="text_1" refType="ctrY" refFor="ch" refForName="accent_1"/>
+                <dgm:constr type="rMarg" for="ch" forName="text_1" refType="w" refFor="ch" refForName="accent_1" fact="1.8"/>
+                <dgm:constr type="h" for="ch" forName="accent_2" refType="h" fact="0.3571"/>
+                <dgm:constr type="w" for="ch" forName="accent_2" refType="h" refFor="ch" refForName="accent_2" op="equ"/>
+                <dgm:constr type="ctrY" for="ch" forName="accent_2" refType="h" fact="0.7143"/>
+                <dgm:constr type="ctrX" for="ch" forName="accent_2" refType="w"/>
+                <dgm:constr type="ctrXOff" for="ch" forName="accent_2" refType="h" fact="-0.1891"/>
+                <dgm:constr type="r" for="ch" forName="text_2" refType="ctrX" refFor="ch" refForName="accent_2"/>
+                <dgm:constr type="rOff" for="ch" forName="text_2" refType="ctrXOff" refFor="ch" refForName="accent_2"/>
+                <dgm:constr type="l" for="ch" forName="text_2"/>
+                <dgm:constr type="w" for="ch" forName="text_2" refType="h" refFor="ch" refForName="text_2" op="gte"/>
+                <dgm:constr type="h" for="ch" forName="text_2" refType="h" refFor="ch" refForName="accent_2" fact="0.8"/>
+                <dgm:constr type="ctrY" for="ch" forName="text_2" refType="ctrY" refFor="ch" refForName="accent_2"/>
+                <dgm:constr type="rMarg" for="ch" forName="text_2" refType="w" refFor="ch" refForName="accent_2" fact="1.8"/>
+                <dgm:constr type="primFontSz" for="ch" ptType="node" op="equ" val="65"/>
+              </dgm:constrLst>
+            </dgm:if>
+            <dgm:if name="Name16" axis="ch" ptType="node" func="cnt" op="equ" val="3">
+              <dgm:constrLst>
+                <dgm:constr type="h" for="ch" forName="cycle" refType="h"/>
+                <dgm:constr type="w" for="ch" forName="cycle" refType="h" refFor="ch" refForName="cycle" fact="0.26"/>
+                <dgm:constr type="r" for="ch" forName="cycle" refType="w"/>
+                <dgm:constr type="ctrY" for="ch" forName="cycle" refType="h" fact="0.5"/>
+                <dgm:constr type="diam" for="ch" forName="cycle" refType="h" fact="1.344"/>
+                <dgm:constr type="h" for="ch" forName="accent_1" refType="h" fact="0.25"/>
+                <dgm:constr type="w" for="ch" forName="accent_1" refType="h" refFor="ch" refForName="accent_1" op="equ"/>
+                <dgm:constr type="ctrY" for="ch" forName="accent_1" refType="h" fact="0.2"/>
+                <dgm:constr type="ctrX" for="ch" forName="accent_1" refType="w"/>
+                <dgm:constr type="ctrXOff" for="ch" forName="accent_1" refType="h" fact="-0.1526"/>
+                <dgm:constr type="r" for="ch" forName="text_1" refType="ctrX" refFor="ch" refForName="accent_1"/>
+                <dgm:constr type="rOff" for="ch" forName="text_1" refType="ctrXOff" refFor="ch" refForName="accent_1"/>
+                <dgm:constr type="l" for="ch" forName="text_1"/>
+                <dgm:constr type="w" for="ch" forName="text_1" refType="h" refFor="ch" refForName="text_1" op="gte"/>
+                <dgm:constr type="h" for="ch" forName="text_1" refType="h" refFor="ch" refForName="accent_1" fact="0.8"/>
+                <dgm:constr type="ctrY" for="ch" forName="text_1" refType="ctrY" refFor="ch" refForName="accent_1"/>
+                <dgm:constr type="rMarg" for="ch" forName="text_1" refType="w" refFor="ch" refForName="accent_1" fact="1.8"/>
+                <dgm:constr type="h" for="ch" forName="accent_2" refType="h" fact="0.25"/>
+                <dgm:constr type="w" for="ch" forName="accent_2" refType="h" refFor="ch" refForName="accent_2" op="equ"/>
+                <dgm:constr type="ctrY" for="ch" forName="accent_2" refType="h" fact="0.5"/>
+                <dgm:constr type="ctrX" for="ch" forName="accent_2" refType="w"/>
+                <dgm:constr type="ctrXOff" for="ch" forName="accent_2" refType="h" fact="-0.2253"/>
+                <dgm:constr type="r" for="ch" forName="text_2" refType="ctrX" refFor="ch" refForName="accent_2"/>
+                <dgm:constr type="rOff" for="ch" forName="text_2" refType="ctrXOff" refFor="ch" refForName="accent_2"/>
+                <dgm:constr type="l" for="ch" forName="text_2"/>
+                <dgm:constr type="w" for="ch" forName="text_2" refType="h" refFor="ch" refForName="text_2" op="gte"/>
+                <dgm:constr type="h" for="ch" forName="text_2" refType="h" refFor="ch" refForName="accent_2" fact="0.8"/>
+                <dgm:constr type="ctrY" for="ch" forName="text_2" refType="ctrY" refFor="ch" refForName="accent_2"/>
+                <dgm:constr type="rMarg" for="ch" forName="text_2" refType="w" refFor="ch" refForName="accent_2" fact="1.8"/>
+                <dgm:constr type="h" for="ch" forName="accent_3" refType="h" fact="0.25"/>
+                <dgm:constr type="w" for="ch" forName="accent_3" refType="h" refFor="ch" refForName="accent_3" op="equ"/>
+                <dgm:constr type="ctrY" for="ch" forName="accent_3" refType="h" fact="0.8"/>
+                <dgm:constr type="ctrX" for="ch" forName="accent_3" refType="w"/>
+                <dgm:constr type="ctrXOff" for="ch" forName="accent_3" refType="h" fact="-0.1526"/>
+                <dgm:constr type="r" for="ch" forName="text_3" refType="ctrX" refFor="ch" refForName="accent_3"/>
+                <dgm:constr type="rOff" for="ch" forName="text_3" refType="ctrXOff" refFor="ch" refForName="accent_3"/>
+                <dgm:constr type="l" for="ch" forName="text_3"/>
+                <dgm:constr type="w" for="ch" forName="text_3" refType="h" refFor="ch" refForName="text_3" op="gte"/>
+                <dgm:constr type="h" for="ch" forName="text_3" refType="h" refFor="ch" refForName="accent_3" fact="0.8"/>
+                <dgm:constr type="ctrY" for="ch" forName="text_3" refType="ctrY" refFor="ch" refForName="accent_3"/>
+                <dgm:constr type="rMarg" for="ch" forName="text_3" refType="w" refFor="ch" refForName="accent_3" fact="1.8"/>
+                <dgm:constr type="primFontSz" for="ch" ptType="node" op="equ" val="65"/>
+              </dgm:constrLst>
+            </dgm:if>
+            <dgm:if name="Name17" axis="ch" ptType="node" func="cnt" op="equ" val="4">
+              <dgm:constrLst>
+                <dgm:constr type="h" for="ch" forName="cycle" refType="h"/>
+                <dgm:constr type="w" for="ch" forName="cycle" refType="h" refFor="ch" refForName="cycle" fact="0.26"/>
+                <dgm:constr type="r" for="ch" forName="cycle" refType="w"/>
+                <dgm:constr type="ctrY" for="ch" forName="cycle" refType="h" fact="0.5"/>
+                <dgm:constr type="diam" for="ch" forName="cycle" refType="h" fact="1.344"/>
+                <dgm:constr type="h" for="ch" forName="accent_1" refType="h" fact="0.1923"/>
+                <dgm:constr type="w" for="ch" forName="accent_1" refType="h" refFor="ch" refForName="accent_1" op="equ"/>
+                <dgm:constr type="ctrY" for="ch" forName="accent_1" refType="h" fact="0.1538"/>
+                <dgm:constr type="ctrX" for="ch" forName="accent_1" refType="w"/>
+                <dgm:constr type="ctrXOff" for="ch" forName="accent_1" refType="h" fact="-0.1268"/>
+                <dgm:constr type="r" for="ch" forName="text_1" refType="ctrX" refFor="ch" refForName="accent_1"/>
+                <dgm:constr type="rOff" for="ch" forName="text_1" refType="ctrXOff" refFor="ch" refForName="accent_1"/>
+                <dgm:constr type="l" for="ch" forName="text_1"/>
+                <dgm:constr type="w" for="ch" forName="text_1" refType="h" refFor="ch" refForName="text_1" op="gte"/>
+                <dgm:constr type="h" for="ch" forName="text_1" refType="h" refFor="ch" refForName="accent_1" fact="0.8"/>
+                <dgm:constr type="ctrY" for="ch" forName="text_1" refType="ctrY" refFor="ch" refForName="accent_1"/>
+                <dgm:constr type="rMarg" for="ch" forName="text_1" refType="w" refFor="ch" refForName="accent_1" fact="1.8"/>
+                <dgm:constr type="h" for="ch" forName="accent_2" refType="h" fact="0.1923"/>
+                <dgm:constr type="w" for="ch" forName="accent_2" refType="h" refFor="ch" refForName="accent_2" op="equ"/>
+                <dgm:constr type="ctrY" for="ch" forName="accent_2" refType="h" fact="0.3846"/>
+                <dgm:constr type="ctrX" for="ch" forName="accent_2" refType="w"/>
+                <dgm:constr type="ctrXOff" for="ch" forName="accent_2" refType="h" fact="-0.215"/>
+                <dgm:constr type="r" for="ch" forName="text_2" refType="ctrX" refFor="ch" refForName="accent_2"/>
+                <dgm:constr type="rOff" for="ch" forName="text_2" refType="ctrXOff" refFor="ch" refForName="accent_2"/>
+                <dgm:constr type="l" for="ch" forName="text_2"/>
+                <dgm:constr type="w" for="ch" forName="text_2" refType="h" refFor="ch" refForName="text_2" op="gte"/>
+                <dgm:constr type="h" for="ch" forName="text_2" refType="h" refFor="ch" refForName="accent_2" fact="0.8"/>
+                <dgm:constr type="ctrY" for="ch" forName="text_2" refType="ctrY" refFor="ch" refForName="accent_2"/>
+                <dgm:constr type="rMarg" for="ch" forName="text_2" refType="w" refFor="ch" refForName="accent_2" fact="1.8"/>
+                <dgm:constr type="h" for="ch" forName="accent_3" refType="h" fact="0.1923"/>
+                <dgm:constr type="w" for="ch" forName="accent_3" refType="h" refFor="ch" refForName="accent_3" op="equ"/>
+                <dgm:constr type="ctrY" for="ch" forName="accent_3" refType="h" fact="0.6154"/>
+                <dgm:constr type="ctrX" for="ch" forName="accent_3" refType="w"/>
+                <dgm:constr type="ctrXOff" for="ch" forName="accent_3" refType="h" fact="-0.215"/>
+                <dgm:constr type="r" for="ch" forName="text_3" refType="ctrX" refFor="ch" refForName="accent_3"/>
+                <dgm:constr type="rOff" for="ch" forName="text_3" refType="ctrXOff" refFor="ch" refForName="accent_3"/>
+                <dgm:constr type="l" for="ch" forName="text_3"/>
+                <dgm:constr type="w" for="ch" forName="text_3" refType="h" refFor="ch" refForName="text_3" op="gte"/>
+                <dgm:constr type="h" for="ch" forName="text_3" refType="h" refFor="ch" refForName="accent_3" fact="0.8"/>
+                <dgm:constr type="ctrY" for="ch" forName="text_3" refType="ctrY" refFor="ch" refForName="accent_3"/>
+                <dgm:constr type="rMarg" for="ch" forName="text_3" refType="w" refFor="ch" refForName="accent_3" fact="1.8"/>
+                <dgm:constr type="h" for="ch" forName="accent_4" refType="h" fact="0.1923"/>
+                <dgm:constr type="w" for="ch" forName="accent_4" refType="h" refFor="ch" refForName="accent_4" op="equ"/>
+                <dgm:constr type="ctrY" for="ch" forName="accent_4" refType="h" fact="0.8462"/>
+                <dgm:constr type="ctrX" for="ch" forName="accent_4" refType="w"/>
+                <dgm:constr type="ctrXOff" for="ch" forName="accent_4" refType="h" fact="-0.1268"/>
+                <dgm:constr type="r" for="ch" forName="text_4" refType="ctrX" refFor="ch" refForName="accent_4"/>
+                <dgm:constr type="rOff" for="ch" forName="text_4" refType="ctrXOff" refFor="ch" refForName="accent_4"/>
+                <dgm:constr type="l" for="ch" forName="text_4"/>
+                <dgm:constr type="w" for="ch" forName="text_4" refType="h" refFor="ch" refForName="text_4" op="gte"/>
+                <dgm:constr type="h" for="ch" forName="text_4" refType="h" refFor="ch" refForName="accent_4" fact="0.8"/>
+                <dgm:constr type="ctrY" for="ch" forName="text_4" refType="ctrY" refFor="ch" refForName="accent_4"/>
+                <dgm:constr type="rMarg" for="ch" forName="text_4" refType="w" refFor="ch" refForName="accent_4" fact="1.8"/>
+                <dgm:constr type="primFontSz" for="ch" ptType="node" op="equ" val="65"/>
+              </dgm:constrLst>
+            </dgm:if>
+            <dgm:if name="Name18" axis="ch" ptType="node" func="cnt" op="equ" val="5">
+              <dgm:constrLst>
+                <dgm:constr type="h" for="ch" forName="cycle" refType="h"/>
+                <dgm:constr type="w" for="ch" forName="cycle" refType="h" refFor="ch" refForName="cycle" fact="0.26"/>
+                <dgm:constr type="r" for="ch" forName="cycle" refType="w"/>
+                <dgm:constr type="ctrY" for="ch" forName="cycle" refType="h" fact="0.5"/>
+                <dgm:constr type="diam" for="ch" forName="cycle" refType="h" fact="1.344"/>
+                <dgm:constr type="h" for="ch" forName="accent_1" refType="h" fact="0.1563"/>
+                <dgm:constr type="w" for="ch" forName="accent_1" refType="h" refFor="ch" refForName="accent_1" op="equ"/>
+                <dgm:constr type="ctrY" for="ch" forName="accent_1" refType="h" fact="0.125"/>
+                <dgm:constr type="ctrX" for="ch" forName="accent_1" refType="w"/>
+                <dgm:constr type="ctrXOff" for="ch" forName="accent_1" refType="h" fact="-0.1082"/>
+                <dgm:constr type="r" for="ch" forName="text_1" refType="ctrX" refFor="ch" refForName="accent_1"/>
+                <dgm:constr type="rOff" for="ch" forName="text_1" refType="ctrXOff" refFor="ch" refForName="accent_1"/>
+                <dgm:constr type="l" for="ch" forName="text_1"/>
+                <dgm:constr type="w" for="ch" forName="text_1" refType="h" refFor="ch" refForName="text_1" op="gte"/>
+                <dgm:constr type="h" for="ch" forName="text_1" refType="h" refFor="ch" refForName="accent_1" fact="0.8"/>
+                <dgm:constr type="ctrY" for="ch" forName="text_1" refType="ctrY" refFor="ch" refForName="accent_1"/>
+                <dgm:constr type="rMarg" for="ch" forName="text_1" refType="w" refFor="ch" refForName="accent_1" fact="1.8"/>
+                <dgm:constr type="h" for="ch" forName="accent_2" refType="h" fact="0.1563"/>
+                <dgm:constr type="w" for="ch" forName="accent_2" refType="h" refFor="ch" refForName="accent_2" op="equ"/>
+                <dgm:constr type="ctrY" for="ch" forName="accent_2" refType="h" fact="0.3125"/>
+                <dgm:constr type="ctrX" for="ch" forName="accent_2" refType="w"/>
+                <dgm:constr type="ctrXOff" for="ch" forName="accent_2" refType="h" fact="-0.1978"/>
+                <dgm:constr type="r" for="ch" forName="text_2" refType="ctrX" refFor="ch" refForName="accent_2"/>
+                <dgm:constr type="rOff" for="ch" forName="text_2" refType="ctrXOff" refFor="ch" refForName="accent_2"/>
+                <dgm:constr type="l" for="ch" forName="text_2"/>
+                <dgm:constr type="w" for="ch" forName="text_2" refType="h" refFor="ch" refForName="text_2" op="gte"/>
+                <dgm:constr type="h" for="ch" forName="text_2" refType="h" refFor="ch" refForName="accent_2" fact="0.8"/>
+                <dgm:constr type="ctrY" for="ch" forName="text_2" refType="ctrY" refFor="ch" refForName="accent_2"/>
+                <dgm:constr type="rMarg" for="ch" forName="text_2" refType="w" refFor="ch" refForName="accent_2" fact="1.8"/>
+                <dgm:constr type="h" for="ch" forName="accent_3" refType="h" fact="0.1563"/>
+                <dgm:constr type="w" for="ch" forName="accent_3" refType="h" refFor="ch" refForName="accent_3" op="equ"/>
+                <dgm:constr type="ctrY" for="ch" forName="accent_3" refType="h" fact="0.5"/>
+                <dgm:constr type="ctrX" for="ch" forName="accent_3" refType="w"/>
+                <dgm:constr type="ctrXOff" for="ch" forName="accent_3" refType="h" fact="-0.2253"/>
+                <dgm:constr type="r" for="ch" forName="text_3" refType="ctrX" refFor="ch" refForName="accent_3"/>
+                <dgm:constr type="rOff" for="ch" forName="text_3" refType="ctrXOff" refFor="ch" refForName="accent_3"/>
+                <dgm:constr type="l" for="ch" forName="text_3"/>
+                <dgm:constr type="w" for="ch" forName="text_3" refType="h" refFor="ch" refForName="text_3" op="gte"/>
+                <dgm:constr type="h" for="ch" forName="text_3" refType="h" refFor="ch" refForName="accent_3" fact="0.8"/>
+                <dgm:constr type="ctrY" for="ch" forName="text_3" refType="ctrY" refFor="ch" refForName="accent_3"/>
+                <dgm:constr type="rMarg" for="ch" forName="text_3" refType="w" refFor="ch" refForName="accent_3" fact="1.8"/>
+                <dgm:constr type="h" for="ch" forName="accent_4" refType="h" fact="0.1563"/>
+                <dgm:constr type="w" for="ch" forName="accent_4" refType="h" refFor="ch" refForName="accent_4" op="equ"/>
+                <dgm:constr type="ctrY" for="ch" forName="accent_4" refType="h" fact="0.6875"/>
+                <dgm:constr type="ctrX" for="ch" forName="accent_4" refType="w"/>
+                <dgm:constr type="ctrXOff" for="ch" forName="accent_4" refType="h" fact="-0.1978"/>
+                <dgm:constr type="r" for="ch" forName="text_4" refType="ctrX" refFor="ch" refForName="accent_4"/>
+                <dgm:constr type="rOff" for="ch" forName="text_4" refType="ctrXOff" refFor="ch" refForName="accent_4"/>
+                <dgm:constr type="l" for="ch" forName="text_4"/>
+                <dgm:constr type="w" for="ch" forName="text_4" refType="h" refFor="ch" refForName="text_4" op="gte"/>
+                <dgm:constr type="h" for="ch" forName="text_4" refType="h" refFor="ch" refForName="accent_4" fact="0.8"/>
+                <dgm:constr type="ctrY" for="ch" forName="text_4" refType="ctrY" refFor="ch" refForName="accent_4"/>
+                <dgm:constr type="rMarg" for="ch" forName="text_4" refType="w" refFor="ch" refForName="accent_4" fact="1.8"/>
+                <dgm:constr type="h" for="ch" forName="accent_5" refType="h" fact="0.1563"/>
+                <dgm:constr type="w" for="ch" forName="accent_5" refType="h" refFor="ch" refForName="accent_5" op="equ"/>
+                <dgm:constr type="ctrY" for="ch" forName="accent_5" refType="h" fact="0.875"/>
+                <dgm:constr type="ctrX" for="ch" forName="accent_5" refType="w"/>
+                <dgm:constr type="ctrXOff" for="ch" forName="accent_5" refType="h" fact="-0.1082"/>
+                <dgm:constr type="r" for="ch" forName="text_5" refType="ctrX" refFor="ch" refForName="accent_5"/>
+                <dgm:constr type="rOff" for="ch" forName="text_5" refType="ctrXOff" refFor="ch" refForName="accent_5"/>
+                <dgm:constr type="l" for="ch" forName="text_5"/>
+                <dgm:constr type="w" for="ch" forName="text_5" refType="h" refFor="ch" refForName="text_5" op="gte"/>
+                <dgm:constr type="h" for="ch" forName="text_5" refType="h" refFor="ch" refForName="accent_5" fact="0.8"/>
+                <dgm:constr type="ctrY" for="ch" forName="text_5" refType="ctrY" refFor="ch" refForName="accent_5"/>
+                <dgm:constr type="rMarg" for="ch" forName="text_5" refType="w" refFor="ch" refForName="accent_5" fact="1.8"/>
+                <dgm:constr type="primFontSz" for="ch" ptType="node" op="equ" val="65"/>
+              </dgm:constrLst>
+            </dgm:if>
+            <dgm:if name="Name19" axis="ch" ptType="node" func="cnt" op="equ" val="6">
+              <dgm:constrLst>
+                <dgm:constr type="h" for="ch" forName="cycle" refType="h"/>
+                <dgm:constr type="w" for="ch" forName="cycle" refType="h" refFor="ch" refForName="cycle" fact="0.26"/>
+                <dgm:constr type="r" for="ch" forName="cycle" refType="w"/>
+                <dgm:constr type="ctrY" for="ch" forName="cycle" refType="h" fact="0.5"/>
+                <dgm:constr type="diam" for="ch" forName="cycle" refType="h" fact="1.344"/>
+                <dgm:constr type="h" for="ch" forName="accent_1" refType="h" fact="0.1316"/>
+                <dgm:constr type="w" for="ch" forName="accent_1" refType="h" refFor="ch" refForName="accent_1" op="equ"/>
+                <dgm:constr type="ctrY" for="ch" forName="accent_1" refType="h" fact="0.1053"/>
+                <dgm:constr type="ctrX" for="ch" forName="accent_1" refType="w"/>
+                <dgm:constr type="ctrXOff" for="ch" forName="accent_1" refType="h" fact="-0.0943"/>
+                <dgm:constr type="r" for="ch" forName="text_1" refType="ctrX" refFor="ch" refForName="accent_1"/>
+                <dgm:constr type="rOff" for="ch" forName="text_1" refType="ctrXOff" refFor="ch" refForName="accent_1"/>
+                <dgm:constr type="l" for="ch" forName="text_1"/>
+                <dgm:constr type="w" for="ch" forName="text_1" refType="h" refFor="ch" refForName="text_1" op="gte"/>
+                <dgm:constr type="h" for="ch" forName="text_1" refType="h" refFor="ch" refForName="accent_1" fact="0.8"/>
+                <dgm:constr type="ctrY" for="ch" forName="text_1" refType="ctrY" refFor="ch" refForName="accent_1"/>
+                <dgm:constr type="rMarg" for="ch" forName="text_1" refType="w" refFor="ch" refForName="accent_1" fact="1.8"/>
+                <dgm:constr type="h" for="ch" forName="accent_2" refType="h" fact="0.1316"/>
+                <dgm:constr type="w" for="ch" forName="accent_2" refType="h" refFor="ch" refForName="accent_2" op="equ"/>
+                <dgm:constr type="ctrY" for="ch" forName="accent_2" refType="h" fact="0.2632"/>
+                <dgm:constr type="ctrX" for="ch" forName="accent_2" refType="w"/>
+                <dgm:constr type="ctrXOff" for="ch" forName="accent_2" refType="h" fact="-0.1809"/>
+                <dgm:constr type="r" for="ch" forName="text_2" refType="ctrX" refFor="ch" refForName="accent_2"/>
+                <dgm:constr type="rOff" for="ch" forName="text_2" refType="ctrXOff" refFor="ch" refForName="accent_2"/>
+                <dgm:constr type="l" for="ch" forName="text_2"/>
+                <dgm:constr type="w" for="ch" forName="text_2" refType="h" refFor="ch" refForName="text_2" op="gte"/>
+                <dgm:constr type="h" for="ch" forName="text_2" refType="h" refFor="ch" refForName="accent_2" fact="0.8"/>
+                <dgm:constr type="ctrY" for="ch" forName="text_2" refType="ctrY" refFor="ch" refForName="accent_2"/>
+                <dgm:constr type="rMarg" for="ch" forName="text_2" refType="w" refFor="ch" refForName="accent_2" fact="1.8"/>
+                <dgm:constr type="h" for="ch" forName="accent_3" refType="h" fact="0.1316"/>
+                <dgm:constr type="w" for="ch" forName="accent_3" refType="h" refFor="ch" refForName="accent_3" op="equ"/>
+                <dgm:constr type="ctrY" for="ch" forName="accent_3" refType="h" fact="0.4211"/>
+                <dgm:constr type="ctrX" for="ch" forName="accent_3" refType="w"/>
+                <dgm:constr type="ctrXOff" for="ch" forName="accent_3" refType="h" fact="-0.2205"/>
+                <dgm:constr type="r" for="ch" forName="text_3" refType="ctrX" refFor="ch" refForName="accent_3"/>
+                <dgm:constr type="rOff" for="ch" forName="text_3" refType="ctrXOff" refFor="ch" refForName="accent_3"/>
+                <dgm:constr type="l" for="ch" forName="text_3"/>
+                <dgm:constr type="w" for="ch" forName="text_3" refType="h" refFor="ch" refForName="text_3" op="gte"/>
+                <dgm:constr type="h" for="ch" forName="text_3" refType="h" refFor="ch" refForName="accent_3" fact="0.8"/>
+                <dgm:constr type="ctrY" for="ch" forName="text_3" refType="ctrY" refFor="ch" refForName="accent_3"/>
+                <dgm:constr type="rMarg" for="ch" forName="text_3" refType="w" refFor="ch" refForName="accent_3" fact="1.8"/>
+                <dgm:constr type="h" for="ch" forName="accent_4" refType="h" fact="0.1316"/>
+                <dgm:constr type="w" for="ch" forName="accent_4" refType="h" refFor="ch" refForName="accent_4" op="equ"/>
+                <dgm:constr type="ctrY" for="ch" forName="accent_4" refType="h" fact="0.5789"/>
+                <dgm:constr type="ctrX" for="ch" forName="accent_4" refType="w"/>
+                <dgm:constr type="ctrXOff" for="ch" forName="accent_4" refType="h" fact="-0.2205"/>
+                <dgm:constr type="r" for="ch" forName="text_4" refType="ctrX" refFor="ch" refForName="accent_4"/>
+                <dgm:constr type="rOff" for="ch" forName="text_4" refType="ctrXOff" refFor="ch" refForName="accent_4"/>
+                <dgm:constr type="l" for="ch" forName="text_4"/>
+                <dgm:constr type="w" for="ch" forName="text_4" refType="h" refFor="ch" refForName="text_4" op="gte"/>
+                <dgm:constr type="h" for="ch" forName="text_4" refType="h" refFor="ch" refForName="accent_4" fact="0.8"/>
+                <dgm:constr type="ctrY" for="ch" forName="text_4" refType="ctrY" refFor="ch" refForName="accent_4"/>
+                <dgm:constr type="rMarg" for="ch" forName="text_4" refType="w" refFor="ch" refForName="accent_4" fact="1.8"/>
+                <dgm:constr type="h" for="ch" forName="accent_5" refType="h" fact="0.1316"/>
+                <dgm:constr type="w" for="ch" forName="accent_5" refType="h" refFor="ch" refForName="accent_5" op="equ"/>
+                <dgm:constr type="ctrY" for="ch" forName="accent_5" refType="h" fact="0.7368"/>
+                <dgm:constr type="ctrX" for="ch" forName="accent_5" refType="w"/>
+                <dgm:constr type="ctrXOff" for="ch" forName="accent_5" refType="h" fact="-0.1809"/>
+                <dgm:constr type="r" for="ch" forName="text_5" refType="ctrX" refFor="ch" refForName="accent_5"/>
+                <dgm:constr type="rOff" for="ch" forName="text_5" refType="ctrXOff" refFor="ch" refForName="accent_5"/>
+                <dgm:constr type="l" for="ch" forName="text_5"/>
+                <dgm:constr type="w" for="ch" forName="text_5" refType="h" refFor="ch" refForName="text_5" op="gte"/>
+                <dgm:constr type="h" for="ch" forName="text_5" refType="h" refFor="ch" refForName="accent_5" fact="0.8"/>
+                <dgm:constr type="ctrY" for="ch" forName="text_5" refType="ctrY" refFor="ch" refForName="accent_5"/>
+                <dgm:constr type="rMarg" for="ch" forName="text_5" refType="w" refFor="ch" refForName="accent_5" fact="1.8"/>
+                <dgm:constr type="h" for="ch" forName="accent_6" refType="h" fact="0.1316"/>
+                <dgm:constr type="w" for="ch" forName="accent_6" refType="h" refFor="ch" refForName="accent_6" op="equ"/>
+                <dgm:constr type="ctrY" for="ch" forName="accent_6" refType="h" fact="0.8947"/>
+                <dgm:constr type="ctrX" for="ch" forName="accent_6" refType="w"/>
+                <dgm:constr type="ctrXOff" for="ch" forName="accent_6" refType="h" fact="-0.0943"/>
+                <dgm:constr type="r" for="ch" forName="text_6" refType="ctrX" refFor="ch" refForName="accent_6"/>
+                <dgm:constr type="rOff" for="ch" forName="text_6" refType="ctrXOff" refFor="ch" refForName="accent_6"/>
+                <dgm:constr type="l" for="ch" forName="text_6"/>
+                <dgm:constr type="w" for="ch" forName="text_6" refType="h" refFor="ch" refForName="text_6" op="gte"/>
+                <dgm:constr type="h" for="ch" forName="text_6" refType="h" refFor="ch" refForName="accent_6" fact="0.8"/>
+                <dgm:constr type="ctrY" for="ch" forName="text_6" refType="ctrY" refFor="ch" refForName="accent_6"/>
+                <dgm:constr type="rMarg" for="ch" forName="text_6" refType="w" refFor="ch" refForName="accent_6" fact="1.8"/>
+                <dgm:constr type="primFontSz" for="ch" ptType="node" op="equ" val="65"/>
+              </dgm:constrLst>
+            </dgm:if>
+            <dgm:else name="Name20">
+              <dgm:constrLst>
+                <dgm:constr type="h" for="ch" forName="cycle" refType="h"/>
+                <dgm:constr type="w" for="ch" forName="cycle" refType="h" refFor="ch" refForName="cycle" fact="0.26"/>
+                <dgm:constr type="r" for="ch" forName="cycle" refType="w"/>
+                <dgm:constr type="ctrY" for="ch" forName="cycle" refType="h" fact="0.5"/>
+                <dgm:constr type="diam" for="ch" forName="cycle" refType="h" fact="1.344"/>
+                <dgm:constr type="h" for="ch" forName="accent_1" refType="h" fact="0.1136"/>
+                <dgm:constr type="w" for="ch" forName="accent_1" refType="h" refFor="ch" refForName="accent_1" op="equ"/>
+                <dgm:constr type="ctrY" for="ch" forName="accent_1" refType="h" fact="0.0909"/>
+                <dgm:constr type="ctrX" for="ch" forName="accent_1" refType="w"/>
+                <dgm:constr type="ctrXOff" for="ch" forName="accent_1" refType="h" fact="-0.0835"/>
+                <dgm:constr type="r" for="ch" forName="text_1" refType="ctrX" refFor="ch" refForName="accent_1"/>
+                <dgm:constr type="rOff" for="ch" forName="text_1" refType="ctrXOff" refFor="ch" refForName="accent_1"/>
+                <dgm:constr type="l" for="ch" forName="text_1"/>
+                <dgm:constr type="w" for="ch" forName="text_1" refType="h" refFor="ch" refForName="text_1" op="gte"/>
+                <dgm:constr type="h" for="ch" forName="text_1" refType="h" refFor="ch" refForName="accent_1" fact="0.8"/>
+                <dgm:constr type="ctrY" for="ch" forName="text_1" refType="ctrY" refFor="ch" refForName="accent_1"/>
+                <dgm:constr type="rMarg" for="ch" forName="text_1" refType="w" refFor="ch" refForName="accent_1" fact="1.8"/>
+                <dgm:constr type="h" for="ch" forName="accent_2" refType="h" fact="0.1136"/>
+                <dgm:constr type="w" for="ch" forName="accent_2" refType="h" refFor="ch" refForName="accent_2" op="equ"/>
+                <dgm:constr type="ctrY" for="ch" forName="accent_2" refType="h" fact="0.2273"/>
+                <dgm:constr type="ctrX" for="ch" forName="accent_2" refType="w"/>
+                <dgm:constr type="ctrXOff" for="ch" forName="accent_2" refType="h" fact="-0.1658"/>
+                <dgm:constr type="r" for="ch" forName="text_2" refType="ctrX" refFor="ch" refForName="accent_2"/>
+                <dgm:constr type="rOff" for="ch" forName="text_2" refType="ctrXOff" refFor="ch" refForName="accent_2"/>
+                <dgm:constr type="l" for="ch" forName="text_2"/>
+                <dgm:constr type="w" for="ch" forName="text_2" refType="h" refFor="ch" refForName="text_2" op="gte"/>
+                <dgm:constr type="h" for="ch" forName="text_2" refType="h" refFor="ch" refForName="accent_2" fact="0.8"/>
+                <dgm:constr type="ctrY" for="ch" forName="text_2" refType="ctrY" refFor="ch" refForName="accent_2"/>
+                <dgm:constr type="rMarg" for="ch" forName="text_2" refType="w" refFor="ch" refForName="accent_2" fact="1.8"/>
+                <dgm:constr type="h" for="ch" forName="accent_3" refType="h" fact="0.1136"/>
+                <dgm:constr type="w" for="ch" forName="accent_3" refType="h" refFor="ch" refForName="accent_3" op="equ"/>
+                <dgm:constr type="ctrY" for="ch" forName="accent_3" refType="h" fact="0.3636"/>
+                <dgm:constr type="ctrX" for="ch" forName="accent_3" refType="w"/>
+                <dgm:constr type="ctrXOff" for="ch" forName="accent_3" refType="h" fact="-0.2109"/>
+                <dgm:constr type="r" for="ch" forName="text_3" refType="ctrX" refFor="ch" refForName="accent_3"/>
+                <dgm:constr type="rOff" for="ch" forName="text_3" refType="ctrXOff" refFor="ch" refForName="accent_3"/>
+                <dgm:constr type="l" for="ch" forName="text_3"/>
+                <dgm:constr type="w" for="ch" forName="text_3" refType="h" refFor="ch" refForName="text_3" op="gte"/>
+                <dgm:constr type="h" for="ch" forName="text_3" refType="h" refFor="ch" refForName="accent_3" fact="0.8"/>
+                <dgm:constr type="ctrY" for="ch" forName="text_3" refType="ctrY" refFor="ch" refForName="accent_3"/>
+                <dgm:constr type="rMarg" for="ch" forName="text_3" refType="w" refFor="ch" refForName="accent_3" fact="1.8"/>
+                <dgm:constr type="h" for="ch" forName="accent_4" refType="h" fact="0.1136"/>
+                <dgm:constr type="w" for="ch" forName="accent_4" refType="h" refFor="ch" refForName="accent_4" op="equ"/>
+                <dgm:constr type="ctrY" for="ch" forName="accent_4" refType="h" fact="0.5"/>
+                <dgm:constr type="ctrX" for="ch" forName="accent_4" refType="w"/>
+                <dgm:constr type="ctrXOff" for="ch" forName="accent_4" refType="h" fact="-0.2253"/>
+                <dgm:constr type="r" for="ch" forName="text_4" refType="ctrX" refFor="ch" refForName="accent_4"/>
+                <dgm:constr type="rOff" for="ch" forName="text_4" refType="ctrXOff" refFor="ch" refForName="accent_4"/>
+                <dgm:constr type="l" for="ch" forName="text_4"/>
+                <dgm:constr type="w" for="ch" forName="text_4" refType="h" refFor="ch" refForName="text_4" op="gte"/>
+                <dgm:constr type="h" for="ch" forName="text_4" refType="h" refFor="ch" refForName="accent_4" fact="0.8"/>
+                <dgm:constr type="ctrY" for="ch" forName="text_4" refType="ctrY" refFor="ch" refForName="accent_4"/>
+                <dgm:constr type="rMarg" for="ch" forName="text_4" refType="w" refFor="ch" refForName="accent_4" fact="1.8"/>
+                <dgm:constr type="h" for="ch" forName="accent_5" refType="h" fact="0.1136"/>
+                <dgm:constr type="w" for="ch" forName="accent_5" refType="h" refFor="ch" refForName="accent_5" op="equ"/>
+                <dgm:constr type="ctrY" for="ch" forName="accent_5" refType="h" fact="0.6364"/>
+                <dgm:constr type="ctrX" for="ch" forName="accent_5" refType="w"/>
+                <dgm:constr type="ctrXOff" for="ch" forName="accent_5" refType="h" fact="-0.2109"/>
+                <dgm:constr type="r" for="ch" forName="text_5" refType="ctrX" refFor="ch" refForName="accent_5"/>
+                <dgm:constr type="rOff" for="ch" forName="text_5" refType="ctrXOff" refFor="ch" refForName="accent_5"/>
+                <dgm:constr type="l" for="ch" forName="text_5"/>
+                <dgm:constr type="w" for="ch" forName="text_5" refType="h" refFor="ch" refForName="text_5" op="gte"/>
+                <dgm:constr type="h" for="ch" forName="text_5" refType="h" refFor="ch" refForName="accent_5" fact="0.8"/>
+                <dgm:constr type="ctrY" for="ch" forName="text_5" refType="ctrY" refFor="ch" refForName="accent_5"/>
+                <dgm:constr type="rMarg" for="ch" forName="text_5" refType="w" refFor="ch" refForName="accent_5" fact="1.8"/>
+                <dgm:constr type="h" for="ch" forName="accent_6" refType="h" fact="0.1136"/>
+                <dgm:constr type="w" for="ch" forName="accent_6" refType="h" refFor="ch" refForName="accent_6" op="equ"/>
+                <dgm:constr type="ctrY" for="ch" forName="accent_6" refType="h" fact="0.7727"/>
+                <dgm:constr type="ctrX" for="ch" forName="accent_6" refType="w"/>
+                <dgm:constr type="ctrXOff" for="ch" forName="accent_6" refType="h" fact="-0.1658"/>
+                <dgm:constr type="r" for="ch" forName="text_6" refType="ctrX" refFor="ch" refForName="accent_6"/>
+                <dgm:constr type="rOff" for="ch" forName="text_6" refType="ctrXOff" refFor="ch" refForName="accent_6"/>
+                <dgm:constr type="l" for="ch" forName="text_6"/>
+                <dgm:constr type="w" for="ch" forName="text_6" refType="h" refFor="ch" refForName="text_6" op="gte"/>
+                <dgm:constr type="h" for="ch" forName="text_6" refType="h" refFor="ch" refForName="accent_6" fact="0.8"/>
+                <dgm:constr type="ctrY" for="ch" forName="text_6" refType="ctrY" refFor="ch" refForName="accent_6"/>
+                <dgm:constr type="rMarg" for="ch" forName="text_6" refType="w" refFor="ch" refForName="accent_6" fact="1.8"/>
+                <dgm:constr type="h" for="ch" forName="accent_7" refType="h" fact="0.1136"/>
+                <dgm:constr type="w" for="ch" forName="accent_7" refType="h" refFor="ch" refForName="accent_7" op="equ"/>
+                <dgm:constr type="ctrY" for="ch" forName="accent_7" refType="h" fact="0.9091"/>
+                <dgm:constr type="ctrX" for="ch" forName="accent_7" refType="w"/>
+                <dgm:constr type="ctrXOff" for="ch" forName="accent_7" refType="h" fact="-0.0835"/>
+                <dgm:constr type="r" for="ch" forName="text_7" refType="ctrX" refFor="ch" refForName="accent_7"/>
+                <dgm:constr type="rOff" for="ch" forName="text_7" refType="ctrXOff" refFor="ch" refForName="accent_7"/>
+                <dgm:constr type="l" for="ch" forName="text_7"/>
+                <dgm:constr type="w" for="ch" forName="text_7" refType="h" refFor="ch" refForName="text_7" op="gte"/>
+                <dgm:constr type="h" for="ch" forName="text_7" refType="h" refFor="ch" refForName="accent_7" fact="0.8"/>
+                <dgm:constr type="ctrY" for="ch" forName="text_7" refType="ctrY" refFor="ch" refForName="accent_7"/>
+                <dgm:constr type="rMarg" for="ch" forName="text_7" refType="w" refFor="ch" refForName="accent_7" fact="1.8"/>
+                <dgm:constr type="primFontSz" for="ch" ptType="node" op="equ" val="65"/>
+              </dgm:constrLst>
+            </dgm:else>
+          </dgm:choose>
+        </dgm:else>
+      </dgm:choose>
+      <dgm:layoutNode name="cycle">
+        <dgm:choose name="Name21">
+          <dgm:if name="Name22" func="var" arg="dir" op="equ" val="norm">
+            <dgm:alg type="cycle">
+              <dgm:param type="stAng" val="45"/>
+              <dgm:param type="spanAng" val="90"/>
+            </dgm:alg>
+          </dgm:if>
+          <dgm:else name="Name23">
+            <dgm:alg type="cycle">
+              <dgm:param type="stAng" val="225"/>
+              <dgm:param type="spanAng" val="90"/>
+            </dgm:alg>
+          </dgm:else>
+        </dgm:choose>
+        <dgm:shape xmlns:r="http://schemas.openxmlformats.org/officeDocument/2006/relationships" r:blip="">
+          <dgm:adjLst/>
+        </dgm:shape>
+        <dgm:presOf/>
+        <dgm:constrLst>
+          <dgm:constr type="w" for="ch" val="1"/>
+          <dgm:constr type="h" for="ch" val="1"/>
+          <dgm:constr type="diam" for="ch" forName="conn" refType="diam"/>
+        </dgm:constrLst>
+        <dgm:layoutNode name="srcNode">
+          <dgm:alg type="sp"/>
+          <dgm:shape xmlns:r="http://schemas.openxmlformats.org/officeDocument/2006/relationships" type="rect" r:blip="" hideGeom="1">
+            <dgm:adjLst/>
+          </dgm:shape>
+          <dgm:presOf/>
+        </dgm:layoutNode>
+        <dgm:layoutNode name="conn" styleLbl="parChTrans1D2">
+          <dgm:alg type="conn">
+            <dgm:param type="connRout" val="curve"/>
+            <dgm:param type="srcNode" val="srcNode"/>
+            <dgm:param type="dstNode" val="dstNode"/>
+            <dgm:param type="begPts" val="ctr"/>
+            <dgm:param type="endPts" val="ctr"/>
+            <dgm:param type="endSty" val="noArr"/>
+          </dgm:alg>
+          <dgm:shape xmlns:r="http://schemas.openxmlformats.org/officeDocument/2006/relationships" type="conn" r:blip="">
+            <dgm:adjLst/>
+          </dgm:shape>
+          <dgm:presOf axis="desOrSelf" ptType="sibTrans" hideLastTrans="0" st="0" cnt="1"/>
+          <dgm:constrLst>
+            <dgm:constr type="begPad"/>
+            <dgm:constr type="endPad"/>
+          </dgm:constrLst>
+        </dgm:layoutNode>
+        <dgm:layoutNode name="extraNode">
+          <dgm:alg type="sp"/>
+          <dgm:shape xmlns:r="http://schemas.openxmlformats.org/officeDocument/2006/relationships" type="rect" r:blip="" hideGeom="1">
+            <dgm:adjLst/>
+          </dgm:shape>
+          <dgm:presOf/>
+        </dgm:layoutNode>
+        <dgm:layoutNode name="dstNode">
+          <dgm:alg type="sp"/>
+          <dgm:shape xmlns:r="http://schemas.openxmlformats.org/officeDocument/2006/relationships" type="rect" r:blip="" hideGeom="1">
+            <dgm:adjLst/>
+          </dgm:shape>
+          <dgm:presOf/>
+        </dgm:layoutNode>
+      </dgm:layoutNode>
+      <dgm:forEach name="wrapper" axis="self" ptType="parTrans">
+        <dgm:forEach name="wrapper2" axis="self" ptType="sibTrans" st="2">
+          <dgm:forEach name="accentRepeat" axis="self">
+            <dgm:layoutNode name="accentRepeatNode" styleLbl="solidFgAcc1">
+              <dgm:alg type="sp"/>
+              <dgm:shape xmlns:r="http://schemas.openxmlformats.org/officeDocument/2006/relationships" type="ellipse" r:blip="">
+                <dgm:adjLst/>
+              </dgm:shape>
+              <dgm:presOf/>
+            </dgm:layoutNode>
+          </dgm:forEach>
+        </dgm:forEach>
+      </dgm:forEach>
+      <dgm:forEach name="Name24" axis="ch" ptType="node" cnt="1">
+        <dgm:layoutNode name="text_1" styleLbl="node1">
+          <dgm:varLst>
+            <dgm:bulletEnabled val="1"/>
+          </dgm:varLst>
+          <dgm:choose name="Name25">
+            <dgm:if name="Name26" func="var" arg="dir" op="equ" val="norm">
+              <dgm:alg type="tx">
+                <dgm:param type="parTxLTRAlign" val="l"/>
+                <dgm:param type="shpTxLTRAlignCh" val="l"/>
+                <dgm:param type="parTxRTLAlign" val="l"/>
+                <dgm:param type="shpTxRTLAlignCh" val="l"/>
+              </dgm:alg>
+            </dgm:if>
+            <dgm:else name="Name27">
+              <dgm:alg type="tx">
+                <dgm:param type="parTxLTRAlign" val="r"/>
+                <dgm:param type="shpTxLTRAlignCh" val="r"/>
+                <dgm:param type="parTxRTLAlign" val="r"/>
+                <dgm:param type="shpTxRTLAlignCh" val="r"/>
+              </dgm:alg>
+            </dgm:else>
+          </dgm:choose>
+          <dgm:shape xmlns:r="http://schemas.openxmlformats.org/officeDocument/2006/relationships" type="rect" r:blip="">
+            <dgm:adjLst/>
+          </dgm:shape>
+          <dgm:presOf axis="desOrSelf" ptType="node"/>
+          <dgm:constrLst>
+            <dgm:constr type="primFontSz" val="65"/>
+            <dgm:constr type="lMarg" refType="primFontSz" fact="0.2"/>
+            <dgm:constr type="rMarg" refType="primFontSz" fact="0.2"/>
+            <dgm:constr type="tMarg" refType="primFontSz" fact="0.2"/>
+            <dgm:constr type="bMarg" refType="primFontSz" fact="0.2"/>
+          </dgm:constrLst>
+          <dgm:ruleLst>
+            <dgm:rule type="primFontSz" val="5" fact="NaN" max="NaN"/>
+          </dgm:ruleLst>
+        </dgm:layoutNode>
+        <dgm:layoutNode name="accent_1">
+          <dgm:alg type="sp"/>
+          <dgm:shape xmlns:r="http://schemas.openxmlformats.org/officeDocument/2006/relationships" r:blip="">
+            <dgm:adjLst/>
+          </dgm:shape>
+          <dgm:presOf/>
+          <dgm:constrLst/>
+          <dgm:forEach name="Name28" ref="accentRepeat"/>
+        </dgm:layoutNode>
+      </dgm:forEach>
+      <dgm:forEach name="Name29" axis="ch" ptType="node" st="2" cnt="1">
+        <dgm:layoutNode name="text_2" styleLbl="node1">
+          <dgm:varLst>
+            <dgm:bulletEnabled val="1"/>
+          </dgm:varLst>
+          <dgm:choose name="Name30">
+            <dgm:if name="Name31" func="var" arg="dir" op="equ" val="norm">
+              <dgm:alg type="tx">
+                <dgm:param type="parTxLTRAlign" val="l"/>
+                <dgm:param type="shpTxLTRAlignCh" val="l"/>
+                <dgm:param type="parTxRTLAlign" val="l"/>
+                <dgm:param type="shpTxRTLAlignCh" val="l"/>
+              </dgm:alg>
+            </dgm:if>
+            <dgm:else name="Name32">
+              <dgm:alg type="tx">
+                <dgm:param type="parTxLTRAlign" val="r"/>
+                <dgm:param type="shpTxLTRAlignCh" val="r"/>
+                <dgm:param type="parTxRTLAlign" val="r"/>
+                <dgm:param type="shpTxRTLAlignCh" val="r"/>
+              </dgm:alg>
+            </dgm:else>
+          </dgm:choose>
+          <dgm:shape xmlns:r="http://schemas.openxmlformats.org/officeDocument/2006/relationships" type="rect" r:blip="">
+            <dgm:adjLst/>
+          </dgm:shape>
+          <dgm:presOf axis="desOrSelf" ptType="node"/>
+          <dgm:constrLst>
+            <dgm:constr type="primFontSz" val="65"/>
+            <dgm:constr type="lMarg" refType="primFontSz" fact="0.2"/>
+            <dgm:constr type="rMarg" refType="primFontSz" fact="0.2"/>
+            <dgm:constr type="tMarg" refType="primFontSz" fact="0.2"/>
+            <dgm:constr type="bMarg" refType="primFontSz" fact="0.2"/>
+          </dgm:constrLst>
+          <dgm:ruleLst>
+            <dgm:rule type="primFontSz" val="5" fact="NaN" max="NaN"/>
+          </dgm:ruleLst>
+        </dgm:layoutNode>
+        <dgm:layoutNode name="accent_2">
+          <dgm:alg type="sp"/>
+          <dgm:shape xmlns:r="http://schemas.openxmlformats.org/officeDocument/2006/relationships" r:blip="">
+            <dgm:adjLst/>
+          </dgm:shape>
+          <dgm:presOf/>
+          <dgm:constrLst/>
+          <dgm:forEach name="Name33" ref="accentRepeat"/>
+        </dgm:layoutNode>
+      </dgm:forEach>
+      <dgm:forEach name="Name34" axis="ch" ptType="node" st="3" cnt="1">
+        <dgm:layoutNode name="text_3" styleLbl="node1">
+          <dgm:varLst>
+            <dgm:bulletEnabled val="1"/>
+          </dgm:varLst>
+          <dgm:choose name="Name35">
+            <dgm:if name="Name36" func="var" arg="dir" op="equ" val="norm">
+              <dgm:alg type="tx">
+                <dgm:param type="parTxLTRAlign" val="l"/>
+                <dgm:param type="shpTxLTRAlignCh" val="l"/>
+                <dgm:param type="parTxRTLAlign" val="l"/>
+                <dgm:param type="shpTxRTLAlignCh" val="l"/>
+              </dgm:alg>
+            </dgm:if>
+            <dgm:else name="Name37">
+              <dgm:alg type="tx">
+                <dgm:param type="parTxLTRAlign" val="r"/>
+                <dgm:param type="shpTxLTRAlignCh" val="r"/>
+                <dgm:param type="parTxRTLAlign" val="r"/>
+                <dgm:param type="shpTxRTLAlignCh" val="r"/>
+              </dgm:alg>
+            </dgm:else>
+          </dgm:choose>
+          <dgm:shape xmlns:r="http://schemas.openxmlformats.org/officeDocument/2006/relationships" type="rect" r:blip="">
+            <dgm:adjLst/>
+          </dgm:shape>
+          <dgm:presOf axis="desOrSelf" ptType="node"/>
+          <dgm:constrLst>
+            <dgm:constr type="primFontSz" val="65"/>
+            <dgm:constr type="lMarg" refType="primFontSz" fact="0.2"/>
+            <dgm:constr type="rMarg" refType="primFontSz" fact="0.2"/>
+            <dgm:constr type="tMarg" refType="primFontSz" fact="0.2"/>
+            <dgm:constr type="bMarg" refType="primFontSz" fact="0.2"/>
+          </dgm:constrLst>
+          <dgm:ruleLst>
+            <dgm:rule type="primFontSz" val="5" fact="NaN" max="NaN"/>
+          </dgm:ruleLst>
+        </dgm:layoutNode>
+        <dgm:layoutNode name="accent_3">
+          <dgm:alg type="sp"/>
+          <dgm:shape xmlns:r="http://schemas.openxmlformats.org/officeDocument/2006/relationships" r:blip="">
+            <dgm:adjLst/>
+          </dgm:shape>
+          <dgm:presOf/>
+          <dgm:constrLst/>
+          <dgm:forEach name="Name38" ref="accentRepeat"/>
+        </dgm:layoutNode>
+      </dgm:forEach>
+      <dgm:forEach name="Name39" axis="ch" ptType="node" st="4" cnt="1">
+        <dgm:layoutNode name="text_4" styleLbl="node1">
+          <dgm:varLst>
+            <dgm:bulletEnabled val="1"/>
+          </dgm:varLst>
+          <dgm:choose name="Name40">
+            <dgm:if name="Name41" func="var" arg="dir" op="equ" val="norm">
+              <dgm:alg type="tx">
+                <dgm:param type="parTxLTRAlign" val="l"/>
+                <dgm:param type="shpTxLTRAlignCh" val="l"/>
+                <dgm:param type="parTxRTLAlign" val="l"/>
+                <dgm:param type="shpTxRTLAlignCh" val="l"/>
+              </dgm:alg>
+            </dgm:if>
+            <dgm:else name="Name42">
+              <dgm:alg type="tx">
+                <dgm:param type="parTxLTRAlign" val="r"/>
+                <dgm:param type="shpTxLTRAlignCh" val="r"/>
+                <dgm:param type="parTxRTLAlign" val="r"/>
+                <dgm:param type="shpTxRTLAlignCh" val="r"/>
+              </dgm:alg>
+            </dgm:else>
+          </dgm:choose>
+          <dgm:shape xmlns:r="http://schemas.openxmlformats.org/officeDocument/2006/relationships" type="rect" r:blip="">
+            <dgm:adjLst/>
+          </dgm:shape>
+          <dgm:presOf axis="desOrSelf" ptType="node"/>
+          <dgm:constrLst>
+            <dgm:constr type="primFontSz" val="65"/>
+            <dgm:constr type="lMarg" refType="primFontSz" fact="0.2"/>
+            <dgm:constr type="rMarg" refType="primFontSz" fact="0.2"/>
+            <dgm:constr type="tMarg" refType="primFontSz" fact="0.2"/>
+            <dgm:constr type="bMarg" refType="primFontSz" fact="0.2"/>
+          </dgm:constrLst>
+          <dgm:ruleLst>
+            <dgm:rule type="primFontSz" val="5" fact="NaN" max="NaN"/>
+          </dgm:ruleLst>
+        </dgm:layoutNode>
+        <dgm:layoutNode name="accent_4">
+          <dgm:alg type="sp"/>
+          <dgm:shape xmlns:r="http://schemas.openxmlformats.org/officeDocument/2006/relationships" r:blip="">
+            <dgm:adjLst/>
+          </dgm:shape>
+          <dgm:presOf/>
+          <dgm:constrLst/>
+          <dgm:forEach name="Name43" ref="accentRepeat"/>
+        </dgm:layoutNode>
+      </dgm:forEach>
+      <dgm:forEach name="Name44" axis="ch" ptType="node" st="5" cnt="1">
+        <dgm:layoutNode name="text_5" styleLbl="node1">
+          <dgm:varLst>
+            <dgm:bulletEnabled val="1"/>
+          </dgm:varLst>
+          <dgm:choose name="Name45">
+            <dgm:if name="Name46" func="var" arg="dir" op="equ" val="norm">
+              <dgm:alg type="tx">
+                <dgm:param type="parTxLTRAlign" val="l"/>
+                <dgm:param type="shpTxLTRAlignCh" val="l"/>
+                <dgm:param type="parTxRTLAlign" val="l"/>
+                <dgm:param type="shpTxRTLAlignCh" val="l"/>
+              </dgm:alg>
+            </dgm:if>
+            <dgm:else name="Name47">
+              <dgm:alg type="tx">
+                <dgm:param type="parTxLTRAlign" val="r"/>
+                <dgm:param type="shpTxLTRAlignCh" val="r"/>
+                <dgm:param type="parTxRTLAlign" val="r"/>
+                <dgm:param type="shpTxRTLAlignCh" val="r"/>
+              </dgm:alg>
+            </dgm:else>
+          </dgm:choose>
+          <dgm:shape xmlns:r="http://schemas.openxmlformats.org/officeDocument/2006/relationships" type="rect" r:blip="">
+            <dgm:adjLst/>
+          </dgm:shape>
+          <dgm:presOf axis="desOrSelf" ptType="node"/>
+          <dgm:constrLst>
+            <dgm:constr type="primFontSz" val="65"/>
+            <dgm:constr type="lMarg" refType="primFontSz" fact="0.2"/>
+            <dgm:constr type="rMarg" refType="primFontSz" fact="0.2"/>
+            <dgm:constr type="tMarg" refType="primFontSz" fact="0.2"/>
+            <dgm:constr type="bMarg" refType="primFontSz" fact="0.2"/>
+          </dgm:constrLst>
+          <dgm:ruleLst>
+            <dgm:rule type="primFontSz" val="5" fact="NaN" max="NaN"/>
+          </dgm:ruleLst>
+        </dgm:layoutNode>
+        <dgm:layoutNode name="accent_5">
+          <dgm:alg type="sp"/>
+          <dgm:shape xmlns:r="http://schemas.openxmlformats.org/officeDocument/2006/relationships" r:blip="">
+            <dgm:adjLst/>
+          </dgm:shape>
+          <dgm:presOf/>
+          <dgm:constrLst/>
+          <dgm:forEach name="Name48" ref="accentRepeat"/>
+        </dgm:layoutNode>
+      </dgm:forEach>
+      <dgm:forEach name="Name49" axis="ch" ptType="node" st="6" cnt="1">
+        <dgm:layoutNode name="text_6" styleLbl="node1">
+          <dgm:varLst>
+            <dgm:bulletEnabled val="1"/>
+          </dgm:varLst>
+          <dgm:choose name="Name50">
+            <dgm:if name="Name51" func="var" arg="dir" op="equ" val="norm">
+              <dgm:alg type="tx">
+                <dgm:param type="parTxLTRAlign" val="l"/>
+                <dgm:param type="shpTxLTRAlignCh" val="l"/>
+                <dgm:param type="parTxRTLAlign" val="l"/>
+                <dgm:param type="shpTxRTLAlignCh" val="l"/>
+              </dgm:alg>
+            </dgm:if>
+            <dgm:else name="Name52">
+              <dgm:alg type="tx">
+                <dgm:param type="parTxLTRAlign" val="r"/>
+                <dgm:param type="shpTxLTRAlignCh" val="r"/>
+                <dgm:param type="parTxRTLAlign" val="r"/>
+                <dgm:param type="shpTxRTLAlignCh" val="r"/>
+              </dgm:alg>
+            </dgm:else>
+          </dgm:choose>
+          <dgm:shape xmlns:r="http://schemas.openxmlformats.org/officeDocument/2006/relationships" type="rect" r:blip="">
+            <dgm:adjLst/>
+          </dgm:shape>
+          <dgm:presOf axis="desOrSelf" ptType="node"/>
+          <dgm:constrLst>
+            <dgm:constr type="primFontSz" val="65"/>
+            <dgm:constr type="lMarg" refType="primFontSz" fact="0.2"/>
+            <dgm:constr type="rMarg" refType="primFontSz" fact="0.2"/>
+            <dgm:constr type="tMarg" refType="primFontSz" fact="0.2"/>
+            <dgm:constr type="bMarg" refType="primFontSz" fact="0.2"/>
+          </dgm:constrLst>
+          <dgm:ruleLst>
+            <dgm:rule type="primFontSz" val="5" fact="NaN" max="NaN"/>
+          </dgm:ruleLst>
+        </dgm:layoutNode>
+        <dgm:layoutNode name="accent_6">
+          <dgm:alg type="sp"/>
+          <dgm:shape xmlns:r="http://schemas.openxmlformats.org/officeDocument/2006/relationships" r:blip="">
+            <dgm:adjLst/>
+          </dgm:shape>
+          <dgm:presOf/>
+          <dgm:constrLst/>
+          <dgm:forEach name="Name53" ref="accentRepeat"/>
+        </dgm:layoutNode>
+      </dgm:forEach>
+      <dgm:forEach name="Name54" axis="ch" ptType="node" st="7" cnt="1">
+        <dgm:layoutNode name="text_7" styleLbl="node1">
+          <dgm:varLst>
+            <dgm:bulletEnabled val="1"/>
+          </dgm:varLst>
+          <dgm:choose name="Name55">
+            <dgm:if name="Name56" func="var" arg="dir" op="equ" val="norm">
+              <dgm:alg type="tx">
+                <dgm:param type="parTxLTRAlign" val="l"/>
+                <dgm:param type="shpTxLTRAlignCh" val="l"/>
+                <dgm:param type="parTxRTLAlign" val="l"/>
+                <dgm:param type="shpTxRTLAlignCh" val="l"/>
+              </dgm:alg>
+            </dgm:if>
+            <dgm:else name="Name57">
+              <dgm:alg type="tx">
+                <dgm:param type="parTxLTRAlign" val="r"/>
+                <dgm:param type="shpTxLTRAlignCh" val="r"/>
+                <dgm:param type="parTxRTLAlign" val="r"/>
+                <dgm:param type="shpTxRTLAlignCh" val="r"/>
+              </dgm:alg>
+            </dgm:else>
+          </dgm:choose>
+          <dgm:shape xmlns:r="http://schemas.openxmlformats.org/officeDocument/2006/relationships" type="rect" r:blip="">
+            <dgm:adjLst/>
+          </dgm:shape>
+          <dgm:presOf axis="desOrSelf" ptType="node"/>
+          <dgm:constrLst>
+            <dgm:constr type="primFontSz" val="65"/>
+            <dgm:constr type="lMarg" refType="primFontSz" fact="0.2"/>
+            <dgm:constr type="rMarg" refType="primFontSz" fact="0.2"/>
+            <dgm:constr type="tMarg" refType="primFontSz" fact="0.2"/>
+            <dgm:constr type="bMarg" refType="primFontSz" fact="0.2"/>
+          </dgm:constrLst>
+          <dgm:ruleLst>
+            <dgm:rule type="primFontSz" val="5" fact="NaN" max="NaN"/>
+          </dgm:ruleLst>
+        </dgm:layoutNode>
+        <dgm:layoutNode name="accent_7">
+          <dgm:alg type="sp"/>
+          <dgm:shape xmlns:r="http://schemas.openxmlformats.org/officeDocument/2006/relationships" r:blip="">
+            <dgm:adjLst/>
+          </dgm:shape>
+          <dgm:presOf/>
+          <dgm:constrLst/>
+          <dgm:forEach name="Name58" ref="accentRepeat"/>
+        </dgm:layoutNode>
+      </dgm:forEach>
+    </dgm:layoutNode>
+  </dgm:layoutNode>
+</dgm:layoutDef>
+</file>
+
 <file path=ppt/diagrams/quickStyle1.xml><?xml version="1.0" encoding="utf-8"?>
+<dgm:styleDef xmlns:dgm="http://schemas.openxmlformats.org/drawingml/2006/diagram" xmlns:a="http://schemas.openxmlformats.org/drawingml/2006/main" uniqueId="urn:microsoft.com/office/officeart/2005/8/quickstyle/simple1">
+  <dgm:title val=""/>
+  <dgm:desc val=""/>
+  <dgm:catLst>
+    <dgm:cat type="simple" pri="10100"/>
+  </dgm:catLst>
+  <dgm:scene3d>
+    <a:camera prst="orthographicFront"/>
+    <a:lightRig rig="threePt" dir="t"/>
+  </dgm:scene3d>
+  <dgm:styleLbl name="node0">
+    <dgm:scene3d>
+      <a:camera prst="orthographicFront"/>
+      <a:lightRig rig="threePt" dir="t"/>
+    </dgm:scene3d>
+    <dgm:sp3d/>
+    <dgm:txPr/>
+    <dgm:style>
+      <a:lnRef idx="2">
+        <a:scrgbClr r="0" g="0" b="0"/>
+      </a:lnRef>
+      <a:fillRef idx="1">
+        <a:scrgbClr r="0" g="0" b="0"/>
+      </a:fillRef>
+      <a:effectRef idx="0">
+        <a:scrgbClr r="0" g="0" b="0"/>
+      </a:effectRef>
+      <a:fontRef idx="minor">
+        <a:schemeClr val="lt1"/>
+      </a:fontRef>
+    </dgm:style>
+  </dgm:styleLbl>
+  <dgm:styleLbl name="lnNode1">
+    <dgm:scene3d>
+      <a:camera prst="orthographicFront"/>
+      <a:lightRig rig="threePt" dir="t"/>
+    </dgm:scene3d>
+    <dgm:sp3d/>
+    <dgm:txPr/>
+    <dgm:style>
+      <a:lnRef idx="2">
+        <a:scrgbClr r="0" g="0" b="0"/>
+      </a:lnRef>
+      <a:fillRef idx="1">
+        <a:scrgbClr r="0" g="0" b="0"/>
+      </a:fillRef>
+      <a:effectRef idx="0">
+        <a:scrgbClr r="0" g="0" b="0"/>
+      </a:effectRef>
+      <a:fontRef idx="minor">
+        <a:schemeClr val="lt1"/>
+      </a:fontRef>
+    </dgm:style>
+  </dgm:styleLbl>
+  <dgm:styleLbl name="vennNode1">
+    <dgm:scene3d>
+      <a:camera prst="orthographicFront"/>
+      <a:lightRig rig="threePt" dir="t"/>
+    </dgm:scene3d>
+    <dgm:sp3d/>
+    <dgm:txPr/>
+    <dgm:style>
+      <a:lnRef idx="2">
+        <a:scrgbClr r="0" g="0" b="0"/>
+      </a:lnRef>
+      <a:fillRef idx="1">
+        <a:scrgbClr r="0" g="0" b="0"/>
+      </a:fillRef>
+      <a:effectRef idx="0">
+        <a:scrgbClr r="0" g="0" b="0"/>
+      </a:effectRef>
+      <a:fontRef idx="minor">
+        <a:schemeClr val="tx1"/>
+      </a:fontRef>
+    </dgm:style>
+  </dgm:styleLbl>
+  <dgm:styleLbl name="alignNode1">
+    <dgm:scene3d>
+      <a:camera prst="orthographicFront"/>
+      <a:lightRig rig="threePt" dir="t"/>
+    </dgm:scene3d>
+    <dgm:sp3d/>
+    <dgm:txPr/>
+    <dgm:style>
+      <a:lnRef idx="2">
+        <a:scrgbClr r="0" g="0" b="0"/>
+      </a:lnRef>
+      <a:fillRef idx="1">
+        <a:scrgbClr r="0" g="0" b="0"/>
+      </a:fillRef>
+      <a:effectRef idx="0">
+        <a:scrgbClr r="0" g="0" b="0"/>
+      </a:effectRef>
+      <a:fontRef idx="minor">
+        <a:schemeClr val="lt1"/>
+      </a:fontRef>
+    </dgm:style>
+  </dgm:styleLbl>
+  <dgm:styleLbl name="node1">
+    <dgm:scene3d>
+      <a:camera prst="orthographicFront"/>
+      <a:lightRig rig="threePt" dir="t"/>
+    </dgm:scene3d>
+    <dgm:sp3d/>
+    <dgm:txPr/>
+    <dgm:style>
+      <a:lnRef idx="2">
+        <a:scrgbClr r="0" g="0" b="0"/>
+      </a:lnRef>
+      <a:fillRef idx="1">
+        <a:scrgbClr r="0" g="0" b="0"/>
+      </a:fillRef>
+      <a:effectRef idx="0">
+        <a:scrgbClr r="0" g="0" b="0"/>
+      </a:effectRef>
+      <a:fontRef idx="minor">
+        <a:schemeClr val="lt1"/>
+      </a:fontRef>
+    </dgm:style>
+  </dgm:styleLbl>
+  <dgm:styleLbl name="node2">
+    <dgm:scene3d>
+      <a:camera prst="orthographicFront"/>
+      <a:lightRig rig="threePt" dir="t"/>
+    </dgm:scene3d>
+    <dgm:sp3d/>
+    <dgm:txPr/>
+    <dgm:style>
+      <a:lnRef idx="2">
+        <a:scrgbClr r="0" g="0" b="0"/>
+      </a:lnRef>
+      <a:fillRef idx="1">
+        <a:scrgbClr r="0" g="0" b="0"/>
+      </a:fillRef>
+      <a:effectRef idx="0">
+        <a:scrgbClr r="0" g="0" b="0"/>
+      </a:effectRef>
+      <a:fontRef idx="minor">
+        <a:schemeClr val="lt1"/>
+      </a:fontRef>
+    </dgm:style>
+  </dgm:styleLbl>
+  <dgm:styleLbl name="node3">
+    <dgm:scene3d>
+      <a:camera prst="orthographicFront"/>
+      <a:lightRig rig="threePt" dir="t"/>
+    </dgm:scene3d>
+    <dgm:sp3d/>
+    <dgm:txPr/>
+    <dgm:style>
+      <a:lnRef idx="2">
+        <a:scrgbClr r="0" g="0" b="0"/>
+      </a:lnRef>
+      <a:fillRef idx="1">
+        <a:scrgbClr r="0" g="0" b="0"/>
+      </a:fillRef>
+      <a:effectRef idx="0">
+        <a:scrgbClr r="0" g="0" b="0"/>
+      </a:effectRef>
+      <a:fontRef idx="minor">
+        <a:schemeClr val="lt1"/>
+      </a:fontRef>
+    </dgm:style>
+  </dgm:styleLbl>
+  <dgm:styleLbl name="node4">
+    <dgm:scene3d>
+      <a:camera prst="orthographicFront"/>
+      <a:lightRig rig="threePt" dir="t"/>
+    </dgm:scene3d>
+    <dgm:sp3d/>
+    <dgm:txPr/>
+    <dgm:style>
+      <a:lnRef idx="2">
+        <a:scrgbClr r="0" g="0" b="0"/>
+      </a:lnRef>
+      <a:fillRef idx="1">
+        <a:scrgbClr r="0" g="0" b="0"/>
+      </a:fillRef>
+      <a:effectRef idx="0">
+        <a:scrgbClr r="0" g="0" b="0"/>
+      </a:effectRef>
+      <a:fontRef idx="minor">
+        <a:schemeClr val="lt1"/>
+      </a:fontRef>
+    </dgm:style>
+  </dgm:styleLbl>
+  <dgm:styleLbl name="fgImgPlace1">
+    <dgm:scene3d>
+      <a:camera prst="orthographicFront"/>
+      <a:lightRig rig="threePt" dir="t"/>
+    </dgm:scene3d>
+    <dgm:sp3d/>
+    <dgm:txPr/>
+    <dgm:style>
+      <a:lnRef idx="2">
+        <a:scrgbClr r="0" g="0" b="0"/>
+      </a:lnRef>
+      <a:fillRef idx="1">
+        <a:scrgbClr r="0" g="0" b="0"/>
+      </a:fillRef>
+      <a:effectRef idx="0">
+        <a:scrgbClr r="0" g="0" b="0"/>
+      </a:effectRef>
+      <a:fontRef idx="minor"/>
+    </dgm:style>
+  </dgm:styleLbl>
+  <dgm:styleLbl name="alignImgPlace1">
+    <dgm:scene3d>
+      <a:camera prst="orthographicFront"/>
+      <a:lightRig rig="threePt" dir="t"/>
+    </dgm:scene3d>
+    <dgm:sp3d/>
+    <dgm:txPr/>
+    <dgm:style>
+      <a:lnRef idx="2">
+        <a:scrgbClr r="0" g="0" b="0"/>
+      </a:lnRef>
+      <a:fillRef idx="1">
+        <a:scrgbClr r="0" g="0" b="0"/>
+      </a:fillRef>
+      <a:effectRef idx="0">
+        <a:scrgbClr r="0" g="0" b="0"/>
+      </a:effectRef>
+      <a:fontRef idx="minor"/>
+    </dgm:style>
+  </dgm:styleLbl>
+  <dgm:styleLbl name="bgImgPlace1">
+    <dgm:scene3d>
+      <a:camera prst="orthographicFront"/>
+      <a:lightRig rig="threePt" dir="t"/>
+    </dgm:scene3d>
+    <dgm:sp3d/>
+    <dgm:txPr/>
+    <dgm:style>
+      <a:lnRef idx="2">
+        <a:scrgbClr r="0" g="0" b="0"/>
+      </a:lnRef>
+      <a:fillRef idx="1">
+        <a:scrgbClr r="0" g="0" b="0"/>
+      </a:fillRef>
+      <a:effectRef idx="0">
+        <a:scrgbClr r="0" g="0" b="0"/>
+      </a:effectRef>
+      <a:fontRef idx="minor"/>
+    </dgm:style>
+  </dgm:styleLbl>
+  <dgm:styleLbl name="sibTrans2D1">
+    <dgm:scene3d>
+      <a:camera prst="orthographicFront"/>
+      <a:lightRig rig="threePt" dir="t"/>
+    </dgm:scene3d>
+    <dgm:sp3d/>
+    <dgm:txPr/>
+    <dgm:style>
+      <a:lnRef idx="0">
+        <a:scrgbClr r="0" g="0" b="0"/>
+      </a:lnRef>
+      <a:fillRef idx="1">
+        <a:scrgbClr r="0" g="0" b="0"/>
+      </a:fillRef>
+      <a:effectRef idx="0">
+        <a:scrgbClr r="0" g="0" b="0"/>
+      </a:effectRef>
+      <a:fontRef idx="minor">
+        <a:schemeClr val="lt1"/>
+      </a:fontRef>
+    </dgm:style>
+  </dgm:styleLbl>
+  <dgm:styleLbl name="fgSibTrans2D1">
+    <dgm:scene3d>
+      <a:camera prst="orthographicFront"/>
+      <a:lightRig rig="threePt" dir="t"/>
+    </dgm:scene3d>
+    <dgm:sp3d/>
+    <dgm:txPr/>
+    <dgm:style>
+      <a:lnRef idx="0">
+        <a:scrgbClr r="0" g="0" b="0"/>
+      </a:lnRef>
+      <a:fillRef idx="1">
+        <a:scrgbClr r="0" g="0" b="0"/>
+      </a:fillRef>
+      <a:effectRef idx="0">
+        <a:scrgbClr r="0" g="0" b="0"/>
+      </a:effectRef>
+      <a:fontRef idx="minor">
+        <a:schemeClr val="lt1"/>
+      </a:fontRef>
+    </dgm:style>
+  </dgm:styleLbl>
+  <dgm:styleLbl name="bgSibTrans2D1">
+    <dgm:scene3d>
+      <a:camera prst="orthographicFront"/>
+      <a:lightRig rig="threePt" dir="t"/>
+    </dgm:scene3d>
+    <dgm:sp3d/>
+    <dgm:txPr/>
+    <dgm:style>
+      <a:lnRef idx="0">
+        <a:scrgbClr r="0" g="0" b="0"/>
+      </a:lnRef>
+      <a:fillRef idx="1">
+        <a:scrgbClr r="0" g="0" b="0"/>
+      </a:fillRef>
+      <a:effectRef idx="0">
+        <a:scrgbClr r="0" g="0" b="0"/>
+      </a:effectRef>
+      <a:fontRef idx="minor">
+        <a:schemeClr val="lt1"/>
+      </a:fontRef>
+    </dgm:style>
+  </dgm:styleLbl>
+  <dgm:styleLbl name="sibTrans1D1">
+    <dgm:scene3d>
+      <a:camera prst="orthographicFront"/>
+      <a:lightRig rig="threePt" dir="t"/>
+    </dgm:scene3d>
+    <dgm:sp3d/>
+    <dgm:txPr/>
+    <dgm:style>
+      <a:lnRef idx="1">
+        <a:scrgbClr r="0" g="0" b="0"/>
+      </a:lnRef>
+      <a:fillRef idx="0">
+        <a:scrgbClr r="0" g="0" b="0"/>
+      </a:fillRef>
+      <a:effectRef idx="0">
+        <a:scrgbClr r="0" g="0" b="0"/>
+      </a:effectRef>
+      <a:fontRef idx="minor"/>
+    </dgm:style>
+  </dgm:styleLbl>
+  <dgm:styleLbl name="callout">
+    <dgm:scene3d>
+      <a:camera prst="orthographicFront"/>
+      <a:lightRig rig="threePt" dir="t"/>
+    </dgm:scene3d>
+    <dgm:sp3d/>
+    <dgm:txPr/>
+    <dgm:style>
+      <a:lnRef idx="2">
+        <a:scrgbClr r="0" g="0" b="0"/>
+      </a:lnRef>
+      <a:fillRef idx="1">
+        <a:scrgbClr r="0" g="0" b="0"/>
+      </a:fillRef>
+      <a:effectRef idx="0">
+        <a:scrgbClr r="0" g="0" b="0"/>
+      </a:effectRef>
+      <a:fontRef idx="minor"/>
+    </dgm:style>
+  </dgm:styleLbl>
+  <dgm:styleLbl name="asst0">
+    <dgm:scene3d>
+      <a:camera prst="orthographicFront"/>
+      <a:lightRig rig="threePt" dir="t"/>
+    </dgm:scene3d>
+    <dgm:sp3d/>
+    <dgm:txPr/>
+    <dgm:style>
+      <a:lnRef idx="2">
+        <a:scrgbClr r="0" g="0" b="0"/>
+      </a:lnRef>
+      <a:fillRef idx="1">
+        <a:scrgbClr r="0" g="0" b="0"/>
+      </a:fillRef>
+      <a:effectRef idx="0">
+        <a:scrgbClr r="0" g="0" b="0"/>
+      </a:effectRef>
+      <a:fontRef idx="minor">
+        <a:schemeClr val="lt1"/>
+      </a:fontRef>
+    </dgm:style>
+  </dgm:styleLbl>
+  <dgm:styleLbl name="asst1">
+    <dgm:scene3d>
+      <a:camera prst="orthographicFront"/>
+      <a:lightRig rig="threePt" dir="t"/>
+    </dgm:scene3d>
+    <dgm:sp3d/>
+    <dgm:txPr/>
+    <dgm:style>
+      <a:lnRef idx="2">
+        <a:scrgbClr r="0" g="0" b="0"/>
+      </a:lnRef>
+      <a:fillRef idx="1">
+        <a:scrgbClr r="0" g="0" b="0"/>
+      </a:fillRef>
+      <a:effectRef idx="0">
+        <a:scrgbClr r="0" g="0" b="0"/>
+      </a:effectRef>
+      <a:fontRef idx="minor">
+        <a:schemeClr val="lt1"/>
+      </a:fontRef>
+    </dgm:style>
+  </dgm:styleLbl>
+  <dgm:styleLbl name="asst2">
+    <dgm:scene3d>
+      <a:camera prst="orthographicFront"/>
+      <a:lightRig rig="threePt" dir="t"/>
+    </dgm:scene3d>
+    <dgm:sp3d/>
+    <dgm:txPr/>
+    <dgm:style>
+      <a:lnRef idx="2">
+        <a:scrgbClr r="0" g="0" b="0"/>
+      </a:lnRef>
+      <a:fillRef idx="1">
+        <a:scrgbClr r="0" g="0" b="0"/>
+      </a:fillRef>
+      <a:effectRef idx="0">
+        <a:scrgbClr r="0" g="0" b="0"/>
+      </a:effectRef>
+      <a:fontRef idx="minor">
+        <a:schemeClr val="lt1"/>
+      </a:fontRef>
+    </dgm:style>
+  </dgm:styleLbl>
+  <dgm:styleLbl name="asst3">
+    <dgm:scene3d>
+      <a:camera prst="orthographicFront"/>
+      <a:lightRig rig="threePt" dir="t"/>
+    </dgm:scene3d>
+    <dgm:sp3d/>
+    <dgm:txPr/>
+    <dgm:style>
+      <a:lnRef idx="2">
+        <a:scrgbClr r="0" g="0" b="0"/>
+      </a:lnRef>
+      <a:fillRef idx="1">
+        <a:scrgbClr r="0" g="0" b="0"/>
+      </a:fillRef>
+      <a:effectRef idx="0">
+        <a:scrgbClr r="0" g="0" b="0"/>
+      </a:effectRef>
+      <a:fontRef idx="minor">
+        <a:schemeClr val="lt1"/>
+      </a:fontRef>
+    </dgm:style>
+  </dgm:styleLbl>
+  <dgm:styleLbl name="asst4">
+    <dgm:scene3d>
+      <a:camera prst="orthographicFront"/>
+      <a:lightRig rig="threePt" dir="t"/>
+    </dgm:scene3d>
+    <dgm:sp3d/>
+    <dgm:txPr/>
+    <dgm:style>
+      <a:lnRef idx="2">
+        <a:scrgbClr r="0" g="0" b="0"/>
+      </a:lnRef>
+      <a:fillRef idx="1">
+        <a:scrgbClr r="0" g="0" b="0"/>
+      </a:fillRef>
+      <a:effectRef idx="0">
+        <a:scrgbClr r="0" g="0" b="0"/>
+      </a:effectRef>
+      <a:fontRef idx="minor">
+        <a:schemeClr val="lt1"/>
+      </a:fontRef>
+    </dgm:style>
+  </dgm:styleLbl>
+  <dgm:styleLbl name="parChTrans2D1">
+    <dgm:scene3d>
+      <a:camera prst="orthographicFront"/>
+      <a:lightRig rig="threePt" dir="t"/>
+    </dgm:scene3d>
+    <dgm:sp3d/>
+    <dgm:txPr/>
+    <dgm:style>
+      <a:lnRef idx="2">
+        <a:scrgbClr r="0" g="0" b="0"/>
+      </a:lnRef>
+      <a:fillRef idx="1">
+        <a:scrgbClr r="0" g="0" b="0"/>
+      </a:fillRef>
+      <a:effectRef idx="0">
+        <a:scrgbClr r="0" g="0" b="0"/>
+      </a:effectRef>
+      <a:fontRef idx="minor">
+        <a:schemeClr val="lt1"/>
+      </a:fontRef>
+    </dgm:style>
+  </dgm:styleLbl>
+  <dgm:styleLbl name="parChTrans2D2">
+    <dgm:scene3d>
+      <a:camera prst="orthographicFront"/>
+      <a:lightRig rig="threePt" dir="t"/>
+    </dgm:scene3d>
+    <dgm:sp3d/>
+    <dgm:txPr/>
+    <dgm:style>
+      <a:lnRef idx="2">
+        <a:scrgbClr r="0" g="0" b="0"/>
+      </a:lnRef>
+      <a:fillRef idx="1">
+        <a:scrgbClr r="0" g="0" b="0"/>
+      </a:fillRef>
+      <a:effectRef idx="0">
+        <a:scrgbClr r="0" g="0" b="0"/>
+      </a:effectRef>
+      <a:fontRef idx="minor">
+        <a:schemeClr val="lt1"/>
+      </a:fontRef>
+    </dgm:style>
+  </dgm:styleLbl>
+  <dgm:styleLbl name="parChTrans2D3">
+    <dgm:scene3d>
+      <a:camera prst="orthographicFront"/>
+      <a:lightRig rig="threePt" dir="t"/>
+    </dgm:scene3d>
+    <dgm:sp3d/>
+    <dgm:txPr/>
+    <dgm:style>
+      <a:lnRef idx="2">
+        <a:scrgbClr r="0" g="0" b="0"/>
+      </a:lnRef>
+      <a:fillRef idx="1">
+        <a:scrgbClr r="0" g="0" b="0"/>
+      </a:fillRef>
+      <a:effectRef idx="0">
+        <a:scrgbClr r="0" g="0" b="0"/>
+      </a:effectRef>
+      <a:fontRef idx="minor">
+        <a:schemeClr val="lt1"/>
+      </a:fontRef>
+    </dgm:style>
+  </dgm:styleLbl>
+  <dgm:styleLbl name="parChTrans2D4">
+    <dgm:scene3d>
+      <a:camera prst="orthographicFront"/>
+      <a:lightRig rig="threePt" dir="t"/>
+    </dgm:scene3d>
+    <dgm:sp3d/>
+    <dgm:txPr/>
+    <dgm:style>
+      <a:lnRef idx="2">
+        <a:scrgbClr r="0" g="0" b="0"/>
+      </a:lnRef>
+      <a:fillRef idx="1">
+        <a:scrgbClr r="0" g="0" b="0"/>
+      </a:fillRef>
+      <a:effectRef idx="0">
+        <a:scrgbClr r="0" g="0" b="0"/>
+      </a:effectRef>
+      <a:fontRef idx="minor">
+        <a:schemeClr val="lt1"/>
+      </a:fontRef>
+    </dgm:style>
+  </dgm:styleLbl>
+  <dgm:styleLbl name="parChTrans1D1">
+    <dgm:scene3d>
+      <a:camera prst="orthographicFront"/>
+      <a:lightRig rig="threePt" dir="t"/>
+    </dgm:scene3d>
+    <dgm:sp3d/>
+    <dgm:txPr/>
+    <dgm:style>
+      <a:lnRef idx="2">
+        <a:scrgbClr r="0" g="0" b="0"/>
+      </a:lnRef>
+      <a:fillRef idx="0">
+        <a:scrgbClr r="0" g="0" b="0"/>
+      </a:fillRef>
+      <a:effectRef idx="0">
+        <a:scrgbClr r="0" g="0" b="0"/>
+      </a:effectRef>
+      <a:fontRef idx="minor"/>
+    </dgm:style>
+  </dgm:styleLbl>
+  <dgm:styleLbl name="parChTrans1D2">
+    <dgm:scene3d>
+      <a:camera prst="orthographicFront"/>
+      <a:lightRig rig="threePt" dir="t"/>
+    </dgm:scene3d>
+    <dgm:sp3d/>
+    <dgm:txPr/>
+    <dgm:style>
+      <a:lnRef idx="2">
+        <a:scrgbClr r="0" g="0" b="0"/>
+      </a:lnRef>
+      <a:fillRef idx="0">
+        <a:scrgbClr r="0" g="0" b="0"/>
+      </a:fillRef>
+      <a:effectRef idx="0">
+        <a:scrgbClr r="0" g="0" b="0"/>
+      </a:effectRef>
+      <a:fontRef idx="minor"/>
+    </dgm:style>
+  </dgm:styleLbl>
+  <dgm:styleLbl name="parChTrans1D3">
+    <dgm:scene3d>
+      <a:camera prst="orthographicFront"/>
+      <a:lightRig rig="threePt" dir="t"/>
+    </dgm:scene3d>
+    <dgm:sp3d/>
+    <dgm:txPr/>
+    <dgm:style>
+      <a:lnRef idx="2">
+        <a:scrgbClr r="0" g="0" b="0"/>
+      </a:lnRef>
+      <a:fillRef idx="0">
+        <a:scrgbClr r="0" g="0" b="0"/>
+      </a:fillRef>
+      <a:effectRef idx="0">
+        <a:scrgbClr r="0" g="0" b="0"/>
+      </a:effectRef>
+      <a:fontRef idx="minor"/>
+    </dgm:style>
+  </dgm:styleLbl>
+  <dgm:styleLbl name="parChTrans1D4">
+    <dgm:scene3d>
+      <a:camera prst="orthographicFront"/>
+      <a:lightRig rig="threePt" dir="t"/>
+    </dgm:scene3d>
+    <dgm:sp3d/>
+    <dgm:txPr/>
+    <dgm:style>
+      <a:lnRef idx="2">
+        <a:scrgbClr r="0" g="0" b="0"/>
+      </a:lnRef>
+      <a:fillRef idx="0">
+        <a:scrgbClr r="0" g="0" b="0"/>
+      </a:fillRef>
+      <a:effectRef idx="0">
+        <a:scrgbClr r="0" g="0" b="0"/>
+      </a:effectRef>
+      <a:fontRef idx="minor"/>
+    </dgm:style>
+  </dgm:styleLbl>
+  <dgm:styleLbl name="fgAcc1">
+    <dgm:scene3d>
+      <a:camera prst="orthographicFront"/>
+      <a:lightRig rig="threePt" dir="t"/>
+    </dgm:scene3d>
+    <dgm:sp3d/>
+    <dgm:txPr/>
+    <dgm:style>
+      <a:lnRef idx="2">
+        <a:scrgbClr r="0" g="0" b="0"/>
+      </a:lnRef>
+      <a:fillRef idx="1">
+        <a:scrgbClr r="0" g="0" b="0"/>
+      </a:fillRef>
+      <a:effectRef idx="0">
+        <a:scrgbClr r="0" g="0" b="0"/>
+      </a:effectRef>
+      <a:fontRef idx="minor"/>
+    </dgm:style>
+  </dgm:styleLbl>
+  <dgm:styleLbl name="conFgAcc1">
+    <dgm:scene3d>
+      <a:camera prst="orthographicFront"/>
+      <a:lightRig rig="threePt" dir="t"/>
+    </dgm:scene3d>
+    <dgm:sp3d/>
+    <dgm:txPr/>
+    <dgm:style>
+      <a:lnRef idx="2">
+        <a:scrgbClr r="0" g="0" b="0"/>
+      </a:lnRef>
+      <a:fillRef idx="1">
+        <a:scrgbClr r="0" g="0" b="0"/>
+      </a:fillRef>
+      <a:effectRef idx="0">
+        <a:scrgbClr r="0" g="0" b="0"/>
+      </a:effectRef>
+      <a:fontRef idx="minor"/>
+    </dgm:style>
+  </dgm:styleLbl>
+  <dgm:styleLbl name="alignAcc1">
+    <dgm:scene3d>
+      <a:camera prst="orthographicFront"/>
+      <a:lightRig rig="threePt" dir="t"/>
+    </dgm:scene3d>
+    <dgm:sp3d/>
+    <dgm:txPr/>
+    <dgm:style>
+      <a:lnRef idx="2">
+        <a:scrgbClr r="0" g="0" b="0"/>
+      </a:lnRef>
+      <a:fillRef idx="1">
+        <a:scrgbClr r="0" g="0" b="0"/>
+      </a:fillRef>
+      <a:effectRef idx="0">
+        <a:scrgbClr r="0" g="0" b="0"/>
+      </a:effectRef>
+      <a:fontRef idx="minor"/>
+    </dgm:style>
+  </dgm:styleLbl>
+  <dgm:styleLbl name="trAlignAcc1">
+    <dgm:scene3d>
+      <a:camera prst="orthographicFront"/>
+      <a:lightRig rig="threePt" dir="t"/>
+    </dgm:scene3d>
+    <dgm:sp3d/>
+    <dgm:txPr/>
+    <dgm:style>
+      <a:lnRef idx="1">
+        <a:scrgbClr r="0" g="0" b="0"/>
+      </a:lnRef>
+      <a:fillRef idx="1">
+        <a:scrgbClr r="0" g="0" b="0"/>
+      </a:fillRef>
+      <a:effectRef idx="0">
+        <a:scrgbClr r="0" g="0" b="0"/>
+      </a:effectRef>
+      <a:fontRef idx="minor"/>
+    </dgm:style>
+  </dgm:styleLbl>
+  <dgm:styleLbl name="bgAcc1">
+    <dgm:scene3d>
+      <a:camera prst="orthographicFront"/>
+      <a:lightRig rig="threePt" dir="t"/>
+    </dgm:scene3d>
+    <dgm:sp3d/>
+    <dgm:txPr/>
+    <dgm:style>
+      <a:lnRef idx="2">
+        <a:scrgbClr r="0" g="0" b="0"/>
+      </a:lnRef>
+      <a:fillRef idx="1">
+        <a:scrgbClr r="0" g="0" b="0"/>
+      </a:fillRef>
+      <a:effectRef idx="0">
+        <a:scrgbClr r="0" g="0" b="0"/>
+      </a:effectRef>
+      <a:fontRef idx="minor"/>
+    </dgm:style>
+  </dgm:styleLbl>
+  <dgm:styleLbl name="solidFgAcc1">
+    <dgm:scene3d>
+      <a:camera prst="orthographicFront"/>
+      <a:lightRig rig="threePt" dir="t"/>
+    </dgm:scene3d>
+    <dgm:sp3d/>
+    <dgm:txPr/>
+    <dgm:style>
+      <a:lnRef idx="2">
+        <a:scrgbClr r="0" g="0" b="0"/>
+      </a:lnRef>
+      <a:fillRef idx="1">
+        <a:scrgbClr r="0" g="0" b="0"/>
+      </a:fillRef>
+      <a:effectRef idx="0">
+        <a:scrgbClr r="0" g="0" b="0"/>
+      </a:effectRef>
+      <a:fontRef idx="minor"/>
+    </dgm:style>
+  </dgm:styleLbl>
+  <dgm:styleLbl name="solidAlignAcc1">
+    <dgm:scene3d>
+      <a:camera prst="orthographicFront"/>
+      <a:lightRig rig="threePt" dir="t"/>
+    </dgm:scene3d>
+    <dgm:sp3d/>
+    <dgm:txPr/>
+    <dgm:style>
+      <a:lnRef idx="2">
+        <a:scrgbClr r="0" g="0" b="0"/>
+      </a:lnRef>
+      <a:fillRef idx="1">
+        <a:scrgbClr r="0" g="0" b="0"/>
+      </a:fillRef>
+      <a:effectRef idx="0">
+        <a:scrgbClr r="0" g="0" b="0"/>
+      </a:effectRef>
+      <a:fontRef idx="minor"/>
+    </dgm:style>
+  </dgm:styleLbl>
+  <dgm:styleLbl name="solidBgAcc1">
+    <dgm:scene3d>
+      <a:camera prst="orthographicFront"/>
+      <a:lightRig rig="threePt" dir="t"/>
+    </dgm:scene3d>
+    <dgm:sp3d/>
+    <dgm:txPr/>
+    <dgm:style>
+      <a:lnRef idx="2">
+        <a:scrgbClr r="0" g="0" b="0"/>
+      </a:lnRef>
+      <a:fillRef idx="1">
+        <a:scrgbClr r="0" g="0" b="0"/>
+      </a:fillRef>
+      <a:effectRef idx="0">
+        <a:scrgbClr r="0" g="0" b="0"/>
+      </a:effectRef>
+      <a:fontRef idx="minor"/>
+    </dgm:style>
+  </dgm:styleLbl>
+  <dgm:styleLbl name="fgAccFollowNode1">
+    <dgm:scene3d>
+      <a:camera prst="orthographicFront"/>
+      <a:lightRig rig="threePt" dir="t"/>
+    </dgm:scene3d>
+    <dgm:sp3d/>
+    <dgm:txPr/>
+    <dgm:style>
+      <a:lnRef idx="2">
+        <a:scrgbClr r="0" g="0" b="0"/>
+      </a:lnRef>
+      <a:fillRef idx="1">
+        <a:scrgbClr r="0" g="0" b="0"/>
+      </a:fillRef>
+      <a:effectRef idx="0">
+        <a:scrgbClr r="0" g="0" b="0"/>
+      </a:effectRef>
+      <a:fontRef idx="minor"/>
+    </dgm:style>
+  </dgm:styleLbl>
+  <dgm:styleLbl name="alignAccFollowNode1">
+    <dgm:scene3d>
+      <a:camera prst="orthographicFront"/>
+      <a:lightRig rig="threePt" dir="t"/>
+    </dgm:scene3d>
+    <dgm:sp3d/>
+    <dgm:txPr/>
+    <dgm:style>
+      <a:lnRef idx="2">
+        <a:scrgbClr r="0" g="0" b="0"/>
+      </a:lnRef>
+      <a:fillRef idx="1">
+        <a:scrgbClr r="0" g="0" b="0"/>
+      </a:fillRef>
+      <a:effectRef idx="0">
+        <a:scrgbClr r="0" g="0" b="0"/>
+      </a:effectRef>
+      <a:fontRef idx="minor"/>
+    </dgm:style>
+  </dgm:styleLbl>
+  <dgm:styleLbl name="bgAccFollowNode1">
+    <dgm:scene3d>
+      <a:camera prst="orthographicFront"/>
+      <a:lightRig rig="threePt" dir="t"/>
+    </dgm:scene3d>
+    <dgm:sp3d/>
+    <dgm:txPr/>
+    <dgm:style>
+      <a:lnRef idx="2">
+        <a:scrgbClr r="0" g="0" b="0"/>
+      </a:lnRef>
+      <a:fillRef idx="1">
+        <a:scrgbClr r="0" g="0" b="0"/>
+      </a:fillRef>
+      <a:effectRef idx="0">
+        <a:scrgbClr r="0" g="0" b="0"/>
+      </a:effectRef>
+      <a:fontRef idx="minor"/>
+    </dgm:style>
+  </dgm:styleLbl>
+  <dgm:styleLbl name="fgAcc0">
+    <dgm:scene3d>
+      <a:camera prst="orthographicFront"/>
+      <a:lightRig rig="threePt" dir="t"/>
+    </dgm:scene3d>
+    <dgm:sp3d/>
+    <dgm:txPr/>
+    <dgm:style>
+      <a:lnRef idx="2">
+        <a:scrgbClr r="0" g="0" b="0"/>
+      </a:lnRef>
+      <a:fillRef idx="1">
+        <a:scrgbClr r="0" g="0" b="0"/>
+      </a:fillRef>
+      <a:effectRef idx="0">
+        <a:scrgbClr r="0" g="0" b="0"/>
+      </a:effectRef>
+      <a:fontRef idx="minor"/>
+    </dgm:style>
+  </dgm:styleLbl>
+  <dgm:styleLbl name="fgAcc2">
+    <dgm:scene3d>
+      <a:camera prst="orthographicFront"/>
+      <a:lightRig rig="threePt" dir="t"/>
+    </dgm:scene3d>
+    <dgm:sp3d/>
+    <dgm:txPr/>
+    <dgm:style>
+      <a:lnRef idx="2">
+        <a:scrgbClr r="0" g="0" b="0"/>
+      </a:lnRef>
+      <a:fillRef idx="1">
+        <a:scrgbClr r="0" g="0" b="0"/>
+      </a:fillRef>
+      <a:effectRef idx="0">
+        <a:scrgbClr r="0" g="0" b="0"/>
+      </a:effectRef>
+      <a:fontRef idx="minor"/>
+    </dgm:style>
+  </dgm:styleLbl>
+  <dgm:styleLbl name="fgAcc3">
+    <dgm:scene3d>
+      <a:camera prst="orthographicFront"/>
+      <a:lightRig rig="threePt" dir="t"/>
+    </dgm:scene3d>
+    <dgm:sp3d/>
+    <dgm:txPr/>
+    <dgm:style>
+      <a:lnRef idx="2">
+        <a:scrgbClr r="0" g="0" b="0"/>
+      </a:lnRef>
+      <a:fillRef idx="1">
+        <a:scrgbClr r="0" g="0" b="0"/>
+      </a:fillRef>
+      <a:effectRef idx="0">
+        <a:scrgbClr r="0" g="0" b="0"/>
+      </a:effectRef>
+      <a:fontRef idx="minor"/>
+    </dgm:style>
+  </dgm:styleLbl>
+  <dgm:styleLbl name="fgAcc4">
+    <dgm:scene3d>
+      <a:camera prst="orthographicFront"/>
+      <a:lightRig rig="threePt" dir="t"/>
+    </dgm:scene3d>
+    <dgm:sp3d/>
+    <dgm:txPr/>
+    <dgm:style>
+      <a:lnRef idx="2">
+        <a:scrgbClr r="0" g="0" b="0"/>
+      </a:lnRef>
+      <a:fillRef idx="1">
+        <a:scrgbClr r="0" g="0" b="0"/>
+      </a:fillRef>
+      <a:effectRef idx="0">
+        <a:scrgbClr r="0" g="0" b="0"/>
+      </a:effectRef>
+      <a:fontRef idx="minor"/>
+    </dgm:style>
+  </dgm:styleLbl>
+  <dgm:styleLbl name="bgShp">
+    <dgm:scene3d>
+      <a:camera prst="orthographicFront"/>
+      <a:lightRig rig="threePt" dir="t"/>
+    </dgm:scene3d>
+    <dgm:sp3d/>
+    <dgm:txPr/>
+    <dgm:style>
+      <a:lnRef idx="0">
+        <a:scrgbClr r="0" g="0" b="0"/>
+      </a:lnRef>
+      <a:fillRef idx="1">
+        <a:scrgbClr r="0" g="0" b="0"/>
+      </a:fillRef>
+      <a:effectRef idx="0">
+        <a:scrgbClr r="0" g="0" b="0"/>
+      </a:effectRef>
+      <a:fontRef idx="minor"/>
+    </dgm:style>
+  </dgm:styleLbl>
+  <dgm:styleLbl name="dkBgShp">
+    <dgm:scene3d>
+      <a:camera prst="orthographicFront"/>
+      <a:lightRig rig="threePt" dir="t"/>
+    </dgm:scene3d>
+    <dgm:sp3d/>
+    <dgm:txPr/>
+    <dgm:style>
+      <a:lnRef idx="0">
+        <a:scrgbClr r="0" g="0" b="0"/>
+      </a:lnRef>
+      <a:fillRef idx="1">
+        <a:scrgbClr r="0" g="0" b="0"/>
+      </a:fillRef>
+      <a:effectRef idx="0">
+        <a:scrgbClr r="0" g="0" b="0"/>
+      </a:effectRef>
+      <a:fontRef idx="minor"/>
+    </dgm:style>
+  </dgm:styleLbl>
+  <dgm:styleLbl name="trBgShp">
+    <dgm:scene3d>
+      <a:camera prst="orthographicFront"/>
+      <a:lightRig rig="threePt" dir="t"/>
+    </dgm:scene3d>
+    <dgm:sp3d/>
+    <dgm:txPr/>
+    <dgm:style>
+      <a:lnRef idx="0">
+        <a:scrgbClr r="0" g="0" b="0"/>
+      </a:lnRef>
+      <a:fillRef idx="1">
+        <a:scrgbClr r="0" g="0" b="0"/>
+      </a:fillRef>
+      <a:effectRef idx="0">
+        <a:scrgbClr r="0" g="0" b="0"/>
+      </a:effectRef>
+      <a:fontRef idx="minor"/>
+    </dgm:style>
+  </dgm:styleLbl>
+  <dgm:styleLbl name="fgShp">
+    <dgm:scene3d>
+      <a:camera prst="orthographicFront"/>
+      <a:lightRig rig="threePt" dir="t"/>
+    </dgm:scene3d>
+    <dgm:sp3d/>
+    <dgm:txPr/>
+    <dgm:style>
+      <a:lnRef idx="2">
+        <a:scrgbClr r="0" g="0" b="0"/>
+      </a:lnRef>
+      <a:fillRef idx="1">
+        <a:scrgbClr r="0" g="0" b="0"/>
+      </a:fillRef>
+      <a:effectRef idx="0">
+        <a:scrgbClr r="0" g="0" b="0"/>
+      </a:effectRef>
+      <a:fontRef idx="minor"/>
+    </dgm:style>
+  </dgm:styleLbl>
+  <dgm:styleLbl name="revTx">
+    <dgm:scene3d>
+      <a:camera prst="orthographicFront"/>
+      <a:lightRig rig="threePt" dir="t"/>
+    </dgm:scene3d>
+    <dgm:sp3d/>
+    <dgm:txPr/>
+    <dgm:style>
+      <a:lnRef idx="0">
+        <a:scrgbClr r="0" g="0" b="0"/>
+      </a:lnRef>
+      <a:fillRef idx="0">
+        <a:scrgbClr r="0" g="0" b="0"/>
+      </a:fillRef>
+      <a:effectRef idx="0">
+        <a:scrgbClr r="0" g="0" b="0"/>
+      </a:effectRef>
+      <a:fontRef idx="minor"/>
+    </dgm:style>
+  </dgm:styleLbl>
+</dgm:styleDef>
+</file>
+
+<file path=ppt/diagrams/quickStyle2.xml><?xml version="1.0" encoding="utf-8"?>
 <dgm:styleDef xmlns:dgm="http://schemas.openxmlformats.org/drawingml/2006/diagram" xmlns:a="http://schemas.openxmlformats.org/drawingml/2006/main" uniqueId="urn:microsoft.com/office/officeart/2005/8/quickstyle/simple1">
   <dgm:title val=""/>
   <dgm:desc val=""/>
@@ -8856,6 +12612,835 @@
 </p:sld>
 </file>
 
+<file path=ppt/slides/slide11.xml><?xml version="1.0" encoding="utf-8"?>
+<p:sld xmlns:a="http://schemas.openxmlformats.org/drawingml/2006/main" xmlns:r="http://schemas.openxmlformats.org/officeDocument/2006/relationships" xmlns:p="http://schemas.openxmlformats.org/presentationml/2006/main">
+  <p:cSld>
+    <p:spTree>
+      <p:nvGrpSpPr>
+        <p:cNvPr id="1" name=""/>
+        <p:cNvGrpSpPr/>
+        <p:nvPr/>
+      </p:nvGrpSpPr>
+      <p:grpSpPr>
+        <a:xfrm>
+          <a:off x="0" y="0"/>
+          <a:ext cx="0" cy="0"/>
+          <a:chOff x="0" y="0"/>
+          <a:chExt cx="0" cy="0"/>
+        </a:xfrm>
+      </p:grpSpPr>
+      <p:sp>
+        <p:nvSpPr>
+          <p:cNvPr id="2" name="Título 1">
+            <a:extLst>
+              <a:ext uri="{FF2B5EF4-FFF2-40B4-BE49-F238E27FC236}">
+                <a16:creationId xmlns:a16="http://schemas.microsoft.com/office/drawing/2014/main" id="{580701EF-B6D3-4416-63A5-DFF6FC74EF10}"/>
+              </a:ext>
+            </a:extLst>
+          </p:cNvPr>
+          <p:cNvSpPr>
+            <a:spLocks noGrp="1"/>
+          </p:cNvSpPr>
+          <p:nvPr>
+            <p:ph type="title"/>
+          </p:nvPr>
+        </p:nvSpPr>
+        <p:spPr/>
+        <p:txBody>
+          <a:bodyPr/>
+          <a:lstStyle/>
+          <a:p>
+            <a:pPr algn="ctr"/>
+            <a:r>
+              <a:rPr lang="es-ES" dirty="0"/>
+              <a:t>Correlación de las evaluaciones</a:t>
+            </a:r>
+          </a:p>
+        </p:txBody>
+      </p:sp>
+    </p:spTree>
+    <p:extLst>
+      <p:ext uri="{BB962C8B-B14F-4D97-AF65-F5344CB8AC3E}">
+        <p14:creationId xmlns:p14="http://schemas.microsoft.com/office/powerpoint/2010/main" val="399069902"/>
+      </p:ext>
+    </p:extLst>
+  </p:cSld>
+  <p:clrMapOvr>
+    <a:masterClrMapping/>
+  </p:clrMapOvr>
+</p:sld>
+</file>
+
+<file path=ppt/slides/slide12.xml><?xml version="1.0" encoding="utf-8"?>
+<p:sld xmlns:a="http://schemas.openxmlformats.org/drawingml/2006/main" xmlns:r="http://schemas.openxmlformats.org/officeDocument/2006/relationships" xmlns:p="http://schemas.openxmlformats.org/presentationml/2006/main">
+  <p:cSld>
+    <p:spTree>
+      <p:nvGrpSpPr>
+        <p:cNvPr id="1" name=""/>
+        <p:cNvGrpSpPr/>
+        <p:nvPr/>
+      </p:nvGrpSpPr>
+      <p:grpSpPr>
+        <a:xfrm>
+          <a:off x="0" y="0"/>
+          <a:ext cx="0" cy="0"/>
+          <a:chOff x="0" y="0"/>
+          <a:chExt cx="0" cy="0"/>
+        </a:xfrm>
+      </p:grpSpPr>
+      <p:sp>
+        <p:nvSpPr>
+          <p:cNvPr id="2" name="Título 1">
+            <a:extLst>
+              <a:ext uri="{FF2B5EF4-FFF2-40B4-BE49-F238E27FC236}">
+                <a16:creationId xmlns:a16="http://schemas.microsoft.com/office/drawing/2014/main" id="{A9076DD2-799A-04D3-0C66-4BFA3AB12C5A}"/>
+              </a:ext>
+            </a:extLst>
+          </p:cNvPr>
+          <p:cNvSpPr>
+            <a:spLocks noGrp="1"/>
+          </p:cNvSpPr>
+          <p:nvPr>
+            <p:ph type="title"/>
+          </p:nvPr>
+        </p:nvSpPr>
+        <p:spPr/>
+        <p:txBody>
+          <a:bodyPr/>
+          <a:lstStyle/>
+          <a:p>
+            <a:r>
+              <a:rPr lang="es-ES" dirty="0"/>
+              <a:t>Correlación</a:t>
+            </a:r>
+          </a:p>
+        </p:txBody>
+      </p:sp>
+      <p:pic>
+        <p:nvPicPr>
+          <p:cNvPr id="6" name="Marcador de contenido 5">
+            <a:extLst>
+              <a:ext uri="{FF2B5EF4-FFF2-40B4-BE49-F238E27FC236}">
+                <a16:creationId xmlns:a16="http://schemas.microsoft.com/office/drawing/2014/main" id="{E2BE76A8-55A6-4530-AE69-1E90021B7972}"/>
+              </a:ext>
+            </a:extLst>
+          </p:cNvPr>
+          <p:cNvPicPr>
+            <a:picLocks noGrp="1" noChangeAspect="1"/>
+          </p:cNvPicPr>
+          <p:nvPr>
+            <p:ph sz="half" idx="1"/>
+          </p:nvPr>
+        </p:nvPicPr>
+        <p:blipFill>
+          <a:blip r:embed="rId2"/>
+          <a:stretch>
+            <a:fillRect/>
+          </a:stretch>
+        </p:blipFill>
+        <p:spPr>
+          <a:xfrm>
+            <a:off x="838200" y="2310131"/>
+            <a:ext cx="5181600" cy="3382326"/>
+          </a:xfrm>
+        </p:spPr>
+      </p:pic>
+      <p:sp>
+        <p:nvSpPr>
+          <p:cNvPr id="4" name="Marcador de contenido 3">
+            <a:extLst>
+              <a:ext uri="{FF2B5EF4-FFF2-40B4-BE49-F238E27FC236}">
+                <a16:creationId xmlns:a16="http://schemas.microsoft.com/office/drawing/2014/main" id="{DE034BBF-B888-E19B-890B-7DCB0DE60A66}"/>
+              </a:ext>
+            </a:extLst>
+          </p:cNvPr>
+          <p:cNvSpPr>
+            <a:spLocks noGrp="1"/>
+          </p:cNvSpPr>
+          <p:nvPr>
+            <p:ph sz="half" idx="2"/>
+          </p:nvPr>
+        </p:nvSpPr>
+        <p:spPr>
+          <a:xfrm>
+            <a:off x="6172200" y="1347019"/>
+            <a:ext cx="5181600" cy="5308550"/>
+          </a:xfrm>
+        </p:spPr>
+        <p:txBody>
+          <a:bodyPr>
+            <a:normAutofit fontScale="92500" lnSpcReduction="10000"/>
+          </a:bodyPr>
+          <a:lstStyle/>
+          <a:p>
+            <a:pPr algn="just"/>
+            <a:r>
+              <a:rPr lang="es-ES" dirty="0"/>
+              <a:t>Las personas que se han marchado de la empresa han dejado una mala valoración en la última evaluación.</a:t>
+            </a:r>
+          </a:p>
+          <a:p>
+            <a:pPr algn="just"/>
+            <a:r>
+              <a:rPr lang="es-ES" dirty="0"/>
+              <a:t>El número de proyectos y el número de horas trabajadas por mes, así como el tiempo en la compañía tenía relación con las buenas valoraciones en la evaluación pasada, no así con la última evaluación.</a:t>
+            </a:r>
+          </a:p>
+          <a:p>
+            <a:pPr algn="just"/>
+            <a:r>
+              <a:rPr lang="es-ES" dirty="0"/>
+              <a:t>El número de proyectos pasó de estar bien valorado a estar mal valorado.</a:t>
+            </a:r>
+          </a:p>
+          <a:p>
+            <a:pPr algn="just"/>
+            <a:endParaRPr lang="es-ES" dirty="0"/>
+          </a:p>
+        </p:txBody>
+      </p:sp>
+    </p:spTree>
+    <p:extLst>
+      <p:ext uri="{BB962C8B-B14F-4D97-AF65-F5344CB8AC3E}">
+        <p14:creationId xmlns:p14="http://schemas.microsoft.com/office/powerpoint/2010/main" val="1401790993"/>
+      </p:ext>
+    </p:extLst>
+  </p:cSld>
+  <p:clrMapOvr>
+    <a:masterClrMapping/>
+  </p:clrMapOvr>
+</p:sld>
+</file>
+
+<file path=ppt/slides/slide13.xml><?xml version="1.0" encoding="utf-8"?>
+<p:sld xmlns:a="http://schemas.openxmlformats.org/drawingml/2006/main" xmlns:r="http://schemas.openxmlformats.org/officeDocument/2006/relationships" xmlns:p="http://schemas.openxmlformats.org/presentationml/2006/main">
+  <p:cSld>
+    <p:spTree>
+      <p:nvGrpSpPr>
+        <p:cNvPr id="1" name=""/>
+        <p:cNvGrpSpPr/>
+        <p:nvPr/>
+      </p:nvGrpSpPr>
+      <p:grpSpPr>
+        <a:xfrm>
+          <a:off x="0" y="0"/>
+          <a:ext cx="0" cy="0"/>
+          <a:chOff x="0" y="0"/>
+          <a:chExt cx="0" cy="0"/>
+        </a:xfrm>
+      </p:grpSpPr>
+      <p:sp>
+        <p:nvSpPr>
+          <p:cNvPr id="2" name="Título 1">
+            <a:extLst>
+              <a:ext uri="{FF2B5EF4-FFF2-40B4-BE49-F238E27FC236}">
+                <a16:creationId xmlns:a16="http://schemas.microsoft.com/office/drawing/2014/main" id="{6FC101DF-3BB6-DD5C-F8CC-A1816ED44D65}"/>
+              </a:ext>
+            </a:extLst>
+          </p:cNvPr>
+          <p:cNvSpPr>
+            <a:spLocks noGrp="1"/>
+          </p:cNvSpPr>
+          <p:nvPr>
+            <p:ph type="title"/>
+          </p:nvPr>
+        </p:nvSpPr>
+        <p:spPr/>
+        <p:txBody>
+          <a:bodyPr/>
+          <a:lstStyle/>
+          <a:p>
+            <a:r>
+              <a:rPr lang="es-ES" dirty="0"/>
+              <a:t>Variables no relacionadas</a:t>
+            </a:r>
+          </a:p>
+        </p:txBody>
+      </p:sp>
+      <p:pic>
+        <p:nvPicPr>
+          <p:cNvPr id="4" name="Imagen 3">
+            <a:extLst>
+              <a:ext uri="{FF2B5EF4-FFF2-40B4-BE49-F238E27FC236}">
+                <a16:creationId xmlns:a16="http://schemas.microsoft.com/office/drawing/2014/main" id="{3753DAFF-E90F-1104-21BD-01CFDFD35835}"/>
+              </a:ext>
+            </a:extLst>
+          </p:cNvPr>
+          <p:cNvPicPr>
+            <a:picLocks noChangeAspect="1"/>
+          </p:cNvPicPr>
+          <p:nvPr/>
+        </p:nvPicPr>
+        <p:blipFill>
+          <a:blip r:embed="rId2"/>
+          <a:stretch>
+            <a:fillRect/>
+          </a:stretch>
+        </p:blipFill>
+        <p:spPr>
+          <a:xfrm>
+            <a:off x="1601737" y="2543637"/>
+            <a:ext cx="8477250" cy="2762250"/>
+          </a:xfrm>
+          <a:prstGeom prst="rect">
+            <a:avLst/>
+          </a:prstGeom>
+        </p:spPr>
+      </p:pic>
+    </p:spTree>
+    <p:extLst>
+      <p:ext uri="{BB962C8B-B14F-4D97-AF65-F5344CB8AC3E}">
+        <p14:creationId xmlns:p14="http://schemas.microsoft.com/office/powerpoint/2010/main" val="1727546479"/>
+      </p:ext>
+    </p:extLst>
+  </p:cSld>
+  <p:clrMapOvr>
+    <a:masterClrMapping/>
+  </p:clrMapOvr>
+</p:sld>
+</file>
+
+<file path=ppt/slides/slide14.xml><?xml version="1.0" encoding="utf-8"?>
+<p:sld xmlns:a="http://schemas.openxmlformats.org/drawingml/2006/main" xmlns:r="http://schemas.openxmlformats.org/officeDocument/2006/relationships" xmlns:p="http://schemas.openxmlformats.org/presentationml/2006/main">
+  <p:cSld>
+    <p:spTree>
+      <p:nvGrpSpPr>
+        <p:cNvPr id="1" name=""/>
+        <p:cNvGrpSpPr/>
+        <p:nvPr/>
+      </p:nvGrpSpPr>
+      <p:grpSpPr>
+        <a:xfrm>
+          <a:off x="0" y="0"/>
+          <a:ext cx="0" cy="0"/>
+          <a:chOff x="0" y="0"/>
+          <a:chExt cx="0" cy="0"/>
+        </a:xfrm>
+      </p:grpSpPr>
+      <p:sp>
+        <p:nvSpPr>
+          <p:cNvPr id="2" name="Título 1">
+            <a:extLst>
+              <a:ext uri="{FF2B5EF4-FFF2-40B4-BE49-F238E27FC236}">
+                <a16:creationId xmlns:a16="http://schemas.microsoft.com/office/drawing/2014/main" id="{6FC101DF-3BB6-DD5C-F8CC-A1816ED44D65}"/>
+              </a:ext>
+            </a:extLst>
+          </p:cNvPr>
+          <p:cNvSpPr>
+            <a:spLocks noGrp="1"/>
+          </p:cNvSpPr>
+          <p:nvPr>
+            <p:ph type="title"/>
+          </p:nvPr>
+        </p:nvSpPr>
+        <p:spPr/>
+        <p:txBody>
+          <a:bodyPr/>
+          <a:lstStyle/>
+          <a:p>
+            <a:r>
+              <a:rPr lang="es-ES" dirty="0"/>
+              <a:t>Variables no relacionadas</a:t>
+            </a:r>
+          </a:p>
+        </p:txBody>
+      </p:sp>
+      <p:pic>
+        <p:nvPicPr>
+          <p:cNvPr id="6" name="Imagen 5">
+            <a:extLst>
+              <a:ext uri="{FF2B5EF4-FFF2-40B4-BE49-F238E27FC236}">
+                <a16:creationId xmlns:a16="http://schemas.microsoft.com/office/drawing/2014/main" id="{E4194641-DC72-ADE3-1C56-B4AB4F212944}"/>
+              </a:ext>
+            </a:extLst>
+          </p:cNvPr>
+          <p:cNvPicPr>
+            <a:picLocks noChangeAspect="1"/>
+          </p:cNvPicPr>
+          <p:nvPr/>
+        </p:nvPicPr>
+        <p:blipFill>
+          <a:blip r:embed="rId2"/>
+          <a:stretch>
+            <a:fillRect/>
+          </a:stretch>
+        </p:blipFill>
+        <p:spPr>
+          <a:xfrm>
+            <a:off x="1552575" y="2485000"/>
+            <a:ext cx="8477250" cy="2762250"/>
+          </a:xfrm>
+          <a:prstGeom prst="rect">
+            <a:avLst/>
+          </a:prstGeom>
+        </p:spPr>
+      </p:pic>
+    </p:spTree>
+    <p:extLst>
+      <p:ext uri="{BB962C8B-B14F-4D97-AF65-F5344CB8AC3E}">
+        <p14:creationId xmlns:p14="http://schemas.microsoft.com/office/powerpoint/2010/main" val="1238160089"/>
+      </p:ext>
+    </p:extLst>
+  </p:cSld>
+  <p:clrMapOvr>
+    <a:masterClrMapping/>
+  </p:clrMapOvr>
+</p:sld>
+</file>
+
+<file path=ppt/slides/slide15.xml><?xml version="1.0" encoding="utf-8"?>
+<p:sld xmlns:a="http://schemas.openxmlformats.org/drawingml/2006/main" xmlns:r="http://schemas.openxmlformats.org/officeDocument/2006/relationships" xmlns:p="http://schemas.openxmlformats.org/presentationml/2006/main">
+  <p:cSld>
+    <p:spTree>
+      <p:nvGrpSpPr>
+        <p:cNvPr id="1" name=""/>
+        <p:cNvGrpSpPr/>
+        <p:nvPr/>
+      </p:nvGrpSpPr>
+      <p:grpSpPr>
+        <a:xfrm>
+          <a:off x="0" y="0"/>
+          <a:ext cx="0" cy="0"/>
+          <a:chOff x="0" y="0"/>
+          <a:chExt cx="0" cy="0"/>
+        </a:xfrm>
+      </p:grpSpPr>
+      <p:sp>
+        <p:nvSpPr>
+          <p:cNvPr id="2" name="Título 1">
+            <a:extLst>
+              <a:ext uri="{FF2B5EF4-FFF2-40B4-BE49-F238E27FC236}">
+                <a16:creationId xmlns:a16="http://schemas.microsoft.com/office/drawing/2014/main" id="{6FC101DF-3BB6-DD5C-F8CC-A1816ED44D65}"/>
+              </a:ext>
+            </a:extLst>
+          </p:cNvPr>
+          <p:cNvSpPr>
+            <a:spLocks noGrp="1"/>
+          </p:cNvSpPr>
+          <p:nvPr>
+            <p:ph type="title"/>
+          </p:nvPr>
+        </p:nvSpPr>
+        <p:spPr/>
+        <p:txBody>
+          <a:bodyPr/>
+          <a:lstStyle/>
+          <a:p>
+            <a:r>
+              <a:rPr lang="es-ES" dirty="0"/>
+              <a:t>Variables no relacionadas</a:t>
+            </a:r>
+          </a:p>
+        </p:txBody>
+      </p:sp>
+      <p:pic>
+        <p:nvPicPr>
+          <p:cNvPr id="4" name="Imagen 3">
+            <a:extLst>
+              <a:ext uri="{FF2B5EF4-FFF2-40B4-BE49-F238E27FC236}">
+                <a16:creationId xmlns:a16="http://schemas.microsoft.com/office/drawing/2014/main" id="{3753DAFF-E90F-1104-21BD-01CFDFD35835}"/>
+              </a:ext>
+            </a:extLst>
+          </p:cNvPr>
+          <p:cNvPicPr>
+            <a:picLocks noChangeAspect="1"/>
+          </p:cNvPicPr>
+          <p:nvPr/>
+        </p:nvPicPr>
+        <p:blipFill>
+          <a:blip r:embed="rId2">
+            <a:extLst>
+              <a:ext uri="{28A0092B-C50C-407E-A947-70E740481C1C}">
+                <a14:useLocalDpi xmlns:a14="http://schemas.microsoft.com/office/drawing/2010/main" val="0"/>
+              </a:ext>
+            </a:extLst>
+          </a:blip>
+          <a:srcRect/>
+          <a:stretch/>
+        </p:blipFill>
+        <p:spPr>
+          <a:xfrm>
+            <a:off x="1606499" y="2622294"/>
+            <a:ext cx="8467725" cy="2762250"/>
+          </a:xfrm>
+          <a:prstGeom prst="rect">
+            <a:avLst/>
+          </a:prstGeom>
+        </p:spPr>
+      </p:pic>
+    </p:spTree>
+    <p:extLst>
+      <p:ext uri="{BB962C8B-B14F-4D97-AF65-F5344CB8AC3E}">
+        <p14:creationId xmlns:p14="http://schemas.microsoft.com/office/powerpoint/2010/main" val="2349404459"/>
+      </p:ext>
+    </p:extLst>
+  </p:cSld>
+  <p:clrMapOvr>
+    <a:masterClrMapping/>
+  </p:clrMapOvr>
+</p:sld>
+</file>
+
+<file path=ppt/slides/slide16.xml><?xml version="1.0" encoding="utf-8"?>
+<p:sld xmlns:a="http://schemas.openxmlformats.org/drawingml/2006/main" xmlns:r="http://schemas.openxmlformats.org/officeDocument/2006/relationships" xmlns:p="http://schemas.openxmlformats.org/presentationml/2006/main">
+  <p:cSld>
+    <p:spTree>
+      <p:nvGrpSpPr>
+        <p:cNvPr id="1" name=""/>
+        <p:cNvGrpSpPr/>
+        <p:nvPr/>
+      </p:nvGrpSpPr>
+      <p:grpSpPr>
+        <a:xfrm>
+          <a:off x="0" y="0"/>
+          <a:ext cx="0" cy="0"/>
+          <a:chOff x="0" y="0"/>
+          <a:chExt cx="0" cy="0"/>
+        </a:xfrm>
+      </p:grpSpPr>
+      <p:sp>
+        <p:nvSpPr>
+          <p:cNvPr id="2" name="Título 1">
+            <a:extLst>
+              <a:ext uri="{FF2B5EF4-FFF2-40B4-BE49-F238E27FC236}">
+                <a16:creationId xmlns:a16="http://schemas.microsoft.com/office/drawing/2014/main" id="{6FC101DF-3BB6-DD5C-F8CC-A1816ED44D65}"/>
+              </a:ext>
+            </a:extLst>
+          </p:cNvPr>
+          <p:cNvSpPr>
+            <a:spLocks noGrp="1"/>
+          </p:cNvSpPr>
+          <p:nvPr>
+            <p:ph type="title"/>
+          </p:nvPr>
+        </p:nvSpPr>
+        <p:spPr/>
+        <p:txBody>
+          <a:bodyPr/>
+          <a:lstStyle/>
+          <a:p>
+            <a:r>
+              <a:rPr lang="es-ES" dirty="0"/>
+              <a:t>Variables no relacionadas</a:t>
+            </a:r>
+          </a:p>
+        </p:txBody>
+      </p:sp>
+      <p:pic>
+        <p:nvPicPr>
+          <p:cNvPr id="6" name="Imagen 5">
+            <a:extLst>
+              <a:ext uri="{FF2B5EF4-FFF2-40B4-BE49-F238E27FC236}">
+                <a16:creationId xmlns:a16="http://schemas.microsoft.com/office/drawing/2014/main" id="{E4194641-DC72-ADE3-1C56-B4AB4F212944}"/>
+              </a:ext>
+            </a:extLst>
+          </p:cNvPr>
+          <p:cNvPicPr>
+            <a:picLocks noChangeAspect="1"/>
+          </p:cNvPicPr>
+          <p:nvPr/>
+        </p:nvPicPr>
+        <p:blipFill>
+          <a:blip r:embed="rId2">
+            <a:extLst>
+              <a:ext uri="{28A0092B-C50C-407E-A947-70E740481C1C}">
+                <a14:useLocalDpi xmlns:a14="http://schemas.microsoft.com/office/drawing/2010/main" val="0"/>
+              </a:ext>
+            </a:extLst>
+          </a:blip>
+          <a:srcRect/>
+          <a:stretch/>
+        </p:blipFill>
+        <p:spPr>
+          <a:xfrm>
+            <a:off x="1586833" y="2632484"/>
+            <a:ext cx="8467725" cy="2762250"/>
+          </a:xfrm>
+          <a:prstGeom prst="rect">
+            <a:avLst/>
+          </a:prstGeom>
+        </p:spPr>
+      </p:pic>
+    </p:spTree>
+    <p:extLst>
+      <p:ext uri="{BB962C8B-B14F-4D97-AF65-F5344CB8AC3E}">
+        <p14:creationId xmlns:p14="http://schemas.microsoft.com/office/powerpoint/2010/main" val="3391200473"/>
+      </p:ext>
+    </p:extLst>
+  </p:cSld>
+  <p:clrMapOvr>
+    <a:masterClrMapping/>
+  </p:clrMapOvr>
+</p:sld>
+</file>
+
+<file path=ppt/slides/slide17.xml><?xml version="1.0" encoding="utf-8"?>
+<p:sld xmlns:a="http://schemas.openxmlformats.org/drawingml/2006/main" xmlns:r="http://schemas.openxmlformats.org/officeDocument/2006/relationships" xmlns:p="http://schemas.openxmlformats.org/presentationml/2006/main">
+  <p:cSld>
+    <p:spTree>
+      <p:nvGrpSpPr>
+        <p:cNvPr id="1" name=""/>
+        <p:cNvGrpSpPr/>
+        <p:nvPr/>
+      </p:nvGrpSpPr>
+      <p:grpSpPr>
+        <a:xfrm>
+          <a:off x="0" y="0"/>
+          <a:ext cx="0" cy="0"/>
+          <a:chOff x="0" y="0"/>
+          <a:chExt cx="0" cy="0"/>
+        </a:xfrm>
+      </p:grpSpPr>
+      <p:sp>
+        <p:nvSpPr>
+          <p:cNvPr id="2" name="Título 1">
+            <a:extLst>
+              <a:ext uri="{FF2B5EF4-FFF2-40B4-BE49-F238E27FC236}">
+                <a16:creationId xmlns:a16="http://schemas.microsoft.com/office/drawing/2014/main" id="{9E68F025-754B-DAF7-8D83-5FDCCE1C91D7}"/>
+              </a:ext>
+            </a:extLst>
+          </p:cNvPr>
+          <p:cNvSpPr>
+            <a:spLocks noGrp="1"/>
+          </p:cNvSpPr>
+          <p:nvPr>
+            <p:ph type="title"/>
+          </p:nvPr>
+        </p:nvSpPr>
+        <p:spPr/>
+        <p:txBody>
+          <a:bodyPr/>
+          <a:lstStyle/>
+          <a:p>
+            <a:r>
+              <a:rPr lang="es-ES" dirty="0"/>
+              <a:t>Malas valoraciones antes de dejar la compañía</a:t>
+            </a:r>
+          </a:p>
+        </p:txBody>
+      </p:sp>
+      <p:pic>
+        <p:nvPicPr>
+          <p:cNvPr id="4" name="Imagen 3">
+            <a:extLst>
+              <a:ext uri="{FF2B5EF4-FFF2-40B4-BE49-F238E27FC236}">
+                <a16:creationId xmlns:a16="http://schemas.microsoft.com/office/drawing/2014/main" id="{8C447B92-F278-22F8-AFED-A00E3F099A32}"/>
+              </a:ext>
+            </a:extLst>
+          </p:cNvPr>
+          <p:cNvPicPr>
+            <a:picLocks noChangeAspect="1"/>
+          </p:cNvPicPr>
+          <p:nvPr/>
+        </p:nvPicPr>
+        <p:blipFill>
+          <a:blip r:embed="rId2"/>
+          <a:stretch>
+            <a:fillRect/>
+          </a:stretch>
+        </p:blipFill>
+        <p:spPr>
+          <a:xfrm>
+            <a:off x="1694989" y="2883617"/>
+            <a:ext cx="8467725" cy="2762250"/>
+          </a:xfrm>
+          <a:prstGeom prst="rect">
+            <a:avLst/>
+          </a:prstGeom>
+        </p:spPr>
+      </p:pic>
+    </p:spTree>
+    <p:extLst>
+      <p:ext uri="{BB962C8B-B14F-4D97-AF65-F5344CB8AC3E}">
+        <p14:creationId xmlns:p14="http://schemas.microsoft.com/office/powerpoint/2010/main" val="329507792"/>
+      </p:ext>
+    </p:extLst>
+  </p:cSld>
+  <p:clrMapOvr>
+    <a:masterClrMapping/>
+  </p:clrMapOvr>
+</p:sld>
+</file>
+
+<file path=ppt/slides/slide18.xml><?xml version="1.0" encoding="utf-8"?>
+<p:sld xmlns:a="http://schemas.openxmlformats.org/drawingml/2006/main" xmlns:r="http://schemas.openxmlformats.org/officeDocument/2006/relationships" xmlns:p="http://schemas.openxmlformats.org/presentationml/2006/main">
+  <p:cSld>
+    <p:spTree>
+      <p:nvGrpSpPr>
+        <p:cNvPr id="1" name=""/>
+        <p:cNvGrpSpPr/>
+        <p:nvPr/>
+      </p:nvGrpSpPr>
+      <p:grpSpPr>
+        <a:xfrm>
+          <a:off x="0" y="0"/>
+          <a:ext cx="0" cy="0"/>
+          <a:chOff x="0" y="0"/>
+          <a:chExt cx="0" cy="0"/>
+        </a:xfrm>
+      </p:grpSpPr>
+      <p:sp>
+        <p:nvSpPr>
+          <p:cNvPr id="2" name="Título 1">
+            <a:extLst>
+              <a:ext uri="{FF2B5EF4-FFF2-40B4-BE49-F238E27FC236}">
+                <a16:creationId xmlns:a16="http://schemas.microsoft.com/office/drawing/2014/main" id="{930F0B8D-D6F9-DCB0-03BA-ADD7D2DB7877}"/>
+              </a:ext>
+            </a:extLst>
+          </p:cNvPr>
+          <p:cNvSpPr>
+            <a:spLocks noGrp="1"/>
+          </p:cNvSpPr>
+          <p:nvPr>
+            <p:ph type="title"/>
+          </p:nvPr>
+        </p:nvSpPr>
+        <p:spPr/>
+        <p:txBody>
+          <a:bodyPr/>
+          <a:lstStyle/>
+          <a:p>
+            <a:r>
+              <a:rPr lang="es-ES" dirty="0"/>
+              <a:t>Conclusiones</a:t>
+            </a:r>
+          </a:p>
+        </p:txBody>
+      </p:sp>
+      <p:graphicFrame>
+        <p:nvGraphicFramePr>
+          <p:cNvPr id="4" name="Marcador de contenido 3">
+            <a:extLst>
+              <a:ext uri="{FF2B5EF4-FFF2-40B4-BE49-F238E27FC236}">
+                <a16:creationId xmlns:a16="http://schemas.microsoft.com/office/drawing/2014/main" id="{B7FE9E31-86CE-F3F1-FE56-EF7CC5DBF29C}"/>
+              </a:ext>
+            </a:extLst>
+          </p:cNvPr>
+          <p:cNvGraphicFramePr>
+            <a:graphicFrameLocks noGrp="1"/>
+          </p:cNvGraphicFramePr>
+          <p:nvPr>
+            <p:ph idx="1"/>
+            <p:extLst>
+              <p:ext uri="{D42A27DB-BD31-4B8C-83A1-F6EECF244321}">
+                <p14:modId xmlns:p14="http://schemas.microsoft.com/office/powerpoint/2010/main" val="3200124084"/>
+              </p:ext>
+            </p:extLst>
+          </p:nvPr>
+        </p:nvGraphicFramePr>
+        <p:xfrm>
+          <a:off x="838200" y="1825625"/>
+          <a:ext cx="10515600" cy="4351338"/>
+        </p:xfrm>
+        <a:graphic>
+          <a:graphicData uri="http://schemas.openxmlformats.org/drawingml/2006/diagram">
+            <dgm:relIds xmlns:dgm="http://schemas.openxmlformats.org/drawingml/2006/diagram" xmlns:r="http://schemas.openxmlformats.org/officeDocument/2006/relationships" r:dm="rId2" r:lo="rId3" r:qs="rId4" r:cs="rId5"/>
+          </a:graphicData>
+        </a:graphic>
+      </p:graphicFrame>
+      <p:pic>
+        <p:nvPicPr>
+          <p:cNvPr id="5" name="Imagen 4">
+            <a:extLst>
+              <a:ext uri="{FF2B5EF4-FFF2-40B4-BE49-F238E27FC236}">
+                <a16:creationId xmlns:a16="http://schemas.microsoft.com/office/drawing/2014/main" id="{6CF0E8C9-831D-5EF7-5BEF-F8D631A15402}"/>
+              </a:ext>
+            </a:extLst>
+          </p:cNvPr>
+          <p:cNvPicPr>
+            <a:picLocks noChangeAspect="1"/>
+          </p:cNvPicPr>
+          <p:nvPr/>
+        </p:nvPicPr>
+        <p:blipFill>
+          <a:blip r:embed="rId7"/>
+          <a:stretch>
+            <a:fillRect/>
+          </a:stretch>
+        </p:blipFill>
+        <p:spPr>
+          <a:xfrm>
+            <a:off x="1058090" y="2373312"/>
+            <a:ext cx="720000" cy="720000"/>
+          </a:xfrm>
+          <a:prstGeom prst="rect">
+            <a:avLst/>
+          </a:prstGeom>
+        </p:spPr>
+      </p:pic>
+      <p:pic>
+        <p:nvPicPr>
+          <p:cNvPr id="6" name="Imagen 5">
+            <a:extLst>
+              <a:ext uri="{FF2B5EF4-FFF2-40B4-BE49-F238E27FC236}">
+                <a16:creationId xmlns:a16="http://schemas.microsoft.com/office/drawing/2014/main" id="{9A4FCCD9-DC5C-66CC-CEE1-7290F42D8CF2}"/>
+              </a:ext>
+            </a:extLst>
+          </p:cNvPr>
+          <p:cNvPicPr>
+            <a:picLocks noChangeAspect="1"/>
+          </p:cNvPicPr>
+          <p:nvPr/>
+        </p:nvPicPr>
+        <p:blipFill>
+          <a:blip r:embed="rId7"/>
+          <a:stretch>
+            <a:fillRect/>
+          </a:stretch>
+        </p:blipFill>
+        <p:spPr>
+          <a:xfrm>
+            <a:off x="1058090" y="4963438"/>
+            <a:ext cx="720000" cy="720000"/>
+          </a:xfrm>
+          <a:prstGeom prst="rect">
+            <a:avLst/>
+          </a:prstGeom>
+        </p:spPr>
+      </p:pic>
+      <p:pic>
+        <p:nvPicPr>
+          <p:cNvPr id="8" name="Imagen 7">
+            <a:extLst>
+              <a:ext uri="{FF2B5EF4-FFF2-40B4-BE49-F238E27FC236}">
+                <a16:creationId xmlns:a16="http://schemas.microsoft.com/office/drawing/2014/main" id="{233FEF62-C1FC-425B-A7E4-695C7B78A838}"/>
+              </a:ext>
+            </a:extLst>
+          </p:cNvPr>
+          <p:cNvPicPr>
+            <a:picLocks noChangeAspect="1"/>
+          </p:cNvPicPr>
+          <p:nvPr/>
+        </p:nvPicPr>
+        <p:blipFill>
+          <a:blip r:embed="rId8"/>
+          <a:stretch>
+            <a:fillRect/>
+          </a:stretch>
+        </p:blipFill>
+        <p:spPr>
+          <a:xfrm>
+            <a:off x="1377212" y="3640999"/>
+            <a:ext cx="720000" cy="720000"/>
+          </a:xfrm>
+          <a:prstGeom prst="rect">
+            <a:avLst/>
+          </a:prstGeom>
+        </p:spPr>
+      </p:pic>
+    </p:spTree>
+    <p:extLst>
+      <p:ext uri="{BB962C8B-B14F-4D97-AF65-F5344CB8AC3E}">
+        <p14:creationId xmlns:p14="http://schemas.microsoft.com/office/powerpoint/2010/main" val="1415446869"/>
+      </p:ext>
+    </p:extLst>
+  </p:cSld>
+  <p:clrMapOvr>
+    <a:masterClrMapping/>
+  </p:clrMapOvr>
+</p:sld>
+</file>
+
 <file path=ppt/slides/slide2.xml><?xml version="1.0" encoding="utf-8"?>
 <p:sld xmlns:a="http://schemas.openxmlformats.org/drawingml/2006/main" xmlns:r="http://schemas.openxmlformats.org/officeDocument/2006/relationships" xmlns:p="http://schemas.openxmlformats.org/presentationml/2006/main">
   <p:cSld>
